--- a/kompressordaten/DATEN Fondium Überblick.pptx
+++ b/kompressordaten/DATEN Fondium Überblick.pptx
@@ -7,19 +7,34 @@
   <p:sldIdLst>
     <p:sldId id="256" r:id="rId2"/>
     <p:sldId id="257" r:id="rId3"/>
-    <p:sldId id="258" r:id="rId4"/>
-    <p:sldId id="259" r:id="rId5"/>
-    <p:sldId id="260" r:id="rId6"/>
-    <p:sldId id="261" r:id="rId7"/>
-    <p:sldId id="265" r:id="rId8"/>
-    <p:sldId id="262" r:id="rId9"/>
-    <p:sldId id="266" r:id="rId10"/>
-    <p:sldId id="267" r:id="rId11"/>
-    <p:sldId id="268" r:id="rId12"/>
-    <p:sldId id="269" r:id="rId13"/>
-    <p:sldId id="270" r:id="rId14"/>
-    <p:sldId id="271" r:id="rId15"/>
-    <p:sldId id="263" r:id="rId16"/>
+    <p:sldId id="292" r:id="rId4"/>
+    <p:sldId id="258" r:id="rId5"/>
+    <p:sldId id="259" r:id="rId6"/>
+    <p:sldId id="260" r:id="rId7"/>
+    <p:sldId id="261" r:id="rId8"/>
+    <p:sldId id="265" r:id="rId9"/>
+    <p:sldId id="262" r:id="rId10"/>
+    <p:sldId id="266" r:id="rId11"/>
+    <p:sldId id="267" r:id="rId12"/>
+    <p:sldId id="268" r:id="rId13"/>
+    <p:sldId id="269" r:id="rId14"/>
+    <p:sldId id="272" r:id="rId15"/>
+    <p:sldId id="270" r:id="rId16"/>
+    <p:sldId id="271" r:id="rId17"/>
+    <p:sldId id="276" r:id="rId18"/>
+    <p:sldId id="277" r:id="rId19"/>
+    <p:sldId id="278" r:id="rId20"/>
+    <p:sldId id="279" r:id="rId21"/>
+    <p:sldId id="281" r:id="rId22"/>
+    <p:sldId id="282" r:id="rId23"/>
+    <p:sldId id="283" r:id="rId24"/>
+    <p:sldId id="290" r:id="rId25"/>
+    <p:sldId id="286" r:id="rId26"/>
+    <p:sldId id="284" r:id="rId27"/>
+    <p:sldId id="287" r:id="rId28"/>
+    <p:sldId id="288" r:id="rId29"/>
+    <p:sldId id="289" r:id="rId30"/>
+    <p:sldId id="263" r:id="rId31"/>
   </p:sldIdLst>
   <p:sldSz cx="12192000" cy="6858000"/>
   <p:notesSz cx="6858000" cy="9144000"/>
@@ -124,6 +139,18 @@
     </p:ext>
   </p:extLst>
 </p:presentation>
+</file>
+
+<file path=ppt/commentAuthors.xml><?xml version="1.0" encoding="utf-8"?>
+<p:cmAuthorLst xmlns:a="http://schemas.openxmlformats.org/drawingml/2006/main" xmlns:r="http://schemas.openxmlformats.org/officeDocument/2006/relationships" xmlns:p="http://schemas.openxmlformats.org/presentationml/2006/main">
+  <p:cmAuthor id="1" name="jnicklau@FHKN.DE" initials="j" lastIdx="1" clrIdx="0">
+    <p:extLst>
+      <p:ext uri="{19B8F6BF-5375-455C-9EA6-DF929625EA0E}">
+        <p15:presenceInfo xmlns:p15="http://schemas.microsoft.com/office/powerpoint/2012/main" userId="S-1-5-21-924060888-989208519-2099212325-61905" providerId="AD"/>
+      </p:ext>
+    </p:extLst>
+  </p:cmAuthor>
+</p:cmAuthorLst>
 </file>
 
 <file path=ppt/slideLayouts/slideLayout1.xml><?xml version="1.0" encoding="utf-8"?>
@@ -273,7 +300,7 @@
           <a:p>
             <a:fld id="{8DAB7297-A871-4387-9C56-A5062E807C2A}" type="datetimeFigureOut">
               <a:rPr lang="de-DE" smtClean="0"/>
-              <a:t>18.12.2023</a:t>
+              <a:t>12.01.2024</a:t>
             </a:fld>
             <a:endParaRPr lang="de-DE"/>
           </a:p>
@@ -471,7 +498,7 @@
           <a:p>
             <a:fld id="{8DAB7297-A871-4387-9C56-A5062E807C2A}" type="datetimeFigureOut">
               <a:rPr lang="de-DE" smtClean="0"/>
-              <a:t>18.12.2023</a:t>
+              <a:t>12.01.2024</a:t>
             </a:fld>
             <a:endParaRPr lang="de-DE"/>
           </a:p>
@@ -679,7 +706,7 @@
           <a:p>
             <a:fld id="{8DAB7297-A871-4387-9C56-A5062E807C2A}" type="datetimeFigureOut">
               <a:rPr lang="de-DE" smtClean="0"/>
-              <a:t>18.12.2023</a:t>
+              <a:t>12.01.2024</a:t>
             </a:fld>
             <a:endParaRPr lang="de-DE"/>
           </a:p>
@@ -877,7 +904,7 @@
           <a:p>
             <a:fld id="{8DAB7297-A871-4387-9C56-A5062E807C2A}" type="datetimeFigureOut">
               <a:rPr lang="de-DE" smtClean="0"/>
-              <a:t>18.12.2023</a:t>
+              <a:t>12.01.2024</a:t>
             </a:fld>
             <a:endParaRPr lang="de-DE"/>
           </a:p>
@@ -1152,7 +1179,7 @@
           <a:p>
             <a:fld id="{8DAB7297-A871-4387-9C56-A5062E807C2A}" type="datetimeFigureOut">
               <a:rPr lang="de-DE" smtClean="0"/>
-              <a:t>18.12.2023</a:t>
+              <a:t>12.01.2024</a:t>
             </a:fld>
             <a:endParaRPr lang="de-DE"/>
           </a:p>
@@ -1417,7 +1444,7 @@
           <a:p>
             <a:fld id="{8DAB7297-A871-4387-9C56-A5062E807C2A}" type="datetimeFigureOut">
               <a:rPr lang="de-DE" smtClean="0"/>
-              <a:t>18.12.2023</a:t>
+              <a:t>12.01.2024</a:t>
             </a:fld>
             <a:endParaRPr lang="de-DE"/>
           </a:p>
@@ -1829,7 +1856,7 @@
           <a:p>
             <a:fld id="{8DAB7297-A871-4387-9C56-A5062E807C2A}" type="datetimeFigureOut">
               <a:rPr lang="de-DE" smtClean="0"/>
-              <a:t>18.12.2023</a:t>
+              <a:t>12.01.2024</a:t>
             </a:fld>
             <a:endParaRPr lang="de-DE"/>
           </a:p>
@@ -1970,7 +1997,7 @@
           <a:p>
             <a:fld id="{8DAB7297-A871-4387-9C56-A5062E807C2A}" type="datetimeFigureOut">
               <a:rPr lang="de-DE" smtClean="0"/>
-              <a:t>18.12.2023</a:t>
+              <a:t>12.01.2024</a:t>
             </a:fld>
             <a:endParaRPr lang="de-DE"/>
           </a:p>
@@ -2083,7 +2110,7 @@
           <a:p>
             <a:fld id="{8DAB7297-A871-4387-9C56-A5062E807C2A}" type="datetimeFigureOut">
               <a:rPr lang="de-DE" smtClean="0"/>
-              <a:t>18.12.2023</a:t>
+              <a:t>12.01.2024</a:t>
             </a:fld>
             <a:endParaRPr lang="de-DE"/>
           </a:p>
@@ -2394,7 +2421,7 @@
           <a:p>
             <a:fld id="{8DAB7297-A871-4387-9C56-A5062E807C2A}" type="datetimeFigureOut">
               <a:rPr lang="de-DE" smtClean="0"/>
-              <a:t>18.12.2023</a:t>
+              <a:t>12.01.2024</a:t>
             </a:fld>
             <a:endParaRPr lang="de-DE"/>
           </a:p>
@@ -2682,7 +2709,7 @@
           <a:p>
             <a:fld id="{8DAB7297-A871-4387-9C56-A5062E807C2A}" type="datetimeFigureOut">
               <a:rPr lang="de-DE" smtClean="0"/>
-              <a:t>18.12.2023</a:t>
+              <a:t>12.01.2024</a:t>
             </a:fld>
             <a:endParaRPr lang="de-DE"/>
           </a:p>
@@ -2923,7 +2950,7 @@
           <a:p>
             <a:fld id="{8DAB7297-A871-4387-9C56-A5062E807C2A}" type="datetimeFigureOut">
               <a:rPr lang="de-DE" smtClean="0"/>
-              <a:t>18.12.2023</a:t>
+              <a:t>12.01.2024</a:t>
             </a:fld>
             <a:endParaRPr lang="de-DE"/>
           </a:p>
@@ -3502,16 +3529,49 @@
               </a:bodyPr>
               <a:lstStyle/>
               <a:p>
-                <a:r>
-                  <a:rPr lang="de-DE" sz="2000" dirty="0">
+                <a:pPr marL="457200" indent="-457200">
+                  <a:buFont typeface="+mj-lt"/>
+                  <a:buAutoNum type="arabicPeriod"/>
+                </a:pPr>
+                <a:r>
+                  <a:rPr lang="de-DE" sz="2000" dirty="0" err="1">
                     <a:solidFill>
-                      <a:schemeClr val="tx1">
+                      <a:schemeClr val="bg1">
                         <a:lumMod val="50000"/>
-                        <a:lumOff val="50000"/>
                       </a:schemeClr>
                     </a:solidFill>
                   </a:rPr>
-                  <a:t>Netzwerk als Blackbox simulieren </a:t>
+                  <a:t>Kompressorenabhängigkeit</a:t>
+                </a:r>
+                <a:r>
+                  <a:rPr lang="de-DE" sz="2000" dirty="0">
+                    <a:solidFill>
+                      <a:schemeClr val="bg1">
+                        <a:lumMod val="50000"/>
+                      </a:schemeClr>
+                    </a:solidFill>
+                  </a:rPr>
+                  <a:t> der „</a:t>
+                </a:r>
+                <a:r>
+                  <a:rPr lang="de-DE" sz="2000" dirty="0" err="1">
+                    <a:solidFill>
+                      <a:schemeClr val="bg1">
+                        <a:lumMod val="50000"/>
+                      </a:schemeClr>
+                    </a:solidFill>
+                  </a:rPr>
+                  <a:t>Consumption</a:t>
+                </a:r>
+                <a:r>
+                  <a:rPr lang="de-DE" sz="2000" dirty="0">
+                    <a:solidFill>
+                      <a:schemeClr val="bg1">
+                        <a:lumMod val="50000"/>
+                      </a:schemeClr>
+                    </a:solidFill>
+                  </a:rPr>
+                  <a:t>“ </a:t>
                 </a:r>
                 <a:r>
                   <a:rPr lang="de-DE" sz="2000" dirty="0">
@@ -3523,7 +3583,18 @@
                     </a:solidFill>
                     <a:sym typeface="Wingdings" panose="05000000000000000000" pitchFamily="2" charset="2"/>
                   </a:rPr>
-                  <a:t> </a:t>
+                  <a:t></a:t>
+                </a:r>
+                <a:r>
+                  <a:rPr lang="de-DE" sz="2000" dirty="0">
+                    <a:solidFill>
+                      <a:schemeClr val="tx1">
+                        <a:lumMod val="50000"/>
+                        <a:lumOff val="50000"/>
+                      </a:schemeClr>
+                    </a:solidFill>
+                  </a:rPr>
+                  <a:t> </a:t>
                 </a:r>
                 <a14:m>
                   <m:oMath xmlns:m="http://schemas.openxmlformats.org/officeDocument/2006/math">
@@ -3709,219 +3780,34 @@
                 </a:endParaRPr>
               </a:p>
               <a:p>
+                <a:pPr marL="457200" indent="-457200">
+                  <a:buFont typeface="+mj-lt"/>
+                  <a:buAutoNum type="arabicPeriod"/>
+                </a:pPr>
+                <a:r>
+                  <a:rPr lang="de-DE" sz="2000" dirty="0"/>
+                  <a:t>Druckabhängigkeit vom Volumenstrom </a:t>
+                </a:r>
                 <a:r>
                   <a:rPr lang="de-DE" sz="2000" dirty="0">
-                    <a:solidFill>
-                      <a:schemeClr val="tx1">
-                        <a:lumMod val="50000"/>
-                        <a:lumOff val="50000"/>
-                      </a:schemeClr>
-                    </a:solidFill>
-                  </a:rPr>
-                  <a:t>Druckabhängigkeit vom Volumenstrom </a:t>
-                </a:r>
-                <a:r>
-                  <a:rPr lang="de-DE" sz="2000" dirty="0">
-                    <a:solidFill>
-                      <a:schemeClr val="tx1">
-                        <a:lumMod val="50000"/>
-                        <a:lumOff val="50000"/>
-                      </a:schemeClr>
-                    </a:solidFill>
                     <a:sym typeface="Wingdings" panose="05000000000000000000" pitchFamily="2" charset="2"/>
                   </a:rPr>
-                  <a:t> </a:t>
+                  <a:t></a:t>
+                </a:r>
+                <a:r>
+                  <a:rPr lang="de-DE" sz="2000" dirty="0"/>
+                  <a:t> </a:t>
                 </a:r>
                 <a14:m>
                   <m:oMath xmlns:m="http://schemas.openxmlformats.org/officeDocument/2006/math">
                     <m:r>
                       <a:rPr lang="de-DE" sz="2000" b="0" i="1" smtClean="0">
-                        <a:solidFill>
-                          <a:schemeClr val="tx1">
-                            <a:lumMod val="50000"/>
-                            <a:lumOff val="50000"/>
-                          </a:schemeClr>
-                        </a:solidFill>
                         <a:latin typeface="Cambria Math" panose="02040503050406030204" pitchFamily="18" charset="0"/>
                       </a:rPr>
                       <m:t>𝑝</m:t>
                     </m:r>
                     <m:r>
                       <a:rPr lang="de-DE" sz="2000" b="0" i="1" smtClean="0">
-                        <a:solidFill>
-                          <a:schemeClr val="tx1">
-                            <a:lumMod val="50000"/>
-                            <a:lumOff val="50000"/>
-                          </a:schemeClr>
-                        </a:solidFill>
-                        <a:latin typeface="Cambria Math" panose="02040503050406030204" pitchFamily="18" charset="0"/>
-                      </a:rPr>
-                      <m:t>(</m:t>
-                    </m:r>
-                    <m:acc>
-                      <m:accPr>
-                        <m:chr m:val="⃗"/>
-                        <m:ctrlPr>
-                          <a:rPr lang="de-DE" sz="2000" i="1" dirty="0" smtClean="0">
-                            <a:solidFill>
-                              <a:schemeClr val="tx1">
-                                <a:lumMod val="50000"/>
-                                <a:lumOff val="50000"/>
-                              </a:schemeClr>
-                            </a:solidFill>
-                            <a:latin typeface="Cambria Math" panose="02040503050406030204" pitchFamily="18" charset="0"/>
-                          </a:rPr>
-                        </m:ctrlPr>
-                      </m:accPr>
-                      <m:e>
-                        <m:f>
-                          <m:fPr>
-                            <m:ctrlPr>
-                              <a:rPr lang="de-DE" sz="2000" i="1" dirty="0" smtClean="0">
-                                <a:solidFill>
-                                  <a:schemeClr val="tx1">
-                                    <a:lumMod val="50000"/>
-                                    <a:lumOff val="50000"/>
-                                  </a:schemeClr>
-                                </a:solidFill>
-                                <a:latin typeface="Cambria Math" panose="02040503050406030204" pitchFamily="18" charset="0"/>
-                              </a:rPr>
-                            </m:ctrlPr>
-                          </m:fPr>
-                          <m:num>
-                            <m:r>
-                              <a:rPr lang="de-DE" sz="2000" i="1" dirty="0" smtClean="0">
-                                <a:solidFill>
-                                  <a:schemeClr val="tx1">
-                                    <a:lumMod val="50000"/>
-                                    <a:lumOff val="50000"/>
-                                  </a:schemeClr>
-                                </a:solidFill>
-                                <a:latin typeface="Cambria Math" panose="02040503050406030204" pitchFamily="18" charset="0"/>
-                              </a:rPr>
-                              <m:t>𝜕</m:t>
-                            </m:r>
-                            <m:sSub>
-                              <m:sSubPr>
-                                <m:ctrlPr>
-                                  <a:rPr lang="de-DE" sz="2000" b="0" i="1" dirty="0" smtClean="0">
-                                    <a:solidFill>
-                                      <a:schemeClr val="tx1">
-                                        <a:lumMod val="50000"/>
-                                        <a:lumOff val="50000"/>
-                                      </a:schemeClr>
-                                    </a:solidFill>
-                                    <a:latin typeface="Cambria Math" panose="02040503050406030204" pitchFamily="18" charset="0"/>
-                                  </a:rPr>
-                                </m:ctrlPr>
-                              </m:sSubPr>
-                              <m:e>
-                                <m:r>
-                                  <a:rPr lang="de-DE" sz="2000" b="0" i="1" dirty="0" smtClean="0">
-                                    <a:solidFill>
-                                      <a:schemeClr val="tx1">
-                                        <a:lumMod val="50000"/>
-                                        <a:lumOff val="50000"/>
-                                      </a:schemeClr>
-                                    </a:solidFill>
-                                    <a:latin typeface="Cambria Math" panose="02040503050406030204" pitchFamily="18" charset="0"/>
-                                  </a:rPr>
-                                  <m:t>𝑉</m:t>
-                                </m:r>
-                              </m:e>
-                              <m:sub>
-                                <m:r>
-                                  <a:rPr lang="de-DE" sz="2000" b="0" i="1" dirty="0" smtClean="0">
-                                    <a:solidFill>
-                                      <a:schemeClr val="tx1">
-                                        <a:lumMod val="50000"/>
-                                        <a:lumOff val="50000"/>
-                                      </a:schemeClr>
-                                    </a:solidFill>
-                                    <a:latin typeface="Cambria Math" panose="02040503050406030204" pitchFamily="18" charset="0"/>
-                                  </a:rPr>
-                                  <m:t>𝑖</m:t>
-                                </m:r>
-                              </m:sub>
-                            </m:sSub>
-                          </m:num>
-                          <m:den>
-                            <m:r>
-                              <a:rPr lang="de-DE" sz="2000" i="1" dirty="0" smtClean="0">
-                                <a:solidFill>
-                                  <a:schemeClr val="tx1">
-                                    <a:lumMod val="50000"/>
-                                    <a:lumOff val="50000"/>
-                                  </a:schemeClr>
-                                </a:solidFill>
-                                <a:latin typeface="Cambria Math" panose="02040503050406030204" pitchFamily="18" charset="0"/>
-                              </a:rPr>
-                              <m:t>𝜕</m:t>
-                            </m:r>
-                            <m:r>
-                              <a:rPr lang="de-DE" sz="2000" b="0" i="1" dirty="0" smtClean="0">
-                                <a:solidFill>
-                                  <a:schemeClr val="tx1">
-                                    <a:lumMod val="50000"/>
-                                    <a:lumOff val="50000"/>
-                                  </a:schemeClr>
-                                </a:solidFill>
-                                <a:latin typeface="Cambria Math" panose="02040503050406030204" pitchFamily="18" charset="0"/>
-                              </a:rPr>
-                              <m:t>𝑡</m:t>
-                            </m:r>
-                          </m:den>
-                        </m:f>
-                      </m:e>
-                    </m:acc>
-                    <m:r>
-                      <a:rPr lang="de-DE" sz="2000" b="0" i="1" dirty="0" smtClean="0">
-                        <a:solidFill>
-                          <a:schemeClr val="tx1">
-                            <a:lumMod val="50000"/>
-                            <a:lumOff val="50000"/>
-                          </a:schemeClr>
-                        </a:solidFill>
-                        <a:latin typeface="Cambria Math" panose="02040503050406030204" pitchFamily="18" charset="0"/>
-                      </a:rPr>
-                      <m:t>)</m:t>
-                    </m:r>
-                  </m:oMath>
-                </a14:m>
-                <a:endParaRPr lang="de-DE" sz="2000" dirty="0">
-                  <a:solidFill>
-                    <a:schemeClr val="tx1">
-                      <a:lumMod val="50000"/>
-                      <a:lumOff val="50000"/>
-                    </a:schemeClr>
-                  </a:solidFill>
-                </a:endParaRPr>
-              </a:p>
-              <a:p>
-                <a:r>
-                  <a:rPr lang="de-DE" sz="2000" dirty="0"/>
-                  <a:t>Kombination </a:t>
-                </a:r>
-                <a:r>
-                  <a:rPr lang="de-DE" sz="2000" dirty="0">
-                    <a:sym typeface="Wingdings" panose="05000000000000000000" pitchFamily="2" charset="2"/>
-                  </a:rPr>
-                  <a:t></a:t>
-                </a:r>
-                <a:r>
-                  <a:rPr lang="de-DE" sz="2000" dirty="0"/>
-                  <a:t>  </a:t>
-                </a:r>
-                <a14:m>
-                  <m:oMath xmlns:m="http://schemas.openxmlformats.org/officeDocument/2006/math">
-                    <m:r>
-                      <a:rPr lang="de-DE" sz="2000" i="1" dirty="0" smtClean="0">
-                        <a:latin typeface="Cambria Math" panose="02040503050406030204" pitchFamily="18" charset="0"/>
-                      </a:rPr>
-                      <m:t>𝑝</m:t>
-                    </m:r>
-                    <m:r>
-                      <a:rPr lang="de-DE" sz="2000" i="1" dirty="0" smtClean="0">
                         <a:latin typeface="Cambria Math" panose="02040503050406030204" pitchFamily="18" charset="0"/>
                       </a:rPr>
                       <m:t>(</m:t>
@@ -3936,16 +3822,66 @@
                         </m:ctrlPr>
                       </m:accPr>
                       <m:e>
-                        <m:r>
-                          <a:rPr lang="de-DE" sz="2000" b="0" i="1" dirty="0" smtClean="0">
-                            <a:latin typeface="Cambria Math" panose="02040503050406030204" pitchFamily="18" charset="0"/>
-                          </a:rPr>
-                          <m:t>𝐾</m:t>
-                        </m:r>
+                        <m:f>
+                          <m:fPr>
+                            <m:ctrlPr>
+                              <a:rPr lang="de-DE" sz="2000" i="1" dirty="0" smtClean="0">
+                                <a:latin typeface="Cambria Math" panose="02040503050406030204" pitchFamily="18" charset="0"/>
+                              </a:rPr>
+                            </m:ctrlPr>
+                          </m:fPr>
+                          <m:num>
+                            <m:r>
+                              <a:rPr lang="de-DE" sz="2000" i="1" dirty="0" smtClean="0">
+                                <a:latin typeface="Cambria Math" panose="02040503050406030204" pitchFamily="18" charset="0"/>
+                              </a:rPr>
+                              <m:t>𝜕</m:t>
+                            </m:r>
+                            <m:sSub>
+                              <m:sSubPr>
+                                <m:ctrlPr>
+                                  <a:rPr lang="de-DE" sz="2000" b="0" i="1" dirty="0" smtClean="0">
+                                    <a:latin typeface="Cambria Math" panose="02040503050406030204" pitchFamily="18" charset="0"/>
+                                  </a:rPr>
+                                </m:ctrlPr>
+                              </m:sSubPr>
+                              <m:e>
+                                <m:r>
+                                  <a:rPr lang="de-DE" sz="2000" b="0" i="1" dirty="0" smtClean="0">
+                                    <a:latin typeface="Cambria Math" panose="02040503050406030204" pitchFamily="18" charset="0"/>
+                                  </a:rPr>
+                                  <m:t>𝑉</m:t>
+                                </m:r>
+                              </m:e>
+                              <m:sub>
+                                <m:r>
+                                  <a:rPr lang="de-DE" sz="2000" b="0" i="1" dirty="0" smtClean="0">
+                                    <a:latin typeface="Cambria Math" panose="02040503050406030204" pitchFamily="18" charset="0"/>
+                                  </a:rPr>
+                                  <m:t>𝑖</m:t>
+                                </m:r>
+                              </m:sub>
+                            </m:sSub>
+                          </m:num>
+                          <m:den>
+                            <m:r>
+                              <a:rPr lang="de-DE" sz="2000" i="1" dirty="0" smtClean="0">
+                                <a:latin typeface="Cambria Math" panose="02040503050406030204" pitchFamily="18" charset="0"/>
+                              </a:rPr>
+                              <m:t>𝜕</m:t>
+                            </m:r>
+                            <m:r>
+                              <a:rPr lang="de-DE" sz="2000" b="0" i="1" dirty="0" smtClean="0">
+                                <a:latin typeface="Cambria Math" panose="02040503050406030204" pitchFamily="18" charset="0"/>
+                              </a:rPr>
+                              <m:t>𝑡</m:t>
+                            </m:r>
+                          </m:den>
+                        </m:f>
                       </m:e>
                     </m:acc>
                     <m:r>
-                      <a:rPr lang="de-DE" sz="2000" i="1" dirty="0" smtClean="0">
+                      <a:rPr lang="de-DE" sz="2000" b="0" i="1" dirty="0" smtClean="0">
                         <a:latin typeface="Cambria Math" panose="02040503050406030204" pitchFamily="18" charset="0"/>
                       </a:rPr>
                       <m:t>)</m:t>
@@ -3964,42 +3900,22 @@
               <a:p>
                 <a:pPr lvl="2"/>
                 <a:r>
-                  <a:rPr lang="de-DE" dirty="0" err="1"/>
-                  <a:t>Kompressordaten</a:t>
-                </a:r>
-                <a:r>
                   <a:rPr lang="de-DE" dirty="0"/>
-                  <a:t> </a:t>
-                </a:r>
-                <a14:m>
-                  <m:oMath xmlns:m="http://schemas.openxmlformats.org/officeDocument/2006/math">
-                    <m:acc>
-                      <m:accPr>
-                        <m:chr m:val="⃗"/>
-                        <m:ctrlPr>
-                          <a:rPr lang="de-DE" i="1" dirty="0" smtClean="0">
-                            <a:latin typeface="Cambria Math" panose="02040503050406030204" pitchFamily="18" charset="0"/>
-                          </a:rPr>
-                        </m:ctrlPr>
-                      </m:accPr>
-                      <m:e>
-                        <m:r>
-                          <a:rPr lang="de-DE" b="0" i="1" dirty="0" smtClean="0">
-                            <a:latin typeface="Cambria Math" panose="02040503050406030204" pitchFamily="18" charset="0"/>
-                          </a:rPr>
-                          <m:t>𝐾</m:t>
-                        </m:r>
-                      </m:e>
-                    </m:acc>
-                  </m:oMath>
-                </a14:m>
-                <a:endParaRPr lang="de-DE" dirty="0"/>
+                  <a:t>Volumenstrom an Messstellen </a:t>
+                </a:r>
+              </a:p>
+              <a:p>
+                <a:pPr lvl="2"/>
+                <a:r>
+                  <a:rPr lang="de-DE" dirty="0"/>
+                  <a:t>Gesamtvolumen hinter Kompressoren</a:t>
+                </a:r>
               </a:p>
               <a:p>
                 <a:pPr lvl="1"/>
                 <a:r>
                   <a:rPr lang="de-DE" sz="2000" dirty="0"/>
-                  <a:t>OUT</a:t>
+                  <a:t>Out</a:t>
                 </a:r>
               </a:p>
               <a:p>
@@ -4021,7 +3937,22 @@
                 <a:endParaRPr lang="de-DE" dirty="0"/>
               </a:p>
               <a:p>
-                <a:endParaRPr lang="de-DE" sz="2000" dirty="0"/>
+                <a:pPr lvl="1"/>
+                <a:r>
+                  <a:rPr lang="de-DE" sz="2000" dirty="0"/>
+                  <a:t>Methode</a:t>
+                </a:r>
+                <a:r>
+                  <a:rPr lang="de-DE" dirty="0"/>
+                  <a:t>:</a:t>
+                </a:r>
+              </a:p>
+              <a:p>
+                <a:pPr lvl="2"/>
+                <a:r>
+                  <a:rPr lang="de-DE" dirty="0"/>
+                  <a:t>Lineare Regression</a:t>
+                </a:r>
               </a:p>
             </p:txBody>
           </p:sp>
@@ -4045,9 +3976,9 @@
             </p:nvSpPr>
             <p:spPr>
               <a:blipFill>
-                <a:blip r:embed="rId2"/>
+                <a:blip r:embed="rId3"/>
                 <a:stretch>
-                  <a:fillRect l="-522"/>
+                  <a:fillRect l="-638"/>
                 </a:stretch>
               </a:blipFill>
             </p:spPr>
@@ -4069,7 +4000,7 @@
     </p:spTree>
     <p:extLst>
       <p:ext uri="{BB962C8B-B14F-4D97-AF65-F5344CB8AC3E}">
-        <p14:creationId xmlns:p14="http://schemas.microsoft.com/office/powerpoint/2010/main" val="158452805"/>
+        <p14:creationId xmlns:p14="http://schemas.microsoft.com/office/powerpoint/2010/main" val="2474772959"/>
       </p:ext>
     </p:extLst>
   </p:cSld>
@@ -4149,16 +4080,49 @@
               </a:bodyPr>
               <a:lstStyle/>
               <a:p>
-                <a:r>
-                  <a:rPr lang="de-DE" sz="2000" dirty="0">
+                <a:pPr marL="457200" indent="-457200">
+                  <a:buFont typeface="+mj-lt"/>
+                  <a:buAutoNum type="arabicPeriod"/>
+                </a:pPr>
+                <a:r>
+                  <a:rPr lang="de-DE" sz="2000" dirty="0" err="1">
                     <a:solidFill>
-                      <a:schemeClr val="tx1">
+                      <a:schemeClr val="bg1">
                         <a:lumMod val="50000"/>
-                        <a:lumOff val="50000"/>
                       </a:schemeClr>
                     </a:solidFill>
                   </a:rPr>
-                  <a:t>Netzwerk als Blackbox simulieren </a:t>
+                  <a:t>Kompressorenabhängigkeit</a:t>
+                </a:r>
+                <a:r>
+                  <a:rPr lang="de-DE" sz="2000" dirty="0">
+                    <a:solidFill>
+                      <a:schemeClr val="bg1">
+                        <a:lumMod val="50000"/>
+                      </a:schemeClr>
+                    </a:solidFill>
+                  </a:rPr>
+                  <a:t> der „</a:t>
+                </a:r>
+                <a:r>
+                  <a:rPr lang="de-DE" sz="2000" dirty="0" err="1">
+                    <a:solidFill>
+                      <a:schemeClr val="bg1">
+                        <a:lumMod val="50000"/>
+                      </a:schemeClr>
+                    </a:solidFill>
+                  </a:rPr>
+                  <a:t>Consumption</a:t>
+                </a:r>
+                <a:r>
+                  <a:rPr lang="de-DE" sz="2000" dirty="0">
+                    <a:solidFill>
+                      <a:schemeClr val="bg1">
+                        <a:lumMod val="50000"/>
+                      </a:schemeClr>
+                    </a:solidFill>
+                  </a:rPr>
+                  <a:t>“ </a:t>
                 </a:r>
                 <a:r>
                   <a:rPr lang="de-DE" sz="2000" dirty="0">
@@ -4356,6 +4320,10 @@
                 </a:endParaRPr>
               </a:p>
               <a:p>
+                <a:pPr marL="457200" indent="-457200">
+                  <a:buFont typeface="+mj-lt"/>
+                  <a:buAutoNum type="arabicPeriod"/>
+                </a:pPr>
                 <a:r>
                   <a:rPr lang="de-DE" sz="2000" dirty="0">
                     <a:solidFill>
@@ -4365,7 +4333,7 @@
                       </a:schemeClr>
                     </a:solidFill>
                   </a:rPr>
-                  <a:t>Druckabhängigkeit vom Volumenstrom simulieren </a:t>
+                  <a:t>Druckabhängigkeit vom Volumenstrom </a:t>
                 </a:r>
                 <a:r>
                   <a:rPr lang="de-DE" sz="2000" dirty="0">
@@ -4377,18 +4345,7 @@
                     </a:solidFill>
                     <a:sym typeface="Wingdings" panose="05000000000000000000" pitchFamily="2" charset="2"/>
                   </a:rPr>
-                  <a:t></a:t>
-                </a:r>
-                <a:r>
-                  <a:rPr lang="de-DE" sz="2000" dirty="0">
-                    <a:solidFill>
-                      <a:schemeClr val="tx1">
-                        <a:lumMod val="50000"/>
-                        <a:lumOff val="50000"/>
-                      </a:schemeClr>
-                    </a:solidFill>
-                  </a:rPr>
-                  <a:t> </a:t>
+                  <a:t> </a:t>
                 </a:r>
                 <a14:m>
                   <m:oMath xmlns:m="http://schemas.openxmlformats.org/officeDocument/2006/math">
@@ -4556,62 +4513,34 @@
                 </a:endParaRPr>
               </a:p>
               <a:p>
+                <a:pPr marL="457200" indent="-457200">
+                  <a:buFont typeface="+mj-lt"/>
+                  <a:buAutoNum type="arabicPeriod"/>
+                </a:pPr>
+                <a:r>
+                  <a:rPr lang="de-DE" sz="2000" dirty="0"/>
+                  <a:t>Kombination </a:t>
+                </a:r>
                 <a:r>
                   <a:rPr lang="de-DE" sz="2000" dirty="0">
-                    <a:solidFill>
-                      <a:schemeClr val="tx1">
-                        <a:lumMod val="50000"/>
-                        <a:lumOff val="50000"/>
-                      </a:schemeClr>
-                    </a:solidFill>
-                  </a:rPr>
-                  <a:t>Kombination </a:t>
-                </a:r>
-                <a:r>
-                  <a:rPr lang="de-DE" sz="2000" dirty="0">
-                    <a:solidFill>
-                      <a:schemeClr val="tx1">
-                        <a:lumMod val="50000"/>
-                        <a:lumOff val="50000"/>
-                      </a:schemeClr>
-                    </a:solidFill>
                     <a:sym typeface="Wingdings" panose="05000000000000000000" pitchFamily="2" charset="2"/>
                   </a:rPr>
                   <a:t></a:t>
                 </a:r>
                 <a:r>
-                  <a:rPr lang="de-DE" sz="2000" dirty="0">
-                    <a:solidFill>
-                      <a:schemeClr val="tx1">
-                        <a:lumMod val="50000"/>
-                        <a:lumOff val="50000"/>
-                      </a:schemeClr>
-                    </a:solidFill>
-                  </a:rPr>
+                  <a:rPr lang="de-DE" sz="2000" dirty="0"/>
                   <a:t>  </a:t>
                 </a:r>
                 <a14:m>
                   <m:oMath xmlns:m="http://schemas.openxmlformats.org/officeDocument/2006/math">
                     <m:r>
                       <a:rPr lang="de-DE" sz="2000" i="1" dirty="0" smtClean="0">
-                        <a:solidFill>
-                          <a:schemeClr val="tx1">
-                            <a:lumMod val="50000"/>
-                            <a:lumOff val="50000"/>
-                          </a:schemeClr>
-                        </a:solidFill>
                         <a:latin typeface="Cambria Math" panose="02040503050406030204" pitchFamily="18" charset="0"/>
                       </a:rPr>
                       <m:t>𝑝</m:t>
                     </m:r>
                     <m:r>
                       <a:rPr lang="de-DE" sz="2000" i="1" dirty="0" smtClean="0">
-                        <a:solidFill>
-                          <a:schemeClr val="tx1">
-                            <a:lumMod val="50000"/>
-                            <a:lumOff val="50000"/>
-                          </a:schemeClr>
-                        </a:solidFill>
                         <a:latin typeface="Cambria Math" panose="02040503050406030204" pitchFamily="18" charset="0"/>
                       </a:rPr>
                       <m:t>(</m:t>
@@ -4621,12 +4550,6 @@
                         <m:chr m:val="⃗"/>
                         <m:ctrlPr>
                           <a:rPr lang="de-DE" sz="2000" i="1" dirty="0" smtClean="0">
-                            <a:solidFill>
-                              <a:schemeClr val="tx1">
-                                <a:lumMod val="50000"/>
-                                <a:lumOff val="50000"/>
-                              </a:schemeClr>
-                            </a:solidFill>
                             <a:latin typeface="Cambria Math" panose="02040503050406030204" pitchFamily="18" charset="0"/>
                           </a:rPr>
                         </m:ctrlPr>
@@ -4634,12 +4557,6 @@
                       <m:e>
                         <m:r>
                           <a:rPr lang="de-DE" sz="2000" b="0" i="1" dirty="0" smtClean="0">
-                            <a:solidFill>
-                              <a:schemeClr val="tx1">
-                                <a:lumMod val="50000"/>
-                                <a:lumOff val="50000"/>
-                              </a:schemeClr>
-                            </a:solidFill>
                             <a:latin typeface="Cambria Math" panose="02040503050406030204" pitchFamily="18" charset="0"/>
                           </a:rPr>
                           <m:t>𝐾</m:t>
@@ -4648,152 +4565,13 @@
                     </m:acc>
                     <m:r>
                       <a:rPr lang="de-DE" sz="2000" i="1" dirty="0" smtClean="0">
-                        <a:solidFill>
-                          <a:schemeClr val="tx1">
-                            <a:lumMod val="50000"/>
-                            <a:lumOff val="50000"/>
-                          </a:schemeClr>
-                        </a:solidFill>
                         <a:latin typeface="Cambria Math" panose="02040503050406030204" pitchFamily="18" charset="0"/>
                       </a:rPr>
                       <m:t>)</m:t>
                     </m:r>
                   </m:oMath>
                 </a14:m>
-                <a:endParaRPr lang="de-DE" sz="2000" dirty="0">
-                  <a:solidFill>
-                    <a:schemeClr val="tx1">
-                      <a:lumMod val="50000"/>
-                      <a:lumOff val="50000"/>
-                    </a:schemeClr>
-                  </a:solidFill>
-                </a:endParaRPr>
-              </a:p>
-              <a:p>
-                <a:r>
-                  <a:rPr lang="de-DE" sz="2000" dirty="0"/>
-                  <a:t>Kostenfunktion erstellen </a:t>
-                </a:r>
-                <a:r>
-                  <a:rPr lang="de-DE" sz="2000" dirty="0">
-                    <a:sym typeface="Wingdings" panose="05000000000000000000" pitchFamily="2" charset="2"/>
-                  </a:rPr>
-                  <a:t> </a:t>
-                </a:r>
-                <a14:m>
-                  <m:oMath xmlns:m="http://schemas.openxmlformats.org/officeDocument/2006/math">
-                    <m:r>
-                      <a:rPr lang="de-DE" sz="2000" b="0" i="1" dirty="0" smtClean="0">
-                        <a:latin typeface="Cambria Math" panose="02040503050406030204" pitchFamily="18" charset="0"/>
-                        <a:sym typeface="Wingdings" panose="05000000000000000000" pitchFamily="2" charset="2"/>
-                      </a:rPr>
-                      <m:t>𝑐</m:t>
-                    </m:r>
-                    <m:r>
-                      <a:rPr lang="de-DE" sz="2000" i="1" dirty="0" smtClean="0">
-                        <a:latin typeface="Cambria Math" panose="02040503050406030204" pitchFamily="18" charset="0"/>
-                        <a:sym typeface="Wingdings" panose="05000000000000000000" pitchFamily="2" charset="2"/>
-                      </a:rPr>
-                      <m:t>(</m:t>
-                    </m:r>
-                    <m:acc>
-                      <m:accPr>
-                        <m:chr m:val="⃗"/>
-                        <m:ctrlPr>
-                          <a:rPr lang="de-DE" sz="2000" b="0" i="1" dirty="0" smtClean="0">
-                            <a:latin typeface="Cambria Math" panose="02040503050406030204" pitchFamily="18" charset="0"/>
-                          </a:rPr>
-                        </m:ctrlPr>
-                      </m:accPr>
-                      <m:e>
-                        <m:sSub>
-                          <m:sSubPr>
-                            <m:ctrlPr>
-                              <a:rPr lang="de-DE" sz="2000" b="0" i="1" dirty="0" smtClean="0">
-                                <a:latin typeface="Cambria Math" panose="02040503050406030204" pitchFamily="18" charset="0"/>
-                              </a:rPr>
-                            </m:ctrlPr>
-                          </m:sSubPr>
-                          <m:e>
-                            <m:r>
-                              <a:rPr lang="de-DE" sz="2000" b="0" i="1" dirty="0" smtClean="0">
-                                <a:latin typeface="Cambria Math" panose="02040503050406030204" pitchFamily="18" charset="0"/>
-                              </a:rPr>
-                              <m:t>𝐸</m:t>
-                            </m:r>
-                          </m:e>
-                          <m:sub>
-                            <m:r>
-                              <a:rPr lang="de-DE" sz="2000" b="0" i="1" dirty="0" smtClean="0">
-                                <a:latin typeface="Cambria Math" panose="02040503050406030204" pitchFamily="18" charset="0"/>
-                              </a:rPr>
-                              <m:t>𝑖</m:t>
-                            </m:r>
-                          </m:sub>
-                        </m:sSub>
-                      </m:e>
-                    </m:acc>
-                    <m:r>
-                      <a:rPr lang="de-DE" sz="2000" i="1" dirty="0" smtClean="0">
-                        <a:latin typeface="Cambria Math" panose="02040503050406030204" pitchFamily="18" charset="0"/>
-                        <a:sym typeface="Wingdings" panose="05000000000000000000" pitchFamily="2" charset="2"/>
-                      </a:rPr>
-                      <m:t>,</m:t>
-                    </m:r>
-                    <m:r>
-                      <a:rPr lang="de-DE" sz="2000" i="1" dirty="0" smtClean="0">
-                        <a:latin typeface="Cambria Math" panose="02040503050406030204" pitchFamily="18" charset="0"/>
-                        <a:sym typeface="Wingdings" panose="05000000000000000000" pitchFamily="2" charset="2"/>
-                      </a:rPr>
-                      <m:t>𝑝</m:t>
-                    </m:r>
-                    <m:r>
-                      <a:rPr lang="de-DE" sz="2000" b="0" i="1" dirty="0" smtClean="0">
-                        <a:latin typeface="Cambria Math" panose="02040503050406030204" pitchFamily="18" charset="0"/>
-                        <a:sym typeface="Wingdings" panose="05000000000000000000" pitchFamily="2" charset="2"/>
-                      </a:rPr>
-                      <m:t>−</m:t>
-                    </m:r>
-                    <m:sSub>
-                      <m:sSubPr>
-                        <m:ctrlPr>
-                          <a:rPr lang="de-DE" sz="2000" b="0" i="1" dirty="0" smtClean="0">
-                            <a:latin typeface="Cambria Math" panose="02040503050406030204" pitchFamily="18" charset="0"/>
-                            <a:sym typeface="Wingdings" panose="05000000000000000000" pitchFamily="2" charset="2"/>
-                          </a:rPr>
-                        </m:ctrlPr>
-                      </m:sSubPr>
-                      <m:e>
-                        <m:r>
-                          <a:rPr lang="de-DE" sz="2000" b="0" i="1" dirty="0" smtClean="0">
-                            <a:latin typeface="Cambria Math" panose="02040503050406030204" pitchFamily="18" charset="0"/>
-                            <a:sym typeface="Wingdings" panose="05000000000000000000" pitchFamily="2" charset="2"/>
-                          </a:rPr>
-                          <m:t>𝑝</m:t>
-                        </m:r>
-                      </m:e>
-                      <m:sub>
-                        <m:r>
-                          <a:rPr lang="de-DE" sz="2000" b="0" i="1" dirty="0" smtClean="0">
-                            <a:latin typeface="Cambria Math" panose="02040503050406030204" pitchFamily="18" charset="0"/>
-                            <a:sym typeface="Wingdings" panose="05000000000000000000" pitchFamily="2" charset="2"/>
-                          </a:rPr>
-                          <m:t>𝑍</m:t>
-                        </m:r>
-                      </m:sub>
-                    </m:sSub>
-                    <m:r>
-                      <a:rPr lang="de-DE" sz="2000" i="1" dirty="0" smtClean="0">
-                        <a:latin typeface="Cambria Math" panose="02040503050406030204" pitchFamily="18" charset="0"/>
-                        <a:sym typeface="Wingdings" panose="05000000000000000000" pitchFamily="2" charset="2"/>
-                      </a:rPr>
-                      <m:t>,…)</m:t>
-                    </m:r>
-                  </m:oMath>
-                </a14:m>
-                <a:endParaRPr lang="de-DE" sz="2000" dirty="0">
-                  <a:sym typeface="Wingdings" panose="05000000000000000000" pitchFamily="2" charset="2"/>
-                </a:endParaRPr>
+                <a:endParaRPr lang="de-DE" sz="2000" dirty="0"/>
               </a:p>
               <a:p>
                 <a:pPr lvl="1"/>
@@ -4805,8 +4583,12 @@
               <a:p>
                 <a:pPr lvl="2"/>
                 <a:r>
+                  <a:rPr lang="de-DE" dirty="0" err="1"/>
+                  <a:t>Kompressordaten</a:t>
+                </a:r>
+                <a:r>
                   <a:rPr lang="de-DE" dirty="0"/>
-                  <a:t>Energieverbrauch </a:t>
+                  <a:t> </a:t>
                 </a:r>
                 <a14:m>
                   <m:oMath xmlns:m="http://schemas.openxmlformats.org/officeDocument/2006/math">
@@ -4814,37 +4596,18 @@
                       <m:accPr>
                         <m:chr m:val="⃗"/>
                         <m:ctrlPr>
-                          <a:rPr lang="de-DE" b="0" i="1" dirty="0" smtClean="0">
+                          <a:rPr lang="de-DE" i="1" dirty="0" smtClean="0">
                             <a:latin typeface="Cambria Math" panose="02040503050406030204" pitchFamily="18" charset="0"/>
                           </a:rPr>
                         </m:ctrlPr>
                       </m:accPr>
                       <m:e>
-                        <m:sSub>
-                          <m:sSubPr>
-                            <m:ctrlPr>
-                              <a:rPr lang="de-DE" b="0" i="1" dirty="0" smtClean="0">
-                                <a:latin typeface="Cambria Math" panose="02040503050406030204" pitchFamily="18" charset="0"/>
-                              </a:rPr>
-                            </m:ctrlPr>
-                          </m:sSubPr>
-                          <m:e>
-                            <m:r>
-                              <a:rPr lang="de-DE" b="0" i="1" dirty="0" smtClean="0">
-                                <a:latin typeface="Cambria Math" panose="02040503050406030204" pitchFamily="18" charset="0"/>
-                              </a:rPr>
-                              <m:t>𝐸</m:t>
-                            </m:r>
-                          </m:e>
-                          <m:sub>
-                            <m:r>
-                              <a:rPr lang="de-DE" b="0" i="1" dirty="0" smtClean="0">
-                                <a:latin typeface="Cambria Math" panose="02040503050406030204" pitchFamily="18" charset="0"/>
-                              </a:rPr>
-                              <m:t>𝑖</m:t>
-                            </m:r>
-                          </m:sub>
-                        </m:sSub>
+                        <m:r>
+                          <a:rPr lang="de-DE" b="0" i="1" dirty="0" smtClean="0">
+                            <a:latin typeface="Cambria Math" panose="02040503050406030204" pitchFamily="18" charset="0"/>
+                          </a:rPr>
+                          <m:t>𝐾</m:t>
+                        </m:r>
                       </m:e>
                     </m:acc>
                   </m:oMath>
@@ -4852,10 +4615,17 @@
                 <a:endParaRPr lang="de-DE" dirty="0"/>
               </a:p>
               <a:p>
+                <a:pPr lvl="1"/>
+                <a:r>
+                  <a:rPr lang="de-DE" sz="2000" dirty="0"/>
+                  <a:t>OUT</a:t>
+                </a:r>
+              </a:p>
+              <a:p>
                 <a:pPr lvl="2"/>
                 <a:r>
                   <a:rPr lang="de-DE" dirty="0"/>
-                  <a:t>Druckdifferenz </a:t>
+                  <a:t>Gesamtdruck </a:t>
                 </a:r>
                 <a14:m>
                   <m:oMath xmlns:m="http://schemas.openxmlformats.org/officeDocument/2006/math">
@@ -4865,107 +4635,27 @@
                       </a:rPr>
                       <m:t>𝑝</m:t>
                     </m:r>
-                    <m:r>
-                      <a:rPr lang="de-DE" b="0" i="1" dirty="0" smtClean="0">
-                        <a:latin typeface="Cambria Math" panose="02040503050406030204" pitchFamily="18" charset="0"/>
-                      </a:rPr>
-                      <m:t>−</m:t>
-                    </m:r>
-                    <m:sSub>
-                      <m:sSubPr>
-                        <m:ctrlPr>
-                          <a:rPr lang="de-DE" b="0" i="1" dirty="0" smtClean="0">
-                            <a:latin typeface="Cambria Math" panose="02040503050406030204" pitchFamily="18" charset="0"/>
-                          </a:rPr>
-                        </m:ctrlPr>
-                      </m:sSubPr>
-                      <m:e>
-                        <m:r>
-                          <a:rPr lang="de-DE" b="0" i="1" dirty="0" smtClean="0">
-                            <a:latin typeface="Cambria Math" panose="02040503050406030204" pitchFamily="18" charset="0"/>
-                          </a:rPr>
-                          <m:t>𝑝</m:t>
-                        </m:r>
-                      </m:e>
-                      <m:sub>
-                        <m:r>
-                          <a:rPr lang="de-DE" b="0" i="1" dirty="0" smtClean="0">
-                            <a:latin typeface="Cambria Math" panose="02040503050406030204" pitchFamily="18" charset="0"/>
-                          </a:rPr>
-                          <m:t>𝑧</m:t>
-                        </m:r>
-                      </m:sub>
-                    </m:sSub>
-                  </m:oMath>
-                </a14:m>
-                <a:r>
-                  <a:rPr lang="de-DE" dirty="0"/>
-                  <a:t> (Zieldruck: </a:t>
-                </a:r>
-                <a14:m>
-                  <m:oMath xmlns:m="http://schemas.openxmlformats.org/officeDocument/2006/math">
-                    <m:r>
-                      <a:rPr lang="de-DE" i="1" dirty="0" smtClean="0">
-                        <a:latin typeface="Cambria Math" panose="02040503050406030204" pitchFamily="18" charset="0"/>
-                      </a:rPr>
-                      <m:t>7</m:t>
-                    </m:r>
-                    <m:r>
-                      <m:rPr>
-                        <m:sty m:val="p"/>
-                      </m:rPr>
-                      <a:rPr lang="de-DE" i="0" dirty="0" smtClean="0">
-                        <a:latin typeface="Cambria Math" panose="02040503050406030204" pitchFamily="18" charset="0"/>
-                      </a:rPr>
-                      <m:t>bar</m:t>
-                    </m:r>
-                  </m:oMath>
-                </a14:m>
-                <a:r>
-                  <a:rPr lang="de-DE" dirty="0"/>
-                  <a:t>)</a:t>
-                </a:r>
-              </a:p>
-              <a:p>
-                <a:pPr lvl="2"/>
-                <a:r>
-                  <a:rPr lang="de-DE" dirty="0"/>
-                  <a:t>(Strompreis, CO2-Preis, …)</a:t>
-                </a:r>
-              </a:p>
-              <a:p>
-                <a:pPr lvl="1"/>
-                <a:r>
-                  <a:rPr lang="de-DE" sz="2000" dirty="0"/>
-                  <a:t>OUT</a:t>
-                </a:r>
-              </a:p>
-              <a:p>
-                <a:pPr lvl="2"/>
-                <a:r>
-                  <a:rPr lang="de-DE" dirty="0"/>
-                  <a:t>Kosten </a:t>
-                </a:r>
-                <a14:m>
-                  <m:oMath xmlns:m="http://schemas.openxmlformats.org/officeDocument/2006/math">
-                    <m:r>
-                      <a:rPr lang="de-DE" b="0" i="1" dirty="0" smtClean="0">
-                        <a:latin typeface="Cambria Math" panose="02040503050406030204" pitchFamily="18" charset="0"/>
-                        <a:sym typeface="Wingdings" panose="05000000000000000000" pitchFamily="2" charset="2"/>
-                      </a:rPr>
-                      <m:t>𝑐</m:t>
-                    </m:r>
                   </m:oMath>
                 </a14:m>
                 <a:endParaRPr lang="de-DE" dirty="0"/>
               </a:p>
               <a:p>
-                <a:pPr lvl="2"/>
-                <a:endParaRPr lang="de-DE" dirty="0"/>
+                <a:pPr lvl="1"/>
+                <a:r>
+                  <a:rPr lang="de-DE" sz="2000" dirty="0"/>
+                  <a:t>Methode</a:t>
+                </a:r>
               </a:p>
               <a:p>
                 <a:pPr lvl="2"/>
-                <a:endParaRPr lang="de-DE" dirty="0"/>
+                <a:r>
+                  <a:rPr lang="de-DE" dirty="0"/>
+                  <a:t>Kombination aus 1. und 2. </a:t>
+                </a:r>
+                <a:endParaRPr lang="de-DE" sz="1600" dirty="0"/>
+              </a:p>
+              <a:p>
+                <a:endParaRPr lang="de-DE" sz="2000" dirty="0"/>
               </a:p>
             </p:txBody>
           </p:sp>
@@ -4989,9 +4679,9 @@
             </p:nvSpPr>
             <p:spPr>
               <a:blipFill>
-                <a:blip r:embed="rId2"/>
+                <a:blip r:embed="rId3"/>
                 <a:stretch>
-                  <a:fillRect l="-522"/>
+                  <a:fillRect l="-638"/>
                 </a:stretch>
               </a:blipFill>
             </p:spPr>
@@ -5013,7 +4703,7 @@
     </p:spTree>
     <p:extLst>
       <p:ext uri="{BB962C8B-B14F-4D97-AF65-F5344CB8AC3E}">
-        <p14:creationId xmlns:p14="http://schemas.microsoft.com/office/powerpoint/2010/main" val="4218129888"/>
+        <p14:creationId xmlns:p14="http://schemas.microsoft.com/office/powerpoint/2010/main" val="158452805"/>
       </p:ext>
     </p:extLst>
   </p:cSld>
@@ -5093,6 +4783,50 @@
               </a:bodyPr>
               <a:lstStyle/>
               <a:p>
+                <a:pPr marL="457200" indent="-457200">
+                  <a:buFont typeface="+mj-lt"/>
+                  <a:buAutoNum type="arabicPeriod"/>
+                </a:pPr>
+                <a:r>
+                  <a:rPr lang="de-DE" sz="2000" dirty="0" err="1">
+                    <a:solidFill>
+                      <a:schemeClr val="bg1">
+                        <a:lumMod val="50000"/>
+                      </a:schemeClr>
+                    </a:solidFill>
+                  </a:rPr>
+                  <a:t>Kompressorenabhängigkeit</a:t>
+                </a:r>
+                <a:r>
+                  <a:rPr lang="de-DE" sz="2000" dirty="0">
+                    <a:solidFill>
+                      <a:schemeClr val="bg1">
+                        <a:lumMod val="50000"/>
+                      </a:schemeClr>
+                    </a:solidFill>
+                  </a:rPr>
+                  <a:t> der „</a:t>
+                </a:r>
+                <a:r>
+                  <a:rPr lang="de-DE" sz="2000" dirty="0" err="1">
+                    <a:solidFill>
+                      <a:schemeClr val="bg1">
+                        <a:lumMod val="50000"/>
+                      </a:schemeClr>
+                    </a:solidFill>
+                  </a:rPr>
+                  <a:t>Consumption</a:t>
+                </a:r>
+                <a:r>
+                  <a:rPr lang="de-DE" sz="2000" dirty="0">
+                    <a:solidFill>
+                      <a:schemeClr val="bg1">
+                        <a:lumMod val="50000"/>
+                      </a:schemeClr>
+                    </a:solidFill>
+                  </a:rPr>
+                  <a:t>“</a:t>
+                </a:r>
                 <a:r>
                   <a:rPr lang="de-DE" sz="2000" dirty="0">
                     <a:solidFill>
@@ -5102,7 +4836,7 @@
                       </a:schemeClr>
                     </a:solidFill>
                   </a:rPr>
-                  <a:t>Netzwerk als Blackbox simulieren </a:t>
+                  <a:t> </a:t>
                 </a:r>
                 <a:r>
                   <a:rPr lang="de-DE" sz="2000" dirty="0">
@@ -5300,6 +5034,10 @@
                 </a:endParaRPr>
               </a:p>
               <a:p>
+                <a:pPr marL="457200" indent="-457200">
+                  <a:buFont typeface="+mj-lt"/>
+                  <a:buAutoNum type="arabicPeriod"/>
+                </a:pPr>
                 <a:r>
                   <a:rPr lang="de-DE" sz="2000" dirty="0">
                     <a:solidFill>
@@ -5500,6 +5238,10 @@
                 </a:endParaRPr>
               </a:p>
               <a:p>
+                <a:pPr marL="457200" indent="-457200">
+                  <a:buFont typeface="+mj-lt"/>
+                  <a:buAutoNum type="arabicPeriod"/>
+                </a:pPr>
                 <a:r>
                   <a:rPr lang="de-DE" sz="2000" dirty="0">
                     <a:solidFill>
@@ -5614,25 +5356,16 @@
                 </a:endParaRPr>
               </a:p>
               <a:p>
+                <a:pPr marL="457200" indent="-457200">
+                  <a:buFont typeface="+mj-lt"/>
+                  <a:buAutoNum type="arabicPeriod"/>
+                </a:pPr>
+                <a:r>
+                  <a:rPr lang="de-DE" sz="2000" dirty="0"/>
+                  <a:t>Kostenfunktion erstellen </a:t>
+                </a:r>
                 <a:r>
                   <a:rPr lang="de-DE" sz="2000" dirty="0">
-                    <a:solidFill>
-                      <a:schemeClr val="tx1">
-                        <a:lumMod val="50000"/>
-                        <a:lumOff val="50000"/>
-                      </a:schemeClr>
-                    </a:solidFill>
-                  </a:rPr>
-                  <a:t>Kostenfunktion erstellen </a:t>
-                </a:r>
-                <a:r>
-                  <a:rPr lang="de-DE" sz="2000" dirty="0">
-                    <a:solidFill>
-                      <a:schemeClr val="tx1">
-                        <a:lumMod val="50000"/>
-                        <a:lumOff val="50000"/>
-                      </a:schemeClr>
-                    </a:solidFill>
                     <a:sym typeface="Wingdings" panose="05000000000000000000" pitchFamily="2" charset="2"/>
                   </a:rPr>
                   <a:t> </a:t>
@@ -5641,12 +5374,6 @@
                   <m:oMath xmlns:m="http://schemas.openxmlformats.org/officeDocument/2006/math">
                     <m:r>
                       <a:rPr lang="de-DE" sz="2000" b="0" i="1" dirty="0" smtClean="0">
-                        <a:solidFill>
-                          <a:schemeClr val="tx1">
-                            <a:lumMod val="50000"/>
-                            <a:lumOff val="50000"/>
-                          </a:schemeClr>
-                        </a:solidFill>
                         <a:latin typeface="Cambria Math" panose="02040503050406030204" pitchFamily="18" charset="0"/>
                         <a:sym typeface="Wingdings" panose="05000000000000000000" pitchFamily="2" charset="2"/>
                       </a:rPr>
@@ -5654,12 +5381,6 @@
                     </m:r>
                     <m:r>
                       <a:rPr lang="de-DE" sz="2000" i="1" dirty="0" smtClean="0">
-                        <a:solidFill>
-                          <a:schemeClr val="tx1">
-                            <a:lumMod val="50000"/>
-                            <a:lumOff val="50000"/>
-                          </a:schemeClr>
-                        </a:solidFill>
                         <a:latin typeface="Cambria Math" panose="02040503050406030204" pitchFamily="18" charset="0"/>
                         <a:sym typeface="Wingdings" panose="05000000000000000000" pitchFamily="2" charset="2"/>
                       </a:rPr>
@@ -5670,12 +5391,6 @@
                         <m:chr m:val="⃗"/>
                         <m:ctrlPr>
                           <a:rPr lang="de-DE" sz="2000" b="0" i="1" dirty="0" smtClean="0">
-                            <a:solidFill>
-                              <a:schemeClr val="tx1">
-                                <a:lumMod val="50000"/>
-                                <a:lumOff val="50000"/>
-                              </a:schemeClr>
-                            </a:solidFill>
                             <a:latin typeface="Cambria Math" panose="02040503050406030204" pitchFamily="18" charset="0"/>
                           </a:rPr>
                         </m:ctrlPr>
@@ -5685,12 +5400,6 @@
                           <m:sSubPr>
                             <m:ctrlPr>
                               <a:rPr lang="de-DE" sz="2000" b="0" i="1" dirty="0" smtClean="0">
-                                <a:solidFill>
-                                  <a:schemeClr val="tx1">
-                                    <a:lumMod val="50000"/>
-                                    <a:lumOff val="50000"/>
-                                  </a:schemeClr>
-                                </a:solidFill>
                                 <a:latin typeface="Cambria Math" panose="02040503050406030204" pitchFamily="18" charset="0"/>
                               </a:rPr>
                             </m:ctrlPr>
@@ -5698,12 +5407,6 @@
                           <m:e>
                             <m:r>
                               <a:rPr lang="de-DE" sz="2000" b="0" i="1" dirty="0" smtClean="0">
-                                <a:solidFill>
-                                  <a:schemeClr val="tx1">
-                                    <a:lumMod val="50000"/>
-                                    <a:lumOff val="50000"/>
-                                  </a:schemeClr>
-                                </a:solidFill>
                                 <a:latin typeface="Cambria Math" panose="02040503050406030204" pitchFamily="18" charset="0"/>
                               </a:rPr>
                               <m:t>𝐸</m:t>
@@ -5712,12 +5415,6 @@
                           <m:sub>
                             <m:r>
                               <a:rPr lang="de-DE" sz="2000" b="0" i="1" dirty="0" smtClean="0">
-                                <a:solidFill>
-                                  <a:schemeClr val="tx1">
-                                    <a:lumMod val="50000"/>
-                                    <a:lumOff val="50000"/>
-                                  </a:schemeClr>
-                                </a:solidFill>
                                 <a:latin typeface="Cambria Math" panose="02040503050406030204" pitchFamily="18" charset="0"/>
                               </a:rPr>
                               <m:t>𝑖</m:t>
@@ -5728,12 +5425,6 @@
                     </m:acc>
                     <m:r>
                       <a:rPr lang="de-DE" sz="2000" i="1" dirty="0" smtClean="0">
-                        <a:solidFill>
-                          <a:schemeClr val="tx1">
-                            <a:lumMod val="50000"/>
-                            <a:lumOff val="50000"/>
-                          </a:schemeClr>
-                        </a:solidFill>
                         <a:latin typeface="Cambria Math" panose="02040503050406030204" pitchFamily="18" charset="0"/>
                         <a:sym typeface="Wingdings" panose="05000000000000000000" pitchFamily="2" charset="2"/>
                       </a:rPr>
@@ -5741,12 +5432,6 @@
                     </m:r>
                     <m:r>
                       <a:rPr lang="de-DE" sz="2000" i="1" dirty="0" smtClean="0">
-                        <a:solidFill>
-                          <a:schemeClr val="tx1">
-                            <a:lumMod val="50000"/>
-                            <a:lumOff val="50000"/>
-                          </a:schemeClr>
-                        </a:solidFill>
                         <a:latin typeface="Cambria Math" panose="02040503050406030204" pitchFamily="18" charset="0"/>
                         <a:sym typeface="Wingdings" panose="05000000000000000000" pitchFamily="2" charset="2"/>
                       </a:rPr>
@@ -5754,12 +5439,6 @@
                     </m:r>
                     <m:r>
                       <a:rPr lang="de-DE" sz="2000" b="0" i="1" dirty="0" smtClean="0">
-                        <a:solidFill>
-                          <a:schemeClr val="tx1">
-                            <a:lumMod val="50000"/>
-                            <a:lumOff val="50000"/>
-                          </a:schemeClr>
-                        </a:solidFill>
                         <a:latin typeface="Cambria Math" panose="02040503050406030204" pitchFamily="18" charset="0"/>
                         <a:sym typeface="Wingdings" panose="05000000000000000000" pitchFamily="2" charset="2"/>
                       </a:rPr>
@@ -5769,12 +5448,6 @@
                       <m:sSubPr>
                         <m:ctrlPr>
                           <a:rPr lang="de-DE" sz="2000" b="0" i="1" dirty="0" smtClean="0">
-                            <a:solidFill>
-                              <a:schemeClr val="tx1">
-                                <a:lumMod val="50000"/>
-                                <a:lumOff val="50000"/>
-                              </a:schemeClr>
-                            </a:solidFill>
                             <a:latin typeface="Cambria Math" panose="02040503050406030204" pitchFamily="18" charset="0"/>
                             <a:sym typeface="Wingdings" panose="05000000000000000000" pitchFamily="2" charset="2"/>
                           </a:rPr>
@@ -5783,12 +5456,6 @@
                       <m:e>
                         <m:r>
                           <a:rPr lang="de-DE" sz="2000" b="0" i="1" dirty="0" smtClean="0">
-                            <a:solidFill>
-                              <a:schemeClr val="tx1">
-                                <a:lumMod val="50000"/>
-                                <a:lumOff val="50000"/>
-                              </a:schemeClr>
-                            </a:solidFill>
                             <a:latin typeface="Cambria Math" panose="02040503050406030204" pitchFamily="18" charset="0"/>
                             <a:sym typeface="Wingdings" panose="05000000000000000000" pitchFamily="2" charset="2"/>
                           </a:rPr>
@@ -5798,12 +5465,6 @@
                       <m:sub>
                         <m:r>
                           <a:rPr lang="de-DE" sz="2000" b="0" i="1" dirty="0" smtClean="0">
-                            <a:solidFill>
-                              <a:schemeClr val="tx1">
-                                <a:lumMod val="50000"/>
-                                <a:lumOff val="50000"/>
-                              </a:schemeClr>
-                            </a:solidFill>
                             <a:latin typeface="Cambria Math" panose="02040503050406030204" pitchFamily="18" charset="0"/>
                             <a:sym typeface="Wingdings" panose="05000000000000000000" pitchFamily="2" charset="2"/>
                           </a:rPr>
@@ -5813,12 +5474,6 @@
                     </m:sSub>
                     <m:r>
                       <a:rPr lang="de-DE" sz="2000" i="1" dirty="0" smtClean="0">
-                        <a:solidFill>
-                          <a:schemeClr val="tx1">
-                            <a:lumMod val="50000"/>
-                            <a:lumOff val="50000"/>
-                          </a:schemeClr>
-                        </a:solidFill>
                         <a:latin typeface="Cambria Math" panose="02040503050406030204" pitchFamily="18" charset="0"/>
                         <a:sym typeface="Wingdings" panose="05000000000000000000" pitchFamily="2" charset="2"/>
                       </a:rPr>
@@ -5827,55 +5482,176 @@
                   </m:oMath>
                 </a14:m>
                 <a:endParaRPr lang="de-DE" sz="2000" dirty="0">
-                  <a:solidFill>
-                    <a:schemeClr val="tx1">
-                      <a:lumMod val="50000"/>
-                      <a:lumOff val="50000"/>
-                    </a:schemeClr>
-                  </a:solidFill>
-                  <a:sym typeface="Wingdings" panose="05000000000000000000" pitchFamily="2" charset="2"/>
-                </a:endParaRPr>
-              </a:p>
-              <a:p>
-                <a:endParaRPr lang="de-DE" sz="2000" dirty="0">
-                  <a:sym typeface="Wingdings" panose="05000000000000000000" pitchFamily="2" charset="2"/>
-                </a:endParaRPr>
-              </a:p>
-              <a:p>
-                <a:r>
-                  <a:rPr lang="de-DE" sz="2000" dirty="0">
-                    <a:sym typeface="Wingdings" panose="05000000000000000000" pitchFamily="2" charset="2"/>
-                  </a:rPr>
-                  <a:t> Eigenes Netzwerk, dass Kompressoren steuert und Kosten minimiert</a:t>
-                </a:r>
-              </a:p>
-              <a:p>
-                <a:pPr lvl="1"/>
-                <a:r>
-                  <a:rPr lang="de-DE" sz="2000" dirty="0" err="1">
-                    <a:sym typeface="Wingdings" panose="05000000000000000000" pitchFamily="2" charset="2"/>
-                  </a:rPr>
-                  <a:t>Unsupervised</a:t>
-                </a:r>
-                <a:r>
-                  <a:rPr lang="de-DE" sz="2000" dirty="0">
-                    <a:sym typeface="Wingdings" panose="05000000000000000000" pitchFamily="2" charset="2"/>
-                  </a:rPr>
-                  <a:t> </a:t>
-                </a:r>
-                <a:r>
-                  <a:rPr lang="de-DE" sz="2000" dirty="0" err="1">
-                    <a:sym typeface="Wingdings" panose="05000000000000000000" pitchFamily="2" charset="2"/>
-                  </a:rPr>
-                  <a:t>learning</a:t>
-                </a:r>
-                <a:endParaRPr lang="de-DE" sz="2000" dirty="0">
                   <a:sym typeface="Wingdings" panose="05000000000000000000" pitchFamily="2" charset="2"/>
                 </a:endParaRPr>
               </a:p>
               <a:p>
                 <a:pPr lvl="1"/>
-                <a:endParaRPr lang="de-DE" sz="2000" dirty="0"/>
+                <a:r>
+                  <a:rPr lang="de-DE" sz="2000" dirty="0"/>
+                  <a:t>IN</a:t>
+                </a:r>
+              </a:p>
+              <a:p>
+                <a:pPr lvl="2"/>
+                <a:r>
+                  <a:rPr lang="de-DE" dirty="0"/>
+                  <a:t>Energieverbrauch </a:t>
+                </a:r>
+                <a14:m>
+                  <m:oMath xmlns:m="http://schemas.openxmlformats.org/officeDocument/2006/math">
+                    <m:acc>
+                      <m:accPr>
+                        <m:chr m:val="⃗"/>
+                        <m:ctrlPr>
+                          <a:rPr lang="de-DE" b="0" i="1" dirty="0" smtClean="0">
+                            <a:latin typeface="Cambria Math" panose="02040503050406030204" pitchFamily="18" charset="0"/>
+                          </a:rPr>
+                        </m:ctrlPr>
+                      </m:accPr>
+                      <m:e>
+                        <m:sSub>
+                          <m:sSubPr>
+                            <m:ctrlPr>
+                              <a:rPr lang="de-DE" b="0" i="1" dirty="0" smtClean="0">
+                                <a:latin typeface="Cambria Math" panose="02040503050406030204" pitchFamily="18" charset="0"/>
+                              </a:rPr>
+                            </m:ctrlPr>
+                          </m:sSubPr>
+                          <m:e>
+                            <m:r>
+                              <a:rPr lang="de-DE" b="0" i="1" dirty="0" smtClean="0">
+                                <a:latin typeface="Cambria Math" panose="02040503050406030204" pitchFamily="18" charset="0"/>
+                              </a:rPr>
+                              <m:t>𝐸</m:t>
+                            </m:r>
+                          </m:e>
+                          <m:sub>
+                            <m:r>
+                              <a:rPr lang="de-DE" b="0" i="1" dirty="0" smtClean="0">
+                                <a:latin typeface="Cambria Math" panose="02040503050406030204" pitchFamily="18" charset="0"/>
+                              </a:rPr>
+                              <m:t>𝑖</m:t>
+                            </m:r>
+                          </m:sub>
+                        </m:sSub>
+                      </m:e>
+                    </m:acc>
+                  </m:oMath>
+                </a14:m>
+                <a:endParaRPr lang="de-DE" dirty="0"/>
+              </a:p>
+              <a:p>
+                <a:pPr lvl="2"/>
+                <a:r>
+                  <a:rPr lang="de-DE" dirty="0"/>
+                  <a:t>Druckdifferenz </a:t>
+                </a:r>
+                <a14:m>
+                  <m:oMath xmlns:m="http://schemas.openxmlformats.org/officeDocument/2006/math">
+                    <m:r>
+                      <a:rPr lang="de-DE" i="1" dirty="0" smtClean="0">
+                        <a:latin typeface="Cambria Math" panose="02040503050406030204" pitchFamily="18" charset="0"/>
+                      </a:rPr>
+                      <m:t>𝑝</m:t>
+                    </m:r>
+                    <m:r>
+                      <a:rPr lang="de-DE" b="0" i="1" dirty="0" smtClean="0">
+                        <a:latin typeface="Cambria Math" panose="02040503050406030204" pitchFamily="18" charset="0"/>
+                      </a:rPr>
+                      <m:t>−</m:t>
+                    </m:r>
+                    <m:sSub>
+                      <m:sSubPr>
+                        <m:ctrlPr>
+                          <a:rPr lang="de-DE" b="0" i="1" dirty="0" smtClean="0">
+                            <a:latin typeface="Cambria Math" panose="02040503050406030204" pitchFamily="18" charset="0"/>
+                          </a:rPr>
+                        </m:ctrlPr>
+                      </m:sSubPr>
+                      <m:e>
+                        <m:r>
+                          <a:rPr lang="de-DE" b="0" i="1" dirty="0" smtClean="0">
+                            <a:latin typeface="Cambria Math" panose="02040503050406030204" pitchFamily="18" charset="0"/>
+                          </a:rPr>
+                          <m:t>𝑝</m:t>
+                        </m:r>
+                      </m:e>
+                      <m:sub>
+                        <m:r>
+                          <a:rPr lang="de-DE" b="0" i="1" dirty="0" smtClean="0">
+                            <a:latin typeface="Cambria Math" panose="02040503050406030204" pitchFamily="18" charset="0"/>
+                          </a:rPr>
+                          <m:t>𝑧</m:t>
+                        </m:r>
+                      </m:sub>
+                    </m:sSub>
+                  </m:oMath>
+                </a14:m>
+                <a:r>
+                  <a:rPr lang="de-DE" dirty="0"/>
+                  <a:t> (Zieldruck: </a:t>
+                </a:r>
+                <a14:m>
+                  <m:oMath xmlns:m="http://schemas.openxmlformats.org/officeDocument/2006/math">
+                    <m:r>
+                      <a:rPr lang="de-DE" i="1" dirty="0" smtClean="0">
+                        <a:latin typeface="Cambria Math" panose="02040503050406030204" pitchFamily="18" charset="0"/>
+                      </a:rPr>
+                      <m:t>7</m:t>
+                    </m:r>
+                    <m:r>
+                      <m:rPr>
+                        <m:sty m:val="p"/>
+                      </m:rPr>
+                      <a:rPr lang="de-DE" i="0" dirty="0" smtClean="0">
+                        <a:latin typeface="Cambria Math" panose="02040503050406030204" pitchFamily="18" charset="0"/>
+                      </a:rPr>
+                      <m:t>bar</m:t>
+                    </m:r>
+                  </m:oMath>
+                </a14:m>
+                <a:r>
+                  <a:rPr lang="de-DE" dirty="0"/>
+                  <a:t>)</a:t>
+                </a:r>
+              </a:p>
+              <a:p>
+                <a:pPr lvl="2"/>
+                <a:r>
+                  <a:rPr lang="de-DE" dirty="0"/>
+                  <a:t>(Strompreis, CO2-Preis, …)</a:t>
+                </a:r>
+              </a:p>
+              <a:p>
+                <a:pPr lvl="1"/>
+                <a:r>
+                  <a:rPr lang="de-DE" sz="2000" dirty="0"/>
+                  <a:t>OUT</a:t>
+                </a:r>
+              </a:p>
+              <a:p>
+                <a:pPr lvl="2"/>
+                <a:r>
+                  <a:rPr lang="de-DE" dirty="0"/>
+                  <a:t>Kosten </a:t>
+                </a:r>
+                <a14:m>
+                  <m:oMath xmlns:m="http://schemas.openxmlformats.org/officeDocument/2006/math">
+                    <m:r>
+                      <a:rPr lang="de-DE" b="0" i="1" dirty="0" smtClean="0">
+                        <a:latin typeface="Cambria Math" panose="02040503050406030204" pitchFamily="18" charset="0"/>
+                        <a:sym typeface="Wingdings" panose="05000000000000000000" pitchFamily="2" charset="2"/>
+                      </a:rPr>
+                      <m:t>𝑐</m:t>
+                    </m:r>
+                  </m:oMath>
+                </a14:m>
+                <a:endParaRPr lang="de-DE" dirty="0"/>
+              </a:p>
+              <a:p>
+                <a:pPr lvl="2"/>
+                <a:endParaRPr lang="de-DE" dirty="0"/>
               </a:p>
               <a:p>
                 <a:pPr lvl="2"/>
@@ -5903,9 +5679,1009 @@
             </p:nvSpPr>
             <p:spPr>
               <a:blipFill>
+                <a:blip r:embed="rId3"/>
+                <a:stretch>
+                  <a:fillRect l="-638"/>
+                </a:stretch>
+              </a:blipFill>
+            </p:spPr>
+            <p:txBody>
+              <a:bodyPr/>
+              <a:lstStyle/>
+              <a:p>
+                <a:r>
+                  <a:rPr lang="de-DE">
+                    <a:noFill/>
+                  </a:rPr>
+                  <a:t> </a:t>
+                </a:r>
+              </a:p>
+            </p:txBody>
+          </p:sp>
+        </mc:Fallback>
+      </mc:AlternateContent>
+    </p:spTree>
+    <p:extLst>
+      <p:ext uri="{BB962C8B-B14F-4D97-AF65-F5344CB8AC3E}">
+        <p14:creationId xmlns:p14="http://schemas.microsoft.com/office/powerpoint/2010/main" val="4218129888"/>
+      </p:ext>
+    </p:extLst>
+  </p:cSld>
+  <p:clrMapOvr>
+    <a:masterClrMapping/>
+  </p:clrMapOvr>
+</p:sld>
+</file>
+
+<file path=ppt/slides/slide13.xml><?xml version="1.0" encoding="utf-8"?>
+<p:sld xmlns:a="http://schemas.openxmlformats.org/drawingml/2006/main" xmlns:r="http://schemas.openxmlformats.org/officeDocument/2006/relationships" xmlns:p="http://schemas.openxmlformats.org/presentationml/2006/main">
+  <p:cSld>
+    <p:spTree>
+      <p:nvGrpSpPr>
+        <p:cNvPr id="1" name=""/>
+        <p:cNvGrpSpPr/>
+        <p:nvPr/>
+      </p:nvGrpSpPr>
+      <p:grpSpPr>
+        <a:xfrm>
+          <a:off x="0" y="0"/>
+          <a:ext cx="0" cy="0"/>
+          <a:chOff x="0" y="0"/>
+          <a:chExt cx="0" cy="0"/>
+        </a:xfrm>
+      </p:grpSpPr>
+      <p:sp>
+        <p:nvSpPr>
+          <p:cNvPr id="2" name="Titel 1">
+            <a:extLst>
+              <a:ext uri="{FF2B5EF4-FFF2-40B4-BE49-F238E27FC236}">
+                <a16:creationId xmlns:a16="http://schemas.microsoft.com/office/drawing/2014/main" id="{C4494A7D-AC57-4A70-AF9F-49C2C88D88D3}"/>
+              </a:ext>
+            </a:extLst>
+          </p:cNvPr>
+          <p:cNvSpPr>
+            <a:spLocks noGrp="1"/>
+          </p:cNvSpPr>
+          <p:nvPr>
+            <p:ph type="title"/>
+          </p:nvPr>
+        </p:nvSpPr>
+        <p:spPr/>
+        <p:txBody>
+          <a:bodyPr/>
+          <a:lstStyle/>
+          <a:p>
+            <a:r>
+              <a:rPr lang="de-DE" dirty="0"/>
+              <a:t>Idee	</a:t>
+            </a:r>
+          </a:p>
+        </p:txBody>
+      </p:sp>
+      <mc:AlternateContent xmlns:mc="http://schemas.openxmlformats.org/markup-compatibility/2006">
+        <mc:Choice xmlns:a14="http://schemas.microsoft.com/office/drawing/2010/main" Requires="a14">
+          <p:sp>
+            <p:nvSpPr>
+              <p:cNvPr id="3" name="Inhaltsplatzhalter 2">
+                <a:extLst>
+                  <a:ext uri="{FF2B5EF4-FFF2-40B4-BE49-F238E27FC236}">
+                    <a16:creationId xmlns:a16="http://schemas.microsoft.com/office/drawing/2014/main" id="{BB513A37-42A1-4FEC-87C6-A5A467E485E1}"/>
+                  </a:ext>
+                </a:extLst>
+              </p:cNvPr>
+              <p:cNvSpPr>
+                <a:spLocks noGrp="1"/>
+              </p:cNvSpPr>
+              <p:nvPr>
+                <p:ph idx="1"/>
+              </p:nvPr>
+            </p:nvSpPr>
+            <p:spPr/>
+            <p:txBody>
+              <a:bodyPr>
+                <a:normAutofit lnSpcReduction="10000"/>
+              </a:bodyPr>
+              <a:lstStyle/>
+              <a:p>
+                <a:pPr marL="457200" indent="-457200">
+                  <a:buFont typeface="+mj-lt"/>
+                  <a:buAutoNum type="arabicPeriod"/>
+                </a:pPr>
+                <a:r>
+                  <a:rPr lang="de-DE" sz="2000" dirty="0" err="1">
+                    <a:solidFill>
+                      <a:schemeClr val="bg1">
+                        <a:lumMod val="50000"/>
+                      </a:schemeClr>
+                    </a:solidFill>
+                  </a:rPr>
+                  <a:t>Kompressorenabhängigkeit</a:t>
+                </a:r>
+                <a:r>
+                  <a:rPr lang="de-DE" sz="2000" dirty="0">
+                    <a:solidFill>
+                      <a:schemeClr val="bg1">
+                        <a:lumMod val="50000"/>
+                      </a:schemeClr>
+                    </a:solidFill>
+                  </a:rPr>
+                  <a:t> der „</a:t>
+                </a:r>
+                <a:r>
+                  <a:rPr lang="de-DE" sz="2000" dirty="0" err="1">
+                    <a:solidFill>
+                      <a:schemeClr val="bg1">
+                        <a:lumMod val="50000"/>
+                      </a:schemeClr>
+                    </a:solidFill>
+                  </a:rPr>
+                  <a:t>Consumption</a:t>
+                </a:r>
+                <a:r>
+                  <a:rPr lang="de-DE" sz="2000" dirty="0">
+                    <a:solidFill>
+                      <a:schemeClr val="bg1">
+                        <a:lumMod val="50000"/>
+                      </a:schemeClr>
+                    </a:solidFill>
+                  </a:rPr>
+                  <a:t>“ </a:t>
+                </a:r>
+                <a:r>
+                  <a:rPr lang="de-DE" sz="2000" dirty="0">
+                    <a:solidFill>
+                      <a:schemeClr val="tx1">
+                        <a:lumMod val="50000"/>
+                        <a:lumOff val="50000"/>
+                      </a:schemeClr>
+                    </a:solidFill>
+                    <a:sym typeface="Wingdings" panose="05000000000000000000" pitchFamily="2" charset="2"/>
+                  </a:rPr>
+                  <a:t> </a:t>
+                </a:r>
+                <a14:m>
+                  <m:oMath xmlns:m="http://schemas.openxmlformats.org/officeDocument/2006/math">
+                    <m:acc>
+                      <m:accPr>
+                        <m:chr m:val="⃗"/>
+                        <m:ctrlPr>
+                          <a:rPr lang="de-DE" sz="2000" i="1" dirty="0" smtClean="0">
+                            <a:solidFill>
+                              <a:schemeClr val="tx1">
+                                <a:lumMod val="50000"/>
+                                <a:lumOff val="50000"/>
+                              </a:schemeClr>
+                            </a:solidFill>
+                            <a:latin typeface="Cambria Math" panose="02040503050406030204" pitchFamily="18" charset="0"/>
+                          </a:rPr>
+                        </m:ctrlPr>
+                      </m:accPr>
+                      <m:e>
+                        <m:f>
+                          <m:fPr>
+                            <m:ctrlPr>
+                              <a:rPr lang="de-DE" sz="2000" i="1" dirty="0" smtClean="0">
+                                <a:solidFill>
+                                  <a:schemeClr val="tx1">
+                                    <a:lumMod val="50000"/>
+                                    <a:lumOff val="50000"/>
+                                  </a:schemeClr>
+                                </a:solidFill>
+                                <a:latin typeface="Cambria Math" panose="02040503050406030204" pitchFamily="18" charset="0"/>
+                              </a:rPr>
+                            </m:ctrlPr>
+                          </m:fPr>
+                          <m:num>
+                            <m:r>
+                              <a:rPr lang="de-DE" sz="2000" i="1" dirty="0" smtClean="0">
+                                <a:solidFill>
+                                  <a:schemeClr val="tx1">
+                                    <a:lumMod val="50000"/>
+                                    <a:lumOff val="50000"/>
+                                  </a:schemeClr>
+                                </a:solidFill>
+                                <a:latin typeface="Cambria Math" panose="02040503050406030204" pitchFamily="18" charset="0"/>
+                              </a:rPr>
+                              <m:t>𝜕</m:t>
+                            </m:r>
+                            <m:sSub>
+                              <m:sSubPr>
+                                <m:ctrlPr>
+                                  <a:rPr lang="de-DE" sz="2000" b="0" i="1" dirty="0" smtClean="0">
+                                    <a:solidFill>
+                                      <a:schemeClr val="tx1">
+                                        <a:lumMod val="50000"/>
+                                        <a:lumOff val="50000"/>
+                                      </a:schemeClr>
+                                    </a:solidFill>
+                                    <a:latin typeface="Cambria Math" panose="02040503050406030204" pitchFamily="18" charset="0"/>
+                                  </a:rPr>
+                                </m:ctrlPr>
+                              </m:sSubPr>
+                              <m:e>
+                                <m:r>
+                                  <a:rPr lang="de-DE" sz="2000" b="0" i="1" dirty="0" smtClean="0">
+                                    <a:solidFill>
+                                      <a:schemeClr val="tx1">
+                                        <a:lumMod val="50000"/>
+                                        <a:lumOff val="50000"/>
+                                      </a:schemeClr>
+                                    </a:solidFill>
+                                    <a:latin typeface="Cambria Math" panose="02040503050406030204" pitchFamily="18" charset="0"/>
+                                  </a:rPr>
+                                  <m:t>𝑉</m:t>
+                                </m:r>
+                              </m:e>
+                              <m:sub>
+                                <m:r>
+                                  <a:rPr lang="de-DE" sz="2000" b="0" i="1" dirty="0" smtClean="0">
+                                    <a:solidFill>
+                                      <a:schemeClr val="tx1">
+                                        <a:lumMod val="50000"/>
+                                        <a:lumOff val="50000"/>
+                                      </a:schemeClr>
+                                    </a:solidFill>
+                                    <a:latin typeface="Cambria Math" panose="02040503050406030204" pitchFamily="18" charset="0"/>
+                                  </a:rPr>
+                                  <m:t>𝑖</m:t>
+                                </m:r>
+                              </m:sub>
+                            </m:sSub>
+                          </m:num>
+                          <m:den>
+                            <m:r>
+                              <a:rPr lang="de-DE" sz="2000" i="1" dirty="0" smtClean="0">
+                                <a:solidFill>
+                                  <a:schemeClr val="tx1">
+                                    <a:lumMod val="50000"/>
+                                    <a:lumOff val="50000"/>
+                                  </a:schemeClr>
+                                </a:solidFill>
+                                <a:latin typeface="Cambria Math" panose="02040503050406030204" pitchFamily="18" charset="0"/>
+                              </a:rPr>
+                              <m:t>𝜕</m:t>
+                            </m:r>
+                            <m:r>
+                              <a:rPr lang="de-DE" sz="2000" b="0" i="1" dirty="0" smtClean="0">
+                                <a:solidFill>
+                                  <a:schemeClr val="tx1">
+                                    <a:lumMod val="50000"/>
+                                    <a:lumOff val="50000"/>
+                                  </a:schemeClr>
+                                </a:solidFill>
+                                <a:latin typeface="Cambria Math" panose="02040503050406030204" pitchFamily="18" charset="0"/>
+                              </a:rPr>
+                              <m:t>𝑡</m:t>
+                            </m:r>
+                          </m:den>
+                        </m:f>
+                      </m:e>
+                    </m:acc>
+                    <m:r>
+                      <a:rPr lang="de-DE" sz="2000" i="1" dirty="0" smtClean="0">
+                        <a:solidFill>
+                          <a:schemeClr val="tx1">
+                            <a:lumMod val="50000"/>
+                            <a:lumOff val="50000"/>
+                          </a:schemeClr>
+                        </a:solidFill>
+                        <a:latin typeface="Cambria Math" panose="02040503050406030204" pitchFamily="18" charset="0"/>
+                      </a:rPr>
+                      <m:t>(</m:t>
+                    </m:r>
+                    <m:acc>
+                      <m:accPr>
+                        <m:chr m:val="⃗"/>
+                        <m:ctrlPr>
+                          <a:rPr lang="de-DE" sz="2000" i="1" dirty="0" smtClean="0">
+                            <a:solidFill>
+                              <a:schemeClr val="tx1">
+                                <a:lumMod val="50000"/>
+                                <a:lumOff val="50000"/>
+                              </a:schemeClr>
+                            </a:solidFill>
+                            <a:latin typeface="Cambria Math" panose="02040503050406030204" pitchFamily="18" charset="0"/>
+                          </a:rPr>
+                        </m:ctrlPr>
+                      </m:accPr>
+                      <m:e>
+                        <m:r>
+                          <a:rPr lang="de-DE" sz="2000" b="0" i="1" dirty="0" smtClean="0">
+                            <a:solidFill>
+                              <a:schemeClr val="tx1">
+                                <a:lumMod val="50000"/>
+                                <a:lumOff val="50000"/>
+                              </a:schemeClr>
+                            </a:solidFill>
+                            <a:latin typeface="Cambria Math" panose="02040503050406030204" pitchFamily="18" charset="0"/>
+                          </a:rPr>
+                          <m:t>𝐾</m:t>
+                        </m:r>
+                      </m:e>
+                    </m:acc>
+                    <m:r>
+                      <a:rPr lang="de-DE" sz="2000" i="1" dirty="0" smtClean="0">
+                        <a:solidFill>
+                          <a:schemeClr val="tx1">
+                            <a:lumMod val="50000"/>
+                            <a:lumOff val="50000"/>
+                          </a:schemeClr>
+                        </a:solidFill>
+                        <a:latin typeface="Cambria Math" panose="02040503050406030204" pitchFamily="18" charset="0"/>
+                      </a:rPr>
+                      <m:t>)</m:t>
+                    </m:r>
+                  </m:oMath>
+                </a14:m>
+                <a:endParaRPr lang="de-DE" sz="2000" dirty="0">
+                  <a:solidFill>
+                    <a:schemeClr val="tx1">
+                      <a:lumMod val="50000"/>
+                      <a:lumOff val="50000"/>
+                    </a:schemeClr>
+                  </a:solidFill>
+                </a:endParaRPr>
+              </a:p>
+              <a:p>
+                <a:pPr marL="457200" indent="-457200">
+                  <a:buFont typeface="+mj-lt"/>
+                  <a:buAutoNum type="arabicPeriod"/>
+                </a:pPr>
+                <a:r>
+                  <a:rPr lang="de-DE" sz="2000" dirty="0">
+                    <a:solidFill>
+                      <a:schemeClr val="tx1">
+                        <a:lumMod val="50000"/>
+                        <a:lumOff val="50000"/>
+                      </a:schemeClr>
+                    </a:solidFill>
+                  </a:rPr>
+                  <a:t>Druckabhängigkeit vom Volumenstrom simulieren </a:t>
+                </a:r>
+                <a:r>
+                  <a:rPr lang="de-DE" sz="2000" dirty="0">
+                    <a:solidFill>
+                      <a:schemeClr val="tx1">
+                        <a:lumMod val="50000"/>
+                        <a:lumOff val="50000"/>
+                      </a:schemeClr>
+                    </a:solidFill>
+                    <a:sym typeface="Wingdings" panose="05000000000000000000" pitchFamily="2" charset="2"/>
+                  </a:rPr>
+                  <a:t></a:t>
+                </a:r>
+                <a:r>
+                  <a:rPr lang="de-DE" sz="2000" dirty="0">
+                    <a:solidFill>
+                      <a:schemeClr val="tx1">
+                        <a:lumMod val="50000"/>
+                        <a:lumOff val="50000"/>
+                      </a:schemeClr>
+                    </a:solidFill>
+                  </a:rPr>
+                  <a:t> </a:t>
+                </a:r>
+                <a14:m>
+                  <m:oMath xmlns:m="http://schemas.openxmlformats.org/officeDocument/2006/math">
+                    <m:r>
+                      <a:rPr lang="de-DE" sz="2000" b="0" i="1" smtClean="0">
+                        <a:solidFill>
+                          <a:schemeClr val="tx1">
+                            <a:lumMod val="50000"/>
+                            <a:lumOff val="50000"/>
+                          </a:schemeClr>
+                        </a:solidFill>
+                        <a:latin typeface="Cambria Math" panose="02040503050406030204" pitchFamily="18" charset="0"/>
+                      </a:rPr>
+                      <m:t>𝑝</m:t>
+                    </m:r>
+                    <m:r>
+                      <a:rPr lang="de-DE" sz="2000" b="0" i="1" smtClean="0">
+                        <a:solidFill>
+                          <a:schemeClr val="tx1">
+                            <a:lumMod val="50000"/>
+                            <a:lumOff val="50000"/>
+                          </a:schemeClr>
+                        </a:solidFill>
+                        <a:latin typeface="Cambria Math" panose="02040503050406030204" pitchFamily="18" charset="0"/>
+                      </a:rPr>
+                      <m:t>(</m:t>
+                    </m:r>
+                    <m:acc>
+                      <m:accPr>
+                        <m:chr m:val="⃗"/>
+                        <m:ctrlPr>
+                          <a:rPr lang="de-DE" sz="2000" i="1" dirty="0" smtClean="0">
+                            <a:solidFill>
+                              <a:schemeClr val="tx1">
+                                <a:lumMod val="50000"/>
+                                <a:lumOff val="50000"/>
+                              </a:schemeClr>
+                            </a:solidFill>
+                            <a:latin typeface="Cambria Math" panose="02040503050406030204" pitchFamily="18" charset="0"/>
+                          </a:rPr>
+                        </m:ctrlPr>
+                      </m:accPr>
+                      <m:e>
+                        <m:f>
+                          <m:fPr>
+                            <m:ctrlPr>
+                              <a:rPr lang="de-DE" sz="2000" i="1" dirty="0" smtClean="0">
+                                <a:solidFill>
+                                  <a:schemeClr val="tx1">
+                                    <a:lumMod val="50000"/>
+                                    <a:lumOff val="50000"/>
+                                  </a:schemeClr>
+                                </a:solidFill>
+                                <a:latin typeface="Cambria Math" panose="02040503050406030204" pitchFamily="18" charset="0"/>
+                              </a:rPr>
+                            </m:ctrlPr>
+                          </m:fPr>
+                          <m:num>
+                            <m:r>
+                              <a:rPr lang="de-DE" sz="2000" i="1" dirty="0" smtClean="0">
+                                <a:solidFill>
+                                  <a:schemeClr val="tx1">
+                                    <a:lumMod val="50000"/>
+                                    <a:lumOff val="50000"/>
+                                  </a:schemeClr>
+                                </a:solidFill>
+                                <a:latin typeface="Cambria Math" panose="02040503050406030204" pitchFamily="18" charset="0"/>
+                              </a:rPr>
+                              <m:t>𝜕</m:t>
+                            </m:r>
+                            <m:sSub>
+                              <m:sSubPr>
+                                <m:ctrlPr>
+                                  <a:rPr lang="de-DE" sz="2000" b="0" i="1" dirty="0" smtClean="0">
+                                    <a:solidFill>
+                                      <a:schemeClr val="tx1">
+                                        <a:lumMod val="50000"/>
+                                        <a:lumOff val="50000"/>
+                                      </a:schemeClr>
+                                    </a:solidFill>
+                                    <a:latin typeface="Cambria Math" panose="02040503050406030204" pitchFamily="18" charset="0"/>
+                                  </a:rPr>
+                                </m:ctrlPr>
+                              </m:sSubPr>
+                              <m:e>
+                                <m:r>
+                                  <a:rPr lang="de-DE" sz="2000" b="0" i="1" dirty="0" smtClean="0">
+                                    <a:solidFill>
+                                      <a:schemeClr val="tx1">
+                                        <a:lumMod val="50000"/>
+                                        <a:lumOff val="50000"/>
+                                      </a:schemeClr>
+                                    </a:solidFill>
+                                    <a:latin typeface="Cambria Math" panose="02040503050406030204" pitchFamily="18" charset="0"/>
+                                  </a:rPr>
+                                  <m:t>𝑉</m:t>
+                                </m:r>
+                              </m:e>
+                              <m:sub>
+                                <m:r>
+                                  <a:rPr lang="de-DE" sz="2000" b="0" i="1" dirty="0" smtClean="0">
+                                    <a:solidFill>
+                                      <a:schemeClr val="tx1">
+                                        <a:lumMod val="50000"/>
+                                        <a:lumOff val="50000"/>
+                                      </a:schemeClr>
+                                    </a:solidFill>
+                                    <a:latin typeface="Cambria Math" panose="02040503050406030204" pitchFamily="18" charset="0"/>
+                                  </a:rPr>
+                                  <m:t>𝑖</m:t>
+                                </m:r>
+                              </m:sub>
+                            </m:sSub>
+                          </m:num>
+                          <m:den>
+                            <m:r>
+                              <a:rPr lang="de-DE" sz="2000" i="1" dirty="0" smtClean="0">
+                                <a:solidFill>
+                                  <a:schemeClr val="tx1">
+                                    <a:lumMod val="50000"/>
+                                    <a:lumOff val="50000"/>
+                                  </a:schemeClr>
+                                </a:solidFill>
+                                <a:latin typeface="Cambria Math" panose="02040503050406030204" pitchFamily="18" charset="0"/>
+                              </a:rPr>
+                              <m:t>𝜕</m:t>
+                            </m:r>
+                            <m:r>
+                              <a:rPr lang="de-DE" sz="2000" b="0" i="1" dirty="0" smtClean="0">
+                                <a:solidFill>
+                                  <a:schemeClr val="tx1">
+                                    <a:lumMod val="50000"/>
+                                    <a:lumOff val="50000"/>
+                                  </a:schemeClr>
+                                </a:solidFill>
+                                <a:latin typeface="Cambria Math" panose="02040503050406030204" pitchFamily="18" charset="0"/>
+                              </a:rPr>
+                              <m:t>𝑡</m:t>
+                            </m:r>
+                          </m:den>
+                        </m:f>
+                      </m:e>
+                    </m:acc>
+                    <m:r>
+                      <a:rPr lang="de-DE" sz="2000" b="0" i="1" dirty="0" smtClean="0">
+                        <a:solidFill>
+                          <a:schemeClr val="tx1">
+                            <a:lumMod val="50000"/>
+                            <a:lumOff val="50000"/>
+                          </a:schemeClr>
+                        </a:solidFill>
+                        <a:latin typeface="Cambria Math" panose="02040503050406030204" pitchFamily="18" charset="0"/>
+                      </a:rPr>
+                      <m:t>)</m:t>
+                    </m:r>
+                  </m:oMath>
+                </a14:m>
+                <a:endParaRPr lang="de-DE" sz="2000" dirty="0">
+                  <a:solidFill>
+                    <a:schemeClr val="tx1">
+                      <a:lumMod val="50000"/>
+                      <a:lumOff val="50000"/>
+                    </a:schemeClr>
+                  </a:solidFill>
+                </a:endParaRPr>
+              </a:p>
+              <a:p>
+                <a:pPr marL="457200" indent="-457200">
+                  <a:buFont typeface="+mj-lt"/>
+                  <a:buAutoNum type="arabicPeriod"/>
+                </a:pPr>
+                <a:r>
+                  <a:rPr lang="de-DE" sz="2000" dirty="0">
+                    <a:solidFill>
+                      <a:schemeClr val="tx1">
+                        <a:lumMod val="50000"/>
+                        <a:lumOff val="50000"/>
+                      </a:schemeClr>
+                    </a:solidFill>
+                  </a:rPr>
+                  <a:t>Kombination </a:t>
+                </a:r>
+                <a:r>
+                  <a:rPr lang="de-DE" sz="2000" dirty="0">
+                    <a:solidFill>
+                      <a:schemeClr val="tx1">
+                        <a:lumMod val="50000"/>
+                        <a:lumOff val="50000"/>
+                      </a:schemeClr>
+                    </a:solidFill>
+                    <a:sym typeface="Wingdings" panose="05000000000000000000" pitchFamily="2" charset="2"/>
+                  </a:rPr>
+                  <a:t></a:t>
+                </a:r>
+                <a:r>
+                  <a:rPr lang="de-DE" sz="2000" dirty="0">
+                    <a:solidFill>
+                      <a:schemeClr val="tx1">
+                        <a:lumMod val="50000"/>
+                        <a:lumOff val="50000"/>
+                      </a:schemeClr>
+                    </a:solidFill>
+                  </a:rPr>
+                  <a:t>  </a:t>
+                </a:r>
+                <a14:m>
+                  <m:oMath xmlns:m="http://schemas.openxmlformats.org/officeDocument/2006/math">
+                    <m:r>
+                      <a:rPr lang="de-DE" sz="2000" i="1" dirty="0" smtClean="0">
+                        <a:solidFill>
+                          <a:schemeClr val="tx1">
+                            <a:lumMod val="50000"/>
+                            <a:lumOff val="50000"/>
+                          </a:schemeClr>
+                        </a:solidFill>
+                        <a:latin typeface="Cambria Math" panose="02040503050406030204" pitchFamily="18" charset="0"/>
+                      </a:rPr>
+                      <m:t>𝑝</m:t>
+                    </m:r>
+                    <m:r>
+                      <a:rPr lang="de-DE" sz="2000" i="1" dirty="0" smtClean="0">
+                        <a:solidFill>
+                          <a:schemeClr val="tx1">
+                            <a:lumMod val="50000"/>
+                            <a:lumOff val="50000"/>
+                          </a:schemeClr>
+                        </a:solidFill>
+                        <a:latin typeface="Cambria Math" panose="02040503050406030204" pitchFamily="18" charset="0"/>
+                      </a:rPr>
+                      <m:t>(</m:t>
+                    </m:r>
+                    <m:acc>
+                      <m:accPr>
+                        <m:chr m:val="⃗"/>
+                        <m:ctrlPr>
+                          <a:rPr lang="de-DE" sz="2000" i="1" dirty="0" smtClean="0">
+                            <a:solidFill>
+                              <a:schemeClr val="tx1">
+                                <a:lumMod val="50000"/>
+                                <a:lumOff val="50000"/>
+                              </a:schemeClr>
+                            </a:solidFill>
+                            <a:latin typeface="Cambria Math" panose="02040503050406030204" pitchFamily="18" charset="0"/>
+                          </a:rPr>
+                        </m:ctrlPr>
+                      </m:accPr>
+                      <m:e>
+                        <m:r>
+                          <a:rPr lang="de-DE" sz="2000" b="0" i="1" dirty="0" smtClean="0">
+                            <a:solidFill>
+                              <a:schemeClr val="tx1">
+                                <a:lumMod val="50000"/>
+                                <a:lumOff val="50000"/>
+                              </a:schemeClr>
+                            </a:solidFill>
+                            <a:latin typeface="Cambria Math" panose="02040503050406030204" pitchFamily="18" charset="0"/>
+                          </a:rPr>
+                          <m:t>𝐾</m:t>
+                        </m:r>
+                      </m:e>
+                    </m:acc>
+                    <m:r>
+                      <a:rPr lang="de-DE" sz="2000" i="1" dirty="0" smtClean="0">
+                        <a:solidFill>
+                          <a:schemeClr val="tx1">
+                            <a:lumMod val="50000"/>
+                            <a:lumOff val="50000"/>
+                          </a:schemeClr>
+                        </a:solidFill>
+                        <a:latin typeface="Cambria Math" panose="02040503050406030204" pitchFamily="18" charset="0"/>
+                      </a:rPr>
+                      <m:t>)</m:t>
+                    </m:r>
+                  </m:oMath>
+                </a14:m>
+                <a:endParaRPr lang="de-DE" sz="2000" dirty="0">
+                  <a:solidFill>
+                    <a:schemeClr val="tx1">
+                      <a:lumMod val="50000"/>
+                      <a:lumOff val="50000"/>
+                    </a:schemeClr>
+                  </a:solidFill>
+                </a:endParaRPr>
+              </a:p>
+              <a:p>
+                <a:pPr marL="457200" indent="-457200">
+                  <a:buFont typeface="+mj-lt"/>
+                  <a:buAutoNum type="arabicPeriod"/>
+                </a:pPr>
+                <a:r>
+                  <a:rPr lang="de-DE" sz="2000" dirty="0">
+                    <a:solidFill>
+                      <a:schemeClr val="tx1">
+                        <a:lumMod val="50000"/>
+                        <a:lumOff val="50000"/>
+                      </a:schemeClr>
+                    </a:solidFill>
+                  </a:rPr>
+                  <a:t>Kostenfunktion erstellen </a:t>
+                </a:r>
+                <a:r>
+                  <a:rPr lang="de-DE" sz="2000" dirty="0">
+                    <a:solidFill>
+                      <a:schemeClr val="tx1">
+                        <a:lumMod val="50000"/>
+                        <a:lumOff val="50000"/>
+                      </a:schemeClr>
+                    </a:solidFill>
+                    <a:sym typeface="Wingdings" panose="05000000000000000000" pitchFamily="2" charset="2"/>
+                  </a:rPr>
+                  <a:t> </a:t>
+                </a:r>
+                <a14:m>
+                  <m:oMath xmlns:m="http://schemas.openxmlformats.org/officeDocument/2006/math">
+                    <m:r>
+                      <a:rPr lang="de-DE" sz="2000" b="0" i="1" dirty="0" smtClean="0">
+                        <a:solidFill>
+                          <a:schemeClr val="tx1">
+                            <a:lumMod val="50000"/>
+                            <a:lumOff val="50000"/>
+                          </a:schemeClr>
+                        </a:solidFill>
+                        <a:latin typeface="Cambria Math" panose="02040503050406030204" pitchFamily="18" charset="0"/>
+                        <a:sym typeface="Wingdings" panose="05000000000000000000" pitchFamily="2" charset="2"/>
+                      </a:rPr>
+                      <m:t>𝑐</m:t>
+                    </m:r>
+                    <m:d>
+                      <m:dPr>
+                        <m:ctrlPr>
+                          <a:rPr lang="de-DE" sz="2000" b="0" i="1" dirty="0" smtClean="0">
+                            <a:solidFill>
+                              <a:schemeClr val="tx1">
+                                <a:lumMod val="50000"/>
+                                <a:lumOff val="50000"/>
+                              </a:schemeClr>
+                            </a:solidFill>
+                            <a:latin typeface="Cambria Math" panose="02040503050406030204" pitchFamily="18" charset="0"/>
+                            <a:sym typeface="Wingdings" panose="05000000000000000000" pitchFamily="2" charset="2"/>
+                          </a:rPr>
+                        </m:ctrlPr>
+                      </m:dPr>
+                      <m:e>
+                        <m:acc>
+                          <m:accPr>
+                            <m:chr m:val="⃗"/>
+                            <m:ctrlPr>
+                              <a:rPr lang="de-DE" sz="2000" b="0" i="1" dirty="0" smtClean="0">
+                                <a:solidFill>
+                                  <a:schemeClr val="tx1">
+                                    <a:lumMod val="50000"/>
+                                    <a:lumOff val="50000"/>
+                                  </a:schemeClr>
+                                </a:solidFill>
+                                <a:latin typeface="Cambria Math" panose="02040503050406030204" pitchFamily="18" charset="0"/>
+                              </a:rPr>
+                            </m:ctrlPr>
+                          </m:accPr>
+                          <m:e>
+                            <m:sSub>
+                              <m:sSubPr>
+                                <m:ctrlPr>
+                                  <a:rPr lang="de-DE" sz="2000" b="0" i="1" dirty="0" smtClean="0">
+                                    <a:solidFill>
+                                      <a:schemeClr val="tx1">
+                                        <a:lumMod val="50000"/>
+                                        <a:lumOff val="50000"/>
+                                      </a:schemeClr>
+                                    </a:solidFill>
+                                    <a:latin typeface="Cambria Math" panose="02040503050406030204" pitchFamily="18" charset="0"/>
+                                  </a:rPr>
+                                </m:ctrlPr>
+                              </m:sSubPr>
+                              <m:e>
+                                <m:r>
+                                  <a:rPr lang="de-DE" sz="2000" b="0" i="1" dirty="0" smtClean="0">
+                                    <a:solidFill>
+                                      <a:schemeClr val="tx1">
+                                        <a:lumMod val="50000"/>
+                                        <a:lumOff val="50000"/>
+                                      </a:schemeClr>
+                                    </a:solidFill>
+                                    <a:latin typeface="Cambria Math" panose="02040503050406030204" pitchFamily="18" charset="0"/>
+                                  </a:rPr>
+                                  <m:t>𝐸</m:t>
+                                </m:r>
+                              </m:e>
+                              <m:sub>
+                                <m:r>
+                                  <a:rPr lang="de-DE" sz="2000" b="0" i="1" dirty="0" smtClean="0">
+                                    <a:solidFill>
+                                      <a:schemeClr val="tx1">
+                                        <a:lumMod val="50000"/>
+                                        <a:lumOff val="50000"/>
+                                      </a:schemeClr>
+                                    </a:solidFill>
+                                    <a:latin typeface="Cambria Math" panose="02040503050406030204" pitchFamily="18" charset="0"/>
+                                  </a:rPr>
+                                  <m:t>𝑖</m:t>
+                                </m:r>
+                              </m:sub>
+                            </m:sSub>
+                          </m:e>
+                        </m:acc>
+                        <m:r>
+                          <a:rPr lang="de-DE" sz="2000" i="1" dirty="0" smtClean="0">
+                            <a:solidFill>
+                              <a:schemeClr val="tx1">
+                                <a:lumMod val="50000"/>
+                                <a:lumOff val="50000"/>
+                              </a:schemeClr>
+                            </a:solidFill>
+                            <a:latin typeface="Cambria Math" panose="02040503050406030204" pitchFamily="18" charset="0"/>
+                            <a:sym typeface="Wingdings" panose="05000000000000000000" pitchFamily="2" charset="2"/>
+                          </a:rPr>
+                          <m:t>,</m:t>
+                        </m:r>
+                        <m:r>
+                          <a:rPr lang="de-DE" sz="2000" i="1" dirty="0" smtClean="0">
+                            <a:solidFill>
+                              <a:schemeClr val="tx1">
+                                <a:lumMod val="50000"/>
+                                <a:lumOff val="50000"/>
+                              </a:schemeClr>
+                            </a:solidFill>
+                            <a:latin typeface="Cambria Math" panose="02040503050406030204" pitchFamily="18" charset="0"/>
+                            <a:sym typeface="Wingdings" panose="05000000000000000000" pitchFamily="2" charset="2"/>
+                          </a:rPr>
+                          <m:t>𝑝</m:t>
+                        </m:r>
+                        <m:r>
+                          <a:rPr lang="de-DE" sz="2000" b="0" i="1" dirty="0" smtClean="0">
+                            <a:solidFill>
+                              <a:schemeClr val="tx1">
+                                <a:lumMod val="50000"/>
+                                <a:lumOff val="50000"/>
+                              </a:schemeClr>
+                            </a:solidFill>
+                            <a:latin typeface="Cambria Math" panose="02040503050406030204" pitchFamily="18" charset="0"/>
+                            <a:sym typeface="Wingdings" panose="05000000000000000000" pitchFamily="2" charset="2"/>
+                          </a:rPr>
+                          <m:t>−</m:t>
+                        </m:r>
+                        <m:sSub>
+                          <m:sSubPr>
+                            <m:ctrlPr>
+                              <a:rPr lang="de-DE" sz="2000" b="0" i="1" dirty="0" smtClean="0">
+                                <a:solidFill>
+                                  <a:schemeClr val="tx1">
+                                    <a:lumMod val="50000"/>
+                                    <a:lumOff val="50000"/>
+                                  </a:schemeClr>
+                                </a:solidFill>
+                                <a:latin typeface="Cambria Math" panose="02040503050406030204" pitchFamily="18" charset="0"/>
+                                <a:sym typeface="Wingdings" panose="05000000000000000000" pitchFamily="2" charset="2"/>
+                              </a:rPr>
+                            </m:ctrlPr>
+                          </m:sSubPr>
+                          <m:e>
+                            <m:r>
+                              <a:rPr lang="de-DE" sz="2000" b="0" i="1" dirty="0" smtClean="0">
+                                <a:solidFill>
+                                  <a:schemeClr val="tx1">
+                                    <a:lumMod val="50000"/>
+                                    <a:lumOff val="50000"/>
+                                  </a:schemeClr>
+                                </a:solidFill>
+                                <a:latin typeface="Cambria Math" panose="02040503050406030204" pitchFamily="18" charset="0"/>
+                                <a:sym typeface="Wingdings" panose="05000000000000000000" pitchFamily="2" charset="2"/>
+                              </a:rPr>
+                              <m:t>𝑝</m:t>
+                            </m:r>
+                          </m:e>
+                          <m:sub>
+                            <m:r>
+                              <a:rPr lang="de-DE" sz="2000" b="0" i="1" dirty="0" smtClean="0">
+                                <a:solidFill>
+                                  <a:schemeClr val="tx1">
+                                    <a:lumMod val="50000"/>
+                                    <a:lumOff val="50000"/>
+                                  </a:schemeClr>
+                                </a:solidFill>
+                                <a:latin typeface="Cambria Math" panose="02040503050406030204" pitchFamily="18" charset="0"/>
+                                <a:sym typeface="Wingdings" panose="05000000000000000000" pitchFamily="2" charset="2"/>
+                              </a:rPr>
+                              <m:t>𝑍</m:t>
+                            </m:r>
+                          </m:sub>
+                        </m:sSub>
+                        <m:r>
+                          <a:rPr lang="de-DE" sz="2000" i="1" dirty="0" smtClean="0">
+                            <a:solidFill>
+                              <a:schemeClr val="tx1">
+                                <a:lumMod val="50000"/>
+                                <a:lumOff val="50000"/>
+                              </a:schemeClr>
+                            </a:solidFill>
+                            <a:latin typeface="Cambria Math" panose="02040503050406030204" pitchFamily="18" charset="0"/>
+                            <a:sym typeface="Wingdings" panose="05000000000000000000" pitchFamily="2" charset="2"/>
+                          </a:rPr>
+                          <m:t>,…</m:t>
+                        </m:r>
+                      </m:e>
+                    </m:d>
+                  </m:oMath>
+                </a14:m>
+                <a:br>
+                  <a:rPr lang="de-DE" sz="2000" dirty="0">
+                    <a:sym typeface="Wingdings" panose="05000000000000000000" pitchFamily="2" charset="2"/>
+                  </a:rPr>
+                </a:br>
+                <a:br>
+                  <a:rPr lang="de-DE" sz="2000" dirty="0">
+                    <a:sym typeface="Wingdings" panose="05000000000000000000" pitchFamily="2" charset="2"/>
+                  </a:rPr>
+                </a:br>
+                <a:endParaRPr lang="de-DE" sz="2000" dirty="0">
+                  <a:sym typeface="Wingdings" panose="05000000000000000000" pitchFamily="2" charset="2"/>
+                </a:endParaRPr>
+              </a:p>
+              <a:p>
+                <a:pPr marL="457200" indent="-457200">
+                  <a:buFont typeface="+mj-lt"/>
+                  <a:buAutoNum type="arabicPeriod"/>
+                </a:pPr>
+                <a:r>
+                  <a:rPr lang="de-DE" sz="2000" dirty="0">
+                    <a:sym typeface="Wingdings" panose="05000000000000000000" pitchFamily="2" charset="2"/>
+                  </a:rPr>
+                  <a:t> Eigenes System, das </a:t>
+                </a:r>
+              </a:p>
+              <a:p>
+                <a:pPr marL="914400" lvl="1" indent="-457200">
+                  <a:buFont typeface="+mj-lt"/>
+                  <a:buAutoNum type="arabicPeriod"/>
+                </a:pPr>
+                <a:r>
+                  <a:rPr lang="de-DE" sz="1600" dirty="0">
+                    <a:sym typeface="Wingdings" panose="05000000000000000000" pitchFamily="2" charset="2"/>
+                  </a:rPr>
+                  <a:t>Kompressoren steuert </a:t>
+                </a:r>
+              </a:p>
+              <a:p>
+                <a:pPr marL="914400" lvl="1" indent="-457200">
+                  <a:buFont typeface="+mj-lt"/>
+                  <a:buAutoNum type="arabicPeriod"/>
+                </a:pPr>
+                <a:r>
+                  <a:rPr lang="de-DE" sz="1600" dirty="0">
+                    <a:sym typeface="Wingdings" panose="05000000000000000000" pitchFamily="2" charset="2"/>
+                  </a:rPr>
+                  <a:t>Kosten minimiert</a:t>
+                </a:r>
+              </a:p>
+              <a:p>
+                <a:pPr marL="1371600" lvl="2" indent="-457200">
+                  <a:buFont typeface="+mj-lt"/>
+                  <a:buAutoNum type="arabicPeriod"/>
+                </a:pPr>
+                <a:r>
+                  <a:rPr lang="de-DE" sz="1600" dirty="0">
+                    <a:sym typeface="Wingdings" panose="05000000000000000000" pitchFamily="2" charset="2"/>
+                  </a:rPr>
+                  <a:t>CO2</a:t>
+                </a:r>
+              </a:p>
+              <a:p>
+                <a:pPr marL="1371600" lvl="2" indent="-457200">
+                  <a:buFont typeface="+mj-lt"/>
+                  <a:buAutoNum type="arabicPeriod"/>
+                </a:pPr>
+                <a:r>
+                  <a:rPr lang="de-DE" sz="1600" dirty="0">
+                    <a:sym typeface="Wingdings" panose="05000000000000000000" pitchFamily="2" charset="2"/>
+                  </a:rPr>
+                  <a:t>Energiekosten</a:t>
+                </a:r>
+              </a:p>
+              <a:p>
+                <a:pPr marL="1371600" lvl="2" indent="-457200">
+                  <a:buFont typeface="+mj-lt"/>
+                  <a:buAutoNum type="arabicPeriod"/>
+                </a:pPr>
+                <a:r>
+                  <a:rPr lang="de-DE" sz="1600" dirty="0">
+                    <a:sym typeface="Wingdings" panose="05000000000000000000" pitchFamily="2" charset="2"/>
+                  </a:rPr>
+                  <a:t>in Abhängigkeit der Stromprognose</a:t>
+                </a:r>
+                <a:endParaRPr lang="de-DE" sz="1600" dirty="0"/>
+              </a:p>
+              <a:p>
+                <a:pPr lvl="2"/>
+                <a:endParaRPr lang="de-DE" dirty="0"/>
+              </a:p>
+            </p:txBody>
+          </p:sp>
+        </mc:Choice>
+        <mc:Fallback>
+          <p:sp>
+            <p:nvSpPr>
+              <p:cNvPr id="3" name="Inhaltsplatzhalter 2">
+                <a:extLst>
+                  <a:ext uri="{FF2B5EF4-FFF2-40B4-BE49-F238E27FC236}">
+                    <a16:creationId xmlns:a16="http://schemas.microsoft.com/office/drawing/2014/main" id="{BB513A37-42A1-4FEC-87C6-A5A467E485E1}"/>
+                  </a:ext>
+                </a:extLst>
+              </p:cNvPr>
+              <p:cNvSpPr>
+                <a:spLocks noGrp="1" noRot="1" noChangeAspect="1" noMove="1" noResize="1" noEditPoints="1" noAdjustHandles="1" noChangeArrowheads="1" noChangeShapeType="1" noTextEdit="1"/>
+              </p:cNvSpPr>
+              <p:nvPr>
+                <p:ph idx="1"/>
+              </p:nvPr>
+            </p:nvSpPr>
+            <p:spPr>
+              <a:blipFill>
                 <a:blip r:embed="rId2"/>
                 <a:stretch>
-                  <a:fillRect l="-522"/>
+                  <a:fillRect l="-638" t="-140"/>
                 </a:stretch>
               </a:blipFill>
             </p:spPr>
@@ -5937,7 +6713,350 @@
 </p:sld>
 </file>
 
-<file path=ppt/slides/slide13.xml><?xml version="1.0" encoding="utf-8"?>
+<file path=ppt/slides/slide14.xml><?xml version="1.0" encoding="utf-8"?>
+<p:sld xmlns:a="http://schemas.openxmlformats.org/drawingml/2006/main" xmlns:r="http://schemas.openxmlformats.org/officeDocument/2006/relationships" xmlns:p="http://schemas.openxmlformats.org/presentationml/2006/main">
+  <p:cSld>
+    <p:spTree>
+      <p:nvGrpSpPr>
+        <p:cNvPr id="1" name=""/>
+        <p:cNvGrpSpPr/>
+        <p:nvPr/>
+      </p:nvGrpSpPr>
+      <p:grpSpPr>
+        <a:xfrm>
+          <a:off x="0" y="0"/>
+          <a:ext cx="0" cy="0"/>
+          <a:chOff x="0" y="0"/>
+          <a:chExt cx="0" cy="0"/>
+        </a:xfrm>
+      </p:grpSpPr>
+      <p:sp>
+        <p:nvSpPr>
+          <p:cNvPr id="2" name="Titel 1">
+            <a:extLst>
+              <a:ext uri="{FF2B5EF4-FFF2-40B4-BE49-F238E27FC236}">
+                <a16:creationId xmlns:a16="http://schemas.microsoft.com/office/drawing/2014/main" id="{55A0B35B-18FA-499F-ADC6-8156E7C407C6}"/>
+              </a:ext>
+            </a:extLst>
+          </p:cNvPr>
+          <p:cNvSpPr>
+            <a:spLocks noGrp="1"/>
+          </p:cNvSpPr>
+          <p:nvPr>
+            <p:ph type="title"/>
+          </p:nvPr>
+        </p:nvSpPr>
+        <p:spPr/>
+        <p:txBody>
+          <a:bodyPr/>
+          <a:lstStyle/>
+          <a:p>
+            <a:r>
+              <a:rPr lang="de-DE" dirty="0"/>
+              <a:t>Ungenügende Daten - Probleme</a:t>
+            </a:r>
+          </a:p>
+        </p:txBody>
+      </p:sp>
+      <mc:AlternateContent xmlns:mc="http://schemas.openxmlformats.org/markup-compatibility/2006" xmlns:a14="http://schemas.microsoft.com/office/drawing/2010/main">
+        <mc:Choice Requires="a14">
+          <p:sp>
+            <p:nvSpPr>
+              <p:cNvPr id="3" name="Inhaltsplatzhalter 2">
+                <a:extLst>
+                  <a:ext uri="{FF2B5EF4-FFF2-40B4-BE49-F238E27FC236}">
+                    <a16:creationId xmlns:a16="http://schemas.microsoft.com/office/drawing/2014/main" id="{59269314-69FF-4ACF-AE25-AE430A3B725F}"/>
+                  </a:ext>
+                </a:extLst>
+              </p:cNvPr>
+              <p:cNvSpPr>
+                <a:spLocks noGrp="1"/>
+              </p:cNvSpPr>
+              <p:nvPr>
+                <p:ph idx="1"/>
+              </p:nvPr>
+            </p:nvSpPr>
+            <p:spPr/>
+            <p:txBody>
+              <a:bodyPr>
+                <a:normAutofit fontScale="92500"/>
+              </a:bodyPr>
+              <a:lstStyle/>
+              <a:p>
+                <a:r>
+                  <a:rPr lang="de-DE" dirty="0"/>
+                  <a:t>Messungen zu unterschiedlichen Zeitpunkten</a:t>
+                </a:r>
+              </a:p>
+              <a:p>
+                <a:pPr lvl="1"/>
+                <a:r>
+                  <a:rPr lang="de-DE" dirty="0"/>
+                  <a:t>Lösung: </a:t>
+                </a:r>
+              </a:p>
+              <a:p>
+                <a:pPr lvl="2"/>
+                <a:r>
+                  <a:rPr lang="de-DE" dirty="0" err="1"/>
+                  <a:t>forward</a:t>
+                </a:r>
+                <a:r>
+                  <a:rPr lang="de-DE" dirty="0"/>
+                  <a:t> </a:t>
+                </a:r>
+                <a:r>
+                  <a:rPr lang="de-DE" dirty="0" err="1"/>
+                  <a:t>fill</a:t>
+                </a:r>
+                <a:r>
+                  <a:rPr lang="de-DE" dirty="0"/>
+                  <a:t> </a:t>
+                </a:r>
+              </a:p>
+              <a:p>
+                <a:pPr lvl="2"/>
+                <a:r>
+                  <a:rPr lang="de-DE" dirty="0"/>
+                  <a:t>Interpolation linear</a:t>
+                </a:r>
+              </a:p>
+              <a:p>
+                <a:pPr lvl="2"/>
+                <a:r>
+                  <a:rPr lang="de-DE" dirty="0"/>
+                  <a:t>…</a:t>
+                </a:r>
+              </a:p>
+              <a:p>
+                <a:pPr lvl="2"/>
+                <a:endParaRPr lang="de-DE" dirty="0"/>
+              </a:p>
+              <a:p>
+                <a:r>
+                  <a:rPr lang="de-DE" dirty="0"/>
+                  <a:t>Maximaler Volumenstrom nur mitgeliefert für regelbare Kompressoren</a:t>
+                </a:r>
+              </a:p>
+              <a:p>
+                <a:pPr lvl="1"/>
+                <a:r>
+                  <a:rPr lang="de-DE" dirty="0"/>
+                  <a:t>Lösung:</a:t>
+                </a:r>
+              </a:p>
+              <a:p>
+                <a:pPr lvl="2"/>
+                <a:r>
+                  <a:rPr lang="de-DE" dirty="0"/>
+                  <a:t>Bei identifizierbarem Kompressor in Produktdatenblättern nachsehen</a:t>
+                </a:r>
+              </a:p>
+              <a:p>
+                <a:pPr lvl="2"/>
+                <a:r>
+                  <a:rPr lang="de-DE" dirty="0"/>
+                  <a:t>Sonst den maximalen Volumenfluss </a:t>
+                </a:r>
+                <a14:m>
+                  <m:oMath xmlns:m="http://schemas.openxmlformats.org/officeDocument/2006/math">
+                    <m:sSub>
+                      <m:sSubPr>
+                        <m:ctrlPr>
+                          <a:rPr lang="de-DE" sz="2000" b="0" i="1" dirty="0" smtClean="0">
+                            <a:latin typeface="Cambria Math" panose="02040503050406030204" pitchFamily="18" charset="0"/>
+                          </a:rPr>
+                        </m:ctrlPr>
+                      </m:sSubPr>
+                      <m:e>
+                        <m:d>
+                          <m:dPr>
+                            <m:ctrlPr>
+                              <a:rPr lang="de-DE" sz="2000" b="0" i="1" dirty="0" smtClean="0">
+                                <a:latin typeface="Cambria Math" panose="02040503050406030204" pitchFamily="18" charset="0"/>
+                              </a:rPr>
+                            </m:ctrlPr>
+                          </m:dPr>
+                          <m:e>
+                            <m:acc>
+                              <m:accPr>
+                                <m:chr m:val="⃗"/>
+                                <m:ctrlPr>
+                                  <a:rPr lang="de-DE" sz="2000" i="1" dirty="0" smtClean="0">
+                                    <a:latin typeface="Cambria Math" panose="02040503050406030204" pitchFamily="18" charset="0"/>
+                                  </a:rPr>
+                                </m:ctrlPr>
+                              </m:accPr>
+                              <m:e>
+                                <m:f>
+                                  <m:fPr>
+                                    <m:ctrlPr>
+                                      <a:rPr lang="de-DE" sz="2000" i="1" dirty="0" smtClean="0">
+                                        <a:latin typeface="Cambria Math" panose="02040503050406030204" pitchFamily="18" charset="0"/>
+                                      </a:rPr>
+                                    </m:ctrlPr>
+                                  </m:fPr>
+                                  <m:num>
+                                    <m:r>
+                                      <a:rPr lang="de-DE" sz="2000" i="1" dirty="0" smtClean="0">
+                                        <a:latin typeface="Cambria Math" panose="02040503050406030204" pitchFamily="18" charset="0"/>
+                                      </a:rPr>
+                                      <m:t>𝜕</m:t>
+                                    </m:r>
+                                    <m:sSub>
+                                      <m:sSubPr>
+                                        <m:ctrlPr>
+                                          <a:rPr lang="de-DE" sz="2000" b="0" i="1" dirty="0" smtClean="0">
+                                            <a:latin typeface="Cambria Math" panose="02040503050406030204" pitchFamily="18" charset="0"/>
+                                          </a:rPr>
+                                        </m:ctrlPr>
+                                      </m:sSubPr>
+                                      <m:e>
+                                        <m:r>
+                                          <a:rPr lang="de-DE" sz="2000" b="0" i="1" dirty="0" smtClean="0">
+                                            <a:latin typeface="Cambria Math" panose="02040503050406030204" pitchFamily="18" charset="0"/>
+                                          </a:rPr>
+                                          <m:t>𝑉</m:t>
+                                        </m:r>
+                                      </m:e>
+                                      <m:sub/>
+                                    </m:sSub>
+                                  </m:num>
+                                  <m:den>
+                                    <m:r>
+                                      <a:rPr lang="de-DE" sz="2000" i="1" dirty="0" smtClean="0">
+                                        <a:latin typeface="Cambria Math" panose="02040503050406030204" pitchFamily="18" charset="0"/>
+                                      </a:rPr>
+                                      <m:t>𝜕</m:t>
+                                    </m:r>
+                                    <m:r>
+                                      <a:rPr lang="de-DE" sz="2000" b="0" i="1" dirty="0" smtClean="0">
+                                        <a:latin typeface="Cambria Math" panose="02040503050406030204" pitchFamily="18" charset="0"/>
+                                      </a:rPr>
+                                      <m:t>𝑡</m:t>
+                                    </m:r>
+                                  </m:den>
+                                </m:f>
+                              </m:e>
+                            </m:acc>
+                          </m:e>
+                        </m:d>
+                      </m:e>
+                      <m:sub>
+                        <m:r>
+                          <a:rPr lang="de-DE" sz="2000" b="0" i="1" dirty="0" smtClean="0">
+                            <a:latin typeface="Cambria Math" panose="02040503050406030204" pitchFamily="18" charset="0"/>
+                          </a:rPr>
+                          <m:t>𝑚𝑎𝑥</m:t>
+                        </m:r>
+                      </m:sub>
+                    </m:sSub>
+                    <m:r>
+                      <a:rPr lang="de-DE" sz="2000" b="0" i="1" dirty="0" smtClean="0">
+                        <a:latin typeface="Cambria Math" panose="02040503050406030204" pitchFamily="18" charset="0"/>
+                      </a:rPr>
+                      <m:t> </m:t>
+                    </m:r>
+                  </m:oMath>
+                </a14:m>
+                <a:r>
+                  <a:rPr lang="de-DE" dirty="0"/>
+                  <a:t>über die maximale elektrische Leistung </a:t>
+                </a:r>
+                <a14:m>
+                  <m:oMath xmlns:m="http://schemas.openxmlformats.org/officeDocument/2006/math">
+                    <m:sSub>
+                      <m:sSubPr>
+                        <m:ctrlPr>
+                          <a:rPr lang="de-DE" i="1">
+                            <a:latin typeface="Cambria Math" panose="02040503050406030204" pitchFamily="18" charset="0"/>
+                          </a:rPr>
+                        </m:ctrlPr>
+                      </m:sSubPr>
+                      <m:e>
+                        <m:r>
+                          <a:rPr lang="de-DE" i="1">
+                            <a:latin typeface="Cambria Math" panose="02040503050406030204" pitchFamily="18" charset="0"/>
+                          </a:rPr>
+                          <m:t>𝑃</m:t>
+                        </m:r>
+                      </m:e>
+                      <m:sub>
+                        <m:r>
+                          <m:rPr>
+                            <m:sty m:val="p"/>
+                          </m:rPr>
+                          <a:rPr lang="de-DE">
+                            <a:latin typeface="Cambria Math" panose="02040503050406030204" pitchFamily="18" charset="0"/>
+                          </a:rPr>
+                          <m:t>elektrisch</m:t>
+                        </m:r>
+                      </m:sub>
+                    </m:sSub>
+                  </m:oMath>
+                </a14:m>
+                <a:r>
+                  <a:rPr lang="de-DE" dirty="0"/>
+                  <a:t> und mit Wirkungsgrad versehen</a:t>
+                </a:r>
+              </a:p>
+            </p:txBody>
+          </p:sp>
+        </mc:Choice>
+        <mc:Fallback xmlns="">
+          <p:sp>
+            <p:nvSpPr>
+              <p:cNvPr id="3" name="Inhaltsplatzhalter 2">
+                <a:extLst>
+                  <a:ext uri="{FF2B5EF4-FFF2-40B4-BE49-F238E27FC236}">
+                    <a16:creationId xmlns:a16="http://schemas.microsoft.com/office/drawing/2014/main" id="{59269314-69FF-4ACF-AE25-AE430A3B725F}"/>
+                  </a:ext>
+                </a:extLst>
+              </p:cNvPr>
+              <p:cNvSpPr>
+                <a:spLocks noGrp="1" noRot="1" noChangeAspect="1" noMove="1" noResize="1" noEditPoints="1" noAdjustHandles="1" noChangeArrowheads="1" noChangeShapeType="1" noTextEdit="1"/>
+              </p:cNvSpPr>
+              <p:nvPr>
+                <p:ph idx="1"/>
+              </p:nvPr>
+            </p:nvSpPr>
+            <p:spPr>
+              <a:blipFill>
+                <a:blip r:embed="rId3"/>
+                <a:stretch>
+                  <a:fillRect l="-928" t="-2101"/>
+                </a:stretch>
+              </a:blipFill>
+            </p:spPr>
+            <p:txBody>
+              <a:bodyPr/>
+              <a:lstStyle/>
+              <a:p>
+                <a:r>
+                  <a:rPr lang="de-DE">
+                    <a:noFill/>
+                  </a:rPr>
+                  <a:t> </a:t>
+                </a:r>
+              </a:p>
+            </p:txBody>
+          </p:sp>
+        </mc:Fallback>
+      </mc:AlternateContent>
+    </p:spTree>
+    <p:extLst>
+      <p:ext uri="{BB962C8B-B14F-4D97-AF65-F5344CB8AC3E}">
+        <p14:creationId xmlns:p14="http://schemas.microsoft.com/office/powerpoint/2010/main" val="2602482014"/>
+      </p:ext>
+    </p:extLst>
+  </p:cSld>
+  <p:clrMapOvr>
+    <a:masterClrMapping/>
+  </p:clrMapOvr>
+</p:sld>
+</file>
+
+<file path=ppt/slides/slide15.xml><?xml version="1.0" encoding="utf-8"?>
 <p:sld xmlns:a="http://schemas.openxmlformats.org/drawingml/2006/main" xmlns:r="http://schemas.openxmlformats.org/officeDocument/2006/relationships" xmlns:p="http://schemas.openxmlformats.org/presentationml/2006/main">
   <p:cSld>
     <p:spTree>
@@ -7835,7 +8954,1516 @@
 </p:sld>
 </file>
 
-<file path=ppt/slides/slide14.xml><?xml version="1.0" encoding="utf-8"?>
+<file path=ppt/slides/slide16.xml><?xml version="1.0" encoding="utf-8"?>
+<p:sld xmlns:a="http://schemas.openxmlformats.org/drawingml/2006/main" xmlns:r="http://schemas.openxmlformats.org/officeDocument/2006/relationships" xmlns:p="http://schemas.openxmlformats.org/presentationml/2006/main">
+  <p:cSld>
+    <p:spTree>
+      <p:nvGrpSpPr>
+        <p:cNvPr id="1" name=""/>
+        <p:cNvGrpSpPr/>
+        <p:nvPr/>
+      </p:nvGrpSpPr>
+      <p:grpSpPr>
+        <a:xfrm>
+          <a:off x="0" y="0"/>
+          <a:ext cx="0" cy="0"/>
+          <a:chOff x="0" y="0"/>
+          <a:chExt cx="0" cy="0"/>
+        </a:xfrm>
+      </p:grpSpPr>
+      <mc:AlternateContent xmlns:mc="http://schemas.openxmlformats.org/markup-compatibility/2006" xmlns:a14="http://schemas.microsoft.com/office/drawing/2010/main">
+        <mc:Choice Requires="a14">
+          <p:sp>
+            <p:nvSpPr>
+              <p:cNvPr id="2" name="Titel 1">
+                <a:extLst>
+                  <a:ext uri="{FF2B5EF4-FFF2-40B4-BE49-F238E27FC236}">
+                    <a16:creationId xmlns:a16="http://schemas.microsoft.com/office/drawing/2014/main" id="{D70A650C-2596-4015-949A-D2528CD82F8A}"/>
+                  </a:ext>
+                </a:extLst>
+              </p:cNvPr>
+              <p:cNvSpPr>
+                <a:spLocks noGrp="1"/>
+              </p:cNvSpPr>
+              <p:nvPr>
+                <p:ph type="title"/>
+              </p:nvPr>
+            </p:nvSpPr>
+            <p:spPr>
+              <a:xfrm>
+                <a:off x="838200" y="690443"/>
+                <a:ext cx="10515600" cy="1325563"/>
+              </a:xfrm>
+            </p:spPr>
+            <p:txBody>
+              <a:bodyPr>
+                <a:normAutofit fontScale="90000"/>
+              </a:bodyPr>
+              <a:lstStyle/>
+              <a:p>
+                <a:r>
+                  <a:rPr lang="de-DE" dirty="0"/>
+                  <a:t>Algorithmus 1  </a:t>
+                </a:r>
+                <a:r>
+                  <a:rPr lang="de-DE" sz="4400" dirty="0"/>
+                  <a:t> </a:t>
+                </a:r>
+                <a:r>
+                  <a:rPr lang="de-DE" sz="4400" dirty="0">
+                    <a:sym typeface="Wingdings" panose="05000000000000000000" pitchFamily="2" charset="2"/>
+                  </a:rPr>
+                  <a:t></a:t>
+                </a:r>
+                <a:r>
+                  <a:rPr lang="de-DE" sz="4400" dirty="0"/>
+                  <a:t> </a:t>
+                </a:r>
+                <a14:m>
+                  <m:oMath xmlns:m="http://schemas.openxmlformats.org/officeDocument/2006/math">
+                    <m:acc>
+                      <m:accPr>
+                        <m:chr m:val="⃗"/>
+                        <m:ctrlPr>
+                          <a:rPr lang="de-DE" sz="4400" i="1" dirty="0" smtClean="0">
+                            <a:latin typeface="Cambria Math" panose="02040503050406030204" pitchFamily="18" charset="0"/>
+                          </a:rPr>
+                        </m:ctrlPr>
+                      </m:accPr>
+                      <m:e>
+                        <m:f>
+                          <m:fPr>
+                            <m:ctrlPr>
+                              <a:rPr lang="de-DE" sz="4400" i="1" dirty="0" smtClean="0">
+                                <a:latin typeface="Cambria Math" panose="02040503050406030204" pitchFamily="18" charset="0"/>
+                              </a:rPr>
+                            </m:ctrlPr>
+                          </m:fPr>
+                          <m:num>
+                            <m:r>
+                              <a:rPr lang="de-DE" sz="4400" i="1" dirty="0" smtClean="0">
+                                <a:latin typeface="Cambria Math" panose="02040503050406030204" pitchFamily="18" charset="0"/>
+                              </a:rPr>
+                              <m:t>𝜕</m:t>
+                            </m:r>
+                            <m:sSub>
+                              <m:sSubPr>
+                                <m:ctrlPr>
+                                  <a:rPr lang="de-DE" sz="4400" b="0" i="1" dirty="0" smtClean="0">
+                                    <a:latin typeface="Cambria Math" panose="02040503050406030204" pitchFamily="18" charset="0"/>
+                                  </a:rPr>
+                                </m:ctrlPr>
+                              </m:sSubPr>
+                              <m:e>
+                                <m:r>
+                                  <a:rPr lang="de-DE" sz="4400" b="0" i="1" dirty="0" smtClean="0">
+                                    <a:latin typeface="Cambria Math" panose="02040503050406030204" pitchFamily="18" charset="0"/>
+                                  </a:rPr>
+                                  <m:t>𝑉</m:t>
+                                </m:r>
+                              </m:e>
+                              <m:sub>
+                                <m:r>
+                                  <a:rPr lang="de-DE" sz="4400" b="0" i="1" dirty="0" smtClean="0">
+                                    <a:latin typeface="Cambria Math" panose="02040503050406030204" pitchFamily="18" charset="0"/>
+                                  </a:rPr>
+                                  <m:t>𝑖</m:t>
+                                </m:r>
+                              </m:sub>
+                            </m:sSub>
+                          </m:num>
+                          <m:den>
+                            <m:r>
+                              <a:rPr lang="de-DE" sz="4400" i="1" dirty="0" smtClean="0">
+                                <a:latin typeface="Cambria Math" panose="02040503050406030204" pitchFamily="18" charset="0"/>
+                              </a:rPr>
+                              <m:t>𝜕</m:t>
+                            </m:r>
+                            <m:r>
+                              <a:rPr lang="de-DE" sz="4400" b="0" i="1" dirty="0" smtClean="0">
+                                <a:latin typeface="Cambria Math" panose="02040503050406030204" pitchFamily="18" charset="0"/>
+                              </a:rPr>
+                              <m:t>𝑡</m:t>
+                            </m:r>
+                          </m:den>
+                        </m:f>
+                      </m:e>
+                    </m:acc>
+                    <m:r>
+                      <a:rPr lang="de-DE" sz="4400" i="1" dirty="0" smtClean="0">
+                        <a:latin typeface="Cambria Math" panose="02040503050406030204" pitchFamily="18" charset="0"/>
+                      </a:rPr>
+                      <m:t>(</m:t>
+                    </m:r>
+                    <m:acc>
+                      <m:accPr>
+                        <m:chr m:val="⃗"/>
+                        <m:ctrlPr>
+                          <a:rPr lang="de-DE" sz="4400" i="1" dirty="0" smtClean="0">
+                            <a:latin typeface="Cambria Math" panose="02040503050406030204" pitchFamily="18" charset="0"/>
+                          </a:rPr>
+                        </m:ctrlPr>
+                      </m:accPr>
+                      <m:e>
+                        <m:r>
+                          <a:rPr lang="de-DE" sz="4400" b="0" i="1" dirty="0" smtClean="0">
+                            <a:latin typeface="Cambria Math" panose="02040503050406030204" pitchFamily="18" charset="0"/>
+                          </a:rPr>
+                          <m:t>𝐾</m:t>
+                        </m:r>
+                      </m:e>
+                    </m:acc>
+                    <m:r>
+                      <a:rPr lang="de-DE" sz="4400" i="1" dirty="0" smtClean="0">
+                        <a:latin typeface="Cambria Math" panose="02040503050406030204" pitchFamily="18" charset="0"/>
+                      </a:rPr>
+                      <m:t>)</m:t>
+                    </m:r>
+                  </m:oMath>
+                </a14:m>
+                <a:br>
+                  <a:rPr lang="de-DE" dirty="0"/>
+                </a:br>
+                <a:r>
+                  <a:rPr lang="de-DE" dirty="0"/>
+                  <a:t>	Wie sind die </a:t>
+                </a:r>
+                <a:r>
+                  <a:rPr lang="de-DE" dirty="0" err="1"/>
+                  <a:t>target</a:t>
+                </a:r>
+                <a:r>
+                  <a:rPr lang="de-DE" dirty="0"/>
+                  <a:t>-Daten verteilt?</a:t>
+                </a:r>
+                <a:br>
+                  <a:rPr lang="de-DE" dirty="0"/>
+                </a:br>
+                <a:endParaRPr lang="de-DE" dirty="0"/>
+              </a:p>
+            </p:txBody>
+          </p:sp>
+        </mc:Choice>
+        <mc:Fallback xmlns="">
+          <p:sp>
+            <p:nvSpPr>
+              <p:cNvPr id="2" name="Titel 1">
+                <a:extLst>
+                  <a:ext uri="{FF2B5EF4-FFF2-40B4-BE49-F238E27FC236}">
+                    <a16:creationId xmlns:a16="http://schemas.microsoft.com/office/drawing/2014/main" id="{D70A650C-2596-4015-949A-D2528CD82F8A}"/>
+                  </a:ext>
+                </a:extLst>
+              </p:cNvPr>
+              <p:cNvSpPr>
+                <a:spLocks noGrp="1" noRot="1" noChangeAspect="1" noMove="1" noResize="1" noEditPoints="1" noAdjustHandles="1" noChangeArrowheads="1" noChangeShapeType="1" noTextEdit="1"/>
+              </p:cNvSpPr>
+              <p:nvPr>
+                <p:ph type="title"/>
+              </p:nvPr>
+            </p:nvSpPr>
+            <p:spPr>
+              <a:xfrm>
+                <a:off x="838200" y="690443"/>
+                <a:ext cx="10515600" cy="1325563"/>
+              </a:xfrm>
+              <a:blipFill>
+                <a:blip r:embed="rId5"/>
+                <a:stretch>
+                  <a:fillRect l="-2087" t="-27982" b="-9174"/>
+                </a:stretch>
+              </a:blipFill>
+            </p:spPr>
+            <p:txBody>
+              <a:bodyPr/>
+              <a:lstStyle/>
+              <a:p>
+                <a:r>
+                  <a:rPr lang="de-DE">
+                    <a:noFill/>
+                  </a:rPr>
+                  <a:t> </a:t>
+                </a:r>
+              </a:p>
+            </p:txBody>
+          </p:sp>
+        </mc:Fallback>
+      </mc:AlternateContent>
+      <p:sp>
+        <p:nvSpPr>
+          <p:cNvPr id="3" name="Inhaltsplatzhalter 2">
+            <a:extLst>
+              <a:ext uri="{FF2B5EF4-FFF2-40B4-BE49-F238E27FC236}">
+                <a16:creationId xmlns:a16="http://schemas.microsoft.com/office/drawing/2014/main" id="{483CAA1B-AB1F-4B52-B7CC-0AC8F8C20E46}"/>
+              </a:ext>
+            </a:extLst>
+          </p:cNvPr>
+          <p:cNvSpPr>
+            <a:spLocks noGrp="1"/>
+          </p:cNvSpPr>
+          <p:nvPr>
+            <p:ph idx="1"/>
+          </p:nvPr>
+        </p:nvSpPr>
+        <p:spPr>
+          <a:xfrm>
+            <a:off x="838200" y="2338753"/>
+            <a:ext cx="3100754" cy="3838209"/>
+          </a:xfrm>
+        </p:spPr>
+        <p:txBody>
+          <a:bodyPr>
+            <a:normAutofit/>
+          </a:bodyPr>
+          <a:lstStyle/>
+          <a:p>
+            <a:r>
+              <a:rPr lang="de-DE" sz="2400" dirty="0"/>
+              <a:t>Nicht normalverteilt</a:t>
+            </a:r>
+          </a:p>
+        </p:txBody>
+      </p:sp>
+      <p:pic>
+        <p:nvPicPr>
+          <p:cNvPr id="9" name="Grafik 8">
+            <a:extLst>
+              <a:ext uri="{FF2B5EF4-FFF2-40B4-BE49-F238E27FC236}">
+                <a16:creationId xmlns:a16="http://schemas.microsoft.com/office/drawing/2014/main" id="{77322478-2D7A-4130-9674-99ACC90D3CBA}"/>
+              </a:ext>
+            </a:extLst>
+          </p:cNvPr>
+          <p:cNvPicPr>
+            <a:picLocks noChangeAspect="1"/>
+          </p:cNvPicPr>
+          <p:nvPr/>
+        </p:nvPicPr>
+        <p:blipFill>
+          <a:blip r:embed="rId6">
+            <a:extLst>
+              <a:ext uri="{28A0092B-C50C-407E-A947-70E740481C1C}">
+                <a14:useLocalDpi xmlns:a14="http://schemas.microsoft.com/office/drawing/2010/main" val="0"/>
+              </a:ext>
+            </a:extLst>
+          </a:blip>
+          <a:stretch>
+            <a:fillRect/>
+          </a:stretch>
+        </p:blipFill>
+        <p:spPr>
+          <a:xfrm>
+            <a:off x="5943602" y="1714501"/>
+            <a:ext cx="5143500" cy="5143500"/>
+          </a:xfrm>
+          <a:prstGeom prst="rect">
+            <a:avLst/>
+          </a:prstGeom>
+        </p:spPr>
+      </p:pic>
+    </p:spTree>
+    <p:extLst>
+      <p:ext uri="{BB962C8B-B14F-4D97-AF65-F5344CB8AC3E}">
+        <p14:creationId xmlns:p14="http://schemas.microsoft.com/office/powerpoint/2010/main" val="2653094470"/>
+      </p:ext>
+    </p:extLst>
+  </p:cSld>
+  <p:clrMapOvr>
+    <a:masterClrMapping/>
+  </p:clrMapOvr>
+</p:sld>
+</file>
+
+<file path=ppt/slides/slide17.xml><?xml version="1.0" encoding="utf-8"?>
+<p:sld xmlns:a="http://schemas.openxmlformats.org/drawingml/2006/main" xmlns:r="http://schemas.openxmlformats.org/officeDocument/2006/relationships" xmlns:p="http://schemas.openxmlformats.org/presentationml/2006/main">
+  <p:cSld>
+    <p:spTree>
+      <p:nvGrpSpPr>
+        <p:cNvPr id="1" name=""/>
+        <p:cNvGrpSpPr/>
+        <p:nvPr/>
+      </p:nvGrpSpPr>
+      <p:grpSpPr>
+        <a:xfrm>
+          <a:off x="0" y="0"/>
+          <a:ext cx="0" cy="0"/>
+          <a:chOff x="0" y="0"/>
+          <a:chExt cx="0" cy="0"/>
+        </a:xfrm>
+      </p:grpSpPr>
+      <mc:AlternateContent xmlns:mc="http://schemas.openxmlformats.org/markup-compatibility/2006" xmlns:a14="http://schemas.microsoft.com/office/drawing/2010/main">
+        <mc:Choice Requires="a14">
+          <p:sp>
+            <p:nvSpPr>
+              <p:cNvPr id="2" name="Titel 1">
+                <a:extLst>
+                  <a:ext uri="{FF2B5EF4-FFF2-40B4-BE49-F238E27FC236}">
+                    <a16:creationId xmlns:a16="http://schemas.microsoft.com/office/drawing/2014/main" id="{D70A650C-2596-4015-949A-D2528CD82F8A}"/>
+                  </a:ext>
+                </a:extLst>
+              </p:cNvPr>
+              <p:cNvSpPr>
+                <a:spLocks noGrp="1"/>
+              </p:cNvSpPr>
+              <p:nvPr>
+                <p:ph type="title"/>
+              </p:nvPr>
+            </p:nvSpPr>
+            <p:spPr>
+              <a:xfrm>
+                <a:off x="838200" y="690443"/>
+                <a:ext cx="10515600" cy="1325563"/>
+              </a:xfrm>
+            </p:spPr>
+            <p:txBody>
+              <a:bodyPr>
+                <a:normAutofit fontScale="90000"/>
+              </a:bodyPr>
+              <a:lstStyle/>
+              <a:p>
+                <a:r>
+                  <a:rPr lang="de-DE" dirty="0"/>
+                  <a:t>Algorithmus 1   </a:t>
+                </a:r>
+                <a:r>
+                  <a:rPr lang="de-DE" dirty="0">
+                    <a:sym typeface="Wingdings" panose="05000000000000000000" pitchFamily="2" charset="2"/>
+                  </a:rPr>
+                  <a:t></a:t>
+                </a:r>
+                <a:r>
+                  <a:rPr lang="de-DE" dirty="0"/>
+                  <a:t> </a:t>
+                </a:r>
+                <a14:m>
+                  <m:oMath xmlns:m="http://schemas.openxmlformats.org/officeDocument/2006/math">
+                    <m:acc>
+                      <m:accPr>
+                        <m:chr m:val="⃗"/>
+                        <m:ctrlPr>
+                          <a:rPr lang="de-DE" i="1" dirty="0">
+                            <a:latin typeface="Cambria Math" panose="02040503050406030204" pitchFamily="18" charset="0"/>
+                          </a:rPr>
+                        </m:ctrlPr>
+                      </m:accPr>
+                      <m:e>
+                        <m:f>
+                          <m:fPr>
+                            <m:ctrlPr>
+                              <a:rPr lang="de-DE" i="1" dirty="0">
+                                <a:latin typeface="Cambria Math" panose="02040503050406030204" pitchFamily="18" charset="0"/>
+                              </a:rPr>
+                            </m:ctrlPr>
+                          </m:fPr>
+                          <m:num>
+                            <m:r>
+                              <a:rPr lang="de-DE" i="1" dirty="0">
+                                <a:latin typeface="Cambria Math" panose="02040503050406030204" pitchFamily="18" charset="0"/>
+                              </a:rPr>
+                              <m:t>𝜕</m:t>
+                            </m:r>
+                            <m:sSub>
+                              <m:sSubPr>
+                                <m:ctrlPr>
+                                  <a:rPr lang="de-DE" i="1" dirty="0">
+                                    <a:latin typeface="Cambria Math" panose="02040503050406030204" pitchFamily="18" charset="0"/>
+                                  </a:rPr>
+                                </m:ctrlPr>
+                              </m:sSubPr>
+                              <m:e>
+                                <m:r>
+                                  <a:rPr lang="de-DE" i="1" dirty="0">
+                                    <a:latin typeface="Cambria Math" panose="02040503050406030204" pitchFamily="18" charset="0"/>
+                                  </a:rPr>
+                                  <m:t>𝑉</m:t>
+                                </m:r>
+                              </m:e>
+                              <m:sub>
+                                <m:r>
+                                  <a:rPr lang="de-DE" i="1" dirty="0">
+                                    <a:latin typeface="Cambria Math" panose="02040503050406030204" pitchFamily="18" charset="0"/>
+                                  </a:rPr>
+                                  <m:t>𝑖</m:t>
+                                </m:r>
+                              </m:sub>
+                            </m:sSub>
+                          </m:num>
+                          <m:den>
+                            <m:r>
+                              <a:rPr lang="de-DE" i="1" dirty="0">
+                                <a:latin typeface="Cambria Math" panose="02040503050406030204" pitchFamily="18" charset="0"/>
+                              </a:rPr>
+                              <m:t>𝜕</m:t>
+                            </m:r>
+                            <m:r>
+                              <a:rPr lang="de-DE" i="1" dirty="0">
+                                <a:latin typeface="Cambria Math" panose="02040503050406030204" pitchFamily="18" charset="0"/>
+                              </a:rPr>
+                              <m:t>𝑡</m:t>
+                            </m:r>
+                          </m:den>
+                        </m:f>
+                      </m:e>
+                    </m:acc>
+                    <m:r>
+                      <a:rPr lang="de-DE" i="1" dirty="0">
+                        <a:latin typeface="Cambria Math" panose="02040503050406030204" pitchFamily="18" charset="0"/>
+                      </a:rPr>
+                      <m:t>(</m:t>
+                    </m:r>
+                    <m:acc>
+                      <m:accPr>
+                        <m:chr m:val="⃗"/>
+                        <m:ctrlPr>
+                          <a:rPr lang="de-DE" i="1" dirty="0">
+                            <a:latin typeface="Cambria Math" panose="02040503050406030204" pitchFamily="18" charset="0"/>
+                          </a:rPr>
+                        </m:ctrlPr>
+                      </m:accPr>
+                      <m:e>
+                        <m:r>
+                          <a:rPr lang="de-DE" i="1" dirty="0">
+                            <a:latin typeface="Cambria Math" panose="02040503050406030204" pitchFamily="18" charset="0"/>
+                          </a:rPr>
+                          <m:t>𝐾</m:t>
+                        </m:r>
+                      </m:e>
+                    </m:acc>
+                    <m:r>
+                      <a:rPr lang="de-DE" i="1" dirty="0">
+                        <a:latin typeface="Cambria Math" panose="02040503050406030204" pitchFamily="18" charset="0"/>
+                      </a:rPr>
+                      <m:t>)</m:t>
+                    </m:r>
+                  </m:oMath>
+                </a14:m>
+                <a:br>
+                  <a:rPr lang="de-DE" dirty="0"/>
+                </a:br>
+                <a:r>
+                  <a:rPr lang="de-DE" dirty="0"/>
+                  <a:t>	Wie sind die </a:t>
+                </a:r>
+                <a:r>
+                  <a:rPr lang="de-DE" dirty="0" err="1"/>
+                  <a:t>predictor</a:t>
+                </a:r>
+                <a:r>
+                  <a:rPr lang="de-DE" dirty="0"/>
+                  <a:t>-Daten korreliert?</a:t>
+                </a:r>
+                <a:br>
+                  <a:rPr lang="de-DE" dirty="0"/>
+                </a:br>
+                <a:endParaRPr lang="de-DE" dirty="0"/>
+              </a:p>
+            </p:txBody>
+          </p:sp>
+        </mc:Choice>
+        <mc:Fallback xmlns="">
+          <p:sp>
+            <p:nvSpPr>
+              <p:cNvPr id="2" name="Titel 1">
+                <a:extLst>
+                  <a:ext uri="{FF2B5EF4-FFF2-40B4-BE49-F238E27FC236}">
+                    <a16:creationId xmlns:a16="http://schemas.microsoft.com/office/drawing/2014/main" id="{D70A650C-2596-4015-949A-D2528CD82F8A}"/>
+                  </a:ext>
+                </a:extLst>
+              </p:cNvPr>
+              <p:cNvSpPr>
+                <a:spLocks noGrp="1" noRot="1" noChangeAspect="1" noMove="1" noResize="1" noEditPoints="1" noAdjustHandles="1" noChangeArrowheads="1" noChangeShapeType="1" noTextEdit="1"/>
+              </p:cNvSpPr>
+              <p:nvPr>
+                <p:ph type="title"/>
+              </p:nvPr>
+            </p:nvSpPr>
+            <p:spPr>
+              <a:xfrm>
+                <a:off x="838200" y="690443"/>
+                <a:ext cx="10515600" cy="1325563"/>
+              </a:xfrm>
+              <a:blipFill>
+                <a:blip r:embed="rId6"/>
+                <a:stretch>
+                  <a:fillRect l="-2087" t="-27982" b="-9174"/>
+                </a:stretch>
+              </a:blipFill>
+            </p:spPr>
+            <p:txBody>
+              <a:bodyPr/>
+              <a:lstStyle/>
+              <a:p>
+                <a:r>
+                  <a:rPr lang="de-DE">
+                    <a:noFill/>
+                  </a:rPr>
+                  <a:t> </a:t>
+                </a:r>
+              </a:p>
+            </p:txBody>
+          </p:sp>
+        </mc:Fallback>
+      </mc:AlternateContent>
+      <p:pic>
+        <p:nvPicPr>
+          <p:cNvPr id="5" name="Grafik 4">
+            <a:extLst>
+              <a:ext uri="{FF2B5EF4-FFF2-40B4-BE49-F238E27FC236}">
+                <a16:creationId xmlns:a16="http://schemas.microsoft.com/office/drawing/2014/main" id="{EF13F0B8-7227-4DEF-AC1C-D724771CD01F}"/>
+              </a:ext>
+            </a:extLst>
+          </p:cNvPr>
+          <p:cNvPicPr>
+            <a:picLocks noChangeAspect="1"/>
+          </p:cNvPicPr>
+          <p:nvPr/>
+        </p:nvPicPr>
+        <p:blipFill>
+          <a:blip r:embed="rId7">
+            <a:extLst>
+              <a:ext uri="{28A0092B-C50C-407E-A947-70E740481C1C}">
+                <a14:useLocalDpi xmlns:a14="http://schemas.microsoft.com/office/drawing/2010/main" val="0"/>
+              </a:ext>
+            </a:extLst>
+          </a:blip>
+          <a:stretch>
+            <a:fillRect/>
+          </a:stretch>
+        </p:blipFill>
+        <p:spPr>
+          <a:xfrm>
+            <a:off x="3050931" y="2060286"/>
+            <a:ext cx="9141070" cy="4797714"/>
+          </a:xfrm>
+          <a:prstGeom prst="rect">
+            <a:avLst/>
+          </a:prstGeom>
+        </p:spPr>
+      </p:pic>
+      <p:sp>
+        <p:nvSpPr>
+          <p:cNvPr id="3" name="Inhaltsplatzhalter 2">
+            <a:extLst>
+              <a:ext uri="{FF2B5EF4-FFF2-40B4-BE49-F238E27FC236}">
+                <a16:creationId xmlns:a16="http://schemas.microsoft.com/office/drawing/2014/main" id="{483CAA1B-AB1F-4B52-B7CC-0AC8F8C20E46}"/>
+              </a:ext>
+            </a:extLst>
+          </p:cNvPr>
+          <p:cNvSpPr>
+            <a:spLocks noGrp="1"/>
+          </p:cNvSpPr>
+          <p:nvPr>
+            <p:ph idx="1"/>
+          </p:nvPr>
+        </p:nvSpPr>
+        <p:spPr>
+          <a:xfrm>
+            <a:off x="838201" y="2338753"/>
+            <a:ext cx="3390900" cy="3838209"/>
+          </a:xfrm>
+        </p:spPr>
+        <p:txBody>
+          <a:bodyPr>
+            <a:normAutofit/>
+          </a:bodyPr>
+          <a:lstStyle/>
+          <a:p>
+            <a:r>
+              <a:rPr lang="de-DE" sz="2400" dirty="0"/>
+              <a:t>Diagonale ist </a:t>
+            </a:r>
+            <a:r>
+              <a:rPr lang="de-DE" sz="2400" dirty="0" err="1"/>
+              <a:t>Autocorrelation</a:t>
+            </a:r>
+            <a:endParaRPr lang="de-DE" sz="2400" dirty="0"/>
+          </a:p>
+          <a:p>
+            <a:r>
+              <a:rPr lang="de-DE" sz="2400" dirty="0"/>
+              <a:t>Diagonalen der </a:t>
+            </a:r>
+            <a:r>
+              <a:rPr lang="de-DE" sz="2400" dirty="0" err="1"/>
+              <a:t>Teilmatritzen</a:t>
+            </a:r>
+            <a:r>
+              <a:rPr lang="de-DE" sz="2400" dirty="0"/>
+              <a:t> beschreiben r(i.R2,i.AE1)</a:t>
+            </a:r>
+          </a:p>
+          <a:p>
+            <a:r>
+              <a:rPr lang="de-DE" sz="2400" dirty="0"/>
+              <a:t>„Ausschließlich“ positiv korreliert </a:t>
+            </a:r>
+          </a:p>
+          <a:p>
+            <a:r>
+              <a:rPr lang="de-DE" sz="2400" dirty="0" err="1"/>
+              <a:t>Reminder</a:t>
+            </a:r>
+            <a:r>
+              <a:rPr lang="de-DE" sz="2400" dirty="0"/>
+              <a:t>:</a:t>
+            </a:r>
+            <a:br>
+              <a:rPr lang="de-DE" sz="2400" dirty="0"/>
+            </a:br>
+            <a:r>
+              <a:rPr lang="de-DE" sz="2400" dirty="0"/>
+              <a:t>4,6,11 sind regelbar</a:t>
+            </a:r>
+          </a:p>
+        </p:txBody>
+      </p:sp>
+    </p:spTree>
+    <p:extLst>
+      <p:ext uri="{BB962C8B-B14F-4D97-AF65-F5344CB8AC3E}">
+        <p14:creationId xmlns:p14="http://schemas.microsoft.com/office/powerpoint/2010/main" val="2235148732"/>
+      </p:ext>
+    </p:extLst>
+  </p:cSld>
+  <p:clrMapOvr>
+    <a:masterClrMapping/>
+  </p:clrMapOvr>
+</p:sld>
+</file>
+
+<file path=ppt/slides/slide18.xml><?xml version="1.0" encoding="utf-8"?>
+<p:sld xmlns:a="http://schemas.openxmlformats.org/drawingml/2006/main" xmlns:r="http://schemas.openxmlformats.org/officeDocument/2006/relationships" xmlns:p="http://schemas.openxmlformats.org/presentationml/2006/main">
+  <p:cSld>
+    <p:spTree>
+      <p:nvGrpSpPr>
+        <p:cNvPr id="1" name=""/>
+        <p:cNvGrpSpPr/>
+        <p:nvPr/>
+      </p:nvGrpSpPr>
+      <p:grpSpPr>
+        <a:xfrm>
+          <a:off x="0" y="0"/>
+          <a:ext cx="0" cy="0"/>
+          <a:chOff x="0" y="0"/>
+          <a:chExt cx="0" cy="0"/>
+        </a:xfrm>
+      </p:grpSpPr>
+      <mc:AlternateContent xmlns:mc="http://schemas.openxmlformats.org/markup-compatibility/2006" xmlns:a14="http://schemas.microsoft.com/office/drawing/2010/main">
+        <mc:Choice Requires="a14">
+          <p:sp>
+            <p:nvSpPr>
+              <p:cNvPr id="2" name="Titel 1">
+                <a:extLst>
+                  <a:ext uri="{FF2B5EF4-FFF2-40B4-BE49-F238E27FC236}">
+                    <a16:creationId xmlns:a16="http://schemas.microsoft.com/office/drawing/2014/main" id="{82E8FAC7-A105-4095-A185-1903CEDE7190}"/>
+                  </a:ext>
+                </a:extLst>
+              </p:cNvPr>
+              <p:cNvSpPr>
+                <a:spLocks noGrp="1"/>
+              </p:cNvSpPr>
+              <p:nvPr>
+                <p:ph type="title"/>
+              </p:nvPr>
+            </p:nvSpPr>
+            <p:spPr>
+              <a:xfrm>
+                <a:off x="838200" y="679965"/>
+                <a:ext cx="10515600" cy="1325563"/>
+              </a:xfrm>
+            </p:spPr>
+            <p:txBody>
+              <a:bodyPr>
+                <a:normAutofit fontScale="90000"/>
+              </a:bodyPr>
+              <a:lstStyle/>
+              <a:p>
+                <a:r>
+                  <a:rPr lang="de-DE" dirty="0"/>
+                  <a:t>Algorithmus 1  </a:t>
+                </a:r>
+                <a:r>
+                  <a:rPr lang="de-DE" sz="4400" dirty="0"/>
+                  <a:t> </a:t>
+                </a:r>
+                <a:r>
+                  <a:rPr lang="de-DE" sz="4400" dirty="0">
+                    <a:sym typeface="Wingdings" panose="05000000000000000000" pitchFamily="2" charset="2"/>
+                  </a:rPr>
+                  <a:t></a:t>
+                </a:r>
+                <a:r>
+                  <a:rPr lang="de-DE" sz="4400" dirty="0"/>
+                  <a:t> </a:t>
+                </a:r>
+                <a14:m>
+                  <m:oMath xmlns:m="http://schemas.openxmlformats.org/officeDocument/2006/math">
+                    <m:acc>
+                      <m:accPr>
+                        <m:chr m:val="⃗"/>
+                        <m:ctrlPr>
+                          <a:rPr lang="de-DE" sz="4400" i="1" dirty="0" smtClean="0">
+                            <a:latin typeface="Cambria Math" panose="02040503050406030204" pitchFamily="18" charset="0"/>
+                          </a:rPr>
+                        </m:ctrlPr>
+                      </m:accPr>
+                      <m:e>
+                        <m:f>
+                          <m:fPr>
+                            <m:ctrlPr>
+                              <a:rPr lang="de-DE" sz="4400" i="1" dirty="0" smtClean="0">
+                                <a:latin typeface="Cambria Math" panose="02040503050406030204" pitchFamily="18" charset="0"/>
+                              </a:rPr>
+                            </m:ctrlPr>
+                          </m:fPr>
+                          <m:num>
+                            <m:r>
+                              <a:rPr lang="de-DE" sz="4400" i="1" dirty="0" smtClean="0">
+                                <a:latin typeface="Cambria Math" panose="02040503050406030204" pitchFamily="18" charset="0"/>
+                              </a:rPr>
+                              <m:t>𝜕</m:t>
+                            </m:r>
+                            <m:sSub>
+                              <m:sSubPr>
+                                <m:ctrlPr>
+                                  <a:rPr lang="de-DE" sz="4400" b="0" i="1" dirty="0" smtClean="0">
+                                    <a:latin typeface="Cambria Math" panose="02040503050406030204" pitchFamily="18" charset="0"/>
+                                  </a:rPr>
+                                </m:ctrlPr>
+                              </m:sSubPr>
+                              <m:e>
+                                <m:r>
+                                  <a:rPr lang="de-DE" sz="4400" b="0" i="1" dirty="0" smtClean="0">
+                                    <a:latin typeface="Cambria Math" panose="02040503050406030204" pitchFamily="18" charset="0"/>
+                                  </a:rPr>
+                                  <m:t>𝑉</m:t>
+                                </m:r>
+                              </m:e>
+                              <m:sub>
+                                <m:r>
+                                  <a:rPr lang="de-DE" sz="4400" b="0" i="1" dirty="0" smtClean="0">
+                                    <a:latin typeface="Cambria Math" panose="02040503050406030204" pitchFamily="18" charset="0"/>
+                                  </a:rPr>
+                                  <m:t>𝑖</m:t>
+                                </m:r>
+                              </m:sub>
+                            </m:sSub>
+                          </m:num>
+                          <m:den>
+                            <m:r>
+                              <a:rPr lang="de-DE" sz="4400" i="1" dirty="0" smtClean="0">
+                                <a:latin typeface="Cambria Math" panose="02040503050406030204" pitchFamily="18" charset="0"/>
+                              </a:rPr>
+                              <m:t>𝜕</m:t>
+                            </m:r>
+                            <m:r>
+                              <a:rPr lang="de-DE" sz="4400" b="0" i="1" dirty="0" smtClean="0">
+                                <a:latin typeface="Cambria Math" panose="02040503050406030204" pitchFamily="18" charset="0"/>
+                              </a:rPr>
+                              <m:t>𝑡</m:t>
+                            </m:r>
+                          </m:den>
+                        </m:f>
+                      </m:e>
+                    </m:acc>
+                    <m:r>
+                      <a:rPr lang="de-DE" sz="4400" i="1" dirty="0" smtClean="0">
+                        <a:latin typeface="Cambria Math" panose="02040503050406030204" pitchFamily="18" charset="0"/>
+                      </a:rPr>
+                      <m:t>(</m:t>
+                    </m:r>
+                    <m:acc>
+                      <m:accPr>
+                        <m:chr m:val="⃗"/>
+                        <m:ctrlPr>
+                          <a:rPr lang="de-DE" sz="4400" i="1" dirty="0" smtClean="0">
+                            <a:latin typeface="Cambria Math" panose="02040503050406030204" pitchFamily="18" charset="0"/>
+                          </a:rPr>
+                        </m:ctrlPr>
+                      </m:accPr>
+                      <m:e>
+                        <m:r>
+                          <a:rPr lang="de-DE" sz="4400" b="0" i="1" dirty="0" smtClean="0">
+                            <a:latin typeface="Cambria Math" panose="02040503050406030204" pitchFamily="18" charset="0"/>
+                          </a:rPr>
+                          <m:t>𝐾</m:t>
+                        </m:r>
+                      </m:e>
+                    </m:acc>
+                    <m:r>
+                      <a:rPr lang="de-DE" sz="4400" i="1" dirty="0" smtClean="0">
+                        <a:latin typeface="Cambria Math" panose="02040503050406030204" pitchFamily="18" charset="0"/>
+                      </a:rPr>
+                      <m:t>)</m:t>
+                    </m:r>
+                  </m:oMath>
+                </a14:m>
+                <a:br>
+                  <a:rPr lang="de-DE" dirty="0"/>
+                </a:br>
+                <a:r>
+                  <a:rPr lang="de-DE" dirty="0"/>
+                  <a:t>	Wie sind die </a:t>
+                </a:r>
+                <a:r>
+                  <a:rPr lang="de-DE" dirty="0" err="1"/>
+                  <a:t>predictor</a:t>
+                </a:r>
+                <a:r>
+                  <a:rPr lang="de-DE" dirty="0"/>
+                  <a:t>-Daten verteilt?</a:t>
+                </a:r>
+                <a:br>
+                  <a:rPr lang="de-DE" dirty="0"/>
+                </a:br>
+                <a:endParaRPr lang="de-DE" dirty="0"/>
+              </a:p>
+            </p:txBody>
+          </p:sp>
+        </mc:Choice>
+        <mc:Fallback xmlns="">
+          <p:sp>
+            <p:nvSpPr>
+              <p:cNvPr id="2" name="Titel 1">
+                <a:extLst>
+                  <a:ext uri="{FF2B5EF4-FFF2-40B4-BE49-F238E27FC236}">
+                    <a16:creationId xmlns:a16="http://schemas.microsoft.com/office/drawing/2014/main" id="{82E8FAC7-A105-4095-A185-1903CEDE7190}"/>
+                  </a:ext>
+                </a:extLst>
+              </p:cNvPr>
+              <p:cNvSpPr>
+                <a:spLocks noGrp="1" noRot="1" noChangeAspect="1" noMove="1" noResize="1" noEditPoints="1" noAdjustHandles="1" noChangeArrowheads="1" noChangeShapeType="1" noTextEdit="1"/>
+              </p:cNvSpPr>
+              <p:nvPr>
+                <p:ph type="title"/>
+              </p:nvPr>
+            </p:nvSpPr>
+            <p:spPr>
+              <a:xfrm>
+                <a:off x="838200" y="679965"/>
+                <a:ext cx="10515600" cy="1325563"/>
+              </a:xfrm>
+              <a:blipFill>
+                <a:blip r:embed="rId4"/>
+                <a:stretch>
+                  <a:fillRect l="-2087" t="-28111" b="-9217"/>
+                </a:stretch>
+              </a:blipFill>
+            </p:spPr>
+            <p:txBody>
+              <a:bodyPr/>
+              <a:lstStyle/>
+              <a:p>
+                <a:r>
+                  <a:rPr lang="de-DE">
+                    <a:noFill/>
+                  </a:rPr>
+                  <a:t> </a:t>
+                </a:r>
+              </a:p>
+            </p:txBody>
+          </p:sp>
+        </mc:Fallback>
+      </mc:AlternateContent>
+      <p:pic>
+        <p:nvPicPr>
+          <p:cNvPr id="5" name="Inhaltsplatzhalter 4">
+            <a:extLst>
+              <a:ext uri="{FF2B5EF4-FFF2-40B4-BE49-F238E27FC236}">
+                <a16:creationId xmlns:a16="http://schemas.microsoft.com/office/drawing/2014/main" id="{4CAF5B02-9EC0-436C-B19C-15911C2B38D4}"/>
+              </a:ext>
+            </a:extLst>
+          </p:cNvPr>
+          <p:cNvPicPr>
+            <a:picLocks noGrp="1" noChangeAspect="1"/>
+          </p:cNvPicPr>
+          <p:nvPr>
+            <p:ph idx="1"/>
+          </p:nvPr>
+        </p:nvPicPr>
+        <p:blipFill>
+          <a:blip r:embed="rId5">
+            <a:extLst>
+              <a:ext uri="{28A0092B-C50C-407E-A947-70E740481C1C}">
+                <a14:useLocalDpi xmlns:a14="http://schemas.microsoft.com/office/drawing/2010/main" val="0"/>
+              </a:ext>
+            </a:extLst>
+          </a:blip>
+          <a:stretch>
+            <a:fillRect/>
+          </a:stretch>
+        </p:blipFill>
+        <p:spPr>
+          <a:xfrm>
+            <a:off x="1785336" y="2005528"/>
+            <a:ext cx="8621328" cy="3991532"/>
+          </a:xfrm>
+        </p:spPr>
+      </p:pic>
+    </p:spTree>
+    <p:extLst>
+      <p:ext uri="{BB962C8B-B14F-4D97-AF65-F5344CB8AC3E}">
+        <p14:creationId xmlns:p14="http://schemas.microsoft.com/office/powerpoint/2010/main" val="3473572637"/>
+      </p:ext>
+    </p:extLst>
+  </p:cSld>
+  <p:clrMapOvr>
+    <a:masterClrMapping/>
+  </p:clrMapOvr>
+</p:sld>
+</file>
+
+<file path=ppt/slides/slide19.xml><?xml version="1.0" encoding="utf-8"?>
+<p:sld xmlns:a="http://schemas.openxmlformats.org/drawingml/2006/main" xmlns:r="http://schemas.openxmlformats.org/officeDocument/2006/relationships" xmlns:p="http://schemas.openxmlformats.org/presentationml/2006/main">
+  <p:cSld>
+    <p:spTree>
+      <p:nvGrpSpPr>
+        <p:cNvPr id="1" name=""/>
+        <p:cNvGrpSpPr/>
+        <p:nvPr/>
+      </p:nvGrpSpPr>
+      <p:grpSpPr>
+        <a:xfrm>
+          <a:off x="0" y="0"/>
+          <a:ext cx="0" cy="0"/>
+          <a:chOff x="0" y="0"/>
+          <a:chExt cx="0" cy="0"/>
+        </a:xfrm>
+      </p:grpSpPr>
+      <mc:AlternateContent xmlns:mc="http://schemas.openxmlformats.org/markup-compatibility/2006" xmlns:a14="http://schemas.microsoft.com/office/drawing/2010/main">
+        <mc:Choice Requires="a14">
+          <p:sp>
+            <p:nvSpPr>
+              <p:cNvPr id="2" name="Titel 1">
+                <a:extLst>
+                  <a:ext uri="{FF2B5EF4-FFF2-40B4-BE49-F238E27FC236}">
+                    <a16:creationId xmlns:a16="http://schemas.microsoft.com/office/drawing/2014/main" id="{82E8FAC7-A105-4095-A185-1903CEDE7190}"/>
+                  </a:ext>
+                </a:extLst>
+              </p:cNvPr>
+              <p:cNvSpPr>
+                <a:spLocks noGrp="1"/>
+              </p:cNvSpPr>
+              <p:nvPr>
+                <p:ph type="title"/>
+              </p:nvPr>
+            </p:nvSpPr>
+            <p:spPr>
+              <a:xfrm>
+                <a:off x="838200" y="679965"/>
+                <a:ext cx="10515600" cy="1325563"/>
+              </a:xfrm>
+            </p:spPr>
+            <p:txBody>
+              <a:bodyPr>
+                <a:normAutofit fontScale="90000"/>
+              </a:bodyPr>
+              <a:lstStyle/>
+              <a:p>
+                <a:r>
+                  <a:rPr lang="de-DE" dirty="0"/>
+                  <a:t>Algorithmus 1  </a:t>
+                </a:r>
+                <a:r>
+                  <a:rPr lang="de-DE" sz="4400" dirty="0"/>
+                  <a:t> </a:t>
+                </a:r>
+                <a:r>
+                  <a:rPr lang="de-DE" sz="4400" dirty="0">
+                    <a:sym typeface="Wingdings" panose="05000000000000000000" pitchFamily="2" charset="2"/>
+                  </a:rPr>
+                  <a:t></a:t>
+                </a:r>
+                <a:r>
+                  <a:rPr lang="de-DE" sz="4400" dirty="0"/>
+                  <a:t> </a:t>
+                </a:r>
+                <a14:m>
+                  <m:oMath xmlns:m="http://schemas.openxmlformats.org/officeDocument/2006/math">
+                    <m:acc>
+                      <m:accPr>
+                        <m:chr m:val="⃗"/>
+                        <m:ctrlPr>
+                          <a:rPr lang="de-DE" sz="4400" i="1" dirty="0" smtClean="0">
+                            <a:latin typeface="Cambria Math" panose="02040503050406030204" pitchFamily="18" charset="0"/>
+                          </a:rPr>
+                        </m:ctrlPr>
+                      </m:accPr>
+                      <m:e>
+                        <m:f>
+                          <m:fPr>
+                            <m:ctrlPr>
+                              <a:rPr lang="de-DE" sz="4400" i="1" dirty="0" smtClean="0">
+                                <a:latin typeface="Cambria Math" panose="02040503050406030204" pitchFamily="18" charset="0"/>
+                              </a:rPr>
+                            </m:ctrlPr>
+                          </m:fPr>
+                          <m:num>
+                            <m:r>
+                              <a:rPr lang="de-DE" sz="4400" i="1" dirty="0" smtClean="0">
+                                <a:latin typeface="Cambria Math" panose="02040503050406030204" pitchFamily="18" charset="0"/>
+                              </a:rPr>
+                              <m:t>𝜕</m:t>
+                            </m:r>
+                            <m:sSub>
+                              <m:sSubPr>
+                                <m:ctrlPr>
+                                  <a:rPr lang="de-DE" sz="4400" b="0" i="1" dirty="0" smtClean="0">
+                                    <a:latin typeface="Cambria Math" panose="02040503050406030204" pitchFamily="18" charset="0"/>
+                                  </a:rPr>
+                                </m:ctrlPr>
+                              </m:sSubPr>
+                              <m:e>
+                                <m:r>
+                                  <a:rPr lang="de-DE" sz="4400" b="0" i="1" dirty="0" smtClean="0">
+                                    <a:latin typeface="Cambria Math" panose="02040503050406030204" pitchFamily="18" charset="0"/>
+                                  </a:rPr>
+                                  <m:t>𝑉</m:t>
+                                </m:r>
+                              </m:e>
+                              <m:sub>
+                                <m:r>
+                                  <a:rPr lang="de-DE" sz="4400" b="0" i="1" dirty="0" smtClean="0">
+                                    <a:latin typeface="Cambria Math" panose="02040503050406030204" pitchFamily="18" charset="0"/>
+                                  </a:rPr>
+                                  <m:t>𝑖</m:t>
+                                </m:r>
+                              </m:sub>
+                            </m:sSub>
+                          </m:num>
+                          <m:den>
+                            <m:r>
+                              <a:rPr lang="de-DE" sz="4400" i="1" dirty="0" smtClean="0">
+                                <a:latin typeface="Cambria Math" panose="02040503050406030204" pitchFamily="18" charset="0"/>
+                              </a:rPr>
+                              <m:t>𝜕</m:t>
+                            </m:r>
+                            <m:r>
+                              <a:rPr lang="de-DE" sz="4400" b="0" i="1" dirty="0" smtClean="0">
+                                <a:latin typeface="Cambria Math" panose="02040503050406030204" pitchFamily="18" charset="0"/>
+                              </a:rPr>
+                              <m:t>𝑡</m:t>
+                            </m:r>
+                          </m:den>
+                        </m:f>
+                      </m:e>
+                    </m:acc>
+                    <m:r>
+                      <a:rPr lang="de-DE" sz="4400" i="1" dirty="0" smtClean="0">
+                        <a:latin typeface="Cambria Math" panose="02040503050406030204" pitchFamily="18" charset="0"/>
+                      </a:rPr>
+                      <m:t>(</m:t>
+                    </m:r>
+                    <m:acc>
+                      <m:accPr>
+                        <m:chr m:val="⃗"/>
+                        <m:ctrlPr>
+                          <a:rPr lang="de-DE" sz="4400" i="1" dirty="0" smtClean="0">
+                            <a:latin typeface="Cambria Math" panose="02040503050406030204" pitchFamily="18" charset="0"/>
+                          </a:rPr>
+                        </m:ctrlPr>
+                      </m:accPr>
+                      <m:e>
+                        <m:r>
+                          <a:rPr lang="de-DE" sz="4400" b="0" i="1" dirty="0" smtClean="0">
+                            <a:latin typeface="Cambria Math" panose="02040503050406030204" pitchFamily="18" charset="0"/>
+                          </a:rPr>
+                          <m:t>𝐾</m:t>
+                        </m:r>
+                      </m:e>
+                    </m:acc>
+                    <m:r>
+                      <a:rPr lang="de-DE" sz="4400" i="1" dirty="0" smtClean="0">
+                        <a:latin typeface="Cambria Math" panose="02040503050406030204" pitchFamily="18" charset="0"/>
+                      </a:rPr>
+                      <m:t>)</m:t>
+                    </m:r>
+                  </m:oMath>
+                </a14:m>
+                <a:br>
+                  <a:rPr lang="de-DE" dirty="0"/>
+                </a:br>
+                <a:r>
+                  <a:rPr lang="de-DE" dirty="0"/>
+                  <a:t>	Wie sind die </a:t>
+                </a:r>
+                <a:r>
+                  <a:rPr lang="de-DE" dirty="0" err="1"/>
+                  <a:t>predictor</a:t>
+                </a:r>
+                <a:r>
+                  <a:rPr lang="de-DE" dirty="0"/>
+                  <a:t>-Daten verteilt?</a:t>
+                </a:r>
+                <a:br>
+                  <a:rPr lang="de-DE" dirty="0"/>
+                </a:br>
+                <a:endParaRPr lang="de-DE" dirty="0"/>
+              </a:p>
+            </p:txBody>
+          </p:sp>
+        </mc:Choice>
+        <mc:Fallback xmlns="">
+          <p:sp>
+            <p:nvSpPr>
+              <p:cNvPr id="2" name="Titel 1">
+                <a:extLst>
+                  <a:ext uri="{FF2B5EF4-FFF2-40B4-BE49-F238E27FC236}">
+                    <a16:creationId xmlns:a16="http://schemas.microsoft.com/office/drawing/2014/main" id="{82E8FAC7-A105-4095-A185-1903CEDE7190}"/>
+                  </a:ext>
+                </a:extLst>
+              </p:cNvPr>
+              <p:cNvSpPr>
+                <a:spLocks noGrp="1" noRot="1" noChangeAspect="1" noMove="1" noResize="1" noEditPoints="1" noAdjustHandles="1" noChangeArrowheads="1" noChangeShapeType="1" noTextEdit="1"/>
+              </p:cNvSpPr>
+              <p:nvPr>
+                <p:ph type="title"/>
+              </p:nvPr>
+            </p:nvSpPr>
+            <p:spPr>
+              <a:xfrm>
+                <a:off x="838200" y="679965"/>
+                <a:ext cx="10515600" cy="1325563"/>
+              </a:xfrm>
+              <a:blipFill>
+                <a:blip r:embed="rId6"/>
+                <a:stretch>
+                  <a:fillRect l="-2087" t="-28111" b="-9217"/>
+                </a:stretch>
+              </a:blipFill>
+            </p:spPr>
+            <p:txBody>
+              <a:bodyPr/>
+              <a:lstStyle/>
+              <a:p>
+                <a:r>
+                  <a:rPr lang="de-DE">
+                    <a:noFill/>
+                  </a:rPr>
+                  <a:t> </a:t>
+                </a:r>
+              </a:p>
+            </p:txBody>
+          </p:sp>
+        </mc:Fallback>
+      </mc:AlternateContent>
+      <p:pic>
+        <p:nvPicPr>
+          <p:cNvPr id="7" name="Inhaltsplatzhalter 6">
+            <a:extLst>
+              <a:ext uri="{FF2B5EF4-FFF2-40B4-BE49-F238E27FC236}">
+                <a16:creationId xmlns:a16="http://schemas.microsoft.com/office/drawing/2014/main" id="{21267F00-5E38-4DC6-A521-4871A8DDC43B}"/>
+              </a:ext>
+            </a:extLst>
+          </p:cNvPr>
+          <p:cNvPicPr>
+            <a:picLocks noGrp="1" noChangeAspect="1"/>
+          </p:cNvPicPr>
+          <p:nvPr>
+            <p:ph idx="1"/>
+          </p:nvPr>
+        </p:nvPicPr>
+        <p:blipFill>
+          <a:blip r:embed="rId7">
+            <a:extLst>
+              <a:ext uri="{28A0092B-C50C-407E-A947-70E740481C1C}">
+                <a14:useLocalDpi xmlns:a14="http://schemas.microsoft.com/office/drawing/2010/main" val="0"/>
+              </a:ext>
+            </a:extLst>
+          </a:blip>
+          <a:stretch>
+            <a:fillRect/>
+          </a:stretch>
+        </p:blipFill>
+        <p:spPr>
+          <a:xfrm>
+            <a:off x="211139" y="2237215"/>
+            <a:ext cx="3241184" cy="3241184"/>
+          </a:xfrm>
+        </p:spPr>
+      </p:pic>
+      <p:pic>
+        <p:nvPicPr>
+          <p:cNvPr id="9" name="Grafik 8">
+            <a:extLst>
+              <a:ext uri="{FF2B5EF4-FFF2-40B4-BE49-F238E27FC236}">
+                <a16:creationId xmlns:a16="http://schemas.microsoft.com/office/drawing/2014/main" id="{4D3E91FC-1958-40B6-90AE-6016BCB7B823}"/>
+              </a:ext>
+            </a:extLst>
+          </p:cNvPr>
+          <p:cNvPicPr>
+            <a:picLocks noChangeAspect="1"/>
+          </p:cNvPicPr>
+          <p:nvPr/>
+        </p:nvPicPr>
+        <p:blipFill>
+          <a:blip r:embed="rId8">
+            <a:extLst>
+              <a:ext uri="{28A0092B-C50C-407E-A947-70E740481C1C}">
+                <a14:useLocalDpi xmlns:a14="http://schemas.microsoft.com/office/drawing/2010/main" val="0"/>
+              </a:ext>
+            </a:extLst>
+          </a:blip>
+          <a:stretch>
+            <a:fillRect/>
+          </a:stretch>
+        </p:blipFill>
+        <p:spPr>
+          <a:xfrm>
+            <a:off x="4215848" y="2237215"/>
+            <a:ext cx="3405556" cy="3405554"/>
+          </a:xfrm>
+          <a:prstGeom prst="rect">
+            <a:avLst/>
+          </a:prstGeom>
+        </p:spPr>
+      </p:pic>
+      <p:pic>
+        <p:nvPicPr>
+          <p:cNvPr id="11" name="Grafik 10">
+            <a:extLst>
+              <a:ext uri="{FF2B5EF4-FFF2-40B4-BE49-F238E27FC236}">
+                <a16:creationId xmlns:a16="http://schemas.microsoft.com/office/drawing/2014/main" id="{EB83AF93-09E9-4DA5-9F69-B7145A52F9E2}"/>
+              </a:ext>
+            </a:extLst>
+          </p:cNvPr>
+          <p:cNvPicPr>
+            <a:picLocks noChangeAspect="1"/>
+          </p:cNvPicPr>
+          <p:nvPr/>
+        </p:nvPicPr>
+        <p:blipFill>
+          <a:blip r:embed="rId9">
+            <a:extLst>
+              <a:ext uri="{28A0092B-C50C-407E-A947-70E740481C1C}">
+                <a14:useLocalDpi xmlns:a14="http://schemas.microsoft.com/office/drawing/2010/main" val="0"/>
+              </a:ext>
+            </a:extLst>
+          </a:blip>
+          <a:stretch>
+            <a:fillRect/>
+          </a:stretch>
+        </p:blipFill>
+        <p:spPr>
+          <a:xfrm>
+            <a:off x="8384929" y="2237215"/>
+            <a:ext cx="3405556" cy="3405554"/>
+          </a:xfrm>
+          <a:prstGeom prst="rect">
+            <a:avLst/>
+          </a:prstGeom>
+        </p:spPr>
+      </p:pic>
+      <p:sp>
+        <p:nvSpPr>
+          <p:cNvPr id="12" name="Inhaltsplatzhalter 2">
+            <a:extLst>
+              <a:ext uri="{FF2B5EF4-FFF2-40B4-BE49-F238E27FC236}">
+                <a16:creationId xmlns:a16="http://schemas.microsoft.com/office/drawing/2014/main" id="{A9AC589F-9A68-4A97-9143-3CB18C1D8BE3}"/>
+              </a:ext>
+            </a:extLst>
+          </p:cNvPr>
+          <p:cNvSpPr txBox="1">
+            <a:spLocks/>
+          </p:cNvSpPr>
+          <p:nvPr/>
+        </p:nvSpPr>
+        <p:spPr>
+          <a:xfrm>
+            <a:off x="838200" y="5478399"/>
+            <a:ext cx="10515600" cy="1054286"/>
+          </a:xfrm>
+          <a:prstGeom prst="rect">
+            <a:avLst/>
+          </a:prstGeom>
+        </p:spPr>
+        <p:txBody>
+          <a:bodyPr vert="horz" lIns="91440" tIns="45720" rIns="91440" bIns="45720" rtlCol="0">
+            <a:normAutofit/>
+          </a:bodyPr>
+          <a:lstStyle>
+            <a:lvl1pPr marL="228600" indent="-228600" algn="l" defTabSz="914400" rtl="0" eaLnBrk="1" latinLnBrk="0" hangingPunct="1">
+              <a:lnSpc>
+                <a:spcPct val="90000"/>
+              </a:lnSpc>
+              <a:spcBef>
+                <a:spcPts val="1000"/>
+              </a:spcBef>
+              <a:buFont typeface="Arial" panose="020B0604020202020204" pitchFamily="34" charset="0"/>
+              <a:buChar char="•"/>
+              <a:defRPr sz="2800" kern="1200">
+                <a:solidFill>
+                  <a:schemeClr val="tx1"/>
+                </a:solidFill>
+                <a:latin typeface="+mn-lt"/>
+                <a:ea typeface="+mn-ea"/>
+                <a:cs typeface="+mn-cs"/>
+              </a:defRPr>
+            </a:lvl1pPr>
+            <a:lvl2pPr marL="685800" indent="-228600" algn="l" defTabSz="914400" rtl="0" eaLnBrk="1" latinLnBrk="0" hangingPunct="1">
+              <a:lnSpc>
+                <a:spcPct val="90000"/>
+              </a:lnSpc>
+              <a:spcBef>
+                <a:spcPts val="500"/>
+              </a:spcBef>
+              <a:buFont typeface="Arial" panose="020B0604020202020204" pitchFamily="34" charset="0"/>
+              <a:buChar char="•"/>
+              <a:defRPr sz="2400" kern="1200">
+                <a:solidFill>
+                  <a:schemeClr val="tx1"/>
+                </a:solidFill>
+                <a:latin typeface="+mn-lt"/>
+                <a:ea typeface="+mn-ea"/>
+                <a:cs typeface="+mn-cs"/>
+              </a:defRPr>
+            </a:lvl2pPr>
+            <a:lvl3pPr marL="1143000" indent="-228600" algn="l" defTabSz="914400" rtl="0" eaLnBrk="1" latinLnBrk="0" hangingPunct="1">
+              <a:lnSpc>
+                <a:spcPct val="90000"/>
+              </a:lnSpc>
+              <a:spcBef>
+                <a:spcPts val="500"/>
+              </a:spcBef>
+              <a:buFont typeface="Arial" panose="020B0604020202020204" pitchFamily="34" charset="0"/>
+              <a:buChar char="•"/>
+              <a:defRPr sz="2000" kern="1200">
+                <a:solidFill>
+                  <a:schemeClr val="tx1"/>
+                </a:solidFill>
+                <a:latin typeface="+mn-lt"/>
+                <a:ea typeface="+mn-ea"/>
+                <a:cs typeface="+mn-cs"/>
+              </a:defRPr>
+            </a:lvl3pPr>
+            <a:lvl4pPr marL="1600200" indent="-228600" algn="l" defTabSz="914400" rtl="0" eaLnBrk="1" latinLnBrk="0" hangingPunct="1">
+              <a:lnSpc>
+                <a:spcPct val="90000"/>
+              </a:lnSpc>
+              <a:spcBef>
+                <a:spcPts val="500"/>
+              </a:spcBef>
+              <a:buFont typeface="Arial" panose="020B0604020202020204" pitchFamily="34" charset="0"/>
+              <a:buChar char="•"/>
+              <a:defRPr sz="1800" kern="1200">
+                <a:solidFill>
+                  <a:schemeClr val="tx1"/>
+                </a:solidFill>
+                <a:latin typeface="+mn-lt"/>
+                <a:ea typeface="+mn-ea"/>
+                <a:cs typeface="+mn-cs"/>
+              </a:defRPr>
+            </a:lvl4pPr>
+            <a:lvl5pPr marL="2057400" indent="-228600" algn="l" defTabSz="914400" rtl="0" eaLnBrk="1" latinLnBrk="0" hangingPunct="1">
+              <a:lnSpc>
+                <a:spcPct val="90000"/>
+              </a:lnSpc>
+              <a:spcBef>
+                <a:spcPts val="500"/>
+              </a:spcBef>
+              <a:buFont typeface="Arial" panose="020B0604020202020204" pitchFamily="34" charset="0"/>
+              <a:buChar char="•"/>
+              <a:defRPr sz="1800" kern="1200">
+                <a:solidFill>
+                  <a:schemeClr val="tx1"/>
+                </a:solidFill>
+                <a:latin typeface="+mn-lt"/>
+                <a:ea typeface="+mn-ea"/>
+                <a:cs typeface="+mn-cs"/>
+              </a:defRPr>
+            </a:lvl5pPr>
+            <a:lvl6pPr marL="2514600" indent="-228600" algn="l" defTabSz="914400" rtl="0" eaLnBrk="1" latinLnBrk="0" hangingPunct="1">
+              <a:lnSpc>
+                <a:spcPct val="90000"/>
+              </a:lnSpc>
+              <a:spcBef>
+                <a:spcPts val="500"/>
+              </a:spcBef>
+              <a:buFont typeface="Arial" panose="020B0604020202020204" pitchFamily="34" charset="0"/>
+              <a:buChar char="•"/>
+              <a:defRPr sz="1800" kern="1200">
+                <a:solidFill>
+                  <a:schemeClr val="tx1"/>
+                </a:solidFill>
+                <a:latin typeface="+mn-lt"/>
+                <a:ea typeface="+mn-ea"/>
+                <a:cs typeface="+mn-cs"/>
+              </a:defRPr>
+            </a:lvl6pPr>
+            <a:lvl7pPr marL="2971800" indent="-228600" algn="l" defTabSz="914400" rtl="0" eaLnBrk="1" latinLnBrk="0" hangingPunct="1">
+              <a:lnSpc>
+                <a:spcPct val="90000"/>
+              </a:lnSpc>
+              <a:spcBef>
+                <a:spcPts val="500"/>
+              </a:spcBef>
+              <a:buFont typeface="Arial" panose="020B0604020202020204" pitchFamily="34" charset="0"/>
+              <a:buChar char="•"/>
+              <a:defRPr sz="1800" kern="1200">
+                <a:solidFill>
+                  <a:schemeClr val="tx1"/>
+                </a:solidFill>
+                <a:latin typeface="+mn-lt"/>
+                <a:ea typeface="+mn-ea"/>
+                <a:cs typeface="+mn-cs"/>
+              </a:defRPr>
+            </a:lvl7pPr>
+            <a:lvl8pPr marL="3429000" indent="-228600" algn="l" defTabSz="914400" rtl="0" eaLnBrk="1" latinLnBrk="0" hangingPunct="1">
+              <a:lnSpc>
+                <a:spcPct val="90000"/>
+              </a:lnSpc>
+              <a:spcBef>
+                <a:spcPts val="500"/>
+              </a:spcBef>
+              <a:buFont typeface="Arial" panose="020B0604020202020204" pitchFamily="34" charset="0"/>
+              <a:buChar char="•"/>
+              <a:defRPr sz="1800" kern="1200">
+                <a:solidFill>
+                  <a:schemeClr val="tx1"/>
+                </a:solidFill>
+                <a:latin typeface="+mn-lt"/>
+                <a:ea typeface="+mn-ea"/>
+                <a:cs typeface="+mn-cs"/>
+              </a:defRPr>
+            </a:lvl8pPr>
+            <a:lvl9pPr marL="3886200" indent="-228600" algn="l" defTabSz="914400" rtl="0" eaLnBrk="1" latinLnBrk="0" hangingPunct="1">
+              <a:lnSpc>
+                <a:spcPct val="90000"/>
+              </a:lnSpc>
+              <a:spcBef>
+                <a:spcPts val="500"/>
+              </a:spcBef>
+              <a:buFont typeface="Arial" panose="020B0604020202020204" pitchFamily="34" charset="0"/>
+              <a:buChar char="•"/>
+              <a:defRPr sz="1800" kern="1200">
+                <a:solidFill>
+                  <a:schemeClr val="tx1"/>
+                </a:solidFill>
+                <a:latin typeface="+mn-lt"/>
+                <a:ea typeface="+mn-ea"/>
+                <a:cs typeface="+mn-cs"/>
+              </a:defRPr>
+            </a:lvl9pPr>
+          </a:lstStyle>
+          <a:p>
+            <a:r>
+              <a:rPr lang="de-DE" sz="2400" dirty="0"/>
+              <a:t>2 aktive Zustände (voll an und teilweise an)</a:t>
+            </a:r>
+          </a:p>
+        </p:txBody>
+      </p:sp>
+    </p:spTree>
+    <p:extLst>
+      <p:ext uri="{BB962C8B-B14F-4D97-AF65-F5344CB8AC3E}">
+        <p14:creationId xmlns:p14="http://schemas.microsoft.com/office/powerpoint/2010/main" val="2586113764"/>
+      </p:ext>
+    </p:extLst>
+  </p:cSld>
+  <p:clrMapOvr>
+    <a:masterClrMapping/>
+  </p:clrMapOvr>
+</p:sld>
+</file>
+
+<file path=ppt/slides/slide2.xml><?xml version="1.0" encoding="utf-8"?>
 <p:sld xmlns:a="http://schemas.openxmlformats.org/drawingml/2006/main" xmlns:r="http://schemas.openxmlformats.org/officeDocument/2006/relationships" xmlns:p="http://schemas.openxmlformats.org/presentationml/2006/main">
   <p:cSld>
     <p:spTree>
@@ -7857,7 +10485,7 @@
           <p:cNvPr id="2" name="Titel 1">
             <a:extLst>
               <a:ext uri="{FF2B5EF4-FFF2-40B4-BE49-F238E27FC236}">
-                <a16:creationId xmlns:a16="http://schemas.microsoft.com/office/drawing/2014/main" id="{D70A650C-2596-4015-949A-D2528CD82F8A}"/>
+                <a16:creationId xmlns:a16="http://schemas.microsoft.com/office/drawing/2014/main" id="{6D11F46B-E68D-44D5-A1A2-74862811EDF1}"/>
               </a:ext>
             </a:extLst>
           </p:cNvPr>
@@ -7868,15 +10496,1613 @@
             <p:ph type="title"/>
           </p:nvPr>
         </p:nvSpPr>
-        <p:spPr/>
+        <p:spPr>
+          <a:xfrm>
+            <a:off x="778120" y="400383"/>
+            <a:ext cx="10515600" cy="1325563"/>
+          </a:xfrm>
+        </p:spPr>
+        <p:txBody>
+          <a:bodyPr>
+            <a:normAutofit/>
+          </a:bodyPr>
+          <a:lstStyle/>
+          <a:p>
+            <a:r>
+              <a:rPr lang="de-DE" sz="3600" dirty="0"/>
+              <a:t>Was für ein System soll beschrieben werden?</a:t>
+            </a:r>
+          </a:p>
+        </p:txBody>
+      </p:sp>
+      <p:pic>
+        <p:nvPicPr>
+          <p:cNvPr id="4" name="Grafik 3">
+            <a:extLst>
+              <a:ext uri="{FF2B5EF4-FFF2-40B4-BE49-F238E27FC236}">
+                <a16:creationId xmlns:a16="http://schemas.microsoft.com/office/drawing/2014/main" id="{14567CA3-5091-4083-B9F1-7147480F0421}"/>
+              </a:ext>
+            </a:extLst>
+          </p:cNvPr>
+          <p:cNvPicPr>
+            <a:picLocks noChangeAspect="1"/>
+          </p:cNvPicPr>
+          <p:nvPr/>
+        </p:nvPicPr>
+        <p:blipFill>
+          <a:blip r:embed="rId2">
+            <a:extLst>
+              <a:ext uri="{28A0092B-C50C-407E-A947-70E740481C1C}">
+                <a14:useLocalDpi xmlns:a14="http://schemas.microsoft.com/office/drawing/2010/main" val="0"/>
+              </a:ext>
+            </a:extLst>
+          </a:blip>
+          <a:stretch>
+            <a:fillRect/>
+          </a:stretch>
+        </p:blipFill>
+        <p:spPr>
+          <a:xfrm>
+            <a:off x="1503090" y="1362075"/>
+            <a:ext cx="9185820" cy="5184854"/>
+          </a:xfrm>
+          <a:prstGeom prst="rect">
+            <a:avLst/>
+          </a:prstGeom>
+        </p:spPr>
+      </p:pic>
+    </p:spTree>
+    <p:extLst>
+      <p:ext uri="{BB962C8B-B14F-4D97-AF65-F5344CB8AC3E}">
+        <p14:creationId xmlns:p14="http://schemas.microsoft.com/office/powerpoint/2010/main" val="169830332"/>
+      </p:ext>
+    </p:extLst>
+  </p:cSld>
+  <p:clrMapOvr>
+    <a:masterClrMapping/>
+  </p:clrMapOvr>
+</p:sld>
+</file>
+
+<file path=ppt/slides/slide20.xml><?xml version="1.0" encoding="utf-8"?>
+<p:sld xmlns:a="http://schemas.openxmlformats.org/drawingml/2006/main" xmlns:r="http://schemas.openxmlformats.org/officeDocument/2006/relationships" xmlns:p="http://schemas.openxmlformats.org/presentationml/2006/main">
+  <p:cSld>
+    <p:spTree>
+      <p:nvGrpSpPr>
+        <p:cNvPr id="1" name=""/>
+        <p:cNvGrpSpPr/>
+        <p:nvPr/>
+      </p:nvGrpSpPr>
+      <p:grpSpPr>
+        <a:xfrm>
+          <a:off x="0" y="0"/>
+          <a:ext cx="0" cy="0"/>
+          <a:chOff x="0" y="0"/>
+          <a:chExt cx="0" cy="0"/>
+        </a:xfrm>
+      </p:grpSpPr>
+      <mc:AlternateContent xmlns:mc="http://schemas.openxmlformats.org/markup-compatibility/2006" xmlns:a14="http://schemas.microsoft.com/office/drawing/2010/main">
+        <mc:Choice Requires="a14">
+          <p:sp>
+            <p:nvSpPr>
+              <p:cNvPr id="2" name="Titel 1">
+                <a:extLst>
+                  <a:ext uri="{FF2B5EF4-FFF2-40B4-BE49-F238E27FC236}">
+                    <a16:creationId xmlns:a16="http://schemas.microsoft.com/office/drawing/2014/main" id="{82E8FAC7-A105-4095-A185-1903CEDE7190}"/>
+                  </a:ext>
+                </a:extLst>
+              </p:cNvPr>
+              <p:cNvSpPr>
+                <a:spLocks noGrp="1"/>
+              </p:cNvSpPr>
+              <p:nvPr>
+                <p:ph type="title"/>
+              </p:nvPr>
+            </p:nvSpPr>
+            <p:spPr>
+              <a:xfrm>
+                <a:off x="838200" y="679965"/>
+                <a:ext cx="10515600" cy="1325563"/>
+              </a:xfrm>
+            </p:spPr>
+            <p:txBody>
+              <a:bodyPr>
+                <a:normAutofit fontScale="90000"/>
+              </a:bodyPr>
+              <a:lstStyle/>
+              <a:p>
+                <a:r>
+                  <a:rPr lang="de-DE" dirty="0"/>
+                  <a:t>Algorithmus 1  </a:t>
+                </a:r>
+                <a:r>
+                  <a:rPr lang="de-DE" sz="4400" dirty="0"/>
+                  <a:t> </a:t>
+                </a:r>
+                <a:r>
+                  <a:rPr lang="de-DE" sz="4400" dirty="0">
+                    <a:sym typeface="Wingdings" panose="05000000000000000000" pitchFamily="2" charset="2"/>
+                  </a:rPr>
+                  <a:t></a:t>
+                </a:r>
+                <a:r>
+                  <a:rPr lang="de-DE" sz="4400" dirty="0"/>
+                  <a:t> </a:t>
+                </a:r>
+                <a14:m>
+                  <m:oMath xmlns:m="http://schemas.openxmlformats.org/officeDocument/2006/math">
+                    <m:acc>
+                      <m:accPr>
+                        <m:chr m:val="⃗"/>
+                        <m:ctrlPr>
+                          <a:rPr lang="de-DE" sz="4400" i="1" dirty="0" smtClean="0">
+                            <a:latin typeface="Cambria Math" panose="02040503050406030204" pitchFamily="18" charset="0"/>
+                          </a:rPr>
+                        </m:ctrlPr>
+                      </m:accPr>
+                      <m:e>
+                        <m:f>
+                          <m:fPr>
+                            <m:ctrlPr>
+                              <a:rPr lang="de-DE" sz="4400" i="1" dirty="0" smtClean="0">
+                                <a:latin typeface="Cambria Math" panose="02040503050406030204" pitchFamily="18" charset="0"/>
+                              </a:rPr>
+                            </m:ctrlPr>
+                          </m:fPr>
+                          <m:num>
+                            <m:r>
+                              <a:rPr lang="de-DE" sz="4400" i="1" dirty="0" smtClean="0">
+                                <a:latin typeface="Cambria Math" panose="02040503050406030204" pitchFamily="18" charset="0"/>
+                              </a:rPr>
+                              <m:t>𝜕</m:t>
+                            </m:r>
+                            <m:sSub>
+                              <m:sSubPr>
+                                <m:ctrlPr>
+                                  <a:rPr lang="de-DE" sz="4400" b="0" i="1" dirty="0" smtClean="0">
+                                    <a:latin typeface="Cambria Math" panose="02040503050406030204" pitchFamily="18" charset="0"/>
+                                  </a:rPr>
+                                </m:ctrlPr>
+                              </m:sSubPr>
+                              <m:e>
+                                <m:r>
+                                  <a:rPr lang="de-DE" sz="4400" b="0" i="1" dirty="0" smtClean="0">
+                                    <a:latin typeface="Cambria Math" panose="02040503050406030204" pitchFamily="18" charset="0"/>
+                                  </a:rPr>
+                                  <m:t>𝑉</m:t>
+                                </m:r>
+                              </m:e>
+                              <m:sub>
+                                <m:r>
+                                  <a:rPr lang="de-DE" sz="4400" b="0" i="1" dirty="0" smtClean="0">
+                                    <a:latin typeface="Cambria Math" panose="02040503050406030204" pitchFamily="18" charset="0"/>
+                                  </a:rPr>
+                                  <m:t>𝑖</m:t>
+                                </m:r>
+                              </m:sub>
+                            </m:sSub>
+                          </m:num>
+                          <m:den>
+                            <m:r>
+                              <a:rPr lang="de-DE" sz="4400" i="1" dirty="0" smtClean="0">
+                                <a:latin typeface="Cambria Math" panose="02040503050406030204" pitchFamily="18" charset="0"/>
+                              </a:rPr>
+                              <m:t>𝜕</m:t>
+                            </m:r>
+                            <m:r>
+                              <a:rPr lang="de-DE" sz="4400" b="0" i="1" dirty="0" smtClean="0">
+                                <a:latin typeface="Cambria Math" panose="02040503050406030204" pitchFamily="18" charset="0"/>
+                              </a:rPr>
+                              <m:t>𝑡</m:t>
+                            </m:r>
+                          </m:den>
+                        </m:f>
+                      </m:e>
+                    </m:acc>
+                    <m:d>
+                      <m:dPr>
+                        <m:ctrlPr>
+                          <a:rPr lang="de-DE" sz="4400" b="0" i="1" dirty="0" smtClean="0">
+                            <a:latin typeface="Cambria Math" panose="02040503050406030204" pitchFamily="18" charset="0"/>
+                          </a:rPr>
+                        </m:ctrlPr>
+                      </m:dPr>
+                      <m:e>
+                        <m:acc>
+                          <m:accPr>
+                            <m:chr m:val="⃗"/>
+                            <m:ctrlPr>
+                              <a:rPr lang="de-DE" sz="4400" i="1" dirty="0" smtClean="0">
+                                <a:latin typeface="Cambria Math" panose="02040503050406030204" pitchFamily="18" charset="0"/>
+                              </a:rPr>
+                            </m:ctrlPr>
+                          </m:accPr>
+                          <m:e>
+                            <m:r>
+                              <a:rPr lang="de-DE" sz="4400" b="0" i="1" dirty="0" smtClean="0">
+                                <a:latin typeface="Cambria Math" panose="02040503050406030204" pitchFamily="18" charset="0"/>
+                              </a:rPr>
+                              <m:t>𝐾</m:t>
+                            </m:r>
+                          </m:e>
+                        </m:acc>
+                      </m:e>
+                    </m:d>
+                  </m:oMath>
+                </a14:m>
+                <a:br>
+                  <a:rPr lang="de-DE" sz="4400" dirty="0"/>
+                </a:br>
+                <a:r>
+                  <a:rPr lang="de-DE" sz="4400" dirty="0"/>
+                  <a:t>	Naiver Versuch – lineare Regression</a:t>
+                </a:r>
+                <a:endParaRPr lang="de-DE" dirty="0"/>
+              </a:p>
+            </p:txBody>
+          </p:sp>
+        </mc:Choice>
+        <mc:Fallback xmlns="">
+          <p:sp>
+            <p:nvSpPr>
+              <p:cNvPr id="2" name="Titel 1">
+                <a:extLst>
+                  <a:ext uri="{FF2B5EF4-FFF2-40B4-BE49-F238E27FC236}">
+                    <a16:creationId xmlns:a16="http://schemas.microsoft.com/office/drawing/2014/main" id="{82E8FAC7-A105-4095-A185-1903CEDE7190}"/>
+                  </a:ext>
+                </a:extLst>
+              </p:cNvPr>
+              <p:cNvSpPr>
+                <a:spLocks noGrp="1" noRot="1" noChangeAspect="1" noMove="1" noResize="1" noEditPoints="1" noAdjustHandles="1" noChangeArrowheads="1" noChangeShapeType="1" noTextEdit="1"/>
+              </p:cNvSpPr>
+              <p:nvPr>
+                <p:ph type="title"/>
+              </p:nvPr>
+            </p:nvSpPr>
+            <p:spPr>
+              <a:xfrm>
+                <a:off x="838200" y="679965"/>
+                <a:ext cx="10515600" cy="1325563"/>
+              </a:xfrm>
+              <a:blipFill>
+                <a:blip r:embed="rId6"/>
+                <a:stretch>
+                  <a:fillRect l="-2087" t="-7373" b="-29954"/>
+                </a:stretch>
+              </a:blipFill>
+            </p:spPr>
+            <p:txBody>
+              <a:bodyPr/>
+              <a:lstStyle/>
+              <a:p>
+                <a:r>
+                  <a:rPr lang="de-DE">
+                    <a:noFill/>
+                  </a:rPr>
+                  <a:t> </a:t>
+                </a:r>
+              </a:p>
+            </p:txBody>
+          </p:sp>
+        </mc:Fallback>
+      </mc:AlternateContent>
+      <p:sp>
+        <p:nvSpPr>
+          <p:cNvPr id="16" name="Inhaltsplatzhalter 15">
+            <a:extLst>
+              <a:ext uri="{FF2B5EF4-FFF2-40B4-BE49-F238E27FC236}">
+                <a16:creationId xmlns:a16="http://schemas.microsoft.com/office/drawing/2014/main" id="{1AB06DDB-C50C-4005-BE99-3EDF948628C1}"/>
+              </a:ext>
+            </a:extLst>
+          </p:cNvPr>
+          <p:cNvSpPr>
+            <a:spLocks noGrp="1"/>
+          </p:cNvSpPr>
+          <p:nvPr>
+            <p:ph idx="1"/>
+          </p:nvPr>
+        </p:nvSpPr>
+        <p:spPr>
+          <a:xfrm>
+            <a:off x="838200" y="2212487"/>
+            <a:ext cx="10515600" cy="4351338"/>
+          </a:xfrm>
+        </p:spPr>
         <p:txBody>
           <a:bodyPr/>
           <a:lstStyle/>
           <a:p>
-            <a:endParaRPr lang="de-DE"/>
+            <a:r>
+              <a:rPr lang="de-DE" dirty="0"/>
+              <a:t>Lineare Regression mit Lasso Regularisierung</a:t>
+            </a:r>
+          </a:p>
+          <a:p>
+            <a:endParaRPr lang="de-DE" dirty="0"/>
+          </a:p>
+          <a:p>
+            <a:endParaRPr lang="de-DE" dirty="0"/>
+          </a:p>
+          <a:p>
+            <a:endParaRPr lang="de-DE" dirty="0"/>
           </a:p>
         </p:txBody>
       </p:sp>
+      <p:pic>
+        <p:nvPicPr>
+          <p:cNvPr id="20" name="Grafik 19">
+            <a:extLst>
+              <a:ext uri="{FF2B5EF4-FFF2-40B4-BE49-F238E27FC236}">
+                <a16:creationId xmlns:a16="http://schemas.microsoft.com/office/drawing/2014/main" id="{F524B803-796C-4BA7-AA4F-680BF2D092FD}"/>
+              </a:ext>
+            </a:extLst>
+          </p:cNvPr>
+          <p:cNvPicPr>
+            <a:picLocks noChangeAspect="1"/>
+          </p:cNvPicPr>
+          <p:nvPr/>
+        </p:nvPicPr>
+        <p:blipFill>
+          <a:blip r:embed="rId7"/>
+          <a:stretch>
+            <a:fillRect/>
+          </a:stretch>
+        </p:blipFill>
+        <p:spPr>
+          <a:xfrm>
+            <a:off x="7763025" y="2212487"/>
+            <a:ext cx="3914775" cy="904875"/>
+          </a:xfrm>
+          <a:prstGeom prst="rect">
+            <a:avLst/>
+          </a:prstGeom>
+        </p:spPr>
+      </p:pic>
+      <p:grpSp>
+        <p:nvGrpSpPr>
+          <p:cNvPr id="24" name="Gruppieren 23">
+            <a:extLst>
+              <a:ext uri="{FF2B5EF4-FFF2-40B4-BE49-F238E27FC236}">
+                <a16:creationId xmlns:a16="http://schemas.microsoft.com/office/drawing/2014/main" id="{963AFBD4-1B7E-450A-B19E-C9FA5BE6E1B2}"/>
+              </a:ext>
+            </a:extLst>
+          </p:cNvPr>
+          <p:cNvGrpSpPr/>
+          <p:nvPr/>
+        </p:nvGrpSpPr>
+        <p:grpSpPr>
+          <a:xfrm>
+            <a:off x="912051" y="3576525"/>
+            <a:ext cx="6850974" cy="2987300"/>
+            <a:chOff x="912051" y="3576526"/>
+            <a:chExt cx="6850974" cy="2987300"/>
+          </a:xfrm>
+        </p:grpSpPr>
+        <p:pic>
+          <p:nvPicPr>
+            <p:cNvPr id="22" name="Grafik 21">
+              <a:extLst>
+                <a:ext uri="{FF2B5EF4-FFF2-40B4-BE49-F238E27FC236}">
+                  <a16:creationId xmlns:a16="http://schemas.microsoft.com/office/drawing/2014/main" id="{13FCDDE3-FB4F-4917-A6E3-703B926799B8}"/>
+                </a:ext>
+              </a:extLst>
+            </p:cNvPr>
+            <p:cNvPicPr>
+              <a:picLocks noChangeAspect="1"/>
+            </p:cNvPicPr>
+            <p:nvPr/>
+          </p:nvPicPr>
+          <p:blipFill>
+            <a:blip r:embed="rId8">
+              <a:extLst>
+                <a:ext uri="{28A0092B-C50C-407E-A947-70E740481C1C}">
+                  <a14:useLocalDpi xmlns:a14="http://schemas.microsoft.com/office/drawing/2010/main" val="0"/>
+                </a:ext>
+              </a:extLst>
+            </a:blip>
+            <a:stretch>
+              <a:fillRect/>
+            </a:stretch>
+          </p:blipFill>
+          <p:spPr>
+            <a:xfrm>
+              <a:off x="912051" y="3576526"/>
+              <a:ext cx="6850974" cy="2987299"/>
+            </a:xfrm>
+            <a:prstGeom prst="rect">
+              <a:avLst/>
+            </a:prstGeom>
+          </p:spPr>
+        </p:pic>
+        <p:sp>
+          <p:nvSpPr>
+            <p:cNvPr id="23" name="Ellipse 22">
+              <a:extLst>
+                <a:ext uri="{FF2B5EF4-FFF2-40B4-BE49-F238E27FC236}">
+                  <a16:creationId xmlns:a16="http://schemas.microsoft.com/office/drawing/2014/main" id="{21DFE739-C938-48AD-9383-E424DB3A09C8}"/>
+                </a:ext>
+              </a:extLst>
+            </p:cNvPr>
+            <p:cNvSpPr/>
+            <p:nvPr/>
+          </p:nvSpPr>
+          <p:spPr>
+            <a:xfrm>
+              <a:off x="4237892" y="5792244"/>
+              <a:ext cx="791308" cy="771582"/>
+            </a:xfrm>
+            <a:prstGeom prst="ellipse">
+              <a:avLst/>
+            </a:prstGeom>
+            <a:noFill/>
+            <a:ln w="38100">
+              <a:solidFill>
+                <a:srgbClr val="FF0000"/>
+              </a:solidFill>
+            </a:ln>
+          </p:spPr>
+          <p:style>
+            <a:lnRef idx="2">
+              <a:schemeClr val="accent1">
+                <a:shade val="50000"/>
+              </a:schemeClr>
+            </a:lnRef>
+            <a:fillRef idx="1">
+              <a:schemeClr val="accent1"/>
+            </a:fillRef>
+            <a:effectRef idx="0">
+              <a:schemeClr val="accent1"/>
+            </a:effectRef>
+            <a:fontRef idx="minor">
+              <a:schemeClr val="lt1"/>
+            </a:fontRef>
+          </p:style>
+          <p:txBody>
+            <a:bodyPr rtlCol="0" anchor="ctr"/>
+            <a:lstStyle/>
+            <a:p>
+              <a:pPr algn="ctr"/>
+              <a:endParaRPr lang="de-DE"/>
+            </a:p>
+          </p:txBody>
+        </p:sp>
+      </p:grpSp>
+    </p:spTree>
+    <p:extLst>
+      <p:ext uri="{BB962C8B-B14F-4D97-AF65-F5344CB8AC3E}">
+        <p14:creationId xmlns:p14="http://schemas.microsoft.com/office/powerpoint/2010/main" val="891070769"/>
+      </p:ext>
+    </p:extLst>
+  </p:cSld>
+  <p:clrMapOvr>
+    <a:masterClrMapping/>
+  </p:clrMapOvr>
+</p:sld>
+</file>
+
+<file path=ppt/slides/slide21.xml><?xml version="1.0" encoding="utf-8"?>
+<p:sld xmlns:a="http://schemas.openxmlformats.org/drawingml/2006/main" xmlns:r="http://schemas.openxmlformats.org/officeDocument/2006/relationships" xmlns:p="http://schemas.openxmlformats.org/presentationml/2006/main">
+  <p:cSld>
+    <p:spTree>
+      <p:nvGrpSpPr>
+        <p:cNvPr id="1" name=""/>
+        <p:cNvGrpSpPr/>
+        <p:nvPr/>
+      </p:nvGrpSpPr>
+      <p:grpSpPr>
+        <a:xfrm>
+          <a:off x="0" y="0"/>
+          <a:ext cx="0" cy="0"/>
+          <a:chOff x="0" y="0"/>
+          <a:chExt cx="0" cy="0"/>
+        </a:xfrm>
+      </p:grpSpPr>
+      <mc:AlternateContent xmlns:mc="http://schemas.openxmlformats.org/markup-compatibility/2006" xmlns:a14="http://schemas.microsoft.com/office/drawing/2010/main">
+        <mc:Choice Requires="a14">
+          <p:sp>
+            <p:nvSpPr>
+              <p:cNvPr id="2" name="Titel 1">
+                <a:extLst>
+                  <a:ext uri="{FF2B5EF4-FFF2-40B4-BE49-F238E27FC236}">
+                    <a16:creationId xmlns:a16="http://schemas.microsoft.com/office/drawing/2014/main" id="{82E8FAC7-A105-4095-A185-1903CEDE7190}"/>
+                  </a:ext>
+                </a:extLst>
+              </p:cNvPr>
+              <p:cNvSpPr>
+                <a:spLocks noGrp="1"/>
+              </p:cNvSpPr>
+              <p:nvPr>
+                <p:ph type="title"/>
+              </p:nvPr>
+            </p:nvSpPr>
+            <p:spPr>
+              <a:xfrm>
+                <a:off x="838200" y="679965"/>
+                <a:ext cx="10515600" cy="1325563"/>
+              </a:xfrm>
+            </p:spPr>
+            <p:txBody>
+              <a:bodyPr>
+                <a:normAutofit fontScale="90000"/>
+              </a:bodyPr>
+              <a:lstStyle/>
+              <a:p>
+                <a:r>
+                  <a:rPr lang="de-DE" dirty="0"/>
+                  <a:t>Algorithmus 1  </a:t>
+                </a:r>
+                <a:r>
+                  <a:rPr lang="de-DE" sz="4400" dirty="0"/>
+                  <a:t> </a:t>
+                </a:r>
+                <a:r>
+                  <a:rPr lang="de-DE" sz="4400" dirty="0">
+                    <a:sym typeface="Wingdings" panose="05000000000000000000" pitchFamily="2" charset="2"/>
+                  </a:rPr>
+                  <a:t></a:t>
+                </a:r>
+                <a:r>
+                  <a:rPr lang="de-DE" sz="4400" dirty="0"/>
+                  <a:t> </a:t>
+                </a:r>
+                <a14:m>
+                  <m:oMath xmlns:m="http://schemas.openxmlformats.org/officeDocument/2006/math">
+                    <m:acc>
+                      <m:accPr>
+                        <m:chr m:val="⃗"/>
+                        <m:ctrlPr>
+                          <a:rPr lang="de-DE" sz="4400" i="1" dirty="0" smtClean="0">
+                            <a:latin typeface="Cambria Math" panose="02040503050406030204" pitchFamily="18" charset="0"/>
+                          </a:rPr>
+                        </m:ctrlPr>
+                      </m:accPr>
+                      <m:e>
+                        <m:f>
+                          <m:fPr>
+                            <m:ctrlPr>
+                              <a:rPr lang="de-DE" sz="4400" i="1" dirty="0" smtClean="0">
+                                <a:latin typeface="Cambria Math" panose="02040503050406030204" pitchFamily="18" charset="0"/>
+                              </a:rPr>
+                            </m:ctrlPr>
+                          </m:fPr>
+                          <m:num>
+                            <m:r>
+                              <a:rPr lang="de-DE" sz="4400" i="1" dirty="0" smtClean="0">
+                                <a:latin typeface="Cambria Math" panose="02040503050406030204" pitchFamily="18" charset="0"/>
+                              </a:rPr>
+                              <m:t>𝜕</m:t>
+                            </m:r>
+                            <m:sSub>
+                              <m:sSubPr>
+                                <m:ctrlPr>
+                                  <a:rPr lang="de-DE" sz="4400" b="0" i="1" dirty="0" smtClean="0">
+                                    <a:latin typeface="Cambria Math" panose="02040503050406030204" pitchFamily="18" charset="0"/>
+                                  </a:rPr>
+                                </m:ctrlPr>
+                              </m:sSubPr>
+                              <m:e>
+                                <m:r>
+                                  <a:rPr lang="de-DE" sz="4400" b="0" i="1" dirty="0" smtClean="0">
+                                    <a:latin typeface="Cambria Math" panose="02040503050406030204" pitchFamily="18" charset="0"/>
+                                  </a:rPr>
+                                  <m:t>𝑉</m:t>
+                                </m:r>
+                              </m:e>
+                              <m:sub>
+                                <m:r>
+                                  <a:rPr lang="de-DE" sz="4400" b="0" i="1" dirty="0" smtClean="0">
+                                    <a:latin typeface="Cambria Math" panose="02040503050406030204" pitchFamily="18" charset="0"/>
+                                  </a:rPr>
+                                  <m:t>𝑖</m:t>
+                                </m:r>
+                              </m:sub>
+                            </m:sSub>
+                          </m:num>
+                          <m:den>
+                            <m:r>
+                              <a:rPr lang="de-DE" sz="4400" i="1" dirty="0" smtClean="0">
+                                <a:latin typeface="Cambria Math" panose="02040503050406030204" pitchFamily="18" charset="0"/>
+                              </a:rPr>
+                              <m:t>𝜕</m:t>
+                            </m:r>
+                            <m:r>
+                              <a:rPr lang="de-DE" sz="4400" b="0" i="1" dirty="0" smtClean="0">
+                                <a:latin typeface="Cambria Math" panose="02040503050406030204" pitchFamily="18" charset="0"/>
+                              </a:rPr>
+                              <m:t>𝑡</m:t>
+                            </m:r>
+                          </m:den>
+                        </m:f>
+                      </m:e>
+                    </m:acc>
+                    <m:d>
+                      <m:dPr>
+                        <m:ctrlPr>
+                          <a:rPr lang="de-DE" sz="4400" b="0" i="1" dirty="0" smtClean="0">
+                            <a:latin typeface="Cambria Math" panose="02040503050406030204" pitchFamily="18" charset="0"/>
+                          </a:rPr>
+                        </m:ctrlPr>
+                      </m:dPr>
+                      <m:e>
+                        <m:acc>
+                          <m:accPr>
+                            <m:chr m:val="⃗"/>
+                            <m:ctrlPr>
+                              <a:rPr lang="de-DE" sz="4400" i="1" dirty="0" smtClean="0">
+                                <a:latin typeface="Cambria Math" panose="02040503050406030204" pitchFamily="18" charset="0"/>
+                              </a:rPr>
+                            </m:ctrlPr>
+                          </m:accPr>
+                          <m:e>
+                            <m:r>
+                              <a:rPr lang="de-DE" sz="4400" b="0" i="1" dirty="0" smtClean="0">
+                                <a:latin typeface="Cambria Math" panose="02040503050406030204" pitchFamily="18" charset="0"/>
+                              </a:rPr>
+                              <m:t>𝐾</m:t>
+                            </m:r>
+                          </m:e>
+                        </m:acc>
+                      </m:e>
+                    </m:d>
+                  </m:oMath>
+                </a14:m>
+                <a:br>
+                  <a:rPr lang="de-DE" sz="4400" dirty="0"/>
+                </a:br>
+                <a:r>
+                  <a:rPr lang="de-DE" sz="4400" dirty="0"/>
+                  <a:t>	Naiver Versuch – lineare Regression</a:t>
+                </a:r>
+                <a:endParaRPr lang="de-DE" dirty="0"/>
+              </a:p>
+            </p:txBody>
+          </p:sp>
+        </mc:Choice>
+        <mc:Fallback xmlns="">
+          <p:sp>
+            <p:nvSpPr>
+              <p:cNvPr id="2" name="Titel 1">
+                <a:extLst>
+                  <a:ext uri="{FF2B5EF4-FFF2-40B4-BE49-F238E27FC236}">
+                    <a16:creationId xmlns:a16="http://schemas.microsoft.com/office/drawing/2014/main" id="{82E8FAC7-A105-4095-A185-1903CEDE7190}"/>
+                  </a:ext>
+                </a:extLst>
+              </p:cNvPr>
+              <p:cNvSpPr>
+                <a:spLocks noGrp="1" noRot="1" noChangeAspect="1" noMove="1" noResize="1" noEditPoints="1" noAdjustHandles="1" noChangeArrowheads="1" noChangeShapeType="1" noTextEdit="1"/>
+              </p:cNvSpPr>
+              <p:nvPr>
+                <p:ph type="title"/>
+              </p:nvPr>
+            </p:nvSpPr>
+            <p:spPr>
+              <a:xfrm>
+                <a:off x="838200" y="679965"/>
+                <a:ext cx="10515600" cy="1325563"/>
+              </a:xfrm>
+              <a:blipFill>
+                <a:blip r:embed="rId5"/>
+                <a:stretch>
+                  <a:fillRect l="-2087" t="-7373" b="-29954"/>
+                </a:stretch>
+              </a:blipFill>
+            </p:spPr>
+            <p:txBody>
+              <a:bodyPr/>
+              <a:lstStyle/>
+              <a:p>
+                <a:r>
+                  <a:rPr lang="de-DE">
+                    <a:noFill/>
+                  </a:rPr>
+                  <a:t> </a:t>
+                </a:r>
+              </a:p>
+            </p:txBody>
+          </p:sp>
+        </mc:Fallback>
+      </mc:AlternateContent>
+      <p:pic>
+        <p:nvPicPr>
+          <p:cNvPr id="4" name="Grafik 3">
+            <a:extLst>
+              <a:ext uri="{FF2B5EF4-FFF2-40B4-BE49-F238E27FC236}">
+                <a16:creationId xmlns:a16="http://schemas.microsoft.com/office/drawing/2014/main" id="{CBB7FC21-FFA0-4FB2-BD28-E454976895B4}"/>
+              </a:ext>
+            </a:extLst>
+          </p:cNvPr>
+          <p:cNvPicPr>
+            <a:picLocks noChangeAspect="1"/>
+          </p:cNvPicPr>
+          <p:nvPr/>
+        </p:nvPicPr>
+        <p:blipFill>
+          <a:blip r:embed="rId6">
+            <a:extLst>
+              <a:ext uri="{28A0092B-C50C-407E-A947-70E740481C1C}">
+                <a14:useLocalDpi xmlns:a14="http://schemas.microsoft.com/office/drawing/2010/main" val="0"/>
+              </a:ext>
+            </a:extLst>
+          </a:blip>
+          <a:stretch>
+            <a:fillRect/>
+          </a:stretch>
+        </p:blipFill>
+        <p:spPr>
+          <a:xfrm>
+            <a:off x="6220845" y="2087289"/>
+            <a:ext cx="5852172" cy="4389129"/>
+          </a:xfrm>
+          <a:prstGeom prst="rect">
+            <a:avLst/>
+          </a:prstGeom>
+        </p:spPr>
+      </p:pic>
+      <mc:AlternateContent xmlns:mc="http://schemas.openxmlformats.org/markup-compatibility/2006" xmlns:a14="http://schemas.microsoft.com/office/drawing/2010/main">
+        <mc:Choice Requires="a14">
+          <p:sp>
+            <p:nvSpPr>
+              <p:cNvPr id="16" name="Inhaltsplatzhalter 15">
+                <a:extLst>
+                  <a:ext uri="{FF2B5EF4-FFF2-40B4-BE49-F238E27FC236}">
+                    <a16:creationId xmlns:a16="http://schemas.microsoft.com/office/drawing/2014/main" id="{1AB06DDB-C50C-4005-BE99-3EDF948628C1}"/>
+                  </a:ext>
+                </a:extLst>
+              </p:cNvPr>
+              <p:cNvSpPr>
+                <a:spLocks noGrp="1"/>
+              </p:cNvSpPr>
+              <p:nvPr>
+                <p:ph idx="1"/>
+              </p:nvPr>
+            </p:nvSpPr>
+            <p:spPr>
+              <a:xfrm>
+                <a:off x="838200" y="2212487"/>
+                <a:ext cx="5580185" cy="4351338"/>
+              </a:xfrm>
+            </p:spPr>
+            <p:txBody>
+              <a:bodyPr/>
+              <a:lstStyle/>
+              <a:p>
+                <a:r>
+                  <a:rPr lang="de-DE" dirty="0"/>
+                  <a:t>Motor 10 ist die ganze Zeit aus</a:t>
+                </a:r>
+              </a:p>
+              <a:p>
+                <a:r>
+                  <a:rPr lang="de-DE" dirty="0"/>
+                  <a:t>Tatsächlich ist eine Vorhersage fast gänzlich mit 1 Variable möglich</a:t>
+                </a:r>
+              </a:p>
+              <a:p>
+                <a:pPr lvl="1"/>
+                <a:r>
+                  <a:rPr lang="de-DE" dirty="0"/>
+                  <a:t> über den Motorzustand </a:t>
+                </a:r>
+                <a14:m>
+                  <m:oMath xmlns:m="http://schemas.openxmlformats.org/officeDocument/2006/math">
+                    <m:r>
+                      <a:rPr lang="de-DE" i="1" dirty="0" smtClean="0">
+                        <a:latin typeface="Cambria Math" panose="02040503050406030204" pitchFamily="18" charset="0"/>
+                      </a:rPr>
+                      <m:t>𝑖</m:t>
+                    </m:r>
+                  </m:oMath>
+                </a14:m>
+                <a:r>
+                  <a:rPr lang="de-DE" dirty="0"/>
+                  <a:t>.R2</a:t>
+                </a:r>
+              </a:p>
+              <a:p>
+                <a:pPr marL="457200" lvl="1" indent="0">
+                  <a:buNone/>
+                </a:pPr>
+                <a:r>
+                  <a:rPr lang="de-DE" dirty="0">
+                    <a:sym typeface="Wingdings" panose="05000000000000000000" pitchFamily="2" charset="2"/>
+                  </a:rPr>
+                  <a:t>	 </a:t>
+                </a:r>
+                <a14:m>
+                  <m:oMath xmlns:m="http://schemas.openxmlformats.org/officeDocument/2006/math">
+                    <m:sSup>
+                      <m:sSupPr>
+                        <m:ctrlPr>
+                          <a:rPr lang="de-DE" i="1" dirty="0" smtClean="0">
+                            <a:latin typeface="Cambria Math" panose="02040503050406030204" pitchFamily="18" charset="0"/>
+                            <a:sym typeface="Wingdings" panose="05000000000000000000" pitchFamily="2" charset="2"/>
+                          </a:rPr>
+                        </m:ctrlPr>
+                      </m:sSupPr>
+                      <m:e>
+                        <m:r>
+                          <a:rPr lang="de-DE" i="1" dirty="0" smtClean="0">
+                            <a:latin typeface="Cambria Math" panose="02040503050406030204" pitchFamily="18" charset="0"/>
+                            <a:sym typeface="Wingdings" panose="05000000000000000000" pitchFamily="2" charset="2"/>
+                          </a:rPr>
+                          <m:t>𝑅</m:t>
+                        </m:r>
+                      </m:e>
+                      <m:sup>
+                        <m:r>
+                          <a:rPr lang="de-DE" i="1" dirty="0" smtClean="0">
+                            <a:latin typeface="Cambria Math" panose="02040503050406030204" pitchFamily="18" charset="0"/>
+                            <a:sym typeface="Wingdings" panose="05000000000000000000" pitchFamily="2" charset="2"/>
+                          </a:rPr>
+                          <m:t>2</m:t>
+                        </m:r>
+                      </m:sup>
+                    </m:sSup>
+                    <m:r>
+                      <a:rPr lang="de-DE" b="0" i="1" dirty="0" smtClean="0">
+                        <a:latin typeface="Cambria Math" panose="02040503050406030204" pitchFamily="18" charset="0"/>
+                        <a:sym typeface="Wingdings" panose="05000000000000000000" pitchFamily="2" charset="2"/>
+                      </a:rPr>
+                      <m:t>=0.965</m:t>
+                    </m:r>
+                  </m:oMath>
+                </a14:m>
+                <a:endParaRPr lang="de-DE" dirty="0"/>
+              </a:p>
+              <a:p>
+                <a:pPr lvl="1"/>
+                <a:r>
+                  <a:rPr lang="de-DE" dirty="0"/>
+                  <a:t> über den Fluss</a:t>
+                </a:r>
+                <a14:m>
+                  <m:oMath xmlns:m="http://schemas.openxmlformats.org/officeDocument/2006/math">
+                    <m:r>
+                      <a:rPr lang="de-DE" i="1" dirty="0" smtClean="0">
+                        <a:latin typeface="Cambria Math" panose="02040503050406030204" pitchFamily="18" charset="0"/>
+                      </a:rPr>
+                      <m:t> </m:t>
+                    </m:r>
+                    <m:r>
+                      <a:rPr lang="de-DE" i="1" dirty="0" smtClean="0">
+                        <a:latin typeface="Cambria Math" panose="02040503050406030204" pitchFamily="18" charset="0"/>
+                      </a:rPr>
+                      <m:t>𝑖</m:t>
+                    </m:r>
+                  </m:oMath>
+                </a14:m>
+                <a:r>
+                  <a:rPr lang="de-DE" dirty="0"/>
+                  <a:t>.AE1</a:t>
+                </a:r>
+              </a:p>
+              <a:p>
+                <a:pPr marL="457200" lvl="1" indent="0">
+                  <a:buNone/>
+                </a:pPr>
+                <a:r>
+                  <a:rPr lang="de-DE" dirty="0">
+                    <a:sym typeface="Wingdings" panose="05000000000000000000" pitchFamily="2" charset="2"/>
+                  </a:rPr>
+                  <a:t>	 </a:t>
+                </a:r>
+                <a14:m>
+                  <m:oMath xmlns:m="http://schemas.openxmlformats.org/officeDocument/2006/math">
+                    <m:sSup>
+                      <m:sSupPr>
+                        <m:ctrlPr>
+                          <a:rPr lang="de-DE" i="1" dirty="0" smtClean="0">
+                            <a:latin typeface="Cambria Math" panose="02040503050406030204" pitchFamily="18" charset="0"/>
+                            <a:sym typeface="Wingdings" panose="05000000000000000000" pitchFamily="2" charset="2"/>
+                          </a:rPr>
+                        </m:ctrlPr>
+                      </m:sSupPr>
+                      <m:e>
+                        <m:r>
+                          <a:rPr lang="de-DE" i="1" dirty="0" smtClean="0">
+                            <a:latin typeface="Cambria Math" panose="02040503050406030204" pitchFamily="18" charset="0"/>
+                            <a:sym typeface="Wingdings" panose="05000000000000000000" pitchFamily="2" charset="2"/>
+                          </a:rPr>
+                          <m:t>𝑅</m:t>
+                        </m:r>
+                      </m:e>
+                      <m:sup>
+                        <m:r>
+                          <a:rPr lang="de-DE" i="1" dirty="0" smtClean="0">
+                            <a:latin typeface="Cambria Math" panose="02040503050406030204" pitchFamily="18" charset="0"/>
+                            <a:sym typeface="Wingdings" panose="05000000000000000000" pitchFamily="2" charset="2"/>
+                          </a:rPr>
+                          <m:t>2</m:t>
+                        </m:r>
+                      </m:sup>
+                    </m:sSup>
+                    <m:r>
+                      <a:rPr lang="de-DE" b="0" i="1" dirty="0" smtClean="0">
+                        <a:latin typeface="Cambria Math" panose="02040503050406030204" pitchFamily="18" charset="0"/>
+                        <a:sym typeface="Wingdings" panose="05000000000000000000" pitchFamily="2" charset="2"/>
+                      </a:rPr>
+                      <m:t>=0.985</m:t>
+                    </m:r>
+                  </m:oMath>
+                </a14:m>
+                <a:endParaRPr lang="de-DE" dirty="0"/>
+              </a:p>
+              <a:p>
+                <a:endParaRPr lang="de-DE" dirty="0"/>
+              </a:p>
+              <a:p>
+                <a:endParaRPr lang="de-DE" dirty="0"/>
+              </a:p>
+              <a:p>
+                <a:endParaRPr lang="de-DE" dirty="0"/>
+              </a:p>
+              <a:p>
+                <a:endParaRPr lang="de-DE" dirty="0"/>
+              </a:p>
+            </p:txBody>
+          </p:sp>
+        </mc:Choice>
+        <mc:Fallback xmlns="">
+          <p:sp>
+            <p:nvSpPr>
+              <p:cNvPr id="16" name="Inhaltsplatzhalter 15">
+                <a:extLst>
+                  <a:ext uri="{FF2B5EF4-FFF2-40B4-BE49-F238E27FC236}">
+                    <a16:creationId xmlns:a16="http://schemas.microsoft.com/office/drawing/2014/main" id="{1AB06DDB-C50C-4005-BE99-3EDF948628C1}"/>
+                  </a:ext>
+                </a:extLst>
+              </p:cNvPr>
+              <p:cNvSpPr>
+                <a:spLocks noGrp="1" noRot="1" noChangeAspect="1" noMove="1" noResize="1" noEditPoints="1" noAdjustHandles="1" noChangeArrowheads="1" noChangeShapeType="1" noTextEdit="1"/>
+              </p:cNvSpPr>
+              <p:nvPr>
+                <p:ph idx="1"/>
+              </p:nvPr>
+            </p:nvSpPr>
+            <p:spPr>
+              <a:xfrm>
+                <a:off x="838200" y="2212487"/>
+                <a:ext cx="5580185" cy="4351338"/>
+              </a:xfrm>
+              <a:blipFill>
+                <a:blip r:embed="rId7"/>
+                <a:stretch>
+                  <a:fillRect l="-1967" t="-2381" r="-984"/>
+                </a:stretch>
+              </a:blipFill>
+            </p:spPr>
+            <p:txBody>
+              <a:bodyPr/>
+              <a:lstStyle/>
+              <a:p>
+                <a:r>
+                  <a:rPr lang="de-DE">
+                    <a:noFill/>
+                  </a:rPr>
+                  <a:t> </a:t>
+                </a:r>
+              </a:p>
+            </p:txBody>
+          </p:sp>
+        </mc:Fallback>
+      </mc:AlternateContent>
+    </p:spTree>
+    <p:extLst>
+      <p:ext uri="{BB962C8B-B14F-4D97-AF65-F5344CB8AC3E}">
+        <p14:creationId xmlns:p14="http://schemas.microsoft.com/office/powerpoint/2010/main" val="2480353526"/>
+      </p:ext>
+    </p:extLst>
+  </p:cSld>
+  <p:clrMapOvr>
+    <a:masterClrMapping/>
+  </p:clrMapOvr>
+</p:sld>
+</file>
+
+<file path=ppt/slides/slide22.xml><?xml version="1.0" encoding="utf-8"?>
+<p:sld xmlns:a="http://schemas.openxmlformats.org/drawingml/2006/main" xmlns:r="http://schemas.openxmlformats.org/officeDocument/2006/relationships" xmlns:p="http://schemas.openxmlformats.org/presentationml/2006/main">
+  <p:cSld>
+    <p:spTree>
+      <p:nvGrpSpPr>
+        <p:cNvPr id="1" name=""/>
+        <p:cNvGrpSpPr/>
+        <p:nvPr/>
+      </p:nvGrpSpPr>
+      <p:grpSpPr>
+        <a:xfrm>
+          <a:off x="0" y="0"/>
+          <a:ext cx="0" cy="0"/>
+          <a:chOff x="0" y="0"/>
+          <a:chExt cx="0" cy="0"/>
+        </a:xfrm>
+      </p:grpSpPr>
+      <mc:AlternateContent xmlns:mc="http://schemas.openxmlformats.org/markup-compatibility/2006" xmlns:a14="http://schemas.microsoft.com/office/drawing/2010/main">
+        <mc:Choice Requires="a14">
+          <p:sp>
+            <p:nvSpPr>
+              <p:cNvPr id="2" name="Titel 1">
+                <a:extLst>
+                  <a:ext uri="{FF2B5EF4-FFF2-40B4-BE49-F238E27FC236}">
+                    <a16:creationId xmlns:a16="http://schemas.microsoft.com/office/drawing/2014/main" id="{82E8FAC7-A105-4095-A185-1903CEDE7190}"/>
+                  </a:ext>
+                </a:extLst>
+              </p:cNvPr>
+              <p:cNvSpPr>
+                <a:spLocks noGrp="1"/>
+              </p:cNvSpPr>
+              <p:nvPr>
+                <p:ph type="title"/>
+              </p:nvPr>
+            </p:nvSpPr>
+            <p:spPr>
+              <a:xfrm>
+                <a:off x="838200" y="679965"/>
+                <a:ext cx="10515600" cy="1325563"/>
+              </a:xfrm>
+            </p:spPr>
+            <p:txBody>
+              <a:bodyPr>
+                <a:normAutofit fontScale="90000"/>
+              </a:bodyPr>
+              <a:lstStyle/>
+              <a:p>
+                <a:r>
+                  <a:rPr lang="de-DE" dirty="0"/>
+                  <a:t>Algorithmus 1  </a:t>
+                </a:r>
+                <a:r>
+                  <a:rPr lang="de-DE" sz="4400" dirty="0"/>
+                  <a:t> </a:t>
+                </a:r>
+                <a:r>
+                  <a:rPr lang="de-DE" sz="4400" dirty="0">
+                    <a:sym typeface="Wingdings" panose="05000000000000000000" pitchFamily="2" charset="2"/>
+                  </a:rPr>
+                  <a:t></a:t>
+                </a:r>
+                <a:r>
+                  <a:rPr lang="de-DE" sz="4400" dirty="0"/>
+                  <a:t> </a:t>
+                </a:r>
+                <a14:m>
+                  <m:oMath xmlns:m="http://schemas.openxmlformats.org/officeDocument/2006/math">
+                    <m:acc>
+                      <m:accPr>
+                        <m:chr m:val="⃗"/>
+                        <m:ctrlPr>
+                          <a:rPr lang="de-DE" sz="4400" i="1" dirty="0" smtClean="0">
+                            <a:latin typeface="Cambria Math" panose="02040503050406030204" pitchFamily="18" charset="0"/>
+                          </a:rPr>
+                        </m:ctrlPr>
+                      </m:accPr>
+                      <m:e>
+                        <m:f>
+                          <m:fPr>
+                            <m:ctrlPr>
+                              <a:rPr lang="de-DE" sz="4400" i="1" dirty="0" smtClean="0">
+                                <a:latin typeface="Cambria Math" panose="02040503050406030204" pitchFamily="18" charset="0"/>
+                              </a:rPr>
+                            </m:ctrlPr>
+                          </m:fPr>
+                          <m:num>
+                            <m:r>
+                              <a:rPr lang="de-DE" sz="4400" i="1" dirty="0" smtClean="0">
+                                <a:latin typeface="Cambria Math" panose="02040503050406030204" pitchFamily="18" charset="0"/>
+                              </a:rPr>
+                              <m:t>𝜕</m:t>
+                            </m:r>
+                            <m:sSub>
+                              <m:sSubPr>
+                                <m:ctrlPr>
+                                  <a:rPr lang="de-DE" sz="4400" b="0" i="1" dirty="0" smtClean="0">
+                                    <a:latin typeface="Cambria Math" panose="02040503050406030204" pitchFamily="18" charset="0"/>
+                                  </a:rPr>
+                                </m:ctrlPr>
+                              </m:sSubPr>
+                              <m:e>
+                                <m:r>
+                                  <a:rPr lang="de-DE" sz="4400" b="0" i="1" dirty="0" smtClean="0">
+                                    <a:latin typeface="Cambria Math" panose="02040503050406030204" pitchFamily="18" charset="0"/>
+                                  </a:rPr>
+                                  <m:t>𝑉</m:t>
+                                </m:r>
+                              </m:e>
+                              <m:sub>
+                                <m:r>
+                                  <a:rPr lang="de-DE" sz="4400" b="0" i="1" dirty="0" smtClean="0">
+                                    <a:latin typeface="Cambria Math" panose="02040503050406030204" pitchFamily="18" charset="0"/>
+                                  </a:rPr>
+                                  <m:t>𝑖</m:t>
+                                </m:r>
+                              </m:sub>
+                            </m:sSub>
+                          </m:num>
+                          <m:den>
+                            <m:r>
+                              <a:rPr lang="de-DE" sz="4400" i="1" dirty="0" smtClean="0">
+                                <a:latin typeface="Cambria Math" panose="02040503050406030204" pitchFamily="18" charset="0"/>
+                              </a:rPr>
+                              <m:t>𝜕</m:t>
+                            </m:r>
+                            <m:r>
+                              <a:rPr lang="de-DE" sz="4400" b="0" i="1" dirty="0" smtClean="0">
+                                <a:latin typeface="Cambria Math" panose="02040503050406030204" pitchFamily="18" charset="0"/>
+                              </a:rPr>
+                              <m:t>𝑡</m:t>
+                            </m:r>
+                          </m:den>
+                        </m:f>
+                      </m:e>
+                    </m:acc>
+                    <m:d>
+                      <m:dPr>
+                        <m:ctrlPr>
+                          <a:rPr lang="de-DE" sz="4400" b="0" i="1" dirty="0" smtClean="0">
+                            <a:latin typeface="Cambria Math" panose="02040503050406030204" pitchFamily="18" charset="0"/>
+                          </a:rPr>
+                        </m:ctrlPr>
+                      </m:dPr>
+                      <m:e>
+                        <m:acc>
+                          <m:accPr>
+                            <m:chr m:val="⃗"/>
+                            <m:ctrlPr>
+                              <a:rPr lang="de-DE" sz="4400" i="1" dirty="0" smtClean="0">
+                                <a:latin typeface="Cambria Math" panose="02040503050406030204" pitchFamily="18" charset="0"/>
+                              </a:rPr>
+                            </m:ctrlPr>
+                          </m:accPr>
+                          <m:e>
+                            <m:r>
+                              <a:rPr lang="de-DE" sz="4400" b="0" i="1" dirty="0" smtClean="0">
+                                <a:latin typeface="Cambria Math" panose="02040503050406030204" pitchFamily="18" charset="0"/>
+                              </a:rPr>
+                              <m:t>𝐾</m:t>
+                            </m:r>
+                          </m:e>
+                        </m:acc>
+                      </m:e>
+                    </m:d>
+                  </m:oMath>
+                </a14:m>
+                <a:br>
+                  <a:rPr lang="de-DE" sz="4400" dirty="0"/>
+                </a:br>
+                <a:r>
+                  <a:rPr lang="de-DE" sz="4400" dirty="0"/>
+                  <a:t>	Naiver Versuch – lineare Regression</a:t>
+                </a:r>
+                <a:endParaRPr lang="de-DE" dirty="0"/>
+              </a:p>
+            </p:txBody>
+          </p:sp>
+        </mc:Choice>
+        <mc:Fallback xmlns="">
+          <p:sp>
+            <p:nvSpPr>
+              <p:cNvPr id="2" name="Titel 1">
+                <a:extLst>
+                  <a:ext uri="{FF2B5EF4-FFF2-40B4-BE49-F238E27FC236}">
+                    <a16:creationId xmlns:a16="http://schemas.microsoft.com/office/drawing/2014/main" id="{82E8FAC7-A105-4095-A185-1903CEDE7190}"/>
+                  </a:ext>
+                </a:extLst>
+              </p:cNvPr>
+              <p:cNvSpPr>
+                <a:spLocks noGrp="1" noRot="1" noChangeAspect="1" noMove="1" noResize="1" noEditPoints="1" noAdjustHandles="1" noChangeArrowheads="1" noChangeShapeType="1" noTextEdit="1"/>
+              </p:cNvSpPr>
+              <p:nvPr>
+                <p:ph type="title"/>
+              </p:nvPr>
+            </p:nvSpPr>
+            <p:spPr>
+              <a:xfrm>
+                <a:off x="838200" y="679965"/>
+                <a:ext cx="10515600" cy="1325563"/>
+              </a:xfrm>
+              <a:blipFill>
+                <a:blip r:embed="rId2"/>
+                <a:stretch>
+                  <a:fillRect l="-2087" t="-7373" b="-29954"/>
+                </a:stretch>
+              </a:blipFill>
+            </p:spPr>
+            <p:txBody>
+              <a:bodyPr/>
+              <a:lstStyle/>
+              <a:p>
+                <a:r>
+                  <a:rPr lang="de-DE">
+                    <a:noFill/>
+                  </a:rPr>
+                  <a:t> </a:t>
+                </a:r>
+              </a:p>
+            </p:txBody>
+          </p:sp>
+        </mc:Fallback>
+      </mc:AlternateContent>
+      <p:sp>
+        <p:nvSpPr>
+          <p:cNvPr id="16" name="Inhaltsplatzhalter 15">
+            <a:extLst>
+              <a:ext uri="{FF2B5EF4-FFF2-40B4-BE49-F238E27FC236}">
+                <a16:creationId xmlns:a16="http://schemas.microsoft.com/office/drawing/2014/main" id="{1AB06DDB-C50C-4005-BE99-3EDF948628C1}"/>
+              </a:ext>
+            </a:extLst>
+          </p:cNvPr>
+          <p:cNvSpPr>
+            <a:spLocks noGrp="1"/>
+          </p:cNvSpPr>
+          <p:nvPr>
+            <p:ph idx="1"/>
+          </p:nvPr>
+        </p:nvSpPr>
+        <p:spPr>
+          <a:xfrm>
+            <a:off x="838200" y="2212487"/>
+            <a:ext cx="5580185" cy="4351338"/>
+          </a:xfrm>
+        </p:spPr>
+        <p:txBody>
+          <a:bodyPr/>
+          <a:lstStyle/>
+          <a:p>
+            <a:endParaRPr lang="de-DE" dirty="0"/>
+          </a:p>
+          <a:p>
+            <a:endParaRPr lang="de-DE" dirty="0"/>
+          </a:p>
+          <a:p>
+            <a:endParaRPr lang="de-DE" dirty="0"/>
+          </a:p>
+          <a:p>
+            <a:endParaRPr lang="de-DE" dirty="0"/>
+          </a:p>
+        </p:txBody>
+      </p:sp>
+      <p:pic>
+        <p:nvPicPr>
+          <p:cNvPr id="5" name="Grafik 4">
+            <a:extLst>
+              <a:ext uri="{FF2B5EF4-FFF2-40B4-BE49-F238E27FC236}">
+                <a16:creationId xmlns:a16="http://schemas.microsoft.com/office/drawing/2014/main" id="{B64C52EC-56DF-4C38-9F0B-98215E6D9CF4}"/>
+              </a:ext>
+            </a:extLst>
+          </p:cNvPr>
+          <p:cNvPicPr>
+            <a:picLocks noChangeAspect="1"/>
+          </p:cNvPicPr>
+          <p:nvPr/>
+        </p:nvPicPr>
+        <p:blipFill>
+          <a:blip r:embed="rId3">
+            <a:extLst>
+              <a:ext uri="{28A0092B-C50C-407E-A947-70E740481C1C}">
+                <a14:useLocalDpi xmlns:a14="http://schemas.microsoft.com/office/drawing/2010/main" val="0"/>
+              </a:ext>
+            </a:extLst>
+          </a:blip>
+          <a:stretch>
+            <a:fillRect/>
+          </a:stretch>
+        </p:blipFill>
+        <p:spPr>
+          <a:xfrm>
+            <a:off x="574425" y="2212487"/>
+            <a:ext cx="4572009" cy="4572009"/>
+          </a:xfrm>
+          <a:prstGeom prst="rect">
+            <a:avLst/>
+          </a:prstGeom>
+        </p:spPr>
+      </p:pic>
+      <p:pic>
+        <p:nvPicPr>
+          <p:cNvPr id="7" name="Grafik 6">
+            <a:extLst>
+              <a:ext uri="{FF2B5EF4-FFF2-40B4-BE49-F238E27FC236}">
+                <a16:creationId xmlns:a16="http://schemas.microsoft.com/office/drawing/2014/main" id="{9F340810-3160-4642-AAEB-50907123CAB5}"/>
+              </a:ext>
+            </a:extLst>
+          </p:cNvPr>
+          <p:cNvPicPr>
+            <a:picLocks noChangeAspect="1"/>
+          </p:cNvPicPr>
+          <p:nvPr/>
+        </p:nvPicPr>
+        <p:blipFill>
+          <a:blip r:embed="rId4">
+            <a:extLst>
+              <a:ext uri="{28A0092B-C50C-407E-A947-70E740481C1C}">
+                <a14:useLocalDpi xmlns:a14="http://schemas.microsoft.com/office/drawing/2010/main" val="0"/>
+              </a:ext>
+            </a:extLst>
+          </a:blip>
+          <a:stretch>
+            <a:fillRect/>
+          </a:stretch>
+        </p:blipFill>
+        <p:spPr>
+          <a:xfrm>
+            <a:off x="6001037" y="2303927"/>
+            <a:ext cx="5852172" cy="4389129"/>
+          </a:xfrm>
+          <a:prstGeom prst="rect">
+            <a:avLst/>
+          </a:prstGeom>
+        </p:spPr>
+      </p:pic>
+    </p:spTree>
+    <p:extLst>
+      <p:ext uri="{BB962C8B-B14F-4D97-AF65-F5344CB8AC3E}">
+        <p14:creationId xmlns:p14="http://schemas.microsoft.com/office/powerpoint/2010/main" val="2353580648"/>
+      </p:ext>
+    </p:extLst>
+  </p:cSld>
+  <p:clrMapOvr>
+    <a:masterClrMapping/>
+  </p:clrMapOvr>
+</p:sld>
+</file>
+
+<file path=ppt/slides/slide23.xml><?xml version="1.0" encoding="utf-8"?>
+<p:sld xmlns:a="http://schemas.openxmlformats.org/drawingml/2006/main" xmlns:r="http://schemas.openxmlformats.org/officeDocument/2006/relationships" xmlns:p="http://schemas.openxmlformats.org/presentationml/2006/main">
+  <p:cSld>
+    <p:spTree>
+      <p:nvGrpSpPr>
+        <p:cNvPr id="1" name=""/>
+        <p:cNvGrpSpPr/>
+        <p:nvPr/>
+      </p:nvGrpSpPr>
+      <p:grpSpPr>
+        <a:xfrm>
+          <a:off x="0" y="0"/>
+          <a:ext cx="0" cy="0"/>
+          <a:chOff x="0" y="0"/>
+          <a:chExt cx="0" cy="0"/>
+        </a:xfrm>
+      </p:grpSpPr>
+      <p:pic>
+        <p:nvPicPr>
+          <p:cNvPr id="5" name="Grafik 4">
+            <a:extLst>
+              <a:ext uri="{FF2B5EF4-FFF2-40B4-BE49-F238E27FC236}">
+                <a16:creationId xmlns:a16="http://schemas.microsoft.com/office/drawing/2014/main" id="{B45A1903-EBB0-4C0F-AC84-BF60916639DB}"/>
+              </a:ext>
+            </a:extLst>
+          </p:cNvPr>
+          <p:cNvPicPr>
+            <a:picLocks noChangeAspect="1"/>
+          </p:cNvPicPr>
+          <p:nvPr/>
+        </p:nvPicPr>
+        <p:blipFill>
+          <a:blip r:embed="rId2">
+            <a:extLst>
+              <a:ext uri="{28A0092B-C50C-407E-A947-70E740481C1C}">
+                <a14:useLocalDpi xmlns:a14="http://schemas.microsoft.com/office/drawing/2010/main" val="0"/>
+              </a:ext>
+            </a:extLst>
+          </a:blip>
+          <a:stretch>
+            <a:fillRect/>
+          </a:stretch>
+        </p:blipFill>
+        <p:spPr>
+          <a:xfrm>
+            <a:off x="6511807" y="1746022"/>
+            <a:ext cx="5111978" cy="5111978"/>
+          </a:xfrm>
+          <a:prstGeom prst="rect">
+            <a:avLst/>
+          </a:prstGeom>
+        </p:spPr>
+      </p:pic>
+      <mc:AlternateContent xmlns:mc="http://schemas.openxmlformats.org/markup-compatibility/2006" xmlns:a14="http://schemas.microsoft.com/office/drawing/2010/main">
+        <mc:Choice Requires="a14">
+          <p:sp>
+            <p:nvSpPr>
+              <p:cNvPr id="2" name="Titel 1">
+                <a:extLst>
+                  <a:ext uri="{FF2B5EF4-FFF2-40B4-BE49-F238E27FC236}">
+                    <a16:creationId xmlns:a16="http://schemas.microsoft.com/office/drawing/2014/main" id="{D70A650C-2596-4015-949A-D2528CD82F8A}"/>
+                  </a:ext>
+                </a:extLst>
+              </p:cNvPr>
+              <p:cNvSpPr>
+                <a:spLocks noGrp="1"/>
+              </p:cNvSpPr>
+              <p:nvPr>
+                <p:ph type="title"/>
+              </p:nvPr>
+            </p:nvSpPr>
+            <p:spPr>
+              <a:xfrm>
+                <a:off x="838200" y="690443"/>
+                <a:ext cx="10515600" cy="1325563"/>
+              </a:xfrm>
+            </p:spPr>
+            <p:txBody>
+              <a:bodyPr>
+                <a:normAutofit fontScale="90000"/>
+              </a:bodyPr>
+              <a:lstStyle/>
+              <a:p>
+                <a:r>
+                  <a:rPr lang="de-DE" dirty="0"/>
+                  <a:t>Algorithmus 2  </a:t>
+                </a:r>
+                <a:r>
+                  <a:rPr lang="de-DE" sz="4400" dirty="0"/>
+                  <a:t> </a:t>
+                </a:r>
+                <a:r>
+                  <a:rPr lang="de-DE" dirty="0">
+                    <a:sym typeface="Wingdings" panose="05000000000000000000" pitchFamily="2" charset="2"/>
+                  </a:rPr>
+                  <a:t></a:t>
+                </a:r>
+                <a:r>
+                  <a:rPr lang="de-DE" dirty="0"/>
+                  <a:t> </a:t>
+                </a:r>
+                <a14:m>
+                  <m:oMath xmlns:m="http://schemas.openxmlformats.org/officeDocument/2006/math">
+                    <m:r>
+                      <a:rPr lang="de-DE" i="1">
+                        <a:latin typeface="Cambria Math" panose="02040503050406030204" pitchFamily="18" charset="0"/>
+                      </a:rPr>
+                      <m:t>𝑝</m:t>
+                    </m:r>
+                    <m:r>
+                      <a:rPr lang="de-DE" i="1">
+                        <a:latin typeface="Cambria Math" panose="02040503050406030204" pitchFamily="18" charset="0"/>
+                      </a:rPr>
+                      <m:t>(</m:t>
+                    </m:r>
+                    <m:acc>
+                      <m:accPr>
+                        <m:chr m:val="⃗"/>
+                        <m:ctrlPr>
+                          <a:rPr lang="de-DE" i="1" dirty="0">
+                            <a:latin typeface="Cambria Math" panose="02040503050406030204" pitchFamily="18" charset="0"/>
+                          </a:rPr>
+                        </m:ctrlPr>
+                      </m:accPr>
+                      <m:e>
+                        <m:f>
+                          <m:fPr>
+                            <m:ctrlPr>
+                              <a:rPr lang="de-DE" i="1" dirty="0">
+                                <a:latin typeface="Cambria Math" panose="02040503050406030204" pitchFamily="18" charset="0"/>
+                              </a:rPr>
+                            </m:ctrlPr>
+                          </m:fPr>
+                          <m:num>
+                            <m:r>
+                              <a:rPr lang="de-DE" i="1" dirty="0">
+                                <a:latin typeface="Cambria Math" panose="02040503050406030204" pitchFamily="18" charset="0"/>
+                              </a:rPr>
+                              <m:t>𝜕</m:t>
+                            </m:r>
+                            <m:sSub>
+                              <m:sSubPr>
+                                <m:ctrlPr>
+                                  <a:rPr lang="de-DE" i="1" dirty="0">
+                                    <a:latin typeface="Cambria Math" panose="02040503050406030204" pitchFamily="18" charset="0"/>
+                                  </a:rPr>
+                                </m:ctrlPr>
+                              </m:sSubPr>
+                              <m:e>
+                                <m:r>
+                                  <a:rPr lang="de-DE" i="1" dirty="0">
+                                    <a:latin typeface="Cambria Math" panose="02040503050406030204" pitchFamily="18" charset="0"/>
+                                  </a:rPr>
+                                  <m:t>𝑉</m:t>
+                                </m:r>
+                              </m:e>
+                              <m:sub>
+                                <m:r>
+                                  <a:rPr lang="de-DE" i="1" dirty="0">
+                                    <a:latin typeface="Cambria Math" panose="02040503050406030204" pitchFamily="18" charset="0"/>
+                                  </a:rPr>
+                                  <m:t>𝑖</m:t>
+                                </m:r>
+                              </m:sub>
+                            </m:sSub>
+                          </m:num>
+                          <m:den>
+                            <m:r>
+                              <a:rPr lang="de-DE" i="1" dirty="0">
+                                <a:latin typeface="Cambria Math" panose="02040503050406030204" pitchFamily="18" charset="0"/>
+                              </a:rPr>
+                              <m:t>𝜕</m:t>
+                            </m:r>
+                            <m:r>
+                              <a:rPr lang="de-DE" i="1" dirty="0">
+                                <a:latin typeface="Cambria Math" panose="02040503050406030204" pitchFamily="18" charset="0"/>
+                              </a:rPr>
+                              <m:t>𝑡</m:t>
+                            </m:r>
+                          </m:den>
+                        </m:f>
+                      </m:e>
+                    </m:acc>
+                    <m:r>
+                      <a:rPr lang="de-DE" i="1" dirty="0">
+                        <a:latin typeface="Cambria Math" panose="02040503050406030204" pitchFamily="18" charset="0"/>
+                      </a:rPr>
+                      <m:t>)</m:t>
+                    </m:r>
+                  </m:oMath>
+                </a14:m>
+                <a:br>
+                  <a:rPr lang="de-DE" dirty="0"/>
+                </a:br>
+                <a:r>
+                  <a:rPr lang="de-DE" dirty="0"/>
+                  <a:t>	Wie sind die </a:t>
+                </a:r>
+                <a:r>
+                  <a:rPr lang="de-DE" dirty="0" err="1"/>
+                  <a:t>target</a:t>
+                </a:r>
+                <a:r>
+                  <a:rPr lang="de-DE" dirty="0"/>
+                  <a:t>-Daten verteilt?</a:t>
+                </a:r>
+                <a:br>
+                  <a:rPr lang="de-DE" dirty="0"/>
+                </a:br>
+                <a:endParaRPr lang="de-DE" dirty="0"/>
+              </a:p>
+            </p:txBody>
+          </p:sp>
+        </mc:Choice>
+        <mc:Fallback xmlns="">
+          <p:sp>
+            <p:nvSpPr>
+              <p:cNvPr id="2" name="Titel 1">
+                <a:extLst>
+                  <a:ext uri="{FF2B5EF4-FFF2-40B4-BE49-F238E27FC236}">
+                    <a16:creationId xmlns:a16="http://schemas.microsoft.com/office/drawing/2014/main" id="{D70A650C-2596-4015-949A-D2528CD82F8A}"/>
+                  </a:ext>
+                </a:extLst>
+              </p:cNvPr>
+              <p:cNvSpPr>
+                <a:spLocks noGrp="1" noRot="1" noChangeAspect="1" noMove="1" noResize="1" noEditPoints="1" noAdjustHandles="1" noChangeArrowheads="1" noChangeShapeType="1" noTextEdit="1"/>
+              </p:cNvSpPr>
+              <p:nvPr>
+                <p:ph type="title"/>
+              </p:nvPr>
+            </p:nvSpPr>
+            <p:spPr>
+              <a:xfrm>
+                <a:off x="838200" y="690443"/>
+                <a:ext cx="10515600" cy="1325563"/>
+              </a:xfrm>
+              <a:blipFill>
+                <a:blip r:embed="rId3"/>
+                <a:stretch>
+                  <a:fillRect l="-2087" t="-27982" b="-9174"/>
+                </a:stretch>
+              </a:blipFill>
+            </p:spPr>
+            <p:txBody>
+              <a:bodyPr/>
+              <a:lstStyle/>
+              <a:p>
+                <a:r>
+                  <a:rPr lang="de-DE">
+                    <a:noFill/>
+                  </a:rPr>
+                  <a:t> </a:t>
+                </a:r>
+              </a:p>
+            </p:txBody>
+          </p:sp>
+        </mc:Fallback>
+      </mc:AlternateContent>
       <p:sp>
         <p:nvSpPr>
           <p:cNvPr id="3" name="Inhaltsplatzhalter 2">
@@ -7893,19 +12119,118 @@
             <p:ph idx="1"/>
           </p:nvPr>
         </p:nvSpPr>
-        <p:spPr/>
+        <p:spPr>
+          <a:xfrm>
+            <a:off x="838199" y="2338753"/>
+            <a:ext cx="4324351" cy="3838209"/>
+          </a:xfrm>
+        </p:spPr>
         <p:txBody>
-          <a:bodyPr/>
+          <a:bodyPr>
+            <a:normAutofit/>
+          </a:bodyPr>
           <a:lstStyle/>
           <a:p>
-            <a:endParaRPr lang="de-DE" dirty="0"/>
+            <a:r>
+              <a:rPr lang="de-DE" sz="2400" dirty="0"/>
+              <a:t>Netzdruck p besitzt Erwartungswert unterhalb von 7 bar </a:t>
+            </a:r>
+            <a:r>
+              <a:rPr lang="de-DE" sz="2400" dirty="0">
+                <a:sym typeface="Wingdings" panose="05000000000000000000" pitchFamily="2" charset="2"/>
+              </a:rPr>
+              <a:t> Optimierungspotential</a:t>
+            </a:r>
+            <a:r>
+              <a:rPr lang="de-DE" sz="2000" dirty="0"/>
+              <a:t> </a:t>
+            </a:r>
           </a:p>
         </p:txBody>
       </p:sp>
+      <p:grpSp>
+        <p:nvGrpSpPr>
+          <p:cNvPr id="11" name="Gruppieren 10">
+            <a:extLst>
+              <a:ext uri="{FF2B5EF4-FFF2-40B4-BE49-F238E27FC236}">
+                <a16:creationId xmlns:a16="http://schemas.microsoft.com/office/drawing/2014/main" id="{80180BF6-39FF-4B76-B175-033F8B22ED46}"/>
+              </a:ext>
+            </a:extLst>
+          </p:cNvPr>
+          <p:cNvGrpSpPr/>
+          <p:nvPr/>
+        </p:nvGrpSpPr>
+        <p:grpSpPr>
+          <a:xfrm>
+            <a:off x="276227" y="5528571"/>
+            <a:ext cx="6324600" cy="573192"/>
+            <a:chOff x="276227" y="5528571"/>
+            <a:chExt cx="6324600" cy="573192"/>
+          </a:xfrm>
+        </p:grpSpPr>
+        <p:pic>
+          <p:nvPicPr>
+            <p:cNvPr id="7" name="Grafik 6">
+              <a:extLst>
+                <a:ext uri="{FF2B5EF4-FFF2-40B4-BE49-F238E27FC236}">
+                  <a16:creationId xmlns:a16="http://schemas.microsoft.com/office/drawing/2014/main" id="{AFBCA249-CBD7-411B-B947-D78AE0B9C01D}"/>
+                </a:ext>
+              </a:extLst>
+            </p:cNvPr>
+            <p:cNvPicPr>
+              <a:picLocks noChangeAspect="1"/>
+            </p:cNvPicPr>
+            <p:nvPr/>
+          </p:nvPicPr>
+          <p:blipFill rotWithShape="1">
+            <a:blip r:embed="rId4"/>
+            <a:srcRect t="-3395" r="52422"/>
+            <a:stretch/>
+          </p:blipFill>
+          <p:spPr>
+            <a:xfrm>
+              <a:off x="276227" y="5528571"/>
+              <a:ext cx="5800725" cy="331995"/>
+            </a:xfrm>
+            <a:prstGeom prst="rect">
+              <a:avLst/>
+            </a:prstGeom>
+          </p:spPr>
+        </p:pic>
+        <p:pic>
+          <p:nvPicPr>
+            <p:cNvPr id="10" name="Grafik 9">
+              <a:extLst>
+                <a:ext uri="{FF2B5EF4-FFF2-40B4-BE49-F238E27FC236}">
+                  <a16:creationId xmlns:a16="http://schemas.microsoft.com/office/drawing/2014/main" id="{4CB95256-6065-4690-A262-E1D60249DB65}"/>
+                </a:ext>
+              </a:extLst>
+            </p:cNvPr>
+            <p:cNvPicPr>
+              <a:picLocks noChangeAspect="1"/>
+            </p:cNvPicPr>
+            <p:nvPr/>
+          </p:nvPicPr>
+          <p:blipFill rotWithShape="1">
+            <a:blip r:embed="rId4"/>
+            <a:srcRect l="48125" t="-3395"/>
+            <a:stretch/>
+          </p:blipFill>
+          <p:spPr>
+            <a:xfrm>
+              <a:off x="276227" y="5769768"/>
+              <a:ext cx="6324600" cy="331995"/>
+            </a:xfrm>
+            <a:prstGeom prst="rect">
+              <a:avLst/>
+            </a:prstGeom>
+          </p:spPr>
+        </p:pic>
+      </p:grpSp>
     </p:spTree>
     <p:extLst>
       <p:ext uri="{BB962C8B-B14F-4D97-AF65-F5344CB8AC3E}">
-        <p14:creationId xmlns:p14="http://schemas.microsoft.com/office/powerpoint/2010/main" val="2653094470"/>
+        <p14:creationId xmlns:p14="http://schemas.microsoft.com/office/powerpoint/2010/main" val="2773637021"/>
       </p:ext>
     </p:extLst>
   </p:cSld>
@@ -7915,7 +12240,7 @@
 </p:sld>
 </file>
 
-<file path=ppt/slides/slide15.xml><?xml version="1.0" encoding="utf-8"?>
+<file path=ppt/slides/slide24.xml><?xml version="1.0" encoding="utf-8"?>
 <p:sld xmlns:a="http://schemas.openxmlformats.org/drawingml/2006/main" xmlns:r="http://schemas.openxmlformats.org/officeDocument/2006/relationships" xmlns:p="http://schemas.openxmlformats.org/presentationml/2006/main">
   <p:cSld>
     <p:spTree>
@@ -7932,34 +12257,247 @@
           <a:chExt cx="0" cy="0"/>
         </a:xfrm>
       </p:grpSpPr>
-      <p:sp>
-        <p:nvSpPr>
-          <p:cNvPr id="2" name="Titel 1">
+      <p:pic>
+        <p:nvPicPr>
+          <p:cNvPr id="6" name="Grafik 5">
             <a:extLst>
               <a:ext uri="{FF2B5EF4-FFF2-40B4-BE49-F238E27FC236}">
-                <a16:creationId xmlns:a16="http://schemas.microsoft.com/office/drawing/2014/main" id="{C25A89F9-1568-4313-B350-AC6E41414841}"/>
+                <a16:creationId xmlns:a16="http://schemas.microsoft.com/office/drawing/2014/main" id="{55E8006E-B073-4E92-B878-9D93FD496A58}"/>
               </a:ext>
             </a:extLst>
           </p:cNvPr>
-          <p:cNvSpPr>
-            <a:spLocks noGrp="1"/>
-          </p:cNvSpPr>
-          <p:nvPr>
-            <p:ph type="title"/>
-          </p:nvPr>
-        </p:nvSpPr>
-        <p:spPr/>
-        <p:txBody>
-          <a:bodyPr/>
-          <a:lstStyle/>
-          <a:p>
-            <a:r>
-              <a:rPr lang="de-DE" dirty="0"/>
-              <a:t>Idee für eigenes Modell</a:t>
-            </a:r>
-          </a:p>
-        </p:txBody>
-      </p:sp>
+          <p:cNvPicPr>
+            <a:picLocks noChangeAspect="1"/>
+          </p:cNvPicPr>
+          <p:nvPr/>
+        </p:nvPicPr>
+        <p:blipFill>
+          <a:blip r:embed="rId2">
+            <a:extLst>
+              <a:ext uri="{28A0092B-C50C-407E-A947-70E740481C1C}">
+                <a14:useLocalDpi xmlns:a14="http://schemas.microsoft.com/office/drawing/2010/main" val="0"/>
+              </a:ext>
+            </a:extLst>
+          </a:blip>
+          <a:stretch>
+            <a:fillRect/>
+          </a:stretch>
+        </p:blipFill>
+        <p:spPr>
+          <a:xfrm>
+            <a:off x="6734176" y="1590858"/>
+            <a:ext cx="5333998" cy="5333998"/>
+          </a:xfrm>
+          <a:prstGeom prst="rect">
+            <a:avLst/>
+          </a:prstGeom>
+        </p:spPr>
+      </p:pic>
+      <mc:AlternateContent xmlns:mc="http://schemas.openxmlformats.org/markup-compatibility/2006" xmlns:a14="http://schemas.microsoft.com/office/drawing/2010/main">
+        <mc:Choice Requires="a14">
+          <p:sp>
+            <p:nvSpPr>
+              <p:cNvPr id="2" name="Titel 1">
+                <a:extLst>
+                  <a:ext uri="{FF2B5EF4-FFF2-40B4-BE49-F238E27FC236}">
+                    <a16:creationId xmlns:a16="http://schemas.microsoft.com/office/drawing/2014/main" id="{D70A650C-2596-4015-949A-D2528CD82F8A}"/>
+                  </a:ext>
+                </a:extLst>
+              </p:cNvPr>
+              <p:cNvSpPr>
+                <a:spLocks noGrp="1"/>
+              </p:cNvSpPr>
+              <p:nvPr>
+                <p:ph type="title"/>
+              </p:nvPr>
+            </p:nvSpPr>
+            <p:spPr>
+              <a:xfrm>
+                <a:off x="838200" y="690443"/>
+                <a:ext cx="10515600" cy="1325563"/>
+              </a:xfrm>
+            </p:spPr>
+            <p:txBody>
+              <a:bodyPr>
+                <a:normAutofit fontScale="90000"/>
+              </a:bodyPr>
+              <a:lstStyle/>
+              <a:p>
+                <a:r>
+                  <a:rPr lang="de-DE" dirty="0"/>
+                  <a:t>Algorithmus 2  </a:t>
+                </a:r>
+                <a:r>
+                  <a:rPr lang="de-DE" sz="4400" dirty="0"/>
+                  <a:t> </a:t>
+                </a:r>
+                <a:r>
+                  <a:rPr lang="de-DE" dirty="0">
+                    <a:sym typeface="Wingdings" panose="05000000000000000000" pitchFamily="2" charset="2"/>
+                  </a:rPr>
+                  <a:t></a:t>
+                </a:r>
+                <a:r>
+                  <a:rPr lang="de-DE" dirty="0"/>
+                  <a:t> </a:t>
+                </a:r>
+                <a14:m>
+                  <m:oMath xmlns:m="http://schemas.openxmlformats.org/officeDocument/2006/math">
+                    <m:r>
+                      <a:rPr lang="de-DE" i="1">
+                        <a:latin typeface="Cambria Math" panose="02040503050406030204" pitchFamily="18" charset="0"/>
+                      </a:rPr>
+                      <m:t>𝑝</m:t>
+                    </m:r>
+                    <m:r>
+                      <a:rPr lang="de-DE" i="1">
+                        <a:latin typeface="Cambria Math" panose="02040503050406030204" pitchFamily="18" charset="0"/>
+                      </a:rPr>
+                      <m:t>(</m:t>
+                    </m:r>
+                    <m:acc>
+                      <m:accPr>
+                        <m:chr m:val="⃗"/>
+                        <m:ctrlPr>
+                          <a:rPr lang="de-DE" i="1" dirty="0">
+                            <a:latin typeface="Cambria Math" panose="02040503050406030204" pitchFamily="18" charset="0"/>
+                          </a:rPr>
+                        </m:ctrlPr>
+                      </m:accPr>
+                      <m:e>
+                        <m:f>
+                          <m:fPr>
+                            <m:ctrlPr>
+                              <a:rPr lang="de-DE" i="1" dirty="0">
+                                <a:latin typeface="Cambria Math" panose="02040503050406030204" pitchFamily="18" charset="0"/>
+                              </a:rPr>
+                            </m:ctrlPr>
+                          </m:fPr>
+                          <m:num>
+                            <m:r>
+                              <a:rPr lang="de-DE" i="1" dirty="0">
+                                <a:latin typeface="Cambria Math" panose="02040503050406030204" pitchFamily="18" charset="0"/>
+                              </a:rPr>
+                              <m:t>𝜕</m:t>
+                            </m:r>
+                            <m:sSub>
+                              <m:sSubPr>
+                                <m:ctrlPr>
+                                  <a:rPr lang="de-DE" i="1" dirty="0">
+                                    <a:latin typeface="Cambria Math" panose="02040503050406030204" pitchFamily="18" charset="0"/>
+                                  </a:rPr>
+                                </m:ctrlPr>
+                              </m:sSubPr>
+                              <m:e>
+                                <m:r>
+                                  <a:rPr lang="de-DE" i="1" dirty="0">
+                                    <a:latin typeface="Cambria Math" panose="02040503050406030204" pitchFamily="18" charset="0"/>
+                                  </a:rPr>
+                                  <m:t>𝑉</m:t>
+                                </m:r>
+                              </m:e>
+                              <m:sub>
+                                <m:r>
+                                  <a:rPr lang="de-DE" i="1" dirty="0">
+                                    <a:latin typeface="Cambria Math" panose="02040503050406030204" pitchFamily="18" charset="0"/>
+                                  </a:rPr>
+                                  <m:t>𝑖</m:t>
+                                </m:r>
+                              </m:sub>
+                            </m:sSub>
+                          </m:num>
+                          <m:den>
+                            <m:r>
+                              <a:rPr lang="de-DE" i="1" dirty="0">
+                                <a:latin typeface="Cambria Math" panose="02040503050406030204" pitchFamily="18" charset="0"/>
+                              </a:rPr>
+                              <m:t>𝜕</m:t>
+                            </m:r>
+                            <m:r>
+                              <a:rPr lang="de-DE" i="1" dirty="0">
+                                <a:latin typeface="Cambria Math" panose="02040503050406030204" pitchFamily="18" charset="0"/>
+                              </a:rPr>
+                              <m:t>𝑡</m:t>
+                            </m:r>
+                          </m:den>
+                        </m:f>
+                      </m:e>
+                    </m:acc>
+                    <m:r>
+                      <a:rPr lang="de-DE" i="1" dirty="0">
+                        <a:latin typeface="Cambria Math" panose="02040503050406030204" pitchFamily="18" charset="0"/>
+                      </a:rPr>
+                      <m:t>)</m:t>
+                    </m:r>
+                  </m:oMath>
+                </a14:m>
+                <a:br>
+                  <a:rPr lang="de-DE" dirty="0"/>
+                </a:br>
+                <a:r>
+                  <a:rPr lang="de-DE" dirty="0"/>
+                  <a:t>	Wie sind die </a:t>
+                </a:r>
+                <a:r>
+                  <a:rPr lang="de-DE" dirty="0" err="1"/>
+                  <a:t>target</a:t>
+                </a:r>
+                <a:r>
+                  <a:rPr lang="de-DE" dirty="0"/>
+                  <a:t>-Daten verteilt?</a:t>
+                </a:r>
+                <a:br>
+                  <a:rPr lang="de-DE" dirty="0"/>
+                </a:br>
+                <a:endParaRPr lang="de-DE" dirty="0"/>
+              </a:p>
+            </p:txBody>
+          </p:sp>
+        </mc:Choice>
+        <mc:Fallback xmlns="">
+          <p:sp>
+            <p:nvSpPr>
+              <p:cNvPr id="2" name="Titel 1">
+                <a:extLst>
+                  <a:ext uri="{FF2B5EF4-FFF2-40B4-BE49-F238E27FC236}">
+                    <a16:creationId xmlns:a16="http://schemas.microsoft.com/office/drawing/2014/main" id="{D70A650C-2596-4015-949A-D2528CD82F8A}"/>
+                  </a:ext>
+                </a:extLst>
+              </p:cNvPr>
+              <p:cNvSpPr>
+                <a:spLocks noGrp="1" noRot="1" noChangeAspect="1" noMove="1" noResize="1" noEditPoints="1" noAdjustHandles="1" noChangeArrowheads="1" noChangeShapeType="1" noTextEdit="1"/>
+              </p:cNvSpPr>
+              <p:nvPr>
+                <p:ph type="title"/>
+              </p:nvPr>
+            </p:nvSpPr>
+            <p:spPr>
+              <a:xfrm>
+                <a:off x="838200" y="690443"/>
+                <a:ext cx="10515600" cy="1325563"/>
+              </a:xfrm>
+              <a:blipFill>
+                <a:blip r:embed="rId3"/>
+                <a:stretch>
+                  <a:fillRect l="-2087" t="-27982" b="-9174"/>
+                </a:stretch>
+              </a:blipFill>
+            </p:spPr>
+            <p:txBody>
+              <a:bodyPr/>
+              <a:lstStyle/>
+              <a:p>
+                <a:r>
+                  <a:rPr lang="de-DE">
+                    <a:noFill/>
+                  </a:rPr>
+                  <a:t> </a:t>
+                </a:r>
+              </a:p>
+            </p:txBody>
+          </p:sp>
+        </mc:Fallback>
+      </mc:AlternateContent>
       <mc:AlternateContent xmlns:mc="http://schemas.openxmlformats.org/markup-compatibility/2006" xmlns:a14="http://schemas.microsoft.com/office/drawing/2010/main">
         <mc:Choice Requires="a14">
           <p:sp>
@@ -7967,7 +12505,7 @@
               <p:cNvPr id="3" name="Inhaltsplatzhalter 2">
                 <a:extLst>
                   <a:ext uri="{FF2B5EF4-FFF2-40B4-BE49-F238E27FC236}">
-                    <a16:creationId xmlns:a16="http://schemas.microsoft.com/office/drawing/2014/main" id="{F7E90465-A13F-4034-8BE3-D02BFA2E0BC5}"/>
+                    <a16:creationId xmlns:a16="http://schemas.microsoft.com/office/drawing/2014/main" id="{483CAA1B-AB1F-4B52-B7CC-0AC8F8C20E46}"/>
                   </a:ext>
                 </a:extLst>
               </p:cNvPr>
@@ -7978,80 +12516,152 @@
                 <p:ph idx="1"/>
               </p:nvPr>
             </p:nvSpPr>
-            <p:spPr/>
+            <p:spPr>
+              <a:xfrm>
+                <a:off x="838199" y="2338753"/>
+                <a:ext cx="5257801" cy="3838209"/>
+              </a:xfrm>
+            </p:spPr>
             <p:txBody>
-              <a:bodyPr/>
+              <a:bodyPr>
+                <a:normAutofit/>
+              </a:bodyPr>
               <a:lstStyle/>
               <a:p>
                 <a:r>
-                  <a:rPr lang="de-DE" dirty="0"/>
-                  <a:t>Sobald wir ein eigenes Modell haben, kennen wir die Auswirkung der einzelnen Kompressoren auf den Gesamtvolumenstrom /</a:t>
-                </a:r>
-                <a:r>
-                  <a:rPr lang="de-DE" dirty="0" err="1"/>
-                  <a:t>Consumption</a:t>
-                </a:r>
-                <a:endParaRPr lang="de-DE" dirty="0"/>
-              </a:p>
-              <a:p>
-                <a:r>
-                  <a:rPr lang="de-DE" dirty="0"/>
-                  <a:t>Wir können eine beliebigen Abfluss simulieren </a:t>
+                  <a:rPr lang="de-DE" sz="2400" dirty="0"/>
+                  <a:t>Physikalisch naheliegender an </a:t>
                 </a:r>
                 <a14:m>
                   <m:oMath xmlns:m="http://schemas.openxmlformats.org/officeDocument/2006/math">
                     <m:acc>
                       <m:accPr>
-                        <m:chr m:val="̇"/>
+                        <m:chr m:val="⃗"/>
                         <m:ctrlPr>
-                          <a:rPr lang="de-DE" i="1" dirty="0" smtClean="0">
+                          <a:rPr lang="de-DE" sz="2400" i="1" dirty="0" smtClean="0">
                             <a:latin typeface="Cambria Math" panose="02040503050406030204" pitchFamily="18" charset="0"/>
                           </a:rPr>
                         </m:ctrlPr>
                       </m:accPr>
                       <m:e>
-                        <m:sSub>
-                          <m:sSubPr>
+                        <m:f>
+                          <m:fPr>
                             <m:ctrlPr>
-                              <a:rPr lang="de-DE" b="0" i="1" dirty="0" smtClean="0">
+                              <a:rPr lang="de-DE" sz="2400" i="1" dirty="0">
                                 <a:latin typeface="Cambria Math" panose="02040503050406030204" pitchFamily="18" charset="0"/>
                               </a:rPr>
                             </m:ctrlPr>
-                          </m:sSubPr>
-                          <m:e>
+                          </m:fPr>
+                          <m:num>
                             <m:r>
-                              <a:rPr lang="de-DE" b="0" i="1" dirty="0" smtClean="0">
+                              <a:rPr lang="de-DE" sz="2400" i="1" dirty="0">
                                 <a:latin typeface="Cambria Math" panose="02040503050406030204" pitchFamily="18" charset="0"/>
                               </a:rPr>
-                              <m:t>𝑉</m:t>
+                              <m:t>𝜕</m:t>
                             </m:r>
-                          </m:e>
-                          <m:sub>
+                            <m:sSub>
+                              <m:sSubPr>
+                                <m:ctrlPr>
+                                  <a:rPr lang="de-DE" sz="2400" i="1" dirty="0">
+                                    <a:latin typeface="Cambria Math" panose="02040503050406030204" pitchFamily="18" charset="0"/>
+                                  </a:rPr>
+                                </m:ctrlPr>
+                              </m:sSubPr>
+                              <m:e>
+                                <m:r>
+                                  <a:rPr lang="de-DE" sz="2400" i="1" dirty="0">
+                                    <a:latin typeface="Cambria Math" panose="02040503050406030204" pitchFamily="18" charset="0"/>
+                                  </a:rPr>
+                                  <m:t>𝑉</m:t>
+                                </m:r>
+                              </m:e>
+                              <m:sub>
+                                <m:r>
+                                  <a:rPr lang="de-DE" sz="2400" i="1" dirty="0">
+                                    <a:latin typeface="Cambria Math" panose="02040503050406030204" pitchFamily="18" charset="0"/>
+                                  </a:rPr>
+                                  <m:t>𝑖</m:t>
+                                </m:r>
+                              </m:sub>
+                            </m:sSub>
+                          </m:num>
+                          <m:den>
                             <m:r>
-                              <a:rPr lang="de-DE" b="0" i="1" dirty="0" smtClean="0">
+                              <a:rPr lang="de-DE" sz="2400" i="1" dirty="0">
                                 <a:latin typeface="Cambria Math" panose="02040503050406030204" pitchFamily="18" charset="0"/>
                               </a:rPr>
-                              <m:t>𝑖</m:t>
+                              <m:t>𝜕</m:t>
                             </m:r>
-                          </m:sub>
-                        </m:sSub>
+                            <m:r>
+                              <a:rPr lang="de-DE" sz="2400" i="1" dirty="0">
+                                <a:latin typeface="Cambria Math" panose="02040503050406030204" pitchFamily="18" charset="0"/>
+                              </a:rPr>
+                              <m:t>𝑡</m:t>
+                            </m:r>
+                          </m:den>
+                        </m:f>
                       </m:e>
                     </m:acc>
                   </m:oMath>
                 </a14:m>
                 <a:r>
-                  <a:rPr lang="de-DE" dirty="0"/>
-                  <a:t>, der vom System aufgefangen wird</a:t>
-                </a:r>
-              </a:p>
-              <a:p>
-                <a:r>
-                  <a:rPr lang="de-DE" dirty="0"/>
-                  <a:t>Alternativ kann man auch einen Schichtplan eingeben oder einen Betriebsplan der Maschinen</a:t>
-                </a:r>
-              </a:p>
-              <a:p>
-                <a:endParaRPr lang="de-DE" dirty="0"/>
+                  <a:rPr lang="de-DE" sz="2400" dirty="0"/>
+                  <a:t> ist die Änderung des Drucks </a:t>
+                </a:r>
+                <a14:m>
+                  <m:oMath xmlns:m="http://schemas.openxmlformats.org/officeDocument/2006/math">
+                    <m:acc>
+                      <m:accPr>
+                        <m:chr m:val="⃗"/>
+                        <m:ctrlPr>
+                          <a:rPr lang="de-DE" sz="2400" i="1" dirty="0">
+                            <a:latin typeface="Cambria Math" panose="02040503050406030204" pitchFamily="18" charset="0"/>
+                          </a:rPr>
+                        </m:ctrlPr>
+                      </m:accPr>
+                      <m:e>
+                        <m:f>
+                          <m:fPr>
+                            <m:ctrlPr>
+                              <a:rPr lang="de-DE" sz="2400" i="1" dirty="0">
+                                <a:latin typeface="Cambria Math" panose="02040503050406030204" pitchFamily="18" charset="0"/>
+                              </a:rPr>
+                            </m:ctrlPr>
+                          </m:fPr>
+                          <m:num>
+                            <m:r>
+                              <a:rPr lang="de-DE" sz="2400" i="1" dirty="0">
+                                <a:latin typeface="Cambria Math" panose="02040503050406030204" pitchFamily="18" charset="0"/>
+                              </a:rPr>
+                              <m:t>𝜕</m:t>
+                            </m:r>
+                            <m:r>
+                              <a:rPr lang="de-DE" sz="2400" b="0" i="1" dirty="0" smtClean="0">
+                                <a:latin typeface="Cambria Math" panose="02040503050406030204" pitchFamily="18" charset="0"/>
+                              </a:rPr>
+                              <m:t>𝑝</m:t>
+                            </m:r>
+                          </m:num>
+                          <m:den>
+                            <m:r>
+                              <a:rPr lang="de-DE" sz="2400" i="1" dirty="0">
+                                <a:latin typeface="Cambria Math" panose="02040503050406030204" pitchFamily="18" charset="0"/>
+                              </a:rPr>
+                              <m:t>𝜕</m:t>
+                            </m:r>
+                            <m:r>
+                              <a:rPr lang="de-DE" sz="2400" i="1" dirty="0">
+                                <a:latin typeface="Cambria Math" panose="02040503050406030204" pitchFamily="18" charset="0"/>
+                              </a:rPr>
+                              <m:t>𝑡</m:t>
+                            </m:r>
+                          </m:den>
+                        </m:f>
+                      </m:e>
+                    </m:acc>
+                  </m:oMath>
+                </a14:m>
+                <a:endParaRPr lang="de-DE" sz="2400" dirty="0"/>
               </a:p>
             </p:txBody>
           </p:sp>
@@ -8062,7 +12672,7 @@
               <p:cNvPr id="3" name="Inhaltsplatzhalter 2">
                 <a:extLst>
                   <a:ext uri="{FF2B5EF4-FFF2-40B4-BE49-F238E27FC236}">
-                    <a16:creationId xmlns:a16="http://schemas.microsoft.com/office/drawing/2014/main" id="{F7E90465-A13F-4034-8BE3-D02BFA2E0BC5}"/>
+                    <a16:creationId xmlns:a16="http://schemas.microsoft.com/office/drawing/2014/main" id="{483CAA1B-AB1F-4B52-B7CC-0AC8F8C20E46}"/>
                   </a:ext>
                 </a:extLst>
               </p:cNvPr>
@@ -8074,10 +12684,14 @@
               </p:nvPr>
             </p:nvSpPr>
             <p:spPr>
+              <a:xfrm>
+                <a:off x="838199" y="2338753"/>
+                <a:ext cx="5257801" cy="3838209"/>
+              </a:xfrm>
               <a:blipFill>
-                <a:blip r:embed="rId2"/>
+                <a:blip r:embed="rId4"/>
                 <a:stretch>
-                  <a:fillRect l="-1043" t="-2241" r="-696"/>
+                  <a:fillRect l="-1506"/>
                 </a:stretch>
               </a:blipFill>
             </p:spPr>
@@ -8099,7 +12713,7 @@
     </p:spTree>
     <p:extLst>
       <p:ext uri="{BB962C8B-B14F-4D97-AF65-F5344CB8AC3E}">
-        <p14:creationId xmlns:p14="http://schemas.microsoft.com/office/powerpoint/2010/main" val="844701192"/>
+        <p14:creationId xmlns:p14="http://schemas.microsoft.com/office/powerpoint/2010/main" val="256707531"/>
       </p:ext>
     </p:extLst>
   </p:cSld>
@@ -8109,7 +12723,1953 @@
 </p:sld>
 </file>
 
-<file path=ppt/slides/slide2.xml><?xml version="1.0" encoding="utf-8"?>
+<file path=ppt/slides/slide25.xml><?xml version="1.0" encoding="utf-8"?>
+<p:sld xmlns:a="http://schemas.openxmlformats.org/drawingml/2006/main" xmlns:r="http://schemas.openxmlformats.org/officeDocument/2006/relationships" xmlns:p="http://schemas.openxmlformats.org/presentationml/2006/main">
+  <p:cSld>
+    <p:spTree>
+      <p:nvGrpSpPr>
+        <p:cNvPr id="1" name=""/>
+        <p:cNvGrpSpPr/>
+        <p:nvPr/>
+      </p:nvGrpSpPr>
+      <p:grpSpPr>
+        <a:xfrm>
+          <a:off x="0" y="0"/>
+          <a:ext cx="0" cy="0"/>
+          <a:chOff x="0" y="0"/>
+          <a:chExt cx="0" cy="0"/>
+        </a:xfrm>
+      </p:grpSpPr>
+      <p:pic>
+        <p:nvPicPr>
+          <p:cNvPr id="15" name="Grafik 14">
+            <a:extLst>
+              <a:ext uri="{FF2B5EF4-FFF2-40B4-BE49-F238E27FC236}">
+                <a16:creationId xmlns:a16="http://schemas.microsoft.com/office/drawing/2014/main" id="{47E17424-9F76-4B70-BE86-941E9B21CC98}"/>
+              </a:ext>
+            </a:extLst>
+          </p:cNvPr>
+          <p:cNvPicPr>
+            <a:picLocks noChangeAspect="1"/>
+          </p:cNvPicPr>
+          <p:nvPr/>
+        </p:nvPicPr>
+        <p:blipFill>
+          <a:blip r:embed="rId2">
+            <a:extLst>
+              <a:ext uri="{28A0092B-C50C-407E-A947-70E740481C1C}">
+                <a14:useLocalDpi xmlns:a14="http://schemas.microsoft.com/office/drawing/2010/main" val="0"/>
+              </a:ext>
+            </a:extLst>
+          </a:blip>
+          <a:stretch>
+            <a:fillRect/>
+          </a:stretch>
+        </p:blipFill>
+        <p:spPr>
+          <a:xfrm>
+            <a:off x="0" y="2135625"/>
+            <a:ext cx="4023363" cy="4023360"/>
+          </a:xfrm>
+          <a:prstGeom prst="rect">
+            <a:avLst/>
+          </a:prstGeom>
+        </p:spPr>
+      </p:pic>
+      <mc:AlternateContent xmlns:mc="http://schemas.openxmlformats.org/markup-compatibility/2006" xmlns:a14="http://schemas.microsoft.com/office/drawing/2010/main">
+        <mc:Choice Requires="a14">
+          <p:sp>
+            <p:nvSpPr>
+              <p:cNvPr id="2" name="Titel 1">
+                <a:extLst>
+                  <a:ext uri="{FF2B5EF4-FFF2-40B4-BE49-F238E27FC236}">
+                    <a16:creationId xmlns:a16="http://schemas.microsoft.com/office/drawing/2014/main" id="{82E8FAC7-A105-4095-A185-1903CEDE7190}"/>
+                  </a:ext>
+                </a:extLst>
+              </p:cNvPr>
+              <p:cNvSpPr>
+                <a:spLocks noGrp="1"/>
+              </p:cNvSpPr>
+              <p:nvPr>
+                <p:ph type="title"/>
+              </p:nvPr>
+            </p:nvSpPr>
+            <p:spPr>
+              <a:xfrm>
+                <a:off x="838200" y="679965"/>
+                <a:ext cx="10515600" cy="1325563"/>
+              </a:xfrm>
+            </p:spPr>
+            <p:txBody>
+              <a:bodyPr>
+                <a:normAutofit fontScale="90000"/>
+              </a:bodyPr>
+              <a:lstStyle/>
+              <a:p>
+                <a:r>
+                  <a:rPr lang="de-DE" dirty="0"/>
+                  <a:t>Algorithmus 2   </a:t>
+                </a:r>
+                <a:r>
+                  <a:rPr lang="de-DE" dirty="0">
+                    <a:sym typeface="Wingdings" panose="05000000000000000000" pitchFamily="2" charset="2"/>
+                  </a:rPr>
+                  <a:t></a:t>
+                </a:r>
+                <a:r>
+                  <a:rPr lang="de-DE" dirty="0"/>
+                  <a:t> </a:t>
+                </a:r>
+                <a14:m>
+                  <m:oMath xmlns:m="http://schemas.openxmlformats.org/officeDocument/2006/math">
+                    <m:r>
+                      <a:rPr lang="de-DE" i="1">
+                        <a:latin typeface="Cambria Math" panose="02040503050406030204" pitchFamily="18" charset="0"/>
+                      </a:rPr>
+                      <m:t>𝑝</m:t>
+                    </m:r>
+                    <m:r>
+                      <a:rPr lang="de-DE" i="1">
+                        <a:latin typeface="Cambria Math" panose="02040503050406030204" pitchFamily="18" charset="0"/>
+                      </a:rPr>
+                      <m:t>(</m:t>
+                    </m:r>
+                    <m:acc>
+                      <m:accPr>
+                        <m:chr m:val="⃗"/>
+                        <m:ctrlPr>
+                          <a:rPr lang="de-DE" i="1" dirty="0">
+                            <a:latin typeface="Cambria Math" panose="02040503050406030204" pitchFamily="18" charset="0"/>
+                          </a:rPr>
+                        </m:ctrlPr>
+                      </m:accPr>
+                      <m:e>
+                        <m:f>
+                          <m:fPr>
+                            <m:ctrlPr>
+                              <a:rPr lang="de-DE" i="1" dirty="0">
+                                <a:latin typeface="Cambria Math" panose="02040503050406030204" pitchFamily="18" charset="0"/>
+                              </a:rPr>
+                            </m:ctrlPr>
+                          </m:fPr>
+                          <m:num>
+                            <m:r>
+                              <a:rPr lang="de-DE" i="1" dirty="0">
+                                <a:latin typeface="Cambria Math" panose="02040503050406030204" pitchFamily="18" charset="0"/>
+                              </a:rPr>
+                              <m:t>𝜕</m:t>
+                            </m:r>
+                            <m:sSub>
+                              <m:sSubPr>
+                                <m:ctrlPr>
+                                  <a:rPr lang="de-DE" i="1" dirty="0">
+                                    <a:latin typeface="Cambria Math" panose="02040503050406030204" pitchFamily="18" charset="0"/>
+                                  </a:rPr>
+                                </m:ctrlPr>
+                              </m:sSubPr>
+                              <m:e>
+                                <m:r>
+                                  <a:rPr lang="de-DE" i="1" dirty="0">
+                                    <a:latin typeface="Cambria Math" panose="02040503050406030204" pitchFamily="18" charset="0"/>
+                                  </a:rPr>
+                                  <m:t>𝑉</m:t>
+                                </m:r>
+                              </m:e>
+                              <m:sub>
+                                <m:r>
+                                  <a:rPr lang="de-DE" i="1" dirty="0">
+                                    <a:latin typeface="Cambria Math" panose="02040503050406030204" pitchFamily="18" charset="0"/>
+                                  </a:rPr>
+                                  <m:t>𝑖</m:t>
+                                </m:r>
+                              </m:sub>
+                            </m:sSub>
+                          </m:num>
+                          <m:den>
+                            <m:r>
+                              <a:rPr lang="de-DE" i="1" dirty="0">
+                                <a:latin typeface="Cambria Math" panose="02040503050406030204" pitchFamily="18" charset="0"/>
+                              </a:rPr>
+                              <m:t>𝜕</m:t>
+                            </m:r>
+                            <m:r>
+                              <a:rPr lang="de-DE" i="1" dirty="0">
+                                <a:latin typeface="Cambria Math" panose="02040503050406030204" pitchFamily="18" charset="0"/>
+                              </a:rPr>
+                              <m:t>𝑡</m:t>
+                            </m:r>
+                          </m:den>
+                        </m:f>
+                      </m:e>
+                    </m:acc>
+                    <m:r>
+                      <a:rPr lang="de-DE" i="1" dirty="0">
+                        <a:latin typeface="Cambria Math" panose="02040503050406030204" pitchFamily="18" charset="0"/>
+                      </a:rPr>
+                      <m:t>)</m:t>
+                    </m:r>
+                  </m:oMath>
+                </a14:m>
+                <a:br>
+                  <a:rPr lang="de-DE" dirty="0"/>
+                </a:br>
+                <a:r>
+                  <a:rPr lang="de-DE" dirty="0"/>
+                  <a:t>	Wie sind die </a:t>
+                </a:r>
+                <a:r>
+                  <a:rPr lang="de-DE" dirty="0" err="1"/>
+                  <a:t>predictor</a:t>
+                </a:r>
+                <a:r>
+                  <a:rPr lang="de-DE" dirty="0"/>
+                  <a:t>-Daten verteilt?</a:t>
+                </a:r>
+                <a:br>
+                  <a:rPr lang="de-DE" dirty="0"/>
+                </a:br>
+                <a:endParaRPr lang="de-DE" dirty="0"/>
+              </a:p>
+            </p:txBody>
+          </p:sp>
+        </mc:Choice>
+        <mc:Fallback xmlns="">
+          <p:sp>
+            <p:nvSpPr>
+              <p:cNvPr id="2" name="Titel 1">
+                <a:extLst>
+                  <a:ext uri="{FF2B5EF4-FFF2-40B4-BE49-F238E27FC236}">
+                    <a16:creationId xmlns:a16="http://schemas.microsoft.com/office/drawing/2014/main" id="{82E8FAC7-A105-4095-A185-1903CEDE7190}"/>
+                  </a:ext>
+                </a:extLst>
+              </p:cNvPr>
+              <p:cNvSpPr>
+                <a:spLocks noGrp="1" noRot="1" noChangeAspect="1" noMove="1" noResize="1" noEditPoints="1" noAdjustHandles="1" noChangeArrowheads="1" noChangeShapeType="1" noTextEdit="1"/>
+              </p:cNvSpPr>
+              <p:nvPr>
+                <p:ph type="title"/>
+              </p:nvPr>
+            </p:nvSpPr>
+            <p:spPr>
+              <a:xfrm>
+                <a:off x="838200" y="679965"/>
+                <a:ext cx="10515600" cy="1325563"/>
+              </a:xfrm>
+              <a:blipFill>
+                <a:blip r:embed="rId3"/>
+                <a:stretch>
+                  <a:fillRect l="-2087" t="-28111" b="-9217"/>
+                </a:stretch>
+              </a:blipFill>
+            </p:spPr>
+            <p:txBody>
+              <a:bodyPr/>
+              <a:lstStyle/>
+              <a:p>
+                <a:r>
+                  <a:rPr lang="de-DE">
+                    <a:noFill/>
+                  </a:rPr>
+                  <a:t> </a:t>
+                </a:r>
+              </a:p>
+            </p:txBody>
+          </p:sp>
+        </mc:Fallback>
+      </mc:AlternateContent>
+      <p:sp>
+        <p:nvSpPr>
+          <p:cNvPr id="12" name="Inhaltsplatzhalter 2">
+            <a:extLst>
+              <a:ext uri="{FF2B5EF4-FFF2-40B4-BE49-F238E27FC236}">
+                <a16:creationId xmlns:a16="http://schemas.microsoft.com/office/drawing/2014/main" id="{A9AC589F-9A68-4A97-9143-3CB18C1D8BE3}"/>
+              </a:ext>
+            </a:extLst>
+          </p:cNvPr>
+          <p:cNvSpPr txBox="1">
+            <a:spLocks/>
+          </p:cNvSpPr>
+          <p:nvPr/>
+        </p:nvSpPr>
+        <p:spPr>
+          <a:xfrm>
+            <a:off x="4210056" y="2005528"/>
+            <a:ext cx="3762369" cy="1627251"/>
+          </a:xfrm>
+          <a:prstGeom prst="rect">
+            <a:avLst/>
+          </a:prstGeom>
+        </p:spPr>
+        <p:txBody>
+          <a:bodyPr vert="horz" lIns="91440" tIns="45720" rIns="91440" bIns="45720" rtlCol="0">
+            <a:noAutofit/>
+          </a:bodyPr>
+          <a:lstStyle>
+            <a:lvl1pPr marL="228600" indent="-228600" algn="l" defTabSz="914400" rtl="0" eaLnBrk="1" latinLnBrk="0" hangingPunct="1">
+              <a:lnSpc>
+                <a:spcPct val="90000"/>
+              </a:lnSpc>
+              <a:spcBef>
+                <a:spcPts val="1000"/>
+              </a:spcBef>
+              <a:buFont typeface="Arial" panose="020B0604020202020204" pitchFamily="34" charset="0"/>
+              <a:buChar char="•"/>
+              <a:defRPr sz="2800" kern="1200">
+                <a:solidFill>
+                  <a:schemeClr val="tx1"/>
+                </a:solidFill>
+                <a:latin typeface="+mn-lt"/>
+                <a:ea typeface="+mn-ea"/>
+                <a:cs typeface="+mn-cs"/>
+              </a:defRPr>
+            </a:lvl1pPr>
+            <a:lvl2pPr marL="685800" indent="-228600" algn="l" defTabSz="914400" rtl="0" eaLnBrk="1" latinLnBrk="0" hangingPunct="1">
+              <a:lnSpc>
+                <a:spcPct val="90000"/>
+              </a:lnSpc>
+              <a:spcBef>
+                <a:spcPts val="500"/>
+              </a:spcBef>
+              <a:buFont typeface="Arial" panose="020B0604020202020204" pitchFamily="34" charset="0"/>
+              <a:buChar char="•"/>
+              <a:defRPr sz="2400" kern="1200">
+                <a:solidFill>
+                  <a:schemeClr val="tx1"/>
+                </a:solidFill>
+                <a:latin typeface="+mn-lt"/>
+                <a:ea typeface="+mn-ea"/>
+                <a:cs typeface="+mn-cs"/>
+              </a:defRPr>
+            </a:lvl2pPr>
+            <a:lvl3pPr marL="1143000" indent="-228600" algn="l" defTabSz="914400" rtl="0" eaLnBrk="1" latinLnBrk="0" hangingPunct="1">
+              <a:lnSpc>
+                <a:spcPct val="90000"/>
+              </a:lnSpc>
+              <a:spcBef>
+                <a:spcPts val="500"/>
+              </a:spcBef>
+              <a:buFont typeface="Arial" panose="020B0604020202020204" pitchFamily="34" charset="0"/>
+              <a:buChar char="•"/>
+              <a:defRPr sz="2000" kern="1200">
+                <a:solidFill>
+                  <a:schemeClr val="tx1"/>
+                </a:solidFill>
+                <a:latin typeface="+mn-lt"/>
+                <a:ea typeface="+mn-ea"/>
+                <a:cs typeface="+mn-cs"/>
+              </a:defRPr>
+            </a:lvl3pPr>
+            <a:lvl4pPr marL="1600200" indent="-228600" algn="l" defTabSz="914400" rtl="0" eaLnBrk="1" latinLnBrk="0" hangingPunct="1">
+              <a:lnSpc>
+                <a:spcPct val="90000"/>
+              </a:lnSpc>
+              <a:spcBef>
+                <a:spcPts val="500"/>
+              </a:spcBef>
+              <a:buFont typeface="Arial" panose="020B0604020202020204" pitchFamily="34" charset="0"/>
+              <a:buChar char="•"/>
+              <a:defRPr sz="1800" kern="1200">
+                <a:solidFill>
+                  <a:schemeClr val="tx1"/>
+                </a:solidFill>
+                <a:latin typeface="+mn-lt"/>
+                <a:ea typeface="+mn-ea"/>
+                <a:cs typeface="+mn-cs"/>
+              </a:defRPr>
+            </a:lvl4pPr>
+            <a:lvl5pPr marL="2057400" indent="-228600" algn="l" defTabSz="914400" rtl="0" eaLnBrk="1" latinLnBrk="0" hangingPunct="1">
+              <a:lnSpc>
+                <a:spcPct val="90000"/>
+              </a:lnSpc>
+              <a:spcBef>
+                <a:spcPts val="500"/>
+              </a:spcBef>
+              <a:buFont typeface="Arial" panose="020B0604020202020204" pitchFamily="34" charset="0"/>
+              <a:buChar char="•"/>
+              <a:defRPr sz="1800" kern="1200">
+                <a:solidFill>
+                  <a:schemeClr val="tx1"/>
+                </a:solidFill>
+                <a:latin typeface="+mn-lt"/>
+                <a:ea typeface="+mn-ea"/>
+                <a:cs typeface="+mn-cs"/>
+              </a:defRPr>
+            </a:lvl5pPr>
+            <a:lvl6pPr marL="2514600" indent="-228600" algn="l" defTabSz="914400" rtl="0" eaLnBrk="1" latinLnBrk="0" hangingPunct="1">
+              <a:lnSpc>
+                <a:spcPct val="90000"/>
+              </a:lnSpc>
+              <a:spcBef>
+                <a:spcPts val="500"/>
+              </a:spcBef>
+              <a:buFont typeface="Arial" panose="020B0604020202020204" pitchFamily="34" charset="0"/>
+              <a:buChar char="•"/>
+              <a:defRPr sz="1800" kern="1200">
+                <a:solidFill>
+                  <a:schemeClr val="tx1"/>
+                </a:solidFill>
+                <a:latin typeface="+mn-lt"/>
+                <a:ea typeface="+mn-ea"/>
+                <a:cs typeface="+mn-cs"/>
+              </a:defRPr>
+            </a:lvl6pPr>
+            <a:lvl7pPr marL="2971800" indent="-228600" algn="l" defTabSz="914400" rtl="0" eaLnBrk="1" latinLnBrk="0" hangingPunct="1">
+              <a:lnSpc>
+                <a:spcPct val="90000"/>
+              </a:lnSpc>
+              <a:spcBef>
+                <a:spcPts val="500"/>
+              </a:spcBef>
+              <a:buFont typeface="Arial" panose="020B0604020202020204" pitchFamily="34" charset="0"/>
+              <a:buChar char="•"/>
+              <a:defRPr sz="1800" kern="1200">
+                <a:solidFill>
+                  <a:schemeClr val="tx1"/>
+                </a:solidFill>
+                <a:latin typeface="+mn-lt"/>
+                <a:ea typeface="+mn-ea"/>
+                <a:cs typeface="+mn-cs"/>
+              </a:defRPr>
+            </a:lvl7pPr>
+            <a:lvl8pPr marL="3429000" indent="-228600" algn="l" defTabSz="914400" rtl="0" eaLnBrk="1" latinLnBrk="0" hangingPunct="1">
+              <a:lnSpc>
+                <a:spcPct val="90000"/>
+              </a:lnSpc>
+              <a:spcBef>
+                <a:spcPts val="500"/>
+              </a:spcBef>
+              <a:buFont typeface="Arial" panose="020B0604020202020204" pitchFamily="34" charset="0"/>
+              <a:buChar char="•"/>
+              <a:defRPr sz="1800" kern="1200">
+                <a:solidFill>
+                  <a:schemeClr val="tx1"/>
+                </a:solidFill>
+                <a:latin typeface="+mn-lt"/>
+                <a:ea typeface="+mn-ea"/>
+                <a:cs typeface="+mn-cs"/>
+              </a:defRPr>
+            </a:lvl8pPr>
+            <a:lvl9pPr marL="3886200" indent="-228600" algn="l" defTabSz="914400" rtl="0" eaLnBrk="1" latinLnBrk="0" hangingPunct="1">
+              <a:lnSpc>
+                <a:spcPct val="90000"/>
+              </a:lnSpc>
+              <a:spcBef>
+                <a:spcPts val="500"/>
+              </a:spcBef>
+              <a:buFont typeface="Arial" panose="020B0604020202020204" pitchFamily="34" charset="0"/>
+              <a:buChar char="•"/>
+              <a:defRPr sz="1800" kern="1200">
+                <a:solidFill>
+                  <a:schemeClr val="tx1"/>
+                </a:solidFill>
+                <a:latin typeface="+mn-lt"/>
+                <a:ea typeface="+mn-ea"/>
+                <a:cs typeface="+mn-cs"/>
+              </a:defRPr>
+            </a:lvl9pPr>
+          </a:lstStyle>
+          <a:p>
+            <a:r>
+              <a:rPr lang="de-DE" sz="2000" dirty="0"/>
+              <a:t>Summierung der 3 einzelnen Abgänge ("7B Netz 800.1", "7C Netz 900.1", "7A Netz 700.1“)</a:t>
+            </a:r>
+            <a:br>
+              <a:rPr lang="de-DE" sz="2000" dirty="0"/>
+            </a:br>
+            <a:r>
+              <a:rPr lang="de-DE" sz="2000" dirty="0"/>
+              <a:t>zu „</a:t>
+            </a:r>
+            <a:r>
+              <a:rPr lang="de-DE" sz="2000" dirty="0" err="1"/>
+              <a:t>V_out</a:t>
+            </a:r>
+            <a:r>
+              <a:rPr lang="de-DE" sz="2000" dirty="0"/>
+              <a:t> </a:t>
+            </a:r>
+            <a:r>
+              <a:rPr lang="de-DE" sz="2000" dirty="0" err="1"/>
+              <a:t>sum</a:t>
+            </a:r>
+            <a:r>
+              <a:rPr lang="de-DE" sz="2000" dirty="0"/>
+              <a:t>“</a:t>
+            </a:r>
+          </a:p>
+          <a:p>
+            <a:r>
+              <a:rPr lang="de-DE" sz="2000" dirty="0"/>
+              <a:t>Leichte Leckage (~10%)</a:t>
+            </a:r>
+          </a:p>
+          <a:p>
+            <a:endParaRPr lang="de-DE" sz="2000" dirty="0"/>
+          </a:p>
+        </p:txBody>
+      </p:sp>
+      <p:pic>
+        <p:nvPicPr>
+          <p:cNvPr id="20" name="Grafik 19">
+            <a:extLst>
+              <a:ext uri="{FF2B5EF4-FFF2-40B4-BE49-F238E27FC236}">
+                <a16:creationId xmlns:a16="http://schemas.microsoft.com/office/drawing/2014/main" id="{598BA770-1E38-466D-92B9-0B261D187628}"/>
+              </a:ext>
+            </a:extLst>
+          </p:cNvPr>
+          <p:cNvPicPr>
+            <a:picLocks noChangeAspect="1"/>
+          </p:cNvPicPr>
+          <p:nvPr/>
+        </p:nvPicPr>
+        <p:blipFill>
+          <a:blip r:embed="rId4">
+            <a:extLst>
+              <a:ext uri="{28A0092B-C50C-407E-A947-70E740481C1C}">
+                <a14:useLocalDpi xmlns:a14="http://schemas.microsoft.com/office/drawing/2010/main" val="0"/>
+              </a:ext>
+            </a:extLst>
+          </a:blip>
+          <a:stretch>
+            <a:fillRect/>
+          </a:stretch>
+        </p:blipFill>
+        <p:spPr>
+          <a:xfrm>
+            <a:off x="7861920" y="2135625"/>
+            <a:ext cx="4023360" cy="4023360"/>
+          </a:xfrm>
+          <a:prstGeom prst="rect">
+            <a:avLst/>
+          </a:prstGeom>
+        </p:spPr>
+      </p:pic>
+      <p:pic>
+        <p:nvPicPr>
+          <p:cNvPr id="22" name="Grafik 21">
+            <a:extLst>
+              <a:ext uri="{FF2B5EF4-FFF2-40B4-BE49-F238E27FC236}">
+                <a16:creationId xmlns:a16="http://schemas.microsoft.com/office/drawing/2014/main" id="{A738A59A-9599-4241-83CC-6011B5B62F70}"/>
+              </a:ext>
+            </a:extLst>
+          </p:cNvPr>
+          <p:cNvPicPr>
+            <a:picLocks noChangeAspect="1"/>
+          </p:cNvPicPr>
+          <p:nvPr/>
+        </p:nvPicPr>
+        <p:blipFill>
+          <a:blip r:embed="rId5"/>
+          <a:stretch>
+            <a:fillRect/>
+          </a:stretch>
+        </p:blipFill>
+        <p:spPr>
+          <a:xfrm>
+            <a:off x="3433765" y="5677972"/>
+            <a:ext cx="5314950" cy="1000125"/>
+          </a:xfrm>
+          <a:prstGeom prst="rect">
+            <a:avLst/>
+          </a:prstGeom>
+        </p:spPr>
+      </p:pic>
+    </p:spTree>
+    <p:extLst>
+      <p:ext uri="{BB962C8B-B14F-4D97-AF65-F5344CB8AC3E}">
+        <p14:creationId xmlns:p14="http://schemas.microsoft.com/office/powerpoint/2010/main" val="2023706068"/>
+      </p:ext>
+    </p:extLst>
+  </p:cSld>
+  <p:clrMapOvr>
+    <a:masterClrMapping/>
+  </p:clrMapOvr>
+</p:sld>
+</file>
+
+<file path=ppt/slides/slide26.xml><?xml version="1.0" encoding="utf-8"?>
+<p:sld xmlns:a="http://schemas.openxmlformats.org/drawingml/2006/main" xmlns:r="http://schemas.openxmlformats.org/officeDocument/2006/relationships" xmlns:p="http://schemas.openxmlformats.org/presentationml/2006/main">
+  <p:cSld>
+    <p:spTree>
+      <p:nvGrpSpPr>
+        <p:cNvPr id="1" name=""/>
+        <p:cNvGrpSpPr/>
+        <p:nvPr/>
+      </p:nvGrpSpPr>
+      <p:grpSpPr>
+        <a:xfrm>
+          <a:off x="0" y="0"/>
+          <a:ext cx="0" cy="0"/>
+          <a:chOff x="0" y="0"/>
+          <a:chExt cx="0" cy="0"/>
+        </a:xfrm>
+      </p:grpSpPr>
+      <mc:AlternateContent xmlns:mc="http://schemas.openxmlformats.org/markup-compatibility/2006" xmlns:a14="http://schemas.microsoft.com/office/drawing/2010/main">
+        <mc:Choice Requires="a14">
+          <p:sp>
+            <p:nvSpPr>
+              <p:cNvPr id="2" name="Titel 1">
+                <a:extLst>
+                  <a:ext uri="{FF2B5EF4-FFF2-40B4-BE49-F238E27FC236}">
+                    <a16:creationId xmlns:a16="http://schemas.microsoft.com/office/drawing/2014/main" id="{D70A650C-2596-4015-949A-D2528CD82F8A}"/>
+                  </a:ext>
+                </a:extLst>
+              </p:cNvPr>
+              <p:cNvSpPr>
+                <a:spLocks noGrp="1"/>
+              </p:cNvSpPr>
+              <p:nvPr>
+                <p:ph type="title"/>
+              </p:nvPr>
+            </p:nvSpPr>
+            <p:spPr>
+              <a:xfrm>
+                <a:off x="838200" y="690443"/>
+                <a:ext cx="10515600" cy="1325563"/>
+              </a:xfrm>
+            </p:spPr>
+            <p:txBody>
+              <a:bodyPr>
+                <a:normAutofit fontScale="90000"/>
+              </a:bodyPr>
+              <a:lstStyle/>
+              <a:p>
+                <a:r>
+                  <a:rPr lang="de-DE" dirty="0"/>
+                  <a:t>Algorithmus 2   </a:t>
+                </a:r>
+                <a:r>
+                  <a:rPr lang="de-DE" dirty="0">
+                    <a:sym typeface="Wingdings" panose="05000000000000000000" pitchFamily="2" charset="2"/>
+                  </a:rPr>
+                  <a:t></a:t>
+                </a:r>
+                <a:r>
+                  <a:rPr lang="de-DE" dirty="0"/>
+                  <a:t> </a:t>
+                </a:r>
+                <a14:m>
+                  <m:oMath xmlns:m="http://schemas.openxmlformats.org/officeDocument/2006/math">
+                    <m:r>
+                      <a:rPr lang="de-DE" i="1">
+                        <a:latin typeface="Cambria Math" panose="02040503050406030204" pitchFamily="18" charset="0"/>
+                      </a:rPr>
+                      <m:t>𝑝</m:t>
+                    </m:r>
+                    <m:r>
+                      <a:rPr lang="de-DE" i="1">
+                        <a:latin typeface="Cambria Math" panose="02040503050406030204" pitchFamily="18" charset="0"/>
+                      </a:rPr>
+                      <m:t>(</m:t>
+                    </m:r>
+                    <m:acc>
+                      <m:accPr>
+                        <m:chr m:val="⃗"/>
+                        <m:ctrlPr>
+                          <a:rPr lang="de-DE" i="1" dirty="0">
+                            <a:latin typeface="Cambria Math" panose="02040503050406030204" pitchFamily="18" charset="0"/>
+                          </a:rPr>
+                        </m:ctrlPr>
+                      </m:accPr>
+                      <m:e>
+                        <m:f>
+                          <m:fPr>
+                            <m:ctrlPr>
+                              <a:rPr lang="de-DE" i="1" dirty="0">
+                                <a:latin typeface="Cambria Math" panose="02040503050406030204" pitchFamily="18" charset="0"/>
+                              </a:rPr>
+                            </m:ctrlPr>
+                          </m:fPr>
+                          <m:num>
+                            <m:r>
+                              <a:rPr lang="de-DE" i="1" dirty="0">
+                                <a:latin typeface="Cambria Math" panose="02040503050406030204" pitchFamily="18" charset="0"/>
+                              </a:rPr>
+                              <m:t>𝜕</m:t>
+                            </m:r>
+                            <m:sSub>
+                              <m:sSubPr>
+                                <m:ctrlPr>
+                                  <a:rPr lang="de-DE" i="1" dirty="0">
+                                    <a:latin typeface="Cambria Math" panose="02040503050406030204" pitchFamily="18" charset="0"/>
+                                  </a:rPr>
+                                </m:ctrlPr>
+                              </m:sSubPr>
+                              <m:e>
+                                <m:r>
+                                  <a:rPr lang="de-DE" i="1" dirty="0">
+                                    <a:latin typeface="Cambria Math" panose="02040503050406030204" pitchFamily="18" charset="0"/>
+                                  </a:rPr>
+                                  <m:t>𝑉</m:t>
+                                </m:r>
+                              </m:e>
+                              <m:sub>
+                                <m:r>
+                                  <a:rPr lang="de-DE" i="1" dirty="0">
+                                    <a:latin typeface="Cambria Math" panose="02040503050406030204" pitchFamily="18" charset="0"/>
+                                  </a:rPr>
+                                  <m:t>𝑖</m:t>
+                                </m:r>
+                              </m:sub>
+                            </m:sSub>
+                          </m:num>
+                          <m:den>
+                            <m:r>
+                              <a:rPr lang="de-DE" i="1" dirty="0">
+                                <a:latin typeface="Cambria Math" panose="02040503050406030204" pitchFamily="18" charset="0"/>
+                              </a:rPr>
+                              <m:t>𝜕</m:t>
+                            </m:r>
+                            <m:r>
+                              <a:rPr lang="de-DE" i="1" dirty="0">
+                                <a:latin typeface="Cambria Math" panose="02040503050406030204" pitchFamily="18" charset="0"/>
+                              </a:rPr>
+                              <m:t>𝑡</m:t>
+                            </m:r>
+                          </m:den>
+                        </m:f>
+                      </m:e>
+                    </m:acc>
+                    <m:r>
+                      <a:rPr lang="de-DE" i="1" dirty="0">
+                        <a:latin typeface="Cambria Math" panose="02040503050406030204" pitchFamily="18" charset="0"/>
+                      </a:rPr>
+                      <m:t>)</m:t>
+                    </m:r>
+                  </m:oMath>
+                </a14:m>
+                <a:br>
+                  <a:rPr lang="de-DE" dirty="0"/>
+                </a:br>
+                <a:r>
+                  <a:rPr lang="de-DE" dirty="0"/>
+                  <a:t>	Wie sind die </a:t>
+                </a:r>
+                <a:r>
+                  <a:rPr lang="de-DE" dirty="0" err="1"/>
+                  <a:t>predictor</a:t>
+                </a:r>
+                <a:r>
+                  <a:rPr lang="de-DE" dirty="0"/>
+                  <a:t>-Daten korreliert?</a:t>
+                </a:r>
+                <a:br>
+                  <a:rPr lang="de-DE" dirty="0"/>
+                </a:br>
+                <a:endParaRPr lang="de-DE" dirty="0"/>
+              </a:p>
+            </p:txBody>
+          </p:sp>
+        </mc:Choice>
+        <mc:Fallback xmlns="">
+          <p:sp>
+            <p:nvSpPr>
+              <p:cNvPr id="2" name="Titel 1">
+                <a:extLst>
+                  <a:ext uri="{FF2B5EF4-FFF2-40B4-BE49-F238E27FC236}">
+                    <a16:creationId xmlns:a16="http://schemas.microsoft.com/office/drawing/2014/main" id="{D70A650C-2596-4015-949A-D2528CD82F8A}"/>
+                  </a:ext>
+                </a:extLst>
+              </p:cNvPr>
+              <p:cNvSpPr>
+                <a:spLocks noGrp="1" noRot="1" noChangeAspect="1" noMove="1" noResize="1" noEditPoints="1" noAdjustHandles="1" noChangeArrowheads="1" noChangeShapeType="1" noTextEdit="1"/>
+              </p:cNvSpPr>
+              <p:nvPr>
+                <p:ph type="title"/>
+              </p:nvPr>
+            </p:nvSpPr>
+            <p:spPr>
+              <a:xfrm>
+                <a:off x="838200" y="690443"/>
+                <a:ext cx="10515600" cy="1325563"/>
+              </a:xfrm>
+              <a:blipFill>
+                <a:blip r:embed="rId2"/>
+                <a:stretch>
+                  <a:fillRect l="-2087" t="-27982" b="-9174"/>
+                </a:stretch>
+              </a:blipFill>
+            </p:spPr>
+            <p:txBody>
+              <a:bodyPr/>
+              <a:lstStyle/>
+              <a:p>
+                <a:r>
+                  <a:rPr lang="de-DE">
+                    <a:noFill/>
+                  </a:rPr>
+                  <a:t> </a:t>
+                </a:r>
+              </a:p>
+            </p:txBody>
+          </p:sp>
+        </mc:Fallback>
+      </mc:AlternateContent>
+      <p:sp>
+        <p:nvSpPr>
+          <p:cNvPr id="3" name="Inhaltsplatzhalter 2">
+            <a:extLst>
+              <a:ext uri="{FF2B5EF4-FFF2-40B4-BE49-F238E27FC236}">
+                <a16:creationId xmlns:a16="http://schemas.microsoft.com/office/drawing/2014/main" id="{483CAA1B-AB1F-4B52-B7CC-0AC8F8C20E46}"/>
+              </a:ext>
+            </a:extLst>
+          </p:cNvPr>
+          <p:cNvSpPr>
+            <a:spLocks noGrp="1"/>
+          </p:cNvSpPr>
+          <p:nvPr>
+            <p:ph idx="1"/>
+          </p:nvPr>
+        </p:nvSpPr>
+        <p:spPr>
+          <a:xfrm>
+            <a:off x="838201" y="2338753"/>
+            <a:ext cx="3390900" cy="3838209"/>
+          </a:xfrm>
+        </p:spPr>
+        <p:txBody>
+          <a:bodyPr>
+            <a:normAutofit/>
+          </a:bodyPr>
+          <a:lstStyle/>
+          <a:p>
+            <a:r>
+              <a:rPr lang="de-DE" sz="2400" dirty="0"/>
+              <a:t>Positiver Pearson-Koeffizient zwischen „</a:t>
+            </a:r>
+            <a:r>
+              <a:rPr lang="de-DE" sz="2400" dirty="0" err="1"/>
+              <a:t>Consumption</a:t>
+            </a:r>
+            <a:r>
+              <a:rPr lang="de-DE" sz="2400" dirty="0"/>
+              <a:t>“ und „</a:t>
+            </a:r>
+            <a:r>
+              <a:rPr lang="de-DE" sz="2400" dirty="0" err="1"/>
+              <a:t>V_out</a:t>
+            </a:r>
+            <a:r>
+              <a:rPr lang="de-DE" sz="2400" dirty="0"/>
+              <a:t>“</a:t>
+            </a:r>
+            <a:endParaRPr lang="de-DE" sz="2000" dirty="0"/>
+          </a:p>
+          <a:p>
+            <a:pPr marL="0" indent="0">
+              <a:buNone/>
+            </a:pPr>
+            <a:r>
+              <a:rPr lang="de-DE" sz="2000" dirty="0"/>
+              <a:t>Daten werden bereits geregelt</a:t>
+            </a:r>
+            <a:endParaRPr lang="de-DE" sz="2400" dirty="0"/>
+          </a:p>
+        </p:txBody>
+      </p:sp>
+      <p:pic>
+        <p:nvPicPr>
+          <p:cNvPr id="12" name="Grafik 11">
+            <a:extLst>
+              <a:ext uri="{FF2B5EF4-FFF2-40B4-BE49-F238E27FC236}">
+                <a16:creationId xmlns:a16="http://schemas.microsoft.com/office/drawing/2014/main" id="{05D1627D-C623-427D-A92F-DBD1B5180431}"/>
+              </a:ext>
+            </a:extLst>
+          </p:cNvPr>
+          <p:cNvPicPr>
+            <a:picLocks noChangeAspect="1"/>
+          </p:cNvPicPr>
+          <p:nvPr/>
+        </p:nvPicPr>
+        <p:blipFill>
+          <a:blip r:embed="rId3">
+            <a:extLst>
+              <a:ext uri="{28A0092B-C50C-407E-A947-70E740481C1C}">
+                <a14:useLocalDpi xmlns:a14="http://schemas.microsoft.com/office/drawing/2010/main" val="0"/>
+              </a:ext>
+            </a:extLst>
+          </a:blip>
+          <a:stretch>
+            <a:fillRect/>
+          </a:stretch>
+        </p:blipFill>
+        <p:spPr>
+          <a:xfrm>
+            <a:off x="5228009" y="2016007"/>
+            <a:ext cx="6231782" cy="4673836"/>
+          </a:xfrm>
+          <a:prstGeom prst="rect">
+            <a:avLst/>
+          </a:prstGeom>
+        </p:spPr>
+      </p:pic>
+    </p:spTree>
+    <p:extLst>
+      <p:ext uri="{BB962C8B-B14F-4D97-AF65-F5344CB8AC3E}">
+        <p14:creationId xmlns:p14="http://schemas.microsoft.com/office/powerpoint/2010/main" val="1285947517"/>
+      </p:ext>
+    </p:extLst>
+  </p:cSld>
+  <p:clrMapOvr>
+    <a:masterClrMapping/>
+  </p:clrMapOvr>
+</p:sld>
+</file>
+
+<file path=ppt/slides/slide27.xml><?xml version="1.0" encoding="utf-8"?>
+<p:sld xmlns:a="http://schemas.openxmlformats.org/drawingml/2006/main" xmlns:r="http://schemas.openxmlformats.org/officeDocument/2006/relationships" xmlns:p="http://schemas.openxmlformats.org/presentationml/2006/main">
+  <p:cSld>
+    <p:spTree>
+      <p:nvGrpSpPr>
+        <p:cNvPr id="1" name=""/>
+        <p:cNvGrpSpPr/>
+        <p:nvPr/>
+      </p:nvGrpSpPr>
+      <p:grpSpPr>
+        <a:xfrm>
+          <a:off x="0" y="0"/>
+          <a:ext cx="0" cy="0"/>
+          <a:chOff x="0" y="0"/>
+          <a:chExt cx="0" cy="0"/>
+        </a:xfrm>
+      </p:grpSpPr>
+      <mc:AlternateContent xmlns:mc="http://schemas.openxmlformats.org/markup-compatibility/2006" xmlns:a14="http://schemas.microsoft.com/office/drawing/2010/main">
+        <mc:Choice Requires="a14">
+          <p:sp>
+            <p:nvSpPr>
+              <p:cNvPr id="2" name="Titel 1">
+                <a:extLst>
+                  <a:ext uri="{FF2B5EF4-FFF2-40B4-BE49-F238E27FC236}">
+                    <a16:creationId xmlns:a16="http://schemas.microsoft.com/office/drawing/2014/main" id="{82E8FAC7-A105-4095-A185-1903CEDE7190}"/>
+                  </a:ext>
+                </a:extLst>
+              </p:cNvPr>
+              <p:cNvSpPr>
+                <a:spLocks noGrp="1"/>
+              </p:cNvSpPr>
+              <p:nvPr>
+                <p:ph type="title"/>
+              </p:nvPr>
+            </p:nvSpPr>
+            <p:spPr>
+              <a:xfrm>
+                <a:off x="838200" y="679965"/>
+                <a:ext cx="10515600" cy="1325563"/>
+              </a:xfrm>
+            </p:spPr>
+            <p:txBody>
+              <a:bodyPr>
+                <a:normAutofit fontScale="90000"/>
+              </a:bodyPr>
+              <a:lstStyle/>
+              <a:p>
+                <a:r>
+                  <a:rPr lang="de-DE" dirty="0"/>
+                  <a:t>Algorithmus 2   </a:t>
+                </a:r>
+                <a:r>
+                  <a:rPr lang="de-DE" dirty="0">
+                    <a:sym typeface="Wingdings" panose="05000000000000000000" pitchFamily="2" charset="2"/>
+                  </a:rPr>
+                  <a:t></a:t>
+                </a:r>
+                <a:r>
+                  <a:rPr lang="de-DE" dirty="0"/>
+                  <a:t> </a:t>
+                </a:r>
+                <a14:m>
+                  <m:oMath xmlns:m="http://schemas.openxmlformats.org/officeDocument/2006/math">
+                    <m:r>
+                      <a:rPr lang="de-DE" i="1">
+                        <a:latin typeface="Cambria Math" panose="02040503050406030204" pitchFamily="18" charset="0"/>
+                      </a:rPr>
+                      <m:t>𝑝</m:t>
+                    </m:r>
+                    <m:r>
+                      <a:rPr lang="de-DE" i="1">
+                        <a:latin typeface="Cambria Math" panose="02040503050406030204" pitchFamily="18" charset="0"/>
+                      </a:rPr>
+                      <m:t>(</m:t>
+                    </m:r>
+                    <m:acc>
+                      <m:accPr>
+                        <m:chr m:val="⃗"/>
+                        <m:ctrlPr>
+                          <a:rPr lang="de-DE" i="1" dirty="0">
+                            <a:latin typeface="Cambria Math" panose="02040503050406030204" pitchFamily="18" charset="0"/>
+                          </a:rPr>
+                        </m:ctrlPr>
+                      </m:accPr>
+                      <m:e>
+                        <m:f>
+                          <m:fPr>
+                            <m:ctrlPr>
+                              <a:rPr lang="de-DE" i="1" dirty="0">
+                                <a:latin typeface="Cambria Math" panose="02040503050406030204" pitchFamily="18" charset="0"/>
+                              </a:rPr>
+                            </m:ctrlPr>
+                          </m:fPr>
+                          <m:num>
+                            <m:r>
+                              <a:rPr lang="de-DE" i="1" dirty="0">
+                                <a:latin typeface="Cambria Math" panose="02040503050406030204" pitchFamily="18" charset="0"/>
+                              </a:rPr>
+                              <m:t>𝜕</m:t>
+                            </m:r>
+                            <m:sSub>
+                              <m:sSubPr>
+                                <m:ctrlPr>
+                                  <a:rPr lang="de-DE" i="1" dirty="0">
+                                    <a:latin typeface="Cambria Math" panose="02040503050406030204" pitchFamily="18" charset="0"/>
+                                  </a:rPr>
+                                </m:ctrlPr>
+                              </m:sSubPr>
+                              <m:e>
+                                <m:r>
+                                  <a:rPr lang="de-DE" i="1" dirty="0">
+                                    <a:latin typeface="Cambria Math" panose="02040503050406030204" pitchFamily="18" charset="0"/>
+                                  </a:rPr>
+                                  <m:t>𝑉</m:t>
+                                </m:r>
+                              </m:e>
+                              <m:sub>
+                                <m:r>
+                                  <a:rPr lang="de-DE" i="1" dirty="0">
+                                    <a:latin typeface="Cambria Math" panose="02040503050406030204" pitchFamily="18" charset="0"/>
+                                  </a:rPr>
+                                  <m:t>𝑖</m:t>
+                                </m:r>
+                              </m:sub>
+                            </m:sSub>
+                          </m:num>
+                          <m:den>
+                            <m:r>
+                              <a:rPr lang="de-DE" i="1" dirty="0">
+                                <a:latin typeface="Cambria Math" panose="02040503050406030204" pitchFamily="18" charset="0"/>
+                              </a:rPr>
+                              <m:t>𝜕</m:t>
+                            </m:r>
+                            <m:r>
+                              <a:rPr lang="de-DE" i="1" dirty="0">
+                                <a:latin typeface="Cambria Math" panose="02040503050406030204" pitchFamily="18" charset="0"/>
+                              </a:rPr>
+                              <m:t>𝑡</m:t>
+                            </m:r>
+                          </m:den>
+                        </m:f>
+                      </m:e>
+                    </m:acc>
+                    <m:r>
+                      <a:rPr lang="de-DE" i="1" dirty="0">
+                        <a:latin typeface="Cambria Math" panose="02040503050406030204" pitchFamily="18" charset="0"/>
+                      </a:rPr>
+                      <m:t>)</m:t>
+                    </m:r>
+                  </m:oMath>
+                </a14:m>
+                <a:br>
+                  <a:rPr lang="de-DE" sz="4400" dirty="0"/>
+                </a:br>
+                <a:r>
+                  <a:rPr lang="de-DE" sz="4400" dirty="0"/>
+                  <a:t>	Naiver Versuch – lineare Regression</a:t>
+                </a:r>
+                <a:endParaRPr lang="de-DE" dirty="0"/>
+              </a:p>
+            </p:txBody>
+          </p:sp>
+        </mc:Choice>
+        <mc:Fallback xmlns="">
+          <p:sp>
+            <p:nvSpPr>
+              <p:cNvPr id="2" name="Titel 1">
+                <a:extLst>
+                  <a:ext uri="{FF2B5EF4-FFF2-40B4-BE49-F238E27FC236}">
+                    <a16:creationId xmlns:a16="http://schemas.microsoft.com/office/drawing/2014/main" id="{82E8FAC7-A105-4095-A185-1903CEDE7190}"/>
+                  </a:ext>
+                </a:extLst>
+              </p:cNvPr>
+              <p:cNvSpPr>
+                <a:spLocks noGrp="1" noRot="1" noChangeAspect="1" noMove="1" noResize="1" noEditPoints="1" noAdjustHandles="1" noChangeArrowheads="1" noChangeShapeType="1" noTextEdit="1"/>
+              </p:cNvSpPr>
+              <p:nvPr>
+                <p:ph type="title"/>
+              </p:nvPr>
+            </p:nvSpPr>
+            <p:spPr>
+              <a:xfrm>
+                <a:off x="838200" y="679965"/>
+                <a:ext cx="10515600" cy="1325563"/>
+              </a:xfrm>
+              <a:blipFill>
+                <a:blip r:embed="rId2"/>
+                <a:stretch>
+                  <a:fillRect l="-2087" t="-7373" b="-29954"/>
+                </a:stretch>
+              </a:blipFill>
+            </p:spPr>
+            <p:txBody>
+              <a:bodyPr/>
+              <a:lstStyle/>
+              <a:p>
+                <a:r>
+                  <a:rPr lang="de-DE">
+                    <a:noFill/>
+                  </a:rPr>
+                  <a:t> </a:t>
+                </a:r>
+              </a:p>
+            </p:txBody>
+          </p:sp>
+        </mc:Fallback>
+      </mc:AlternateContent>
+      <mc:AlternateContent xmlns:mc="http://schemas.openxmlformats.org/markup-compatibility/2006" xmlns:a14="http://schemas.microsoft.com/office/drawing/2010/main">
+        <mc:Choice Requires="a14">
+          <p:sp>
+            <p:nvSpPr>
+              <p:cNvPr id="16" name="Inhaltsplatzhalter 15">
+                <a:extLst>
+                  <a:ext uri="{FF2B5EF4-FFF2-40B4-BE49-F238E27FC236}">
+                    <a16:creationId xmlns:a16="http://schemas.microsoft.com/office/drawing/2014/main" id="{1AB06DDB-C50C-4005-BE99-3EDF948628C1}"/>
+                  </a:ext>
+                </a:extLst>
+              </p:cNvPr>
+              <p:cNvSpPr>
+                <a:spLocks noGrp="1"/>
+              </p:cNvSpPr>
+              <p:nvPr>
+                <p:ph idx="1"/>
+              </p:nvPr>
+            </p:nvSpPr>
+            <p:spPr>
+              <a:xfrm>
+                <a:off x="838200" y="2212487"/>
+                <a:ext cx="10515600" cy="4351338"/>
+              </a:xfrm>
+            </p:spPr>
+            <p:txBody>
+              <a:bodyPr/>
+              <a:lstStyle/>
+              <a:p>
+                <a:r>
+                  <a:rPr lang="de-DE" dirty="0"/>
+                  <a:t>Lineare Regression ohne Regularisierung </a:t>
+                </a:r>
+                <a:r>
+                  <a:rPr lang="de-DE" dirty="0">
+                    <a:sym typeface="Wingdings" panose="05000000000000000000" pitchFamily="2" charset="2"/>
+                  </a:rPr>
+                  <a:t> </a:t>
+                </a:r>
+                <a14:m>
+                  <m:oMath xmlns:m="http://schemas.openxmlformats.org/officeDocument/2006/math">
+                    <m:sSup>
+                      <m:sSupPr>
+                        <m:ctrlPr>
+                          <a:rPr lang="de-DE" i="1" dirty="0" smtClean="0">
+                            <a:latin typeface="Cambria Math" panose="02040503050406030204" pitchFamily="18" charset="0"/>
+                            <a:sym typeface="Wingdings" panose="05000000000000000000" pitchFamily="2" charset="2"/>
+                          </a:rPr>
+                        </m:ctrlPr>
+                      </m:sSupPr>
+                      <m:e>
+                        <m:r>
+                          <a:rPr lang="de-DE" i="1" dirty="0" smtClean="0">
+                            <a:latin typeface="Cambria Math" panose="02040503050406030204" pitchFamily="18" charset="0"/>
+                            <a:sym typeface="Wingdings" panose="05000000000000000000" pitchFamily="2" charset="2"/>
+                          </a:rPr>
+                          <m:t>𝑅</m:t>
+                        </m:r>
+                      </m:e>
+                      <m:sup>
+                        <m:r>
+                          <a:rPr lang="de-DE" i="1" dirty="0" smtClean="0">
+                            <a:latin typeface="Cambria Math" panose="02040503050406030204" pitchFamily="18" charset="0"/>
+                            <a:sym typeface="Wingdings" panose="05000000000000000000" pitchFamily="2" charset="2"/>
+                          </a:rPr>
+                          <m:t>2</m:t>
+                        </m:r>
+                      </m:sup>
+                    </m:sSup>
+                    <m:r>
+                      <a:rPr lang="de-DE" b="0" i="1" dirty="0" smtClean="0">
+                        <a:latin typeface="Cambria Math" panose="02040503050406030204" pitchFamily="18" charset="0"/>
+                        <a:sym typeface="Wingdings" panose="05000000000000000000" pitchFamily="2" charset="2"/>
+                      </a:rPr>
+                      <m:t>&lt;0.3</m:t>
+                    </m:r>
+                  </m:oMath>
+                </a14:m>
+                <a:endParaRPr lang="de-DE" dirty="0"/>
+              </a:p>
+              <a:p>
+                <a:endParaRPr lang="de-DE" dirty="0"/>
+              </a:p>
+              <a:p>
+                <a:endParaRPr lang="de-DE" dirty="0"/>
+              </a:p>
+              <a:p>
+                <a:endParaRPr lang="de-DE" dirty="0"/>
+              </a:p>
+            </p:txBody>
+          </p:sp>
+        </mc:Choice>
+        <mc:Fallback xmlns="">
+          <p:sp>
+            <p:nvSpPr>
+              <p:cNvPr id="16" name="Inhaltsplatzhalter 15">
+                <a:extLst>
+                  <a:ext uri="{FF2B5EF4-FFF2-40B4-BE49-F238E27FC236}">
+                    <a16:creationId xmlns:a16="http://schemas.microsoft.com/office/drawing/2014/main" id="{1AB06DDB-C50C-4005-BE99-3EDF948628C1}"/>
+                  </a:ext>
+                </a:extLst>
+              </p:cNvPr>
+              <p:cNvSpPr>
+                <a:spLocks noGrp="1" noRot="1" noChangeAspect="1" noMove="1" noResize="1" noEditPoints="1" noAdjustHandles="1" noChangeArrowheads="1" noChangeShapeType="1" noTextEdit="1"/>
+              </p:cNvSpPr>
+              <p:nvPr>
+                <p:ph idx="1"/>
+              </p:nvPr>
+            </p:nvSpPr>
+            <p:spPr>
+              <a:xfrm>
+                <a:off x="838200" y="2212487"/>
+                <a:ext cx="10515600" cy="4351338"/>
+              </a:xfrm>
+              <a:blipFill>
+                <a:blip r:embed="rId4"/>
+                <a:stretch>
+                  <a:fillRect l="-1043" t="-2801"/>
+                </a:stretch>
+              </a:blipFill>
+            </p:spPr>
+            <p:txBody>
+              <a:bodyPr/>
+              <a:lstStyle/>
+              <a:p>
+                <a:r>
+                  <a:rPr lang="de-DE">
+                    <a:noFill/>
+                  </a:rPr>
+                  <a:t> </a:t>
+                </a:r>
+              </a:p>
+            </p:txBody>
+          </p:sp>
+        </mc:Fallback>
+      </mc:AlternateContent>
+      <p:pic>
+        <p:nvPicPr>
+          <p:cNvPr id="4" name="Grafik 3">
+            <a:extLst>
+              <a:ext uri="{FF2B5EF4-FFF2-40B4-BE49-F238E27FC236}">
+                <a16:creationId xmlns:a16="http://schemas.microsoft.com/office/drawing/2014/main" id="{E55DFF33-CF5B-4B3A-8989-EE3052D8861E}"/>
+              </a:ext>
+            </a:extLst>
+          </p:cNvPr>
+          <p:cNvPicPr>
+            <a:picLocks noChangeAspect="1"/>
+          </p:cNvPicPr>
+          <p:nvPr/>
+        </p:nvPicPr>
+        <p:blipFill>
+          <a:blip r:embed="rId5">
+            <a:extLst>
+              <a:ext uri="{28A0092B-C50C-407E-A947-70E740481C1C}">
+                <a14:useLocalDpi xmlns:a14="http://schemas.microsoft.com/office/drawing/2010/main" val="0"/>
+              </a:ext>
+            </a:extLst>
+          </a:blip>
+          <a:stretch>
+            <a:fillRect/>
+          </a:stretch>
+        </p:blipFill>
+        <p:spPr>
+          <a:xfrm>
+            <a:off x="0" y="3184279"/>
+            <a:ext cx="3474718" cy="3474720"/>
+          </a:xfrm>
+          <a:prstGeom prst="rect">
+            <a:avLst/>
+          </a:prstGeom>
+        </p:spPr>
+      </p:pic>
+      <p:pic>
+        <p:nvPicPr>
+          <p:cNvPr id="8" name="Grafik 7">
+            <a:extLst>
+              <a:ext uri="{FF2B5EF4-FFF2-40B4-BE49-F238E27FC236}">
+                <a16:creationId xmlns:a16="http://schemas.microsoft.com/office/drawing/2014/main" id="{6FC97842-B1A4-4450-9B53-02F48EBEE1D9}"/>
+              </a:ext>
+            </a:extLst>
+          </p:cNvPr>
+          <p:cNvPicPr>
+            <a:picLocks noChangeAspect="1"/>
+          </p:cNvPicPr>
+          <p:nvPr/>
+        </p:nvPicPr>
+        <p:blipFill>
+          <a:blip r:embed="rId6">
+            <a:extLst>
+              <a:ext uri="{28A0092B-C50C-407E-A947-70E740481C1C}">
+                <a14:useLocalDpi xmlns:a14="http://schemas.microsoft.com/office/drawing/2010/main" val="0"/>
+              </a:ext>
+            </a:extLst>
+          </a:blip>
+          <a:stretch>
+            <a:fillRect/>
+          </a:stretch>
+        </p:blipFill>
+        <p:spPr>
+          <a:xfrm>
+            <a:off x="3414653" y="3184279"/>
+            <a:ext cx="4632960" cy="3474720"/>
+          </a:xfrm>
+          <a:prstGeom prst="rect">
+            <a:avLst/>
+          </a:prstGeom>
+        </p:spPr>
+      </p:pic>
+      <p:pic>
+        <p:nvPicPr>
+          <p:cNvPr id="6" name="Grafik 5">
+            <a:extLst>
+              <a:ext uri="{FF2B5EF4-FFF2-40B4-BE49-F238E27FC236}">
+                <a16:creationId xmlns:a16="http://schemas.microsoft.com/office/drawing/2014/main" id="{AF714098-E9A4-4376-A8FC-A6CC37EBE9FB}"/>
+              </a:ext>
+            </a:extLst>
+          </p:cNvPr>
+          <p:cNvPicPr>
+            <a:picLocks noChangeAspect="1"/>
+          </p:cNvPicPr>
+          <p:nvPr/>
+        </p:nvPicPr>
+        <p:blipFill>
+          <a:blip r:embed="rId7">
+            <a:extLst>
+              <a:ext uri="{28A0092B-C50C-407E-A947-70E740481C1C}">
+                <a14:useLocalDpi xmlns:a14="http://schemas.microsoft.com/office/drawing/2010/main" val="0"/>
+              </a:ext>
+            </a:extLst>
+          </a:blip>
+          <a:stretch>
+            <a:fillRect/>
+          </a:stretch>
+        </p:blipFill>
+        <p:spPr>
+          <a:xfrm>
+            <a:off x="7777998" y="3184279"/>
+            <a:ext cx="4632960" cy="3474720"/>
+          </a:xfrm>
+          <a:prstGeom prst="rect">
+            <a:avLst/>
+          </a:prstGeom>
+        </p:spPr>
+      </p:pic>
+    </p:spTree>
+    <p:extLst>
+      <p:ext uri="{BB962C8B-B14F-4D97-AF65-F5344CB8AC3E}">
+        <p14:creationId xmlns:p14="http://schemas.microsoft.com/office/powerpoint/2010/main" val="3116098444"/>
+      </p:ext>
+    </p:extLst>
+  </p:cSld>
+  <p:clrMapOvr>
+    <a:masterClrMapping/>
+  </p:clrMapOvr>
+</p:sld>
+</file>
+
+<file path=ppt/slides/slide28.xml><?xml version="1.0" encoding="utf-8"?>
+<p:sld xmlns:a="http://schemas.openxmlformats.org/drawingml/2006/main" xmlns:r="http://schemas.openxmlformats.org/officeDocument/2006/relationships" xmlns:p="http://schemas.openxmlformats.org/presentationml/2006/main">
+  <p:cSld>
+    <p:spTree>
+      <p:nvGrpSpPr>
+        <p:cNvPr id="1" name=""/>
+        <p:cNvGrpSpPr/>
+        <p:nvPr/>
+      </p:nvGrpSpPr>
+      <p:grpSpPr>
+        <a:xfrm>
+          <a:off x="0" y="0"/>
+          <a:ext cx="0" cy="0"/>
+          <a:chOff x="0" y="0"/>
+          <a:chExt cx="0" cy="0"/>
+        </a:xfrm>
+      </p:grpSpPr>
+      <mc:AlternateContent xmlns:mc="http://schemas.openxmlformats.org/markup-compatibility/2006" xmlns:a14="http://schemas.microsoft.com/office/drawing/2010/main">
+        <mc:Choice Requires="a14">
+          <p:sp>
+            <p:nvSpPr>
+              <p:cNvPr id="2" name="Titel 1">
+                <a:extLst>
+                  <a:ext uri="{FF2B5EF4-FFF2-40B4-BE49-F238E27FC236}">
+                    <a16:creationId xmlns:a16="http://schemas.microsoft.com/office/drawing/2014/main" id="{82E8FAC7-A105-4095-A185-1903CEDE7190}"/>
+                  </a:ext>
+                </a:extLst>
+              </p:cNvPr>
+              <p:cNvSpPr>
+                <a:spLocks noGrp="1"/>
+              </p:cNvSpPr>
+              <p:nvPr>
+                <p:ph type="title"/>
+              </p:nvPr>
+            </p:nvSpPr>
+            <p:spPr>
+              <a:xfrm>
+                <a:off x="838200" y="679965"/>
+                <a:ext cx="10515600" cy="1325563"/>
+              </a:xfrm>
+            </p:spPr>
+            <p:txBody>
+              <a:bodyPr>
+                <a:normAutofit fontScale="90000"/>
+              </a:bodyPr>
+              <a:lstStyle/>
+              <a:p>
+                <a:r>
+                  <a:rPr lang="de-DE" dirty="0"/>
+                  <a:t>Algorithmus 2   </a:t>
+                </a:r>
+                <a:r>
+                  <a:rPr lang="de-DE" dirty="0">
+                    <a:sym typeface="Wingdings" panose="05000000000000000000" pitchFamily="2" charset="2"/>
+                  </a:rPr>
+                  <a:t></a:t>
+                </a:r>
+                <a:r>
+                  <a:rPr lang="de-DE" dirty="0"/>
+                  <a:t> </a:t>
+                </a:r>
+                <a14:m>
+                  <m:oMath xmlns:m="http://schemas.openxmlformats.org/officeDocument/2006/math">
+                    <m:r>
+                      <a:rPr lang="de-DE" i="1">
+                        <a:latin typeface="Cambria Math" panose="02040503050406030204" pitchFamily="18" charset="0"/>
+                      </a:rPr>
+                      <m:t>𝑝</m:t>
+                    </m:r>
+                    <m:r>
+                      <a:rPr lang="de-DE" i="1">
+                        <a:latin typeface="Cambria Math" panose="02040503050406030204" pitchFamily="18" charset="0"/>
+                      </a:rPr>
+                      <m:t>(</m:t>
+                    </m:r>
+                    <m:acc>
+                      <m:accPr>
+                        <m:chr m:val="⃗"/>
+                        <m:ctrlPr>
+                          <a:rPr lang="de-DE" i="1" dirty="0">
+                            <a:latin typeface="Cambria Math" panose="02040503050406030204" pitchFamily="18" charset="0"/>
+                          </a:rPr>
+                        </m:ctrlPr>
+                      </m:accPr>
+                      <m:e>
+                        <m:f>
+                          <m:fPr>
+                            <m:ctrlPr>
+                              <a:rPr lang="de-DE" i="1" dirty="0">
+                                <a:latin typeface="Cambria Math" panose="02040503050406030204" pitchFamily="18" charset="0"/>
+                              </a:rPr>
+                            </m:ctrlPr>
+                          </m:fPr>
+                          <m:num>
+                            <m:r>
+                              <a:rPr lang="de-DE" i="1" dirty="0">
+                                <a:latin typeface="Cambria Math" panose="02040503050406030204" pitchFamily="18" charset="0"/>
+                              </a:rPr>
+                              <m:t>𝜕</m:t>
+                            </m:r>
+                            <m:sSub>
+                              <m:sSubPr>
+                                <m:ctrlPr>
+                                  <a:rPr lang="de-DE" i="1" dirty="0">
+                                    <a:latin typeface="Cambria Math" panose="02040503050406030204" pitchFamily="18" charset="0"/>
+                                  </a:rPr>
+                                </m:ctrlPr>
+                              </m:sSubPr>
+                              <m:e>
+                                <m:r>
+                                  <a:rPr lang="de-DE" i="1" dirty="0">
+                                    <a:latin typeface="Cambria Math" panose="02040503050406030204" pitchFamily="18" charset="0"/>
+                                  </a:rPr>
+                                  <m:t>𝑉</m:t>
+                                </m:r>
+                              </m:e>
+                              <m:sub>
+                                <m:r>
+                                  <a:rPr lang="de-DE" i="1" dirty="0">
+                                    <a:latin typeface="Cambria Math" panose="02040503050406030204" pitchFamily="18" charset="0"/>
+                                  </a:rPr>
+                                  <m:t>𝑖</m:t>
+                                </m:r>
+                              </m:sub>
+                            </m:sSub>
+                          </m:num>
+                          <m:den>
+                            <m:r>
+                              <a:rPr lang="de-DE" i="1" dirty="0">
+                                <a:latin typeface="Cambria Math" panose="02040503050406030204" pitchFamily="18" charset="0"/>
+                              </a:rPr>
+                              <m:t>𝜕</m:t>
+                            </m:r>
+                            <m:r>
+                              <a:rPr lang="de-DE" i="1" dirty="0">
+                                <a:latin typeface="Cambria Math" panose="02040503050406030204" pitchFamily="18" charset="0"/>
+                              </a:rPr>
+                              <m:t>𝑡</m:t>
+                            </m:r>
+                          </m:den>
+                        </m:f>
+                      </m:e>
+                    </m:acc>
+                    <m:r>
+                      <a:rPr lang="de-DE" i="1" dirty="0">
+                        <a:latin typeface="Cambria Math" panose="02040503050406030204" pitchFamily="18" charset="0"/>
+                      </a:rPr>
+                      <m:t>)</m:t>
+                    </m:r>
+                  </m:oMath>
+                </a14:m>
+                <a:br>
+                  <a:rPr lang="de-DE" sz="4400" dirty="0"/>
+                </a:br>
+                <a:r>
+                  <a:rPr lang="de-DE" sz="4400" dirty="0"/>
+                  <a:t>	Naiver Versuch – lineare Regression</a:t>
+                </a:r>
+                <a:endParaRPr lang="de-DE" dirty="0"/>
+              </a:p>
+            </p:txBody>
+          </p:sp>
+        </mc:Choice>
+        <mc:Fallback xmlns="">
+          <p:sp>
+            <p:nvSpPr>
+              <p:cNvPr id="2" name="Titel 1">
+                <a:extLst>
+                  <a:ext uri="{FF2B5EF4-FFF2-40B4-BE49-F238E27FC236}">
+                    <a16:creationId xmlns:a16="http://schemas.microsoft.com/office/drawing/2014/main" id="{82E8FAC7-A105-4095-A185-1903CEDE7190}"/>
+                  </a:ext>
+                </a:extLst>
+              </p:cNvPr>
+              <p:cNvSpPr>
+                <a:spLocks noGrp="1" noRot="1" noChangeAspect="1" noMove="1" noResize="1" noEditPoints="1" noAdjustHandles="1" noChangeArrowheads="1" noChangeShapeType="1" noTextEdit="1"/>
+              </p:cNvSpPr>
+              <p:nvPr>
+                <p:ph type="title"/>
+              </p:nvPr>
+            </p:nvSpPr>
+            <p:spPr>
+              <a:xfrm>
+                <a:off x="838200" y="679965"/>
+                <a:ext cx="10515600" cy="1325563"/>
+              </a:xfrm>
+              <a:blipFill>
+                <a:blip r:embed="rId2"/>
+                <a:stretch>
+                  <a:fillRect l="-2087" t="-7373" b="-29954"/>
+                </a:stretch>
+              </a:blipFill>
+            </p:spPr>
+            <p:txBody>
+              <a:bodyPr/>
+              <a:lstStyle/>
+              <a:p>
+                <a:r>
+                  <a:rPr lang="de-DE">
+                    <a:noFill/>
+                  </a:rPr>
+                  <a:t> </a:t>
+                </a:r>
+              </a:p>
+            </p:txBody>
+          </p:sp>
+        </mc:Fallback>
+      </mc:AlternateContent>
+      <p:sp>
+        <p:nvSpPr>
+          <p:cNvPr id="16" name="Inhaltsplatzhalter 15">
+            <a:extLst>
+              <a:ext uri="{FF2B5EF4-FFF2-40B4-BE49-F238E27FC236}">
+                <a16:creationId xmlns:a16="http://schemas.microsoft.com/office/drawing/2014/main" id="{1AB06DDB-C50C-4005-BE99-3EDF948628C1}"/>
+              </a:ext>
+            </a:extLst>
+          </p:cNvPr>
+          <p:cNvSpPr>
+            <a:spLocks noGrp="1"/>
+          </p:cNvSpPr>
+          <p:nvPr>
+            <p:ph idx="1"/>
+          </p:nvPr>
+        </p:nvSpPr>
+        <p:spPr>
+          <a:xfrm>
+            <a:off x="838200" y="2212487"/>
+            <a:ext cx="5580185" cy="4351338"/>
+          </a:xfrm>
+        </p:spPr>
+        <p:txBody>
+          <a:bodyPr/>
+          <a:lstStyle/>
+          <a:p>
+            <a:endParaRPr lang="de-DE" dirty="0"/>
+          </a:p>
+          <a:p>
+            <a:endParaRPr lang="de-DE" dirty="0"/>
+          </a:p>
+          <a:p>
+            <a:endParaRPr lang="de-DE" dirty="0"/>
+          </a:p>
+          <a:p>
+            <a:endParaRPr lang="de-DE" dirty="0"/>
+          </a:p>
+        </p:txBody>
+      </p:sp>
+      <p:pic>
+        <p:nvPicPr>
+          <p:cNvPr id="5" name="Grafik 4">
+            <a:extLst>
+              <a:ext uri="{FF2B5EF4-FFF2-40B4-BE49-F238E27FC236}">
+                <a16:creationId xmlns:a16="http://schemas.microsoft.com/office/drawing/2014/main" id="{E142EE99-E4D5-43A5-8A30-C74EEF5BE2C1}"/>
+              </a:ext>
+            </a:extLst>
+          </p:cNvPr>
+          <p:cNvPicPr>
+            <a:picLocks noChangeAspect="1"/>
+          </p:cNvPicPr>
+          <p:nvPr/>
+        </p:nvPicPr>
+        <p:blipFill>
+          <a:blip r:embed="rId3">
+            <a:extLst>
+              <a:ext uri="{28A0092B-C50C-407E-A947-70E740481C1C}">
+                <a14:useLocalDpi xmlns:a14="http://schemas.microsoft.com/office/drawing/2010/main" val="0"/>
+              </a:ext>
+            </a:extLst>
+          </a:blip>
+          <a:stretch>
+            <a:fillRect/>
+          </a:stretch>
+        </p:blipFill>
+        <p:spPr>
+          <a:xfrm>
+            <a:off x="525581" y="2212487"/>
+            <a:ext cx="4572000" cy="4572000"/>
+          </a:xfrm>
+          <a:prstGeom prst="rect">
+            <a:avLst/>
+          </a:prstGeom>
+        </p:spPr>
+      </p:pic>
+      <p:pic>
+        <p:nvPicPr>
+          <p:cNvPr id="7" name="Grafik 6">
+            <a:extLst>
+              <a:ext uri="{FF2B5EF4-FFF2-40B4-BE49-F238E27FC236}">
+                <a16:creationId xmlns:a16="http://schemas.microsoft.com/office/drawing/2014/main" id="{3DD18E58-2DE8-4666-A1C9-7DCBC5454ACC}"/>
+              </a:ext>
+            </a:extLst>
+          </p:cNvPr>
+          <p:cNvPicPr>
+            <a:picLocks noChangeAspect="1"/>
+          </p:cNvPicPr>
+          <p:nvPr/>
+        </p:nvPicPr>
+        <p:blipFill>
+          <a:blip r:embed="rId4">
+            <a:extLst>
+              <a:ext uri="{28A0092B-C50C-407E-A947-70E740481C1C}">
+                <a14:useLocalDpi xmlns:a14="http://schemas.microsoft.com/office/drawing/2010/main" val="0"/>
+              </a:ext>
+            </a:extLst>
+          </a:blip>
+          <a:stretch>
+            <a:fillRect/>
+          </a:stretch>
+        </p:blipFill>
+        <p:spPr>
+          <a:xfrm>
+            <a:off x="6418385" y="2212487"/>
+            <a:ext cx="4572000" cy="4572000"/>
+          </a:xfrm>
+          <a:prstGeom prst="rect">
+            <a:avLst/>
+          </a:prstGeom>
+        </p:spPr>
+      </p:pic>
+    </p:spTree>
+    <p:extLst>
+      <p:ext uri="{BB962C8B-B14F-4D97-AF65-F5344CB8AC3E}">
+        <p14:creationId xmlns:p14="http://schemas.microsoft.com/office/powerpoint/2010/main" val="1556949012"/>
+      </p:ext>
+    </p:extLst>
+  </p:cSld>
+  <p:clrMapOvr>
+    <a:masterClrMapping/>
+  </p:clrMapOvr>
+</p:sld>
+</file>
+
+<file path=ppt/slides/slide29.xml><?xml version="1.0" encoding="utf-8"?>
+<p:sld xmlns:a="http://schemas.openxmlformats.org/drawingml/2006/main" xmlns:r="http://schemas.openxmlformats.org/officeDocument/2006/relationships" xmlns:p="http://schemas.openxmlformats.org/presentationml/2006/main">
+  <p:cSld>
+    <p:spTree>
+      <p:nvGrpSpPr>
+        <p:cNvPr id="1" name=""/>
+        <p:cNvGrpSpPr/>
+        <p:nvPr/>
+      </p:nvGrpSpPr>
+      <p:grpSpPr>
+        <a:xfrm>
+          <a:off x="0" y="0"/>
+          <a:ext cx="0" cy="0"/>
+          <a:chOff x="0" y="0"/>
+          <a:chExt cx="0" cy="0"/>
+        </a:xfrm>
+      </p:grpSpPr>
+      <mc:AlternateContent xmlns:mc="http://schemas.openxmlformats.org/markup-compatibility/2006" xmlns:a14="http://schemas.microsoft.com/office/drawing/2010/main">
+        <mc:Choice Requires="a14">
+          <p:sp>
+            <p:nvSpPr>
+              <p:cNvPr id="2" name="Titel 1">
+                <a:extLst>
+                  <a:ext uri="{FF2B5EF4-FFF2-40B4-BE49-F238E27FC236}">
+                    <a16:creationId xmlns:a16="http://schemas.microsoft.com/office/drawing/2014/main" id="{82E8FAC7-A105-4095-A185-1903CEDE7190}"/>
+                  </a:ext>
+                </a:extLst>
+              </p:cNvPr>
+              <p:cNvSpPr>
+                <a:spLocks noGrp="1"/>
+              </p:cNvSpPr>
+              <p:nvPr>
+                <p:ph type="title"/>
+              </p:nvPr>
+            </p:nvSpPr>
+            <p:spPr>
+              <a:xfrm>
+                <a:off x="838200" y="679965"/>
+                <a:ext cx="10515600" cy="1325563"/>
+              </a:xfrm>
+            </p:spPr>
+            <p:txBody>
+              <a:bodyPr>
+                <a:normAutofit fontScale="90000"/>
+              </a:bodyPr>
+              <a:lstStyle/>
+              <a:p>
+                <a:r>
+                  <a:rPr lang="de-DE" dirty="0"/>
+                  <a:t>Algorithmus 2   </a:t>
+                </a:r>
+                <a:r>
+                  <a:rPr lang="de-DE" dirty="0">
+                    <a:sym typeface="Wingdings" panose="05000000000000000000" pitchFamily="2" charset="2"/>
+                  </a:rPr>
+                  <a:t></a:t>
+                </a:r>
+                <a:r>
+                  <a:rPr lang="de-DE" dirty="0"/>
+                  <a:t> </a:t>
+                </a:r>
+                <a14:m>
+                  <m:oMath xmlns:m="http://schemas.openxmlformats.org/officeDocument/2006/math">
+                    <m:r>
+                      <a:rPr lang="de-DE" i="1">
+                        <a:latin typeface="Cambria Math" panose="02040503050406030204" pitchFamily="18" charset="0"/>
+                      </a:rPr>
+                      <m:t>𝑝</m:t>
+                    </m:r>
+                    <m:r>
+                      <a:rPr lang="de-DE" i="1">
+                        <a:latin typeface="Cambria Math" panose="02040503050406030204" pitchFamily="18" charset="0"/>
+                      </a:rPr>
+                      <m:t>(</m:t>
+                    </m:r>
+                    <m:acc>
+                      <m:accPr>
+                        <m:chr m:val="⃗"/>
+                        <m:ctrlPr>
+                          <a:rPr lang="de-DE" i="1" dirty="0">
+                            <a:latin typeface="Cambria Math" panose="02040503050406030204" pitchFamily="18" charset="0"/>
+                          </a:rPr>
+                        </m:ctrlPr>
+                      </m:accPr>
+                      <m:e>
+                        <m:f>
+                          <m:fPr>
+                            <m:ctrlPr>
+                              <a:rPr lang="de-DE" i="1" dirty="0">
+                                <a:latin typeface="Cambria Math" panose="02040503050406030204" pitchFamily="18" charset="0"/>
+                              </a:rPr>
+                            </m:ctrlPr>
+                          </m:fPr>
+                          <m:num>
+                            <m:r>
+                              <a:rPr lang="de-DE" i="1" dirty="0">
+                                <a:latin typeface="Cambria Math" panose="02040503050406030204" pitchFamily="18" charset="0"/>
+                              </a:rPr>
+                              <m:t>𝜕</m:t>
+                            </m:r>
+                            <m:sSub>
+                              <m:sSubPr>
+                                <m:ctrlPr>
+                                  <a:rPr lang="de-DE" i="1" dirty="0">
+                                    <a:latin typeface="Cambria Math" panose="02040503050406030204" pitchFamily="18" charset="0"/>
+                                  </a:rPr>
+                                </m:ctrlPr>
+                              </m:sSubPr>
+                              <m:e>
+                                <m:r>
+                                  <a:rPr lang="de-DE" i="1" dirty="0">
+                                    <a:latin typeface="Cambria Math" panose="02040503050406030204" pitchFamily="18" charset="0"/>
+                                  </a:rPr>
+                                  <m:t>𝑉</m:t>
+                                </m:r>
+                              </m:e>
+                              <m:sub>
+                                <m:r>
+                                  <a:rPr lang="de-DE" i="1" dirty="0">
+                                    <a:latin typeface="Cambria Math" panose="02040503050406030204" pitchFamily="18" charset="0"/>
+                                  </a:rPr>
+                                  <m:t>𝑖</m:t>
+                                </m:r>
+                              </m:sub>
+                            </m:sSub>
+                          </m:num>
+                          <m:den>
+                            <m:r>
+                              <a:rPr lang="de-DE" i="1" dirty="0">
+                                <a:latin typeface="Cambria Math" panose="02040503050406030204" pitchFamily="18" charset="0"/>
+                              </a:rPr>
+                              <m:t>𝜕</m:t>
+                            </m:r>
+                            <m:r>
+                              <a:rPr lang="de-DE" i="1" dirty="0">
+                                <a:latin typeface="Cambria Math" panose="02040503050406030204" pitchFamily="18" charset="0"/>
+                              </a:rPr>
+                              <m:t>𝑡</m:t>
+                            </m:r>
+                          </m:den>
+                        </m:f>
+                      </m:e>
+                    </m:acc>
+                    <m:r>
+                      <a:rPr lang="de-DE" i="1" dirty="0">
+                        <a:latin typeface="Cambria Math" panose="02040503050406030204" pitchFamily="18" charset="0"/>
+                      </a:rPr>
+                      <m:t>)</m:t>
+                    </m:r>
+                  </m:oMath>
+                </a14:m>
+                <a:br>
+                  <a:rPr lang="de-DE" sz="4400" dirty="0"/>
+                </a:br>
+                <a:r>
+                  <a:rPr lang="de-DE" sz="4400" dirty="0"/>
+                  <a:t>	Naiver Versuch – lineare Regression</a:t>
+                </a:r>
+                <a:endParaRPr lang="de-DE" dirty="0"/>
+              </a:p>
+            </p:txBody>
+          </p:sp>
+        </mc:Choice>
+        <mc:Fallback xmlns="">
+          <p:sp>
+            <p:nvSpPr>
+              <p:cNvPr id="2" name="Titel 1">
+                <a:extLst>
+                  <a:ext uri="{FF2B5EF4-FFF2-40B4-BE49-F238E27FC236}">
+                    <a16:creationId xmlns:a16="http://schemas.microsoft.com/office/drawing/2014/main" id="{82E8FAC7-A105-4095-A185-1903CEDE7190}"/>
+                  </a:ext>
+                </a:extLst>
+              </p:cNvPr>
+              <p:cNvSpPr>
+                <a:spLocks noGrp="1" noRot="1" noChangeAspect="1" noMove="1" noResize="1" noEditPoints="1" noAdjustHandles="1" noChangeArrowheads="1" noChangeShapeType="1" noTextEdit="1"/>
+              </p:cNvSpPr>
+              <p:nvPr>
+                <p:ph type="title"/>
+              </p:nvPr>
+            </p:nvSpPr>
+            <p:spPr>
+              <a:xfrm>
+                <a:off x="838200" y="679965"/>
+                <a:ext cx="10515600" cy="1325563"/>
+              </a:xfrm>
+              <a:blipFill>
+                <a:blip r:embed="rId2"/>
+                <a:stretch>
+                  <a:fillRect l="-2087" t="-7373" b="-29954"/>
+                </a:stretch>
+              </a:blipFill>
+            </p:spPr>
+            <p:txBody>
+              <a:bodyPr/>
+              <a:lstStyle/>
+              <a:p>
+                <a:r>
+                  <a:rPr lang="de-DE">
+                    <a:noFill/>
+                  </a:rPr>
+                  <a:t> </a:t>
+                </a:r>
+              </a:p>
+            </p:txBody>
+          </p:sp>
+        </mc:Fallback>
+      </mc:AlternateContent>
+      <p:sp>
+        <p:nvSpPr>
+          <p:cNvPr id="16" name="Inhaltsplatzhalter 15">
+            <a:extLst>
+              <a:ext uri="{FF2B5EF4-FFF2-40B4-BE49-F238E27FC236}">
+                <a16:creationId xmlns:a16="http://schemas.microsoft.com/office/drawing/2014/main" id="{1AB06DDB-C50C-4005-BE99-3EDF948628C1}"/>
+              </a:ext>
+            </a:extLst>
+          </p:cNvPr>
+          <p:cNvSpPr>
+            <a:spLocks noGrp="1"/>
+          </p:cNvSpPr>
+          <p:nvPr>
+            <p:ph idx="1"/>
+          </p:nvPr>
+        </p:nvSpPr>
+        <p:spPr>
+          <a:xfrm>
+            <a:off x="838200" y="2212487"/>
+            <a:ext cx="5580185" cy="4351338"/>
+          </a:xfrm>
+        </p:spPr>
+        <p:txBody>
+          <a:bodyPr/>
+          <a:lstStyle/>
+          <a:p>
+            <a:endParaRPr lang="de-DE" dirty="0"/>
+          </a:p>
+          <a:p>
+            <a:endParaRPr lang="de-DE" dirty="0"/>
+          </a:p>
+          <a:p>
+            <a:endParaRPr lang="de-DE" dirty="0"/>
+          </a:p>
+          <a:p>
+            <a:endParaRPr lang="de-DE" dirty="0"/>
+          </a:p>
+        </p:txBody>
+      </p:sp>
+    </p:spTree>
+    <p:extLst>
+      <p:ext uri="{BB962C8B-B14F-4D97-AF65-F5344CB8AC3E}">
+        <p14:creationId xmlns:p14="http://schemas.microsoft.com/office/powerpoint/2010/main" val="247997850"/>
+      </p:ext>
+    </p:extLst>
+  </p:cSld>
+  <p:clrMapOvr>
+    <a:masterClrMapping/>
+  </p:clrMapOvr>
+</p:sld>
+</file>
+
+<file path=ppt/slides/slide3.xml><?xml version="1.0" encoding="utf-8"?>
 <p:sld xmlns:a="http://schemas.openxmlformats.org/drawingml/2006/main" xmlns:r="http://schemas.openxmlformats.org/officeDocument/2006/relationships" xmlns:p="http://schemas.openxmlformats.org/presentationml/2006/main">
   <p:cSld>
     <p:spTree>
@@ -9927,7 +16487,7 @@
     </p:spTree>
     <p:extLst>
       <p:ext uri="{BB962C8B-B14F-4D97-AF65-F5344CB8AC3E}">
-        <p14:creationId xmlns:p14="http://schemas.microsoft.com/office/powerpoint/2010/main" val="169830332"/>
+        <p14:creationId xmlns:p14="http://schemas.microsoft.com/office/powerpoint/2010/main" val="624986712"/>
       </p:ext>
     </p:extLst>
   </p:cSld>
@@ -9937,7 +16497,201 @@
 </p:sld>
 </file>
 
-<file path=ppt/slides/slide3.xml><?xml version="1.0" encoding="utf-8"?>
+<file path=ppt/slides/slide30.xml><?xml version="1.0" encoding="utf-8"?>
+<p:sld xmlns:a="http://schemas.openxmlformats.org/drawingml/2006/main" xmlns:r="http://schemas.openxmlformats.org/officeDocument/2006/relationships" xmlns:p="http://schemas.openxmlformats.org/presentationml/2006/main">
+  <p:cSld>
+    <p:spTree>
+      <p:nvGrpSpPr>
+        <p:cNvPr id="1" name=""/>
+        <p:cNvGrpSpPr/>
+        <p:nvPr/>
+      </p:nvGrpSpPr>
+      <p:grpSpPr>
+        <a:xfrm>
+          <a:off x="0" y="0"/>
+          <a:ext cx="0" cy="0"/>
+          <a:chOff x="0" y="0"/>
+          <a:chExt cx="0" cy="0"/>
+        </a:xfrm>
+      </p:grpSpPr>
+      <p:sp>
+        <p:nvSpPr>
+          <p:cNvPr id="2" name="Titel 1">
+            <a:extLst>
+              <a:ext uri="{FF2B5EF4-FFF2-40B4-BE49-F238E27FC236}">
+                <a16:creationId xmlns:a16="http://schemas.microsoft.com/office/drawing/2014/main" id="{C25A89F9-1568-4313-B350-AC6E41414841}"/>
+              </a:ext>
+            </a:extLst>
+          </p:cNvPr>
+          <p:cNvSpPr>
+            <a:spLocks noGrp="1"/>
+          </p:cNvSpPr>
+          <p:nvPr>
+            <p:ph type="title"/>
+          </p:nvPr>
+        </p:nvSpPr>
+        <p:spPr/>
+        <p:txBody>
+          <a:bodyPr/>
+          <a:lstStyle/>
+          <a:p>
+            <a:r>
+              <a:rPr lang="de-DE" dirty="0"/>
+              <a:t>Idee für eigenes Modell</a:t>
+            </a:r>
+          </a:p>
+        </p:txBody>
+      </p:sp>
+      <mc:AlternateContent xmlns:mc="http://schemas.openxmlformats.org/markup-compatibility/2006" xmlns:a14="http://schemas.microsoft.com/office/drawing/2010/main">
+        <mc:Choice Requires="a14">
+          <p:sp>
+            <p:nvSpPr>
+              <p:cNvPr id="3" name="Inhaltsplatzhalter 2">
+                <a:extLst>
+                  <a:ext uri="{FF2B5EF4-FFF2-40B4-BE49-F238E27FC236}">
+                    <a16:creationId xmlns:a16="http://schemas.microsoft.com/office/drawing/2014/main" id="{F7E90465-A13F-4034-8BE3-D02BFA2E0BC5}"/>
+                  </a:ext>
+                </a:extLst>
+              </p:cNvPr>
+              <p:cNvSpPr>
+                <a:spLocks noGrp="1"/>
+              </p:cNvSpPr>
+              <p:nvPr>
+                <p:ph idx="1"/>
+              </p:nvPr>
+            </p:nvSpPr>
+            <p:spPr/>
+            <p:txBody>
+              <a:bodyPr/>
+              <a:lstStyle/>
+              <a:p>
+                <a:r>
+                  <a:rPr lang="de-DE" dirty="0"/>
+                  <a:t>Sobald wir ein eigenes Modell haben, kennen wir die Auswirkung der einzelnen Kompressoren auf den Gesamtvolumenstrom /</a:t>
+                </a:r>
+                <a:r>
+                  <a:rPr lang="de-DE" dirty="0" err="1"/>
+                  <a:t>Consumption</a:t>
+                </a:r>
+                <a:endParaRPr lang="de-DE" dirty="0"/>
+              </a:p>
+              <a:p>
+                <a:r>
+                  <a:rPr lang="de-DE" dirty="0"/>
+                  <a:t>Wir können eine beliebigen Abfluss simulieren </a:t>
+                </a:r>
+                <a14:m>
+                  <m:oMath xmlns:m="http://schemas.openxmlformats.org/officeDocument/2006/math">
+                    <m:acc>
+                      <m:accPr>
+                        <m:chr m:val="̇"/>
+                        <m:ctrlPr>
+                          <a:rPr lang="de-DE" i="1" dirty="0" smtClean="0">
+                            <a:latin typeface="Cambria Math" panose="02040503050406030204" pitchFamily="18" charset="0"/>
+                          </a:rPr>
+                        </m:ctrlPr>
+                      </m:accPr>
+                      <m:e>
+                        <m:sSub>
+                          <m:sSubPr>
+                            <m:ctrlPr>
+                              <a:rPr lang="de-DE" b="0" i="1" dirty="0" smtClean="0">
+                                <a:latin typeface="Cambria Math" panose="02040503050406030204" pitchFamily="18" charset="0"/>
+                              </a:rPr>
+                            </m:ctrlPr>
+                          </m:sSubPr>
+                          <m:e>
+                            <m:r>
+                              <a:rPr lang="de-DE" b="0" i="1" dirty="0" smtClean="0">
+                                <a:latin typeface="Cambria Math" panose="02040503050406030204" pitchFamily="18" charset="0"/>
+                              </a:rPr>
+                              <m:t>𝑉</m:t>
+                            </m:r>
+                          </m:e>
+                          <m:sub>
+                            <m:r>
+                              <a:rPr lang="de-DE" b="0" i="1" dirty="0" smtClean="0">
+                                <a:latin typeface="Cambria Math" panose="02040503050406030204" pitchFamily="18" charset="0"/>
+                              </a:rPr>
+                              <m:t>𝑖</m:t>
+                            </m:r>
+                          </m:sub>
+                        </m:sSub>
+                      </m:e>
+                    </m:acc>
+                  </m:oMath>
+                </a14:m>
+                <a:r>
+                  <a:rPr lang="de-DE" dirty="0"/>
+                  <a:t>, der vom System aufgefangen wird</a:t>
+                </a:r>
+              </a:p>
+              <a:p>
+                <a:r>
+                  <a:rPr lang="de-DE" dirty="0"/>
+                  <a:t>Alternativ kann man auch einen Schichtplan eingeben oder einen Betriebsplan der Maschinen</a:t>
+                </a:r>
+              </a:p>
+              <a:p>
+                <a:endParaRPr lang="de-DE" dirty="0"/>
+              </a:p>
+            </p:txBody>
+          </p:sp>
+        </mc:Choice>
+        <mc:Fallback xmlns="">
+          <p:sp>
+            <p:nvSpPr>
+              <p:cNvPr id="3" name="Inhaltsplatzhalter 2">
+                <a:extLst>
+                  <a:ext uri="{FF2B5EF4-FFF2-40B4-BE49-F238E27FC236}">
+                    <a16:creationId xmlns:a16="http://schemas.microsoft.com/office/drawing/2014/main" id="{F7E90465-A13F-4034-8BE3-D02BFA2E0BC5}"/>
+                  </a:ext>
+                </a:extLst>
+              </p:cNvPr>
+              <p:cNvSpPr>
+                <a:spLocks noGrp="1" noRot="1" noChangeAspect="1" noMove="1" noResize="1" noEditPoints="1" noAdjustHandles="1" noChangeArrowheads="1" noChangeShapeType="1" noTextEdit="1"/>
+              </p:cNvSpPr>
+              <p:nvPr>
+                <p:ph idx="1"/>
+              </p:nvPr>
+            </p:nvSpPr>
+            <p:spPr>
+              <a:blipFill>
+                <a:blip r:embed="rId2"/>
+                <a:stretch>
+                  <a:fillRect l="-1043" t="-2241" r="-696"/>
+                </a:stretch>
+              </a:blipFill>
+            </p:spPr>
+            <p:txBody>
+              <a:bodyPr/>
+              <a:lstStyle/>
+              <a:p>
+                <a:r>
+                  <a:rPr lang="de-DE">
+                    <a:noFill/>
+                  </a:rPr>
+                  <a:t> </a:t>
+                </a:r>
+              </a:p>
+            </p:txBody>
+          </p:sp>
+        </mc:Fallback>
+      </mc:AlternateContent>
+    </p:spTree>
+    <p:extLst>
+      <p:ext uri="{BB962C8B-B14F-4D97-AF65-F5344CB8AC3E}">
+        <p14:creationId xmlns:p14="http://schemas.microsoft.com/office/powerpoint/2010/main" val="844701192"/>
+      </p:ext>
+    </p:extLst>
+  </p:cSld>
+  <p:clrMapOvr>
+    <a:masterClrMapping/>
+  </p:clrMapOvr>
+</p:sld>
+</file>
+
+<file path=ppt/slides/slide4.xml><?xml version="1.0" encoding="utf-8"?>
 <p:sld xmlns:a="http://schemas.openxmlformats.org/drawingml/2006/main" xmlns:r="http://schemas.openxmlformats.org/officeDocument/2006/relationships" xmlns:p="http://schemas.openxmlformats.org/presentationml/2006/main">
   <p:cSld>
     <p:spTree>
@@ -11800,7 +18554,7 @@
 </p:sld>
 </file>
 
-<file path=ppt/slides/slide4.xml><?xml version="1.0" encoding="utf-8"?>
+<file path=ppt/slides/slide5.xml><?xml version="1.0" encoding="utf-8"?>
 <p:sld xmlns:a="http://schemas.openxmlformats.org/drawingml/2006/main" xmlns:r="http://schemas.openxmlformats.org/officeDocument/2006/relationships" xmlns:p="http://schemas.openxmlformats.org/presentationml/2006/main">
   <p:cSld>
     <p:spTree>
@@ -12323,7 +19077,7 @@
 </p:sld>
 </file>
 
-<file path=ppt/slides/slide5.xml><?xml version="1.0" encoding="utf-8"?>
+<file path=ppt/slides/slide6.xml><?xml version="1.0" encoding="utf-8"?>
 <p:sld xmlns:a="http://schemas.openxmlformats.org/drawingml/2006/main" xmlns:r="http://schemas.openxmlformats.org/officeDocument/2006/relationships" xmlns:p="http://schemas.openxmlformats.org/presentationml/2006/main">
   <p:cSld>
     <p:spTree>
@@ -12829,7 +19583,7 @@
 </p:sld>
 </file>
 
-<file path=ppt/slides/slide6.xml><?xml version="1.0" encoding="utf-8"?>
+<file path=ppt/slides/slide7.xml><?xml version="1.0" encoding="utf-8"?>
 <p:sld xmlns:a="http://schemas.openxmlformats.org/drawingml/2006/main" xmlns:r="http://schemas.openxmlformats.org/officeDocument/2006/relationships" xmlns:p="http://schemas.openxmlformats.org/presentationml/2006/main">
   <p:cSld>
     <p:spTree>
@@ -12874,8 +19628,8 @@
           </a:p>
         </p:txBody>
       </p:sp>
-      <mc:AlternateContent xmlns:mc="http://schemas.openxmlformats.org/markup-compatibility/2006">
-        <mc:Choice xmlns:a14="http://schemas.microsoft.com/office/drawing/2010/main" Requires="a14">
+      <mc:AlternateContent xmlns:mc="http://schemas.openxmlformats.org/markup-compatibility/2006" xmlns:a14="http://schemas.microsoft.com/office/drawing/2010/main">
+        <mc:Choice Requires="a14">
           <p:sp>
             <p:nvSpPr>
               <p:cNvPr id="3" name="Inhaltsplatzhalter 2">
@@ -13323,7 +20077,7 @@
             </p:txBody>
           </p:sp>
         </mc:Choice>
-        <mc:Fallback>
+        <mc:Fallback xmlns="">
           <p:sp>
             <p:nvSpPr>
               <p:cNvPr id="3" name="Inhaltsplatzhalter 2">
@@ -13495,7 +20249,7 @@
 </p:sld>
 </file>
 
-<file path=ppt/slides/slide7.xml><?xml version="1.0" encoding="utf-8"?>
+<file path=ppt/slides/slide8.xml><?xml version="1.0" encoding="utf-8"?>
 <p:sld xmlns:a="http://schemas.openxmlformats.org/drawingml/2006/main" xmlns:r="http://schemas.openxmlformats.org/officeDocument/2006/relationships" xmlns:p="http://schemas.openxmlformats.org/presentationml/2006/main">
   <p:cSld>
     <p:spTree>
@@ -13540,8 +20294,8 @@
           </a:p>
         </p:txBody>
       </p:sp>
-      <mc:AlternateContent xmlns:mc="http://schemas.openxmlformats.org/markup-compatibility/2006">
-        <mc:Choice xmlns:a14="http://schemas.microsoft.com/office/drawing/2010/main" Requires="a14">
+      <mc:AlternateContent xmlns:mc="http://schemas.openxmlformats.org/markup-compatibility/2006" xmlns:a14="http://schemas.microsoft.com/office/drawing/2010/main">
+        <mc:Choice Requires="a14">
           <p:sp>
             <p:nvSpPr>
               <p:cNvPr id="3" name="Inhaltsplatzhalter 2">
@@ -14097,13 +20851,13 @@
                 <a:pPr lvl="1"/>
                 <a:r>
                   <a:rPr lang="de-DE" sz="2000" dirty="0"/>
-                  <a:t>7bar Druck im Netz</a:t>
+                  <a:t>Ziel: 7bar Druck im Netz</a:t>
                 </a:r>
               </a:p>
             </p:txBody>
           </p:sp>
         </mc:Choice>
-        <mc:Fallback>
+        <mc:Fallback xmlns="">
           <p:sp>
             <p:nvSpPr>
               <p:cNvPr id="3" name="Inhaltsplatzhalter 2">
@@ -14225,7 +20979,7 @@
               <a:tabLst/>
             </a:pPr>
             <a:r>
-              <a:rPr kumimoji="0" lang="de-DE" altLang="de-DE" sz="1000" b="0" i="0" u="none" strike="noStrike" cap="none" normalizeH="0" baseline="0">
+              <a:rPr kumimoji="0" lang="de-DE" altLang="de-DE" sz="1000" b="0" i="0" u="none" strike="noStrike" cap="none" normalizeH="0" baseline="0" dirty="0">
                 <a:ln>
                   <a:noFill/>
                 </a:ln>
@@ -14238,7 +20992,7 @@
               <a:t>7C Netz 900.1</a:t>
             </a:r>
             <a:r>
-              <a:rPr kumimoji="0" lang="de-DE" altLang="de-DE" sz="800" b="0" i="0" u="none" strike="noStrike" cap="none" normalizeH="0" baseline="0">
+              <a:rPr kumimoji="0" lang="de-DE" altLang="de-DE" sz="800" b="0" i="0" u="none" strike="noStrike" cap="none" normalizeH="0" baseline="0" dirty="0">
                 <a:ln>
                   <a:noFill/>
                 </a:ln>
@@ -14249,7 +21003,7 @@
               </a:rPr>
               <a:t> </a:t>
             </a:r>
-            <a:endParaRPr kumimoji="0" lang="de-DE" altLang="de-DE" sz="1800" b="0" i="0" u="none" strike="noStrike" cap="none" normalizeH="0" baseline="0">
+            <a:endParaRPr kumimoji="0" lang="de-DE" altLang="de-DE" sz="1800" b="0" i="0" u="none" strike="noStrike" cap="none" normalizeH="0" baseline="0" dirty="0">
               <a:ln>
                 <a:noFill/>
               </a:ln>
@@ -14275,7 +21029,7 @@
 </p:sld>
 </file>
 
-<file path=ppt/slides/slide8.xml><?xml version="1.0" encoding="utf-8"?>
+<file path=ppt/slides/slide9.xml><?xml version="1.0" encoding="utf-8"?>
 <p:sld xmlns:a="http://schemas.openxmlformats.org/drawingml/2006/main" xmlns:r="http://schemas.openxmlformats.org/officeDocument/2006/relationships" xmlns:p="http://schemas.openxmlformats.org/presentationml/2006/main">
   <p:cSld>
     <p:spTree>
@@ -14345,9 +21099,25 @@
               </a:bodyPr>
               <a:lstStyle/>
               <a:p>
+                <a:pPr marL="457200" indent="-457200">
+                  <a:buFont typeface="+mj-lt"/>
+                  <a:buAutoNum type="arabicPeriod"/>
+                </a:pPr>
+                <a:r>
+                  <a:rPr lang="de-DE" sz="2000" dirty="0" err="1"/>
+                  <a:t>Kompressorenabhängigkeit</a:t>
+                </a:r>
                 <a:r>
                   <a:rPr lang="de-DE" sz="2000" dirty="0"/>
-                  <a:t>Netzwerk als Blackbox simulieren </a:t>
+                  <a:t> der „</a:t>
+                </a:r>
+                <a:r>
+                  <a:rPr lang="de-DE" sz="2000" dirty="0" err="1"/>
+                  <a:t>Consumption</a:t>
+                </a:r>
+                <a:r>
+                  <a:rPr lang="de-DE" sz="2000" dirty="0"/>
+                  <a:t>“ </a:t>
                 </a:r>
                 <a:r>
                   <a:rPr lang="de-DE" sz="2000" dirty="0">
@@ -14701,501 +21471,20 @@
                 </a14:m>
                 <a:endParaRPr lang="de-DE" dirty="0"/>
               </a:p>
-            </p:txBody>
-          </p:sp>
-        </mc:Choice>
-        <mc:Fallback xmlns="">
-          <p:sp>
-            <p:nvSpPr>
-              <p:cNvPr id="3" name="Inhaltsplatzhalter 2">
-                <a:extLst>
-                  <a:ext uri="{FF2B5EF4-FFF2-40B4-BE49-F238E27FC236}">
-                    <a16:creationId xmlns:a16="http://schemas.microsoft.com/office/drawing/2014/main" id="{BB513A37-42A1-4FEC-87C6-A5A467E485E1}"/>
-                  </a:ext>
-                </a:extLst>
-              </p:cNvPr>
-              <p:cNvSpPr>
-                <a:spLocks noGrp="1" noRot="1" noChangeAspect="1" noMove="1" noResize="1" noEditPoints="1" noAdjustHandles="1" noChangeArrowheads="1" noChangeShapeType="1" noTextEdit="1"/>
-              </p:cNvSpPr>
-              <p:nvPr>
-                <p:ph idx="1"/>
-              </p:nvPr>
-            </p:nvSpPr>
-            <p:spPr>
-              <a:blipFill>
-                <a:blip r:embed="rId2"/>
-                <a:stretch>
-                  <a:fillRect l="-522"/>
-                </a:stretch>
-              </a:blipFill>
-            </p:spPr>
-            <p:txBody>
-              <a:bodyPr/>
-              <a:lstStyle/>
-              <a:p>
-                <a:r>
-                  <a:rPr lang="de-DE">
-                    <a:noFill/>
-                  </a:rPr>
-                  <a:t> </a:t>
-                </a:r>
-              </a:p>
-            </p:txBody>
-          </p:sp>
-        </mc:Fallback>
-      </mc:AlternateContent>
-    </p:spTree>
-    <p:extLst>
-      <p:ext uri="{BB962C8B-B14F-4D97-AF65-F5344CB8AC3E}">
-        <p14:creationId xmlns:p14="http://schemas.microsoft.com/office/powerpoint/2010/main" val="1738796209"/>
-      </p:ext>
-    </p:extLst>
-  </p:cSld>
-  <p:clrMapOvr>
-    <a:masterClrMapping/>
-  </p:clrMapOvr>
-</p:sld>
-</file>
-
-<file path=ppt/slides/slide9.xml><?xml version="1.0" encoding="utf-8"?>
-<p:sld xmlns:a="http://schemas.openxmlformats.org/drawingml/2006/main" xmlns:r="http://schemas.openxmlformats.org/officeDocument/2006/relationships" xmlns:p="http://schemas.openxmlformats.org/presentationml/2006/main">
-  <p:cSld>
-    <p:spTree>
-      <p:nvGrpSpPr>
-        <p:cNvPr id="1" name=""/>
-        <p:cNvGrpSpPr/>
-        <p:nvPr/>
-      </p:nvGrpSpPr>
-      <p:grpSpPr>
-        <a:xfrm>
-          <a:off x="0" y="0"/>
-          <a:ext cx="0" cy="0"/>
-          <a:chOff x="0" y="0"/>
-          <a:chExt cx="0" cy="0"/>
-        </a:xfrm>
-      </p:grpSpPr>
-      <p:sp>
-        <p:nvSpPr>
-          <p:cNvPr id="2" name="Titel 1">
-            <a:extLst>
-              <a:ext uri="{FF2B5EF4-FFF2-40B4-BE49-F238E27FC236}">
-                <a16:creationId xmlns:a16="http://schemas.microsoft.com/office/drawing/2014/main" id="{C4494A7D-AC57-4A70-AF9F-49C2C88D88D3}"/>
-              </a:ext>
-            </a:extLst>
-          </p:cNvPr>
-          <p:cNvSpPr>
-            <a:spLocks noGrp="1"/>
-          </p:cNvSpPr>
-          <p:nvPr>
-            <p:ph type="title"/>
-          </p:nvPr>
-        </p:nvSpPr>
-        <p:spPr/>
-        <p:txBody>
-          <a:bodyPr/>
-          <a:lstStyle/>
-          <a:p>
-            <a:r>
-              <a:rPr lang="de-DE" dirty="0"/>
-              <a:t>Idee	</a:t>
-            </a:r>
-          </a:p>
-        </p:txBody>
-      </p:sp>
-      <mc:AlternateContent xmlns:mc="http://schemas.openxmlformats.org/markup-compatibility/2006" xmlns:a14="http://schemas.microsoft.com/office/drawing/2010/main">
-        <mc:Choice Requires="a14">
-          <p:sp>
-            <p:nvSpPr>
-              <p:cNvPr id="3" name="Inhaltsplatzhalter 2">
-                <a:extLst>
-                  <a:ext uri="{FF2B5EF4-FFF2-40B4-BE49-F238E27FC236}">
-                    <a16:creationId xmlns:a16="http://schemas.microsoft.com/office/drawing/2014/main" id="{BB513A37-42A1-4FEC-87C6-A5A467E485E1}"/>
-                  </a:ext>
-                </a:extLst>
-              </p:cNvPr>
-              <p:cNvSpPr>
-                <a:spLocks noGrp="1"/>
-              </p:cNvSpPr>
-              <p:nvPr>
-                <p:ph idx="1"/>
-              </p:nvPr>
-            </p:nvSpPr>
-            <p:spPr/>
-            <p:txBody>
-              <a:bodyPr>
-                <a:normAutofit/>
-              </a:bodyPr>
-              <a:lstStyle/>
-              <a:p>
-                <a:r>
-                  <a:rPr lang="de-DE" sz="2000" dirty="0">
-                    <a:solidFill>
-                      <a:schemeClr val="tx1">
-                        <a:lumMod val="50000"/>
-                        <a:lumOff val="50000"/>
-                      </a:schemeClr>
-                    </a:solidFill>
-                  </a:rPr>
-                  <a:t>Netzwerk als Blackbox simulieren </a:t>
-                </a:r>
-                <a:r>
-                  <a:rPr lang="de-DE" sz="2000" dirty="0">
-                    <a:solidFill>
-                      <a:schemeClr val="tx1">
-                        <a:lumMod val="50000"/>
-                        <a:lumOff val="50000"/>
-                      </a:schemeClr>
-                    </a:solidFill>
-                    <a:sym typeface="Wingdings" panose="05000000000000000000" pitchFamily="2" charset="2"/>
-                  </a:rPr>
-                  <a:t></a:t>
-                </a:r>
-                <a:r>
-                  <a:rPr lang="de-DE" sz="2000" dirty="0">
-                    <a:solidFill>
-                      <a:schemeClr val="tx1">
-                        <a:lumMod val="50000"/>
-                        <a:lumOff val="50000"/>
-                      </a:schemeClr>
-                    </a:solidFill>
-                  </a:rPr>
-                  <a:t> </a:t>
-                </a:r>
-                <a14:m>
-                  <m:oMath xmlns:m="http://schemas.openxmlformats.org/officeDocument/2006/math">
-                    <m:acc>
-                      <m:accPr>
-                        <m:chr m:val="⃗"/>
-                        <m:ctrlPr>
-                          <a:rPr lang="de-DE" sz="2000" i="1" dirty="0" smtClean="0">
-                            <a:solidFill>
-                              <a:schemeClr val="tx1">
-                                <a:lumMod val="50000"/>
-                                <a:lumOff val="50000"/>
-                              </a:schemeClr>
-                            </a:solidFill>
-                            <a:latin typeface="Cambria Math" panose="02040503050406030204" pitchFamily="18" charset="0"/>
-                          </a:rPr>
-                        </m:ctrlPr>
-                      </m:accPr>
-                      <m:e>
-                        <m:f>
-                          <m:fPr>
-                            <m:ctrlPr>
-                              <a:rPr lang="de-DE" sz="2000" i="1" dirty="0" smtClean="0">
-                                <a:solidFill>
-                                  <a:schemeClr val="tx1">
-                                    <a:lumMod val="50000"/>
-                                    <a:lumOff val="50000"/>
-                                  </a:schemeClr>
-                                </a:solidFill>
-                                <a:latin typeface="Cambria Math" panose="02040503050406030204" pitchFamily="18" charset="0"/>
-                              </a:rPr>
-                            </m:ctrlPr>
-                          </m:fPr>
-                          <m:num>
-                            <m:r>
-                              <a:rPr lang="de-DE" sz="2000" i="1" dirty="0" smtClean="0">
-                                <a:solidFill>
-                                  <a:schemeClr val="tx1">
-                                    <a:lumMod val="50000"/>
-                                    <a:lumOff val="50000"/>
-                                  </a:schemeClr>
-                                </a:solidFill>
-                                <a:latin typeface="Cambria Math" panose="02040503050406030204" pitchFamily="18" charset="0"/>
-                              </a:rPr>
-                              <m:t>𝜕</m:t>
-                            </m:r>
-                            <m:sSub>
-                              <m:sSubPr>
-                                <m:ctrlPr>
-                                  <a:rPr lang="de-DE" sz="2000" b="0" i="1" dirty="0" smtClean="0">
-                                    <a:solidFill>
-                                      <a:schemeClr val="tx1">
-                                        <a:lumMod val="50000"/>
-                                        <a:lumOff val="50000"/>
-                                      </a:schemeClr>
-                                    </a:solidFill>
-                                    <a:latin typeface="Cambria Math" panose="02040503050406030204" pitchFamily="18" charset="0"/>
-                                  </a:rPr>
-                                </m:ctrlPr>
-                              </m:sSubPr>
-                              <m:e>
-                                <m:r>
-                                  <a:rPr lang="de-DE" sz="2000" b="0" i="1" dirty="0" smtClean="0">
-                                    <a:solidFill>
-                                      <a:schemeClr val="tx1">
-                                        <a:lumMod val="50000"/>
-                                        <a:lumOff val="50000"/>
-                                      </a:schemeClr>
-                                    </a:solidFill>
-                                    <a:latin typeface="Cambria Math" panose="02040503050406030204" pitchFamily="18" charset="0"/>
-                                  </a:rPr>
-                                  <m:t>𝑉</m:t>
-                                </m:r>
-                              </m:e>
-                              <m:sub>
-                                <m:r>
-                                  <a:rPr lang="de-DE" sz="2000" b="0" i="1" dirty="0" smtClean="0">
-                                    <a:solidFill>
-                                      <a:schemeClr val="tx1">
-                                        <a:lumMod val="50000"/>
-                                        <a:lumOff val="50000"/>
-                                      </a:schemeClr>
-                                    </a:solidFill>
-                                    <a:latin typeface="Cambria Math" panose="02040503050406030204" pitchFamily="18" charset="0"/>
-                                  </a:rPr>
-                                  <m:t>𝑖</m:t>
-                                </m:r>
-                              </m:sub>
-                            </m:sSub>
-                          </m:num>
-                          <m:den>
-                            <m:r>
-                              <a:rPr lang="de-DE" sz="2000" i="1" dirty="0" smtClean="0">
-                                <a:solidFill>
-                                  <a:schemeClr val="tx1">
-                                    <a:lumMod val="50000"/>
-                                    <a:lumOff val="50000"/>
-                                  </a:schemeClr>
-                                </a:solidFill>
-                                <a:latin typeface="Cambria Math" panose="02040503050406030204" pitchFamily="18" charset="0"/>
-                              </a:rPr>
-                              <m:t>𝜕</m:t>
-                            </m:r>
-                            <m:r>
-                              <a:rPr lang="de-DE" sz="2000" b="0" i="1" dirty="0" smtClean="0">
-                                <a:solidFill>
-                                  <a:schemeClr val="tx1">
-                                    <a:lumMod val="50000"/>
-                                    <a:lumOff val="50000"/>
-                                  </a:schemeClr>
-                                </a:solidFill>
-                                <a:latin typeface="Cambria Math" panose="02040503050406030204" pitchFamily="18" charset="0"/>
-                              </a:rPr>
-                              <m:t>𝑡</m:t>
-                            </m:r>
-                          </m:den>
-                        </m:f>
-                      </m:e>
-                    </m:acc>
-                    <m:r>
-                      <a:rPr lang="de-DE" sz="2000" i="1" dirty="0" smtClean="0">
-                        <a:solidFill>
-                          <a:schemeClr val="tx1">
-                            <a:lumMod val="50000"/>
-                            <a:lumOff val="50000"/>
-                          </a:schemeClr>
-                        </a:solidFill>
-                        <a:latin typeface="Cambria Math" panose="02040503050406030204" pitchFamily="18" charset="0"/>
-                      </a:rPr>
-                      <m:t>(</m:t>
-                    </m:r>
-                    <m:acc>
-                      <m:accPr>
-                        <m:chr m:val="⃗"/>
-                        <m:ctrlPr>
-                          <a:rPr lang="de-DE" sz="2000" i="1" dirty="0" smtClean="0">
-                            <a:solidFill>
-                              <a:schemeClr val="tx1">
-                                <a:lumMod val="50000"/>
-                                <a:lumOff val="50000"/>
-                              </a:schemeClr>
-                            </a:solidFill>
-                            <a:latin typeface="Cambria Math" panose="02040503050406030204" pitchFamily="18" charset="0"/>
-                          </a:rPr>
-                        </m:ctrlPr>
-                      </m:accPr>
-                      <m:e>
-                        <m:r>
-                          <a:rPr lang="de-DE" sz="2000" b="0" i="1" dirty="0" smtClean="0">
-                            <a:solidFill>
-                              <a:schemeClr val="tx1">
-                                <a:lumMod val="50000"/>
-                                <a:lumOff val="50000"/>
-                              </a:schemeClr>
-                            </a:solidFill>
-                            <a:latin typeface="Cambria Math" panose="02040503050406030204" pitchFamily="18" charset="0"/>
-                          </a:rPr>
-                          <m:t>𝐾</m:t>
-                        </m:r>
-                      </m:e>
-                    </m:acc>
-                    <m:r>
-                      <a:rPr lang="de-DE" sz="2000" i="1" dirty="0" smtClean="0">
-                        <a:solidFill>
-                          <a:schemeClr val="tx1">
-                            <a:lumMod val="50000"/>
-                            <a:lumOff val="50000"/>
-                          </a:schemeClr>
-                        </a:solidFill>
-                        <a:latin typeface="Cambria Math" panose="02040503050406030204" pitchFamily="18" charset="0"/>
-                      </a:rPr>
-                      <m:t>)</m:t>
-                    </m:r>
-                  </m:oMath>
-                </a14:m>
-                <a:endParaRPr lang="de-DE" sz="2000" dirty="0">
-                  <a:solidFill>
-                    <a:schemeClr val="tx1">
-                      <a:lumMod val="50000"/>
-                      <a:lumOff val="50000"/>
-                    </a:schemeClr>
-                  </a:solidFill>
-                </a:endParaRPr>
-              </a:p>
-              <a:p>
-                <a:r>
-                  <a:rPr lang="de-DE" sz="2000" dirty="0"/>
-                  <a:t>Druckabhängigkeit vom Volumenstrom </a:t>
-                </a:r>
-                <a:r>
-                  <a:rPr lang="de-DE" sz="2000" dirty="0">
-                    <a:sym typeface="Wingdings" panose="05000000000000000000" pitchFamily="2" charset="2"/>
-                  </a:rPr>
-                  <a:t></a:t>
-                </a:r>
-                <a:r>
-                  <a:rPr lang="de-DE" sz="2000" dirty="0"/>
-                  <a:t> </a:t>
-                </a:r>
-                <a14:m>
-                  <m:oMath xmlns:m="http://schemas.openxmlformats.org/officeDocument/2006/math">
-                    <m:r>
-                      <a:rPr lang="de-DE" sz="2000" b="0" i="1" smtClean="0">
-                        <a:latin typeface="Cambria Math" panose="02040503050406030204" pitchFamily="18" charset="0"/>
-                      </a:rPr>
-                      <m:t>𝑝</m:t>
-                    </m:r>
-                    <m:r>
-                      <a:rPr lang="de-DE" sz="2000" b="0" i="1" smtClean="0">
-                        <a:latin typeface="Cambria Math" panose="02040503050406030204" pitchFamily="18" charset="0"/>
-                      </a:rPr>
-                      <m:t>(</m:t>
-                    </m:r>
-                    <m:acc>
-                      <m:accPr>
-                        <m:chr m:val="⃗"/>
-                        <m:ctrlPr>
-                          <a:rPr lang="de-DE" sz="2000" i="1" dirty="0" smtClean="0">
-                            <a:latin typeface="Cambria Math" panose="02040503050406030204" pitchFamily="18" charset="0"/>
-                          </a:rPr>
-                        </m:ctrlPr>
-                      </m:accPr>
-                      <m:e>
-                        <m:f>
-                          <m:fPr>
-                            <m:ctrlPr>
-                              <a:rPr lang="de-DE" sz="2000" i="1" dirty="0" smtClean="0">
-                                <a:latin typeface="Cambria Math" panose="02040503050406030204" pitchFamily="18" charset="0"/>
-                              </a:rPr>
-                            </m:ctrlPr>
-                          </m:fPr>
-                          <m:num>
-                            <m:r>
-                              <a:rPr lang="de-DE" sz="2000" i="1" dirty="0" smtClean="0">
-                                <a:latin typeface="Cambria Math" panose="02040503050406030204" pitchFamily="18" charset="0"/>
-                              </a:rPr>
-                              <m:t>𝜕</m:t>
-                            </m:r>
-                            <m:sSub>
-                              <m:sSubPr>
-                                <m:ctrlPr>
-                                  <a:rPr lang="de-DE" sz="2000" b="0" i="1" dirty="0" smtClean="0">
-                                    <a:latin typeface="Cambria Math" panose="02040503050406030204" pitchFamily="18" charset="0"/>
-                                  </a:rPr>
-                                </m:ctrlPr>
-                              </m:sSubPr>
-                              <m:e>
-                                <m:r>
-                                  <a:rPr lang="de-DE" sz="2000" b="0" i="1" dirty="0" smtClean="0">
-                                    <a:latin typeface="Cambria Math" panose="02040503050406030204" pitchFamily="18" charset="0"/>
-                                  </a:rPr>
-                                  <m:t>𝑉</m:t>
-                                </m:r>
-                              </m:e>
-                              <m:sub>
-                                <m:r>
-                                  <a:rPr lang="de-DE" sz="2000" b="0" i="1" dirty="0" smtClean="0">
-                                    <a:latin typeface="Cambria Math" panose="02040503050406030204" pitchFamily="18" charset="0"/>
-                                  </a:rPr>
-                                  <m:t>𝑖</m:t>
-                                </m:r>
-                              </m:sub>
-                            </m:sSub>
-                          </m:num>
-                          <m:den>
-                            <m:r>
-                              <a:rPr lang="de-DE" sz="2000" i="1" dirty="0" smtClean="0">
-                                <a:latin typeface="Cambria Math" panose="02040503050406030204" pitchFamily="18" charset="0"/>
-                              </a:rPr>
-                              <m:t>𝜕</m:t>
-                            </m:r>
-                            <m:r>
-                              <a:rPr lang="de-DE" sz="2000" b="0" i="1" dirty="0" smtClean="0">
-                                <a:latin typeface="Cambria Math" panose="02040503050406030204" pitchFamily="18" charset="0"/>
-                              </a:rPr>
-                              <m:t>𝑡</m:t>
-                            </m:r>
-                          </m:den>
-                        </m:f>
-                      </m:e>
-                    </m:acc>
-                    <m:r>
-                      <a:rPr lang="de-DE" sz="2000" b="0" i="1" dirty="0" smtClean="0">
-                        <a:latin typeface="Cambria Math" panose="02040503050406030204" pitchFamily="18" charset="0"/>
-                      </a:rPr>
-                      <m:t>)</m:t>
-                    </m:r>
-                  </m:oMath>
-                </a14:m>
-                <a:endParaRPr lang="de-DE" sz="2000" dirty="0"/>
-              </a:p>
               <a:p>
                 <a:pPr lvl="1"/>
                 <a:r>
                   <a:rPr lang="de-DE" sz="2000" dirty="0"/>
-                  <a:t>IN</a:t>
-                </a:r>
+                  <a:t>Methode</a:t>
+                </a:r>
+                <a:endParaRPr lang="de-DE" dirty="0"/>
               </a:p>
               <a:p>
                 <a:pPr lvl="2"/>
                 <a:r>
                   <a:rPr lang="de-DE" dirty="0"/>
-                  <a:t>Volumenstrom an Messstellen </a:t>
-                </a:r>
-              </a:p>
-              <a:p>
-                <a:pPr lvl="2"/>
-                <a:r>
-                  <a:rPr lang="de-DE" dirty="0"/>
-                  <a:t>Gesamtvolumen hinter Kompressoren</a:t>
-                </a:r>
-              </a:p>
-              <a:p>
-                <a:pPr lvl="1"/>
-                <a:r>
-                  <a:rPr lang="de-DE" sz="2000" dirty="0"/>
-                  <a:t>Out</a:t>
-                </a:r>
-              </a:p>
-              <a:p>
-                <a:pPr lvl="2"/>
-                <a:r>
-                  <a:rPr lang="de-DE" dirty="0"/>
-                  <a:t>Gesamtdruck </a:t>
-                </a:r>
-                <a14:m>
-                  <m:oMath xmlns:m="http://schemas.openxmlformats.org/officeDocument/2006/math">
-                    <m:r>
-                      <a:rPr lang="de-DE" i="1" dirty="0" smtClean="0">
-                        <a:latin typeface="Cambria Math" panose="02040503050406030204" pitchFamily="18" charset="0"/>
-                      </a:rPr>
-                      <m:t>𝑝</m:t>
-                    </m:r>
-                  </m:oMath>
-                </a14:m>
-                <a:endParaRPr lang="de-DE" dirty="0"/>
+                  <a:t>Lineare Regression</a:t>
+                </a:r>
               </a:p>
             </p:txBody>
           </p:sp>
@@ -15219,9 +21508,9 @@
             </p:nvSpPr>
             <p:spPr>
               <a:blipFill>
-                <a:blip r:embed="rId2"/>
+                <a:blip r:embed="rId3"/>
                 <a:stretch>
-                  <a:fillRect l="-522"/>
+                  <a:fillRect l="-638"/>
                 </a:stretch>
               </a:blipFill>
             </p:spPr>
@@ -15243,7 +21532,7 @@
     </p:spTree>
     <p:extLst>
       <p:ext uri="{BB962C8B-B14F-4D97-AF65-F5344CB8AC3E}">
-        <p14:creationId xmlns:p14="http://schemas.microsoft.com/office/powerpoint/2010/main" val="2474772959"/>
+        <p14:creationId xmlns:p14="http://schemas.microsoft.com/office/powerpoint/2010/main" val="1738796209"/>
       </p:ext>
     </p:extLst>
   </p:cSld>
